--- a/slides/ng-bootcamp-day-4.pptx
+++ b/slides/ng-bootcamp-day-4.pptx
@@ -5,38 +5,39 @@
     <p:sldMasterId id="2147483675" r:id="rId1"/>
   </p:sldMasterIdLst>
   <p:notesMasterIdLst>
-    <p:notesMasterId r:id="rId31"/>
+    <p:notesMasterId r:id="rId32"/>
   </p:notesMasterIdLst>
   <p:sldIdLst>
     <p:sldId id="256" r:id="rId2"/>
     <p:sldId id="257" r:id="rId3"/>
-    <p:sldId id="258" r:id="rId4"/>
-    <p:sldId id="281" r:id="rId5"/>
-    <p:sldId id="275" r:id="rId6"/>
-    <p:sldId id="276" r:id="rId7"/>
-    <p:sldId id="280" r:id="rId8"/>
-    <p:sldId id="282" r:id="rId9"/>
-    <p:sldId id="283" r:id="rId10"/>
-    <p:sldId id="284" r:id="rId11"/>
-    <p:sldId id="285" r:id="rId12"/>
-    <p:sldId id="286" r:id="rId13"/>
-    <p:sldId id="287" r:id="rId14"/>
-    <p:sldId id="290" r:id="rId15"/>
-    <p:sldId id="288" r:id="rId16"/>
-    <p:sldId id="291" r:id="rId17"/>
-    <p:sldId id="292" r:id="rId18"/>
-    <p:sldId id="293" r:id="rId19"/>
-    <p:sldId id="294" r:id="rId20"/>
-    <p:sldId id="295" r:id="rId21"/>
-    <p:sldId id="298" r:id="rId22"/>
-    <p:sldId id="304" r:id="rId23"/>
-    <p:sldId id="296" r:id="rId24"/>
-    <p:sldId id="297" r:id="rId25"/>
-    <p:sldId id="299" r:id="rId26"/>
-    <p:sldId id="302" r:id="rId27"/>
-    <p:sldId id="303" r:id="rId28"/>
-    <p:sldId id="300" r:id="rId29"/>
-    <p:sldId id="301" r:id="rId30"/>
+    <p:sldId id="305" r:id="rId4"/>
+    <p:sldId id="258" r:id="rId5"/>
+    <p:sldId id="281" r:id="rId6"/>
+    <p:sldId id="275" r:id="rId7"/>
+    <p:sldId id="276" r:id="rId8"/>
+    <p:sldId id="280" r:id="rId9"/>
+    <p:sldId id="282" r:id="rId10"/>
+    <p:sldId id="283" r:id="rId11"/>
+    <p:sldId id="284" r:id="rId12"/>
+    <p:sldId id="285" r:id="rId13"/>
+    <p:sldId id="286" r:id="rId14"/>
+    <p:sldId id="287" r:id="rId15"/>
+    <p:sldId id="290" r:id="rId16"/>
+    <p:sldId id="288" r:id="rId17"/>
+    <p:sldId id="291" r:id="rId18"/>
+    <p:sldId id="292" r:id="rId19"/>
+    <p:sldId id="293" r:id="rId20"/>
+    <p:sldId id="294" r:id="rId21"/>
+    <p:sldId id="295" r:id="rId22"/>
+    <p:sldId id="298" r:id="rId23"/>
+    <p:sldId id="304" r:id="rId24"/>
+    <p:sldId id="296" r:id="rId25"/>
+    <p:sldId id="297" r:id="rId26"/>
+    <p:sldId id="299" r:id="rId27"/>
+    <p:sldId id="302" r:id="rId28"/>
+    <p:sldId id="303" r:id="rId29"/>
+    <p:sldId id="300" r:id="rId30"/>
+    <p:sldId id="301" r:id="rId31"/>
   </p:sldIdLst>
   <p:sldSz cx="9144000" cy="6858000" type="screen4x3"/>
   <p:notesSz cx="6858000" cy="9144000"/>
@@ -220,7 +221,7 @@
           <a:p>
             <a:fld id="{54495B56-0DA3-2C4B-AFD4-7968C1A07ACD}" type="datetimeFigureOut">
               <a:rPr lang="en-US" smtClean="0"/>
-              <a:t>3/25/14</a:t>
+              <a:t>3/27/14</a:t>
             </a:fld>
             <a:endParaRPr lang="en-US"/>
           </a:p>
@@ -553,7 +554,7 @@
           <a:p>
             <a:fld id="{1F9B8E43-730C-C74B-BF8C-2AA7AA956642}" type="slidenum">
               <a:rPr lang="en-US" smtClean="0"/>
-              <a:t>3</a:t>
+              <a:t>4</a:t>
             </a:fld>
             <a:endParaRPr lang="en-US"/>
           </a:p>
@@ -649,7 +650,7 @@
           <a:p>
             <a:fld id="{1F9B8E43-730C-C74B-BF8C-2AA7AA956642}" type="slidenum">
               <a:rPr lang="en-US" smtClean="0"/>
-              <a:t>4</a:t>
+              <a:t>5</a:t>
             </a:fld>
             <a:endParaRPr lang="en-US"/>
           </a:p>
@@ -883,7 +884,7 @@
           <a:p>
             <a:fld id="{651A0C47-018D-4460-B945-BFF7981B6CA6}" type="datetimeFigureOut">
               <a:rPr lang="en-US" smtClean="0"/>
-              <a:t>3/25/14</a:t>
+              <a:t>3/27/14</a:t>
             </a:fld>
             <a:endParaRPr lang="en-US"/>
           </a:p>
@@ -1215,7 +1216,7 @@
           <a:p>
             <a:fld id="{651A0C47-018D-4460-B945-BFF7981B6CA6}" type="datetimeFigureOut">
               <a:rPr lang="en-US" smtClean="0"/>
-              <a:t>3/25/14</a:t>
+              <a:t>3/27/14</a:t>
             </a:fld>
             <a:endParaRPr lang="en-US"/>
           </a:p>
@@ -1547,7 +1548,7 @@
           <a:p>
             <a:fld id="{651A0C47-018D-4460-B945-BFF7981B6CA6}" type="datetimeFigureOut">
               <a:rPr lang="en-US" smtClean="0"/>
-              <a:t>3/25/14</a:t>
+              <a:t>3/27/14</a:t>
             </a:fld>
             <a:endParaRPr lang="en-US"/>
           </a:p>
@@ -1879,7 +1880,7 @@
           <a:p>
             <a:fld id="{651A0C47-018D-4460-B945-BFF7981B6CA6}" type="datetimeFigureOut">
               <a:rPr lang="en-US" smtClean="0"/>
-              <a:t>3/25/14</a:t>
+              <a:t>3/27/14</a:t>
             </a:fld>
             <a:endParaRPr lang="en-US"/>
           </a:p>
@@ -2568,7 +2569,7 @@
           <a:p>
             <a:fld id="{651A0C47-018D-4460-B945-BFF7981B6CA6}" type="datetimeFigureOut">
               <a:rPr lang="en-US" smtClean="0"/>
-              <a:t>3/25/14</a:t>
+              <a:t>3/27/14</a:t>
             </a:fld>
             <a:endParaRPr lang="en-US"/>
           </a:p>
@@ -2747,7 +2748,7 @@
           <a:p>
             <a:fld id="{651A0C47-018D-4460-B945-BFF7981B6CA6}" type="datetimeFigureOut">
               <a:rPr lang="en-US" smtClean="0"/>
-              <a:t>3/25/14</a:t>
+              <a:t>3/27/14</a:t>
             </a:fld>
             <a:endParaRPr lang="en-US"/>
           </a:p>
@@ -2921,7 +2922,7 @@
           <a:p>
             <a:fld id="{651A0C47-018D-4460-B945-BFF7981B6CA6}" type="datetimeFigureOut">
               <a:rPr lang="en-US" smtClean="0"/>
-              <a:t>3/25/14</a:t>
+              <a:t>3/27/14</a:t>
             </a:fld>
             <a:endParaRPr lang="en-US"/>
           </a:p>
@@ -3169,7 +3170,7 @@
           <a:p>
             <a:fld id="{651A0C47-018D-4460-B945-BFF7981B6CA6}" type="datetimeFigureOut">
               <a:rPr lang="en-US" smtClean="0"/>
-              <a:t>3/25/14</a:t>
+              <a:t>3/27/14</a:t>
             </a:fld>
             <a:endParaRPr lang="en-US"/>
           </a:p>
@@ -3499,7 +3500,7 @@
           <a:p>
             <a:fld id="{651A0C47-018D-4460-B945-BFF7981B6CA6}" type="datetimeFigureOut">
               <a:rPr lang="en-US" smtClean="0"/>
-              <a:t>3/25/14</a:t>
+              <a:t>3/27/14</a:t>
             </a:fld>
             <a:endParaRPr lang="en-US"/>
           </a:p>
@@ -3791,7 +3792,7 @@
           <a:p>
             <a:fld id="{651A0C47-018D-4460-B945-BFF7981B6CA6}" type="datetimeFigureOut">
               <a:rPr lang="en-US" smtClean="0"/>
-              <a:t>3/25/14</a:t>
+              <a:t>3/27/14</a:t>
             </a:fld>
             <a:endParaRPr lang="en-US"/>
           </a:p>
@@ -4227,7 +4228,7 @@
           <a:p>
             <a:fld id="{651A0C47-018D-4460-B945-BFF7981B6CA6}" type="datetimeFigureOut">
               <a:rPr lang="en-US" smtClean="0"/>
-              <a:t>3/25/14</a:t>
+              <a:t>3/27/14</a:t>
             </a:fld>
             <a:endParaRPr lang="en-US"/>
           </a:p>
@@ -4414,7 +4415,7 @@
           <a:p>
             <a:fld id="{651A0C47-018D-4460-B945-BFF7981B6CA6}" type="datetimeFigureOut">
               <a:rPr lang="en-US" smtClean="0"/>
-              <a:t>3/25/14</a:t>
+              <a:t>3/27/14</a:t>
             </a:fld>
             <a:endParaRPr lang="en-US"/>
           </a:p>
@@ -4504,7 +4505,7 @@
           <a:p>
             <a:fld id="{651A0C47-018D-4460-B945-BFF7981B6CA6}" type="datetimeFigureOut">
               <a:rPr lang="en-US" smtClean="0"/>
-              <a:t>3/25/14</a:t>
+              <a:t>3/27/14</a:t>
             </a:fld>
             <a:endParaRPr lang="en-US"/>
           </a:p>
@@ -4785,7 +4786,7 @@
           <a:p>
             <a:fld id="{651A0C47-018D-4460-B945-BFF7981B6CA6}" type="datetimeFigureOut">
               <a:rPr lang="en-US" smtClean="0"/>
-              <a:t>3/25/14</a:t>
+              <a:t>3/27/14</a:t>
             </a:fld>
             <a:endParaRPr lang="en-US"/>
           </a:p>
@@ -5000,7 +5001,7 @@
           <a:p>
             <a:fld id="{651A0C47-018D-4460-B945-BFF7981B6CA6}" type="datetimeFigureOut">
               <a:rPr lang="en-US" smtClean="0"/>
-              <a:t>3/25/14</a:t>
+              <a:t>3/27/14</a:t>
             </a:fld>
             <a:endParaRPr lang="en-US"/>
           </a:p>
@@ -5483,11 +5484,7 @@
           <a:p>
             <a:r>
               <a:rPr lang="en-US" dirty="0" smtClean="0"/>
-              <a:t>Day </a:t>
-            </a:r>
-            <a:r>
-              <a:rPr lang="en-US" dirty="0" smtClean="0"/>
-              <a:t>4</a:t>
+              <a:t>Day 4</a:t>
             </a:r>
             <a:endParaRPr lang="en-US" dirty="0"/>
           </a:p>
@@ -5540,7 +5537,7 @@
           <a:p>
             <a:r>
               <a:rPr lang="en-US" dirty="0" smtClean="0"/>
-              <a:t>Factory Function</a:t>
+              <a:t>Registering Directives</a:t>
             </a:r>
             <a:endParaRPr lang="en-US" dirty="0"/>
           </a:p>
@@ -5562,75 +5559,111 @@
           <a:lstStyle/>
           <a:p>
             <a:r>
+              <a:rPr lang="en-US" dirty="0" err="1" smtClean="0">
+                <a:latin typeface="Menlo Regular"/>
+                <a:cs typeface="Menlo Regular"/>
+              </a:rPr>
+              <a:t>module.directive</a:t>
+            </a:r>
+            <a:r>
+              <a:rPr lang="en-US" dirty="0" smtClean="0">
+                <a:latin typeface="Menlo Regular"/>
+                <a:cs typeface="Menlo Regular"/>
+              </a:rPr>
+              <a:t>(</a:t>
+            </a:r>
+            <a:r>
+              <a:rPr lang="en-US" dirty="0" err="1" smtClean="0">
+                <a:latin typeface="Menlo Regular"/>
+                <a:cs typeface="Menlo Regular"/>
+              </a:rPr>
+              <a:t>directiveName</a:t>
+            </a:r>
+            <a:r>
+              <a:rPr lang="en-US" dirty="0" smtClean="0">
+                <a:latin typeface="Menlo Regular"/>
+                <a:cs typeface="Menlo Regular"/>
+              </a:rPr>
+              <a:t>, </a:t>
+            </a:r>
+            <a:r>
+              <a:rPr lang="en-US" dirty="0" err="1" smtClean="0">
+                <a:latin typeface="Menlo Regular"/>
+                <a:cs typeface="Menlo Regular"/>
+              </a:rPr>
+              <a:t>factoryFn</a:t>
+            </a:r>
+            <a:r>
+              <a:rPr lang="en-US" dirty="0" smtClean="0">
+                <a:latin typeface="Menlo Regular"/>
+                <a:cs typeface="Menlo Regular"/>
+              </a:rPr>
+              <a:t>);</a:t>
+            </a:r>
+          </a:p>
+          <a:p>
+            <a:r>
+              <a:rPr lang="en-US" dirty="0" smtClean="0">
+                <a:solidFill>
+                  <a:srgbClr val="86CE24"/>
+                </a:solidFill>
+              </a:rPr>
+              <a:t>Directive name</a:t>
+            </a:r>
+            <a:r>
               <a:rPr lang="en-US" dirty="0" smtClean="0"/>
-              <a:t>Returns definition object describing how the $compile service should process the directive</a:t>
-            </a:r>
-          </a:p>
-          <a:p>
+              <a:t>: camel-case name</a:t>
+            </a:r>
+          </a:p>
+          <a:p>
+            <a:r>
+              <a:rPr lang="en-US" dirty="0" smtClean="0">
+                <a:solidFill>
+                  <a:srgbClr val="86CE24"/>
+                </a:solidFill>
+              </a:rPr>
+              <a:t>Factory function</a:t>
+            </a:r>
             <a:r>
               <a:rPr lang="en-US" dirty="0" smtClean="0"/>
-              <a:t>Full Description at </a:t>
-            </a:r>
-            <a:r>
-              <a:rPr lang="en-US" dirty="0"/>
-              <a:t>$compile API </a:t>
+              <a:t>: performs initialization code, returns an object describing the directive</a:t>
+            </a:r>
+          </a:p>
+          <a:p>
+            <a:r>
+              <a:rPr lang="en-US" dirty="0" smtClean="0">
+                <a:solidFill>
+                  <a:schemeClr val="accent1"/>
+                </a:solidFill>
+              </a:rPr>
+              <a:t>Best Practice</a:t>
             </a:r>
             <a:r>
               <a:rPr lang="en-US" dirty="0" smtClean="0"/>
-              <a:t>docs </a:t>
+              <a:t>: prefix directive names with own identifiers</a:t>
             </a:r>
           </a:p>
           <a:p>
             <a:pPr lvl="1"/>
             <a:r>
-              <a:rPr lang="en-US" dirty="0" smtClean="0">
-                <a:hlinkClick r:id="rId2"/>
-              </a:rPr>
-              <a:t>http</a:t>
-            </a:r>
-            <a:r>
-              <a:rPr lang="en-US" dirty="0">
-                <a:hlinkClick r:id="rId2"/>
-              </a:rPr>
-              <a:t>://docs.angularjs.org/api/ng/service/$compile </a:t>
-            </a:r>
-            <a:endParaRPr lang="en-US" dirty="0" smtClean="0"/>
-          </a:p>
-          <a:p>
+              <a:rPr lang="en-US" dirty="0" err="1" smtClean="0"/>
+              <a:t>slmCarousel</a:t>
+            </a:r>
             <a:r>
               <a:rPr lang="en-US" dirty="0" smtClean="0"/>
-              <a:t>Definition options: </a:t>
-            </a:r>
-          </a:p>
-          <a:p>
-            <a:pPr lvl="1"/>
+              <a:t>, </a:t>
+            </a:r>
+            <a:r>
+              <a:rPr lang="en-US" dirty="0" err="1" smtClean="0"/>
+              <a:t>slmCalendar</a:t>
+            </a:r>
             <a:r>
               <a:rPr lang="en-US" dirty="0" smtClean="0"/>
-              <a:t>priority, template, </a:t>
+              <a:t>, </a:t>
             </a:r>
             <a:r>
               <a:rPr lang="en-US" dirty="0" err="1" smtClean="0"/>
-              <a:t>templateUrl</a:t>
-            </a:r>
-            <a:r>
-              <a:rPr lang="en-US" dirty="0" smtClean="0"/>
-              <a:t>, replace, </a:t>
-            </a:r>
-            <a:r>
-              <a:rPr lang="en-US" dirty="0" err="1" smtClean="0"/>
-              <a:t>transclude</a:t>
-            </a:r>
-            <a:r>
-              <a:rPr lang="en-US" dirty="0" smtClean="0"/>
-              <a:t>, restrict, scope, controller, </a:t>
-            </a:r>
-            <a:r>
-              <a:rPr lang="en-US" dirty="0" err="1" smtClean="0"/>
-              <a:t>controllerAs</a:t>
-            </a:r>
-            <a:r>
-              <a:rPr lang="en-US" dirty="0" smtClean="0"/>
-              <a:t>, require, compile, link</a:t>
+              <a:t>slmPhoneNumber</a:t>
             </a:r>
             <a:endParaRPr lang="en-US" dirty="0"/>
           </a:p>
@@ -5639,7 +5672,7 @@
     </p:spTree>
     <p:extLst>
       <p:ext uri="{BB962C8B-B14F-4D97-AF65-F5344CB8AC3E}">
-        <p14:creationId xmlns:p14="http://schemas.microsoft.com/office/powerpoint/2010/main" val="3362256415"/>
+        <p14:creationId xmlns:p14="http://schemas.microsoft.com/office/powerpoint/2010/main" val="1145801308"/>
       </p:ext>
     </p:extLst>
   </p:cSld>
@@ -5683,7 +5716,7 @@
           <a:p>
             <a:r>
               <a:rPr lang="en-US" dirty="0" smtClean="0"/>
-              <a:t>Template</a:t>
+              <a:t>Factory Function</a:t>
             </a:r>
             <a:endParaRPr lang="en-US" dirty="0"/>
           </a:p>
@@ -5706,45 +5739,74 @@
           <a:p>
             <a:r>
               <a:rPr lang="en-US" dirty="0" smtClean="0"/>
-              <a:t>Replaces the contents of the current element with the contents of the template</a:t>
+              <a:t>Returns definition object describing how the $compile service should process the directive</a:t>
             </a:r>
           </a:p>
           <a:p>
             <a:r>
               <a:rPr lang="en-US" dirty="0" smtClean="0"/>
-              <a:t>All attributes and classes from original element are carried over</a:t>
-            </a:r>
-          </a:p>
-          <a:p>
-            <a:r>
-              <a:rPr lang="en-US" dirty="0">
+              <a:t>Full Description at </a:t>
+            </a:r>
+            <a:r>
+              <a:rPr lang="en-US" dirty="0"/>
+              <a:t>$compile API </a:t>
+            </a:r>
+            <a:r>
+              <a:rPr lang="en-US" dirty="0" smtClean="0"/>
+              <a:t>docs </a:t>
+            </a:r>
+          </a:p>
+          <a:p>
+            <a:pPr lvl="1"/>
+            <a:r>
+              <a:rPr lang="en-US" dirty="0" smtClean="0">
                 <a:hlinkClick r:id="rId2"/>
               </a:rPr>
-              <a:t>http://</a:t>
-            </a:r>
-            <a:r>
-              <a:rPr lang="en-US" dirty="0" err="1">
+              <a:t>http</a:t>
+            </a:r>
+            <a:r>
+              <a:rPr lang="en-US" dirty="0">
                 <a:hlinkClick r:id="rId2"/>
               </a:rPr>
-              <a:t>jsbin.com</a:t>
-            </a:r>
-            <a:r>
-              <a:rPr lang="en-US" dirty="0">
-                <a:hlinkClick r:id="rId2"/>
-              </a:rPr>
-              <a:t>/</a:t>
-            </a:r>
-            <a:r>
-              <a:rPr lang="en-US" dirty="0" err="1">
-                <a:hlinkClick r:id="rId2"/>
-              </a:rPr>
-              <a:t>cumoz</a:t>
-            </a:r>
-            <a:r>
-              <a:rPr lang="en-US" dirty="0">
-                <a:hlinkClick r:id="rId2"/>
-              </a:rPr>
-              <a:t>/7/edit</a:t>
+              <a:t>://docs.angularjs.org/api/ng/service/$compile </a:t>
+            </a:r>
+            <a:endParaRPr lang="en-US" dirty="0" smtClean="0"/>
+          </a:p>
+          <a:p>
+            <a:r>
+              <a:rPr lang="en-US" dirty="0" smtClean="0"/>
+              <a:t>Definition options: </a:t>
+            </a:r>
+          </a:p>
+          <a:p>
+            <a:pPr lvl="1"/>
+            <a:r>
+              <a:rPr lang="en-US" dirty="0" smtClean="0"/>
+              <a:t>priority, template, </a:t>
+            </a:r>
+            <a:r>
+              <a:rPr lang="en-US" dirty="0" err="1" smtClean="0"/>
+              <a:t>templateUrl</a:t>
+            </a:r>
+            <a:r>
+              <a:rPr lang="en-US" dirty="0" smtClean="0"/>
+              <a:t>, replace, </a:t>
+            </a:r>
+            <a:r>
+              <a:rPr lang="en-US" dirty="0" err="1" smtClean="0"/>
+              <a:t>transclude</a:t>
+            </a:r>
+            <a:r>
+              <a:rPr lang="en-US" dirty="0" smtClean="0"/>
+              <a:t>, restrict, scope, controller, </a:t>
+            </a:r>
+            <a:r>
+              <a:rPr lang="en-US" dirty="0" err="1" smtClean="0"/>
+              <a:t>controllerAs</a:t>
+            </a:r>
+            <a:r>
+              <a:rPr lang="en-US" dirty="0" smtClean="0"/>
+              <a:t>, require, compile, link</a:t>
             </a:r>
             <a:endParaRPr lang="en-US" dirty="0"/>
           </a:p>
@@ -5753,7 +5815,7 @@
     </p:spTree>
     <p:extLst>
       <p:ext uri="{BB962C8B-B14F-4D97-AF65-F5344CB8AC3E}">
-        <p14:creationId xmlns:p14="http://schemas.microsoft.com/office/powerpoint/2010/main" val="710410093"/>
+        <p14:creationId xmlns:p14="http://schemas.microsoft.com/office/powerpoint/2010/main" val="3362256415"/>
       </p:ext>
     </p:extLst>
   </p:cSld>
@@ -5797,7 +5859,7 @@
           <a:p>
             <a:r>
               <a:rPr lang="en-US" dirty="0" smtClean="0"/>
-              <a:t>Template URL</a:t>
+              <a:t>Template</a:t>
             </a:r>
             <a:endParaRPr lang="en-US" dirty="0"/>
           </a:p>
@@ -5820,22 +5882,54 @@
           <a:p>
             <a:r>
               <a:rPr lang="en-US" dirty="0" smtClean="0"/>
-              <a:t>Load template from URL (asynchronous)</a:t>
-            </a:r>
-          </a:p>
-          <a:p>
-            <a:pPr lvl="1"/>
+              <a:t>Replaces the contents of the current element with the contents of the template</a:t>
+            </a:r>
+          </a:p>
+          <a:p>
             <a:r>
               <a:rPr lang="en-US" dirty="0" smtClean="0"/>
-              <a:t>Templates can also be compiled into JavaScript and pre-loaded to avoid fetch</a:t>
-            </a:r>
+              <a:t>All attributes and classes from original element are carried over</a:t>
+            </a:r>
+          </a:p>
+          <a:p>
+            <a:r>
+              <a:rPr lang="en-US" dirty="0">
+                <a:hlinkClick r:id="rId2"/>
+              </a:rPr>
+              <a:t>http://</a:t>
+            </a:r>
+            <a:r>
+              <a:rPr lang="en-US" dirty="0" err="1">
+                <a:hlinkClick r:id="rId2"/>
+              </a:rPr>
+              <a:t>jsbin.com</a:t>
+            </a:r>
+            <a:r>
+              <a:rPr lang="en-US" dirty="0">
+                <a:hlinkClick r:id="rId2"/>
+              </a:rPr>
+              <a:t>/</a:t>
+            </a:r>
+            <a:r>
+              <a:rPr lang="en-US" dirty="0" err="1">
+                <a:hlinkClick r:id="rId2"/>
+              </a:rPr>
+              <a:t>cumoz</a:t>
+            </a:r>
+            <a:r>
+              <a:rPr lang="en-US" dirty="0">
+                <a:hlinkClick r:id="rId2"/>
+              </a:rPr>
+              <a:t>/7/edit</a:t>
+            </a:r>
+            <a:endParaRPr lang="en-US" dirty="0"/>
           </a:p>
         </p:txBody>
       </p:sp>
     </p:spTree>
     <p:extLst>
       <p:ext uri="{BB962C8B-B14F-4D97-AF65-F5344CB8AC3E}">
-        <p14:creationId xmlns:p14="http://schemas.microsoft.com/office/powerpoint/2010/main" val="2142666009"/>
+        <p14:creationId xmlns:p14="http://schemas.microsoft.com/office/powerpoint/2010/main" val="710410093"/>
       </p:ext>
     </p:extLst>
   </p:cSld>
@@ -5879,7 +5973,7 @@
           <a:p>
             <a:r>
               <a:rPr lang="en-US" dirty="0" smtClean="0"/>
-              <a:t>Replace</a:t>
+              <a:t>Template URL</a:t>
             </a:r>
             <a:endParaRPr lang="en-US" dirty="0"/>
           </a:p>
@@ -5902,24 +5996,22 @@
           <a:p>
             <a:r>
               <a:rPr lang="en-US" dirty="0" smtClean="0"/>
-              <a:t>true: current element is replaced by template</a:t>
-            </a:r>
-          </a:p>
-          <a:p>
+              <a:t>Load template from URL (asynchronous)</a:t>
+            </a:r>
+          </a:p>
+          <a:p>
+            <a:pPr lvl="1"/>
             <a:r>
               <a:rPr lang="en-US" dirty="0" smtClean="0"/>
-              <a:t>False: contents of current element are replaced by template</a:t>
-            </a:r>
-          </a:p>
-          <a:p>
-            <a:endParaRPr lang="en-US" dirty="0"/>
+              <a:t>Templates can also be compiled into JavaScript and pre-loaded to avoid fetch</a:t>
+            </a:r>
           </a:p>
         </p:txBody>
       </p:sp>
     </p:spTree>
     <p:extLst>
       <p:ext uri="{BB962C8B-B14F-4D97-AF65-F5344CB8AC3E}">
-        <p14:creationId xmlns:p14="http://schemas.microsoft.com/office/powerpoint/2010/main" val="4146654046"/>
+        <p14:creationId xmlns:p14="http://schemas.microsoft.com/office/powerpoint/2010/main" val="2142666009"/>
       </p:ext>
     </p:extLst>
   </p:cSld>
@@ -5963,7 +6055,7 @@
           <a:p>
             <a:r>
               <a:rPr lang="en-US" dirty="0" smtClean="0"/>
-              <a:t>Restrict</a:t>
+              <a:t>Replace</a:t>
             </a:r>
             <a:endParaRPr lang="en-US" dirty="0"/>
           </a:p>
@@ -5986,382 +6078,24 @@
           <a:p>
             <a:r>
               <a:rPr lang="en-US" dirty="0" smtClean="0"/>
-              <a:t>Specify whether a directive should be matched by element name, attribute name, and/or class name</a:t>
-            </a:r>
-          </a:p>
-          <a:p>
-            <a:pPr lvl="1"/>
+              <a:t>true: current element is replaced by template</a:t>
+            </a:r>
+          </a:p>
+          <a:p>
             <a:r>
               <a:rPr lang="en-US" dirty="0" smtClean="0"/>
-              <a:t>‘A’: attribute</a:t>
-            </a:r>
-          </a:p>
-          <a:p>
-            <a:pPr lvl="1"/>
-            <a:r>
-              <a:rPr lang="en-US" dirty="0" smtClean="0"/>
-              <a:t>‘C’: class</a:t>
-            </a:r>
-          </a:p>
-          <a:p>
-            <a:pPr lvl="1"/>
-            <a:r>
-              <a:rPr lang="en-US" dirty="0" smtClean="0"/>
-              <a:t>‘E’: element</a:t>
-            </a:r>
-          </a:p>
-          <a:p>
-            <a:r>
-              <a:rPr lang="en-US" dirty="0" smtClean="0"/>
-              <a:t>BP: element when the directive is the controlling component, use attribute when its adding behavior</a:t>
-            </a:r>
+              <a:t>False: contents of current element are replaced by template</a:t>
+            </a:r>
+          </a:p>
+          <a:p>
             <a:endParaRPr lang="en-US" dirty="0"/>
-          </a:p>
-        </p:txBody>
-      </p:sp>
-      <p:sp>
-        <p:nvSpPr>
-          <p:cNvPr id="4" name="Rectangle 3"/>
-          <p:cNvSpPr/>
-          <p:nvPr/>
-        </p:nvSpPr>
-        <p:spPr>
-          <a:xfrm>
-            <a:off x="1613054" y="4826675"/>
-            <a:ext cx="5922038" cy="2031325"/>
-          </a:xfrm>
-          <a:prstGeom prst="rect">
-            <a:avLst/>
-          </a:prstGeom>
-        </p:spPr>
-        <p:txBody>
-          <a:bodyPr wrap="square">
-            <a:spAutoFit/>
-          </a:bodyPr>
-          <a:lstStyle/>
-          <a:p>
-            <a:r>
-              <a:rPr lang="en-US" dirty="0" err="1">
-                <a:solidFill>
-                  <a:srgbClr val="A6E22E"/>
-                </a:solidFill>
-                <a:latin typeface="Menlo"/>
-              </a:rPr>
-              <a:t>angular</a:t>
-            </a:r>
-            <a:r>
-              <a:rPr lang="en-US" dirty="0" err="1">
-                <a:solidFill>
-                  <a:srgbClr val="F8F8F2"/>
-                </a:solidFill>
-                <a:latin typeface="Menlo"/>
-              </a:rPr>
-              <a:t>.</a:t>
-            </a:r>
-            <a:r>
-              <a:rPr lang="en-US" dirty="0" err="1">
-                <a:solidFill>
-                  <a:srgbClr val="A6E22E"/>
-                </a:solidFill>
-                <a:latin typeface="Menlo"/>
-              </a:rPr>
-              <a:t>module</a:t>
-            </a:r>
-            <a:r>
-              <a:rPr lang="en-US" dirty="0">
-                <a:solidFill>
-                  <a:srgbClr val="F8F8F2"/>
-                </a:solidFill>
-                <a:latin typeface="Menlo"/>
-              </a:rPr>
-              <a:t>(</a:t>
-            </a:r>
-            <a:r>
-              <a:rPr lang="en-US" dirty="0">
-                <a:solidFill>
-                  <a:srgbClr val="E6DB74"/>
-                </a:solidFill>
-                <a:latin typeface="Menlo"/>
-              </a:rPr>
-              <a:t>'</a:t>
-            </a:r>
-            <a:r>
-              <a:rPr lang="en-US" dirty="0" err="1">
-                <a:solidFill>
-                  <a:srgbClr val="E6DB74"/>
-                </a:solidFill>
-                <a:latin typeface="Menlo"/>
-              </a:rPr>
-              <a:t>myApp</a:t>
-            </a:r>
-            <a:r>
-              <a:rPr lang="en-US" dirty="0">
-                <a:solidFill>
-                  <a:srgbClr val="E6DB74"/>
-                </a:solidFill>
-                <a:latin typeface="Menlo"/>
-              </a:rPr>
-              <a:t>'</a:t>
-            </a:r>
-            <a:r>
-              <a:rPr lang="en-US" dirty="0">
-                <a:solidFill>
-                  <a:srgbClr val="F8F8F2"/>
-                </a:solidFill>
-                <a:latin typeface="Menlo"/>
-              </a:rPr>
-              <a:t>)</a:t>
-            </a:r>
-          </a:p>
-          <a:p>
-            <a:r>
-              <a:rPr lang="en-US" dirty="0">
-                <a:solidFill>
-                  <a:srgbClr val="F8F8F2"/>
-                </a:solidFill>
-                <a:latin typeface="Menlo"/>
-              </a:rPr>
-              <a:t>  .</a:t>
-            </a:r>
-            <a:r>
-              <a:rPr lang="en-US" dirty="0">
-                <a:solidFill>
-                  <a:srgbClr val="A6E22E"/>
-                </a:solidFill>
-                <a:latin typeface="Menlo"/>
-              </a:rPr>
-              <a:t>directive</a:t>
-            </a:r>
-            <a:r>
-              <a:rPr lang="en-US" dirty="0">
-                <a:solidFill>
-                  <a:srgbClr val="F8F8F2"/>
-                </a:solidFill>
-                <a:latin typeface="Menlo"/>
-              </a:rPr>
-              <a:t>(</a:t>
-            </a:r>
-            <a:r>
-              <a:rPr lang="en-US" dirty="0">
-                <a:solidFill>
-                  <a:srgbClr val="E6DB74"/>
-                </a:solidFill>
-                <a:latin typeface="Menlo"/>
-              </a:rPr>
-              <a:t>'</a:t>
-            </a:r>
-            <a:r>
-              <a:rPr lang="en-US" dirty="0" err="1">
-                <a:solidFill>
-                  <a:srgbClr val="E6DB74"/>
-                </a:solidFill>
-                <a:latin typeface="Menlo"/>
-              </a:rPr>
-              <a:t>myDirective</a:t>
-            </a:r>
-            <a:r>
-              <a:rPr lang="en-US" dirty="0">
-                <a:solidFill>
-                  <a:srgbClr val="E6DB74"/>
-                </a:solidFill>
-                <a:latin typeface="Menlo"/>
-              </a:rPr>
-              <a:t>'</a:t>
-            </a:r>
-            <a:r>
-              <a:rPr lang="en-US" dirty="0">
-                <a:solidFill>
-                  <a:srgbClr val="F8F8F2"/>
-                </a:solidFill>
-                <a:latin typeface="Menlo"/>
-              </a:rPr>
-              <a:t>, </a:t>
-            </a:r>
-            <a:r>
-              <a:rPr lang="en-US" dirty="0">
-                <a:solidFill>
-                  <a:srgbClr val="66D9EF"/>
-                </a:solidFill>
-                <a:latin typeface="Menlo"/>
-              </a:rPr>
-              <a:t>function</a:t>
-            </a:r>
-            <a:r>
-              <a:rPr lang="en-US" dirty="0">
-                <a:solidFill>
-                  <a:srgbClr val="F8F8F2"/>
-                </a:solidFill>
-                <a:latin typeface="Menlo"/>
-              </a:rPr>
-              <a:t>() {</a:t>
-            </a:r>
-          </a:p>
-          <a:p>
-            <a:r>
-              <a:rPr lang="is-IS" dirty="0">
-                <a:solidFill>
-                  <a:srgbClr val="F8F8F2"/>
-                </a:solidFill>
-                <a:latin typeface="Menlo"/>
-              </a:rPr>
-              <a:t>    </a:t>
-            </a:r>
-            <a:r>
-              <a:rPr lang="is-IS" dirty="0">
-                <a:solidFill>
-                  <a:srgbClr val="66D9EF"/>
-                </a:solidFill>
-                <a:latin typeface="Menlo"/>
-              </a:rPr>
-              <a:t>return</a:t>
-            </a:r>
-            <a:r>
-              <a:rPr lang="is-IS" dirty="0">
-                <a:solidFill>
-                  <a:srgbClr val="F8F8F2"/>
-                </a:solidFill>
-                <a:latin typeface="Menlo"/>
-              </a:rPr>
-              <a:t> {</a:t>
-            </a:r>
-          </a:p>
-          <a:p>
-            <a:r>
-              <a:rPr lang="en-US" dirty="0">
-                <a:solidFill>
-                  <a:srgbClr val="F8F8F2"/>
-                </a:solidFill>
-                <a:latin typeface="Menlo"/>
-              </a:rPr>
-              <a:t>      </a:t>
-            </a:r>
-            <a:r>
-              <a:rPr lang="en-US" dirty="0">
-                <a:solidFill>
-                  <a:srgbClr val="A6E22E"/>
-                </a:solidFill>
-                <a:latin typeface="Menlo"/>
-              </a:rPr>
-              <a:t>template</a:t>
-            </a:r>
-            <a:r>
-              <a:rPr lang="en-US" dirty="0">
-                <a:solidFill>
-                  <a:srgbClr val="F92672"/>
-                </a:solidFill>
-                <a:latin typeface="Menlo"/>
-              </a:rPr>
-              <a:t>:</a:t>
-            </a:r>
-            <a:r>
-              <a:rPr lang="en-US" dirty="0">
-                <a:solidFill>
-                  <a:srgbClr val="F8F8F2"/>
-                </a:solidFill>
-                <a:latin typeface="Menlo"/>
-              </a:rPr>
-              <a:t> </a:t>
-            </a:r>
-            <a:r>
-              <a:rPr lang="en-US" dirty="0">
-                <a:solidFill>
-                  <a:srgbClr val="E6DB74"/>
-                </a:solidFill>
-                <a:latin typeface="Menlo"/>
-              </a:rPr>
-              <a:t>'&lt;div&gt;Hello World&lt;/div&gt;'</a:t>
-            </a:r>
-            <a:r>
-              <a:rPr lang="en-US" dirty="0">
-                <a:solidFill>
-                  <a:srgbClr val="F8F8F2"/>
-                </a:solidFill>
-                <a:latin typeface="Menlo"/>
-              </a:rPr>
-              <a:t>,</a:t>
-            </a:r>
-          </a:p>
-          <a:p>
-            <a:r>
-              <a:rPr lang="fr-FR" dirty="0">
-                <a:solidFill>
-                  <a:srgbClr val="F8F8F2"/>
-                </a:solidFill>
-                <a:latin typeface="Menlo"/>
-              </a:rPr>
-              <a:t>      </a:t>
-            </a:r>
-            <a:r>
-              <a:rPr lang="fr-FR" dirty="0" err="1">
-                <a:solidFill>
-                  <a:srgbClr val="A6E22E"/>
-                </a:solidFill>
-                <a:latin typeface="Menlo"/>
-              </a:rPr>
-              <a:t>restrict</a:t>
-            </a:r>
-            <a:r>
-              <a:rPr lang="fr-FR" dirty="0">
-                <a:solidFill>
-                  <a:srgbClr val="F92672"/>
-                </a:solidFill>
-                <a:latin typeface="Menlo"/>
-              </a:rPr>
-              <a:t>:</a:t>
-            </a:r>
-            <a:r>
-              <a:rPr lang="fr-FR" dirty="0">
-                <a:solidFill>
-                  <a:srgbClr val="F8F8F2"/>
-                </a:solidFill>
-                <a:latin typeface="Menlo"/>
-              </a:rPr>
-              <a:t> </a:t>
-            </a:r>
-            <a:r>
-              <a:rPr lang="fr-FR" dirty="0">
-                <a:solidFill>
-                  <a:srgbClr val="E6DB74"/>
-                </a:solidFill>
-                <a:latin typeface="Menlo"/>
-              </a:rPr>
-              <a:t>'AC'</a:t>
-            </a:r>
-            <a:endParaRPr lang="fr-FR" dirty="0">
-              <a:solidFill>
-                <a:srgbClr val="F8F8F2"/>
-              </a:solidFill>
-              <a:latin typeface="Menlo"/>
-            </a:endParaRPr>
-          </a:p>
-          <a:p>
-            <a:r>
-              <a:rPr lang="fr-FR" dirty="0">
-                <a:solidFill>
-                  <a:srgbClr val="F8F8F2"/>
-                </a:solidFill>
-                <a:latin typeface="Menlo"/>
-              </a:rPr>
-              <a:t>    };</a:t>
-            </a:r>
-          </a:p>
-          <a:p>
-            <a:r>
-              <a:rPr lang="fr-FR" dirty="0">
-                <a:solidFill>
-                  <a:srgbClr val="F8F8F2"/>
-                </a:solidFill>
-                <a:latin typeface="Menlo"/>
-              </a:rPr>
-              <a:t>  });</a:t>
-            </a:r>
           </a:p>
         </p:txBody>
       </p:sp>
     </p:spTree>
     <p:extLst>
       <p:ext uri="{BB962C8B-B14F-4D97-AF65-F5344CB8AC3E}">
-        <p14:creationId xmlns:p14="http://schemas.microsoft.com/office/powerpoint/2010/main" val="3996573948"/>
+        <p14:creationId xmlns:p14="http://schemas.microsoft.com/office/powerpoint/2010/main" val="4146654046"/>
       </p:ext>
     </p:extLst>
   </p:cSld>
@@ -6405,7 +6139,7 @@
           <a:p>
             <a:r>
               <a:rPr lang="en-US" dirty="0" smtClean="0"/>
-              <a:t>Scope</a:t>
+              <a:t>Restrict</a:t>
             </a:r>
             <a:endParaRPr lang="en-US" dirty="0"/>
           </a:p>
@@ -6428,50 +6162,382 @@
           <a:p>
             <a:r>
               <a:rPr lang="en-US" dirty="0" smtClean="0"/>
-              <a:t>Three options: false, true, object</a:t>
-            </a:r>
-          </a:p>
-          <a:p>
+              <a:t>Specify whether a directive should be matched by element name, attribute name, and/or class name</a:t>
+            </a:r>
+          </a:p>
+          <a:p>
+            <a:pPr lvl="1"/>
             <a:r>
               <a:rPr lang="en-US" dirty="0" smtClean="0"/>
-              <a:t>False: no new scope is created</a:t>
+              <a:t>‘A’: attribute</a:t>
             </a:r>
           </a:p>
           <a:p>
             <a:pPr lvl="1"/>
             <a:r>
               <a:rPr lang="en-US" dirty="0" smtClean="0"/>
-              <a:t>Parent scope is accessible</a:t>
-            </a:r>
-          </a:p>
-          <a:p>
+              <a:t>‘C’: class</a:t>
+            </a:r>
+          </a:p>
+          <a:p>
+            <a:pPr lvl="1"/>
             <a:r>
               <a:rPr lang="en-US" dirty="0" smtClean="0"/>
-              <a:t>True: new scope is created</a:t>
-            </a:r>
-          </a:p>
-          <a:p>
-            <a:pPr lvl="1"/>
+              <a:t>‘E’: element</a:t>
+            </a:r>
+          </a:p>
+          <a:p>
             <a:r>
               <a:rPr lang="en-US" dirty="0" smtClean="0"/>
-              <a:t>Prototypically inherits properties from parent</a:t>
-            </a:r>
-          </a:p>
-          <a:p>
-            <a:r>
-              <a:rPr lang="en-US" dirty="0" smtClean="0"/>
-              <a:t>Object: new “isolate” scope is created</a:t>
-            </a:r>
-          </a:p>
-          <a:p>
+              <a:t>BP: element when the directive is the controlling component, use attribute when its adding behavior</a:t>
+            </a:r>
             <a:endParaRPr lang="en-US" dirty="0"/>
+          </a:p>
+        </p:txBody>
+      </p:sp>
+      <p:sp>
+        <p:nvSpPr>
+          <p:cNvPr id="4" name="Rectangle 3"/>
+          <p:cNvSpPr/>
+          <p:nvPr/>
+        </p:nvSpPr>
+        <p:spPr>
+          <a:xfrm>
+            <a:off x="1613054" y="4826675"/>
+            <a:ext cx="5922038" cy="2031325"/>
+          </a:xfrm>
+          <a:prstGeom prst="rect">
+            <a:avLst/>
+          </a:prstGeom>
+        </p:spPr>
+        <p:txBody>
+          <a:bodyPr wrap="square">
+            <a:spAutoFit/>
+          </a:bodyPr>
+          <a:lstStyle/>
+          <a:p>
+            <a:r>
+              <a:rPr lang="en-US" dirty="0" err="1">
+                <a:solidFill>
+                  <a:srgbClr val="A6E22E"/>
+                </a:solidFill>
+                <a:latin typeface="Menlo"/>
+              </a:rPr>
+              <a:t>angular</a:t>
+            </a:r>
+            <a:r>
+              <a:rPr lang="en-US" dirty="0" err="1">
+                <a:solidFill>
+                  <a:srgbClr val="F8F8F2"/>
+                </a:solidFill>
+                <a:latin typeface="Menlo"/>
+              </a:rPr>
+              <a:t>.</a:t>
+            </a:r>
+            <a:r>
+              <a:rPr lang="en-US" dirty="0" err="1">
+                <a:solidFill>
+                  <a:srgbClr val="A6E22E"/>
+                </a:solidFill>
+                <a:latin typeface="Menlo"/>
+              </a:rPr>
+              <a:t>module</a:t>
+            </a:r>
+            <a:r>
+              <a:rPr lang="en-US" dirty="0">
+                <a:solidFill>
+                  <a:srgbClr val="F8F8F2"/>
+                </a:solidFill>
+                <a:latin typeface="Menlo"/>
+              </a:rPr>
+              <a:t>(</a:t>
+            </a:r>
+            <a:r>
+              <a:rPr lang="en-US" dirty="0">
+                <a:solidFill>
+                  <a:srgbClr val="E6DB74"/>
+                </a:solidFill>
+                <a:latin typeface="Menlo"/>
+              </a:rPr>
+              <a:t>'</a:t>
+            </a:r>
+            <a:r>
+              <a:rPr lang="en-US" dirty="0" err="1">
+                <a:solidFill>
+                  <a:srgbClr val="E6DB74"/>
+                </a:solidFill>
+                <a:latin typeface="Menlo"/>
+              </a:rPr>
+              <a:t>myApp</a:t>
+            </a:r>
+            <a:r>
+              <a:rPr lang="en-US" dirty="0">
+                <a:solidFill>
+                  <a:srgbClr val="E6DB74"/>
+                </a:solidFill>
+                <a:latin typeface="Menlo"/>
+              </a:rPr>
+              <a:t>'</a:t>
+            </a:r>
+            <a:r>
+              <a:rPr lang="en-US" dirty="0">
+                <a:solidFill>
+                  <a:srgbClr val="F8F8F2"/>
+                </a:solidFill>
+                <a:latin typeface="Menlo"/>
+              </a:rPr>
+              <a:t>)</a:t>
+            </a:r>
+          </a:p>
+          <a:p>
+            <a:r>
+              <a:rPr lang="en-US" dirty="0">
+                <a:solidFill>
+                  <a:srgbClr val="F8F8F2"/>
+                </a:solidFill>
+                <a:latin typeface="Menlo"/>
+              </a:rPr>
+              <a:t>  .</a:t>
+            </a:r>
+            <a:r>
+              <a:rPr lang="en-US" dirty="0">
+                <a:solidFill>
+                  <a:srgbClr val="A6E22E"/>
+                </a:solidFill>
+                <a:latin typeface="Menlo"/>
+              </a:rPr>
+              <a:t>directive</a:t>
+            </a:r>
+            <a:r>
+              <a:rPr lang="en-US" dirty="0">
+                <a:solidFill>
+                  <a:srgbClr val="F8F8F2"/>
+                </a:solidFill>
+                <a:latin typeface="Menlo"/>
+              </a:rPr>
+              <a:t>(</a:t>
+            </a:r>
+            <a:r>
+              <a:rPr lang="en-US" dirty="0">
+                <a:solidFill>
+                  <a:srgbClr val="E6DB74"/>
+                </a:solidFill>
+                <a:latin typeface="Menlo"/>
+              </a:rPr>
+              <a:t>'</a:t>
+            </a:r>
+            <a:r>
+              <a:rPr lang="en-US" dirty="0" err="1">
+                <a:solidFill>
+                  <a:srgbClr val="E6DB74"/>
+                </a:solidFill>
+                <a:latin typeface="Menlo"/>
+              </a:rPr>
+              <a:t>myDirective</a:t>
+            </a:r>
+            <a:r>
+              <a:rPr lang="en-US" dirty="0">
+                <a:solidFill>
+                  <a:srgbClr val="E6DB74"/>
+                </a:solidFill>
+                <a:latin typeface="Menlo"/>
+              </a:rPr>
+              <a:t>'</a:t>
+            </a:r>
+            <a:r>
+              <a:rPr lang="en-US" dirty="0">
+                <a:solidFill>
+                  <a:srgbClr val="F8F8F2"/>
+                </a:solidFill>
+                <a:latin typeface="Menlo"/>
+              </a:rPr>
+              <a:t>, </a:t>
+            </a:r>
+            <a:r>
+              <a:rPr lang="en-US" dirty="0">
+                <a:solidFill>
+                  <a:srgbClr val="66D9EF"/>
+                </a:solidFill>
+                <a:latin typeface="Menlo"/>
+              </a:rPr>
+              <a:t>function</a:t>
+            </a:r>
+            <a:r>
+              <a:rPr lang="en-US" dirty="0">
+                <a:solidFill>
+                  <a:srgbClr val="F8F8F2"/>
+                </a:solidFill>
+                <a:latin typeface="Menlo"/>
+              </a:rPr>
+              <a:t>() {</a:t>
+            </a:r>
+          </a:p>
+          <a:p>
+            <a:r>
+              <a:rPr lang="is-IS" dirty="0">
+                <a:solidFill>
+                  <a:srgbClr val="F8F8F2"/>
+                </a:solidFill>
+                <a:latin typeface="Menlo"/>
+              </a:rPr>
+              <a:t>    </a:t>
+            </a:r>
+            <a:r>
+              <a:rPr lang="is-IS" dirty="0">
+                <a:solidFill>
+                  <a:srgbClr val="66D9EF"/>
+                </a:solidFill>
+                <a:latin typeface="Menlo"/>
+              </a:rPr>
+              <a:t>return</a:t>
+            </a:r>
+            <a:r>
+              <a:rPr lang="is-IS" dirty="0">
+                <a:solidFill>
+                  <a:srgbClr val="F8F8F2"/>
+                </a:solidFill>
+                <a:latin typeface="Menlo"/>
+              </a:rPr>
+              <a:t> {</a:t>
+            </a:r>
+          </a:p>
+          <a:p>
+            <a:r>
+              <a:rPr lang="en-US" dirty="0">
+                <a:solidFill>
+                  <a:srgbClr val="F8F8F2"/>
+                </a:solidFill>
+                <a:latin typeface="Menlo"/>
+              </a:rPr>
+              <a:t>      </a:t>
+            </a:r>
+            <a:r>
+              <a:rPr lang="en-US" dirty="0">
+                <a:solidFill>
+                  <a:srgbClr val="A6E22E"/>
+                </a:solidFill>
+                <a:latin typeface="Menlo"/>
+              </a:rPr>
+              <a:t>template</a:t>
+            </a:r>
+            <a:r>
+              <a:rPr lang="en-US" dirty="0">
+                <a:solidFill>
+                  <a:srgbClr val="F92672"/>
+                </a:solidFill>
+                <a:latin typeface="Menlo"/>
+              </a:rPr>
+              <a:t>:</a:t>
+            </a:r>
+            <a:r>
+              <a:rPr lang="en-US" dirty="0">
+                <a:solidFill>
+                  <a:srgbClr val="F8F8F2"/>
+                </a:solidFill>
+                <a:latin typeface="Menlo"/>
+              </a:rPr>
+              <a:t> </a:t>
+            </a:r>
+            <a:r>
+              <a:rPr lang="en-US" dirty="0">
+                <a:solidFill>
+                  <a:srgbClr val="E6DB74"/>
+                </a:solidFill>
+                <a:latin typeface="Menlo"/>
+              </a:rPr>
+              <a:t>'&lt;div&gt;Hello World&lt;/div&gt;'</a:t>
+            </a:r>
+            <a:r>
+              <a:rPr lang="en-US" dirty="0">
+                <a:solidFill>
+                  <a:srgbClr val="F8F8F2"/>
+                </a:solidFill>
+                <a:latin typeface="Menlo"/>
+              </a:rPr>
+              <a:t>,</a:t>
+            </a:r>
+          </a:p>
+          <a:p>
+            <a:r>
+              <a:rPr lang="fr-FR" dirty="0">
+                <a:solidFill>
+                  <a:srgbClr val="F8F8F2"/>
+                </a:solidFill>
+                <a:latin typeface="Menlo"/>
+              </a:rPr>
+              <a:t>      </a:t>
+            </a:r>
+            <a:r>
+              <a:rPr lang="fr-FR" dirty="0" err="1">
+                <a:solidFill>
+                  <a:srgbClr val="A6E22E"/>
+                </a:solidFill>
+                <a:latin typeface="Menlo"/>
+              </a:rPr>
+              <a:t>restrict</a:t>
+            </a:r>
+            <a:r>
+              <a:rPr lang="fr-FR" dirty="0">
+                <a:solidFill>
+                  <a:srgbClr val="F92672"/>
+                </a:solidFill>
+                <a:latin typeface="Menlo"/>
+              </a:rPr>
+              <a:t>:</a:t>
+            </a:r>
+            <a:r>
+              <a:rPr lang="fr-FR" dirty="0">
+                <a:solidFill>
+                  <a:srgbClr val="F8F8F2"/>
+                </a:solidFill>
+                <a:latin typeface="Menlo"/>
+              </a:rPr>
+              <a:t> </a:t>
+            </a:r>
+            <a:r>
+              <a:rPr lang="fr-FR" dirty="0">
+                <a:solidFill>
+                  <a:srgbClr val="E6DB74"/>
+                </a:solidFill>
+                <a:latin typeface="Menlo"/>
+              </a:rPr>
+              <a:t>'AC'</a:t>
+            </a:r>
+            <a:endParaRPr lang="fr-FR" dirty="0">
+              <a:solidFill>
+                <a:srgbClr val="F8F8F2"/>
+              </a:solidFill>
+              <a:latin typeface="Menlo"/>
+            </a:endParaRPr>
+          </a:p>
+          <a:p>
+            <a:r>
+              <a:rPr lang="fr-FR" dirty="0">
+                <a:solidFill>
+                  <a:srgbClr val="F8F8F2"/>
+                </a:solidFill>
+                <a:latin typeface="Menlo"/>
+              </a:rPr>
+              <a:t>    };</a:t>
+            </a:r>
+          </a:p>
+          <a:p>
+            <a:r>
+              <a:rPr lang="fr-FR" dirty="0">
+                <a:solidFill>
+                  <a:srgbClr val="F8F8F2"/>
+                </a:solidFill>
+                <a:latin typeface="Menlo"/>
+              </a:rPr>
+              <a:t>  });</a:t>
+            </a:r>
           </a:p>
         </p:txBody>
       </p:sp>
     </p:spTree>
     <p:extLst>
       <p:ext uri="{BB962C8B-B14F-4D97-AF65-F5344CB8AC3E}">
-        <p14:creationId xmlns:p14="http://schemas.microsoft.com/office/powerpoint/2010/main" val="360347029"/>
+        <p14:creationId xmlns:p14="http://schemas.microsoft.com/office/powerpoint/2010/main" val="3996573948"/>
       </p:ext>
     </p:extLst>
   </p:cSld>
@@ -6515,7 +6581,7 @@
           <a:p>
             <a:r>
               <a:rPr lang="en-US" dirty="0" smtClean="0"/>
-              <a:t>Isolate Scopes</a:t>
+              <a:t>Scope</a:t>
             </a:r>
             <a:endParaRPr lang="en-US" dirty="0"/>
           </a:p>
@@ -6538,21 +6604,50 @@
           <a:p>
             <a:r>
               <a:rPr lang="en-US" dirty="0" smtClean="0"/>
-              <a:t>Don’t prototypically inherit properties from parent scope</a:t>
+              <a:t>Three options: false, true, object</a:t>
             </a:r>
           </a:p>
           <a:p>
             <a:r>
               <a:rPr lang="en-US" dirty="0" smtClean="0"/>
-              <a:t>Allows access to specific properties derived from the parent scope</a:t>
-            </a:r>
+              <a:t>False: no new scope is created</a:t>
+            </a:r>
+          </a:p>
+          <a:p>
+            <a:pPr lvl="1"/>
+            <a:r>
+              <a:rPr lang="en-US" dirty="0" smtClean="0"/>
+              <a:t>Parent scope is accessible</a:t>
+            </a:r>
+          </a:p>
+          <a:p>
+            <a:r>
+              <a:rPr lang="en-US" dirty="0" smtClean="0"/>
+              <a:t>True: new scope is created</a:t>
+            </a:r>
+          </a:p>
+          <a:p>
+            <a:pPr lvl="1"/>
+            <a:r>
+              <a:rPr lang="en-US" dirty="0" smtClean="0"/>
+              <a:t>Prototypically inherits properties from parent</a:t>
+            </a:r>
+          </a:p>
+          <a:p>
+            <a:r>
+              <a:rPr lang="en-US" dirty="0" smtClean="0"/>
+              <a:t>Object: new “isolate” scope is created</a:t>
+            </a:r>
+          </a:p>
+          <a:p>
+            <a:endParaRPr lang="en-US" dirty="0"/>
           </a:p>
         </p:txBody>
       </p:sp>
     </p:spTree>
     <p:extLst>
       <p:ext uri="{BB962C8B-B14F-4D97-AF65-F5344CB8AC3E}">
-        <p14:creationId xmlns:p14="http://schemas.microsoft.com/office/powerpoint/2010/main" val="475837038"/>
+        <p14:creationId xmlns:p14="http://schemas.microsoft.com/office/powerpoint/2010/main" val="360347029"/>
       </p:ext>
     </p:extLst>
   </p:cSld>
@@ -6596,7 +6691,7 @@
           <a:p>
             <a:r>
               <a:rPr lang="en-US" dirty="0" smtClean="0"/>
-              <a:t>Three ways to pass data</a:t>
+              <a:t>Isolate Scopes</a:t>
             </a:r>
             <a:endParaRPr lang="en-US" dirty="0"/>
           </a:p>
@@ -6618,58 +6713,22 @@
           <a:lstStyle/>
           <a:p>
             <a:r>
-              <a:rPr lang="en-US" dirty="0"/>
-              <a:t>One-way binding from DOM attribute value (as string only)</a:t>
-            </a:r>
-          </a:p>
-          <a:p>
-            <a:r>
-              <a:rPr lang="en-US" dirty="0"/>
-              <a:t>Two way binding between parent scope property and </a:t>
-            </a:r>
-            <a:r>
               <a:rPr lang="en-US" dirty="0" smtClean="0"/>
-              <a:t>isolate scope </a:t>
-            </a:r>
-            <a:r>
-              <a:rPr lang="en-US" dirty="0"/>
-              <a:t>property </a:t>
-            </a:r>
-          </a:p>
-          <a:p>
-            <a:r>
-              <a:rPr lang="en-US" dirty="0"/>
-              <a:t>Bind to expression executed in context of parent </a:t>
-            </a:r>
+              <a:t>Don’t prototypically inherit properties from parent scope</a:t>
+            </a:r>
+          </a:p>
+          <a:p>
             <a:r>
               <a:rPr lang="en-US" dirty="0" smtClean="0"/>
-              <a:t>scope</a:t>
-            </a:r>
-          </a:p>
-          <a:p>
-            <a:r>
-              <a:rPr lang="en-US" dirty="0" smtClean="0"/>
-              <a:t>NOTE: Same as with directive names, scope property names are hyphenated in the DOM, </a:t>
-            </a:r>
-            <a:r>
-              <a:rPr lang="en-US" dirty="0" err="1" smtClean="0"/>
-              <a:t>camelcase</a:t>
-            </a:r>
-            <a:r>
-              <a:rPr lang="en-US" dirty="0" smtClean="0"/>
-              <a:t> in JS</a:t>
-            </a:r>
-            <a:endParaRPr lang="en-US" dirty="0"/>
-          </a:p>
-          <a:p>
-            <a:endParaRPr lang="en-US" dirty="0"/>
+              <a:t>Allows access to specific properties derived from the parent scope</a:t>
+            </a:r>
           </a:p>
         </p:txBody>
       </p:sp>
     </p:spTree>
     <p:extLst>
       <p:ext uri="{BB962C8B-B14F-4D97-AF65-F5344CB8AC3E}">
-        <p14:creationId xmlns:p14="http://schemas.microsoft.com/office/powerpoint/2010/main" val="864574978"/>
+        <p14:creationId xmlns:p14="http://schemas.microsoft.com/office/powerpoint/2010/main" val="475837038"/>
       </p:ext>
     </p:extLst>
   </p:cSld>
@@ -6712,9 +6771,10 @@
           <a:lstStyle/>
           <a:p>
             <a:r>
-              <a:rPr lang="en-US" dirty="0"/>
-              <a:t>DOM Attribute binding</a:t>
-            </a:r>
+              <a:rPr lang="en-US" dirty="0" smtClean="0"/>
+              <a:t>Three ways to pass data</a:t>
+            </a:r>
+            <a:endParaRPr lang="en-US" dirty="0"/>
           </a:p>
         </p:txBody>
       </p:sp>
@@ -6734,607 +6794,58 @@
           <a:lstStyle/>
           <a:p>
             <a:r>
+              <a:rPr lang="en-US" dirty="0"/>
+              <a:t>One-way binding from DOM attribute value (as string only)</a:t>
+            </a:r>
+          </a:p>
+          <a:p>
+            <a:r>
+              <a:rPr lang="en-US" dirty="0"/>
+              <a:t>Two way binding between parent scope property and </a:t>
+            </a:r>
+            <a:r>
               <a:rPr lang="en-US" dirty="0" smtClean="0"/>
-              <a:t>@ or @</a:t>
+              <a:t>isolate scope </a:t>
+            </a:r>
+            <a:r>
+              <a:rPr lang="en-US" dirty="0"/>
+              <a:t>property </a:t>
+            </a:r>
+          </a:p>
+          <a:p>
+            <a:r>
+              <a:rPr lang="en-US" dirty="0"/>
+              <a:t>Bind to expression executed in context of parent </a:t>
+            </a:r>
+            <a:r>
+              <a:rPr lang="en-US" dirty="0" smtClean="0"/>
+              <a:t>scope</a:t>
+            </a:r>
+          </a:p>
+          <a:p>
+            <a:r>
+              <a:rPr lang="en-US" dirty="0" smtClean="0"/>
+              <a:t>NOTE: Same as with directive names, scope property names are hyphenated in the DOM, </a:t>
             </a:r>
             <a:r>
               <a:rPr lang="en-US" dirty="0" err="1" smtClean="0"/>
-              <a:t>domAttrName</a:t>
-            </a:r>
-            <a:endParaRPr lang="en-US" dirty="0" smtClean="0"/>
-          </a:p>
-          <a:p>
+              <a:t>camelcase</a:t>
+            </a:r>
             <a:r>
               <a:rPr lang="en-US" dirty="0" smtClean="0"/>
-              <a:t>Bind local scope property to value of DOM attribute (always a string)</a:t>
+              <a:t> in JS</a:t>
             </a:r>
             <a:endParaRPr lang="en-US" dirty="0"/>
           </a:p>
-        </p:txBody>
-      </p:sp>
-      <p:sp>
-        <p:nvSpPr>
-          <p:cNvPr id="5" name="Rectangle 4"/>
-          <p:cNvSpPr/>
-          <p:nvPr/>
-        </p:nvSpPr>
-        <p:spPr>
-          <a:xfrm>
-            <a:off x="1393865" y="3081903"/>
-            <a:ext cx="6339496" cy="2862323"/>
-          </a:xfrm>
-          <a:prstGeom prst="rect">
-            <a:avLst/>
-          </a:prstGeom>
-        </p:spPr>
-        <p:txBody>
-          <a:bodyPr wrap="square">
-            <a:spAutoFit/>
-          </a:bodyPr>
-          <a:lstStyle/>
-          <a:p>
-            <a:r>
-              <a:rPr lang="en-US" dirty="0" err="1" smtClean="0">
-                <a:solidFill>
-                  <a:srgbClr val="A6E22E"/>
-                </a:solidFill>
-                <a:latin typeface="Menlo"/>
-              </a:rPr>
-              <a:t>angular</a:t>
-            </a:r>
-            <a:r>
-              <a:rPr lang="en-US" dirty="0" err="1" smtClean="0">
-                <a:solidFill>
-                  <a:srgbClr val="F8F8F2"/>
-                </a:solidFill>
-                <a:latin typeface="Menlo"/>
-              </a:rPr>
-              <a:t>.</a:t>
-            </a:r>
-            <a:r>
-              <a:rPr lang="en-US" dirty="0" err="1" smtClean="0">
-                <a:solidFill>
-                  <a:srgbClr val="A6E22E"/>
-                </a:solidFill>
-                <a:latin typeface="Menlo"/>
-              </a:rPr>
-              <a:t>module</a:t>
-            </a:r>
-            <a:r>
-              <a:rPr lang="en-US" dirty="0" smtClean="0">
-                <a:solidFill>
-                  <a:srgbClr val="F8F8F2"/>
-                </a:solidFill>
-                <a:latin typeface="Menlo"/>
-              </a:rPr>
-              <a:t>(</a:t>
-            </a:r>
-            <a:r>
-              <a:rPr lang="en-US" dirty="0" smtClean="0">
-                <a:solidFill>
-                  <a:srgbClr val="E6DB74"/>
-                </a:solidFill>
-                <a:latin typeface="Menlo"/>
-              </a:rPr>
-              <a:t>'</a:t>
-            </a:r>
-            <a:r>
-              <a:rPr lang="en-US" dirty="0" err="1" smtClean="0">
-                <a:solidFill>
-                  <a:srgbClr val="E6DB74"/>
-                </a:solidFill>
-                <a:latin typeface="Menlo"/>
-              </a:rPr>
-              <a:t>myApp</a:t>
-            </a:r>
-            <a:r>
-              <a:rPr lang="en-US" dirty="0" smtClean="0">
-                <a:solidFill>
-                  <a:srgbClr val="E6DB74"/>
-                </a:solidFill>
-                <a:latin typeface="Menlo"/>
-              </a:rPr>
-              <a:t>'</a:t>
-            </a:r>
-            <a:r>
-              <a:rPr lang="en-US" dirty="0" smtClean="0">
-                <a:solidFill>
-                  <a:srgbClr val="F8F8F2"/>
-                </a:solidFill>
-                <a:latin typeface="Menlo"/>
-              </a:rPr>
-              <a:t>)</a:t>
-            </a:r>
-          </a:p>
-          <a:p>
-            <a:r>
-              <a:rPr lang="en-US" dirty="0" smtClean="0">
-                <a:solidFill>
-                  <a:srgbClr val="F8F8F2"/>
-                </a:solidFill>
-                <a:latin typeface="Menlo"/>
-              </a:rPr>
-              <a:t>  .</a:t>
-            </a:r>
-            <a:r>
-              <a:rPr lang="en-US" dirty="0" smtClean="0">
-                <a:solidFill>
-                  <a:srgbClr val="A6E22E"/>
-                </a:solidFill>
-                <a:latin typeface="Menlo"/>
-              </a:rPr>
-              <a:t>directive</a:t>
-            </a:r>
-            <a:r>
-              <a:rPr lang="en-US" dirty="0" smtClean="0">
-                <a:solidFill>
-                  <a:srgbClr val="F8F8F2"/>
-                </a:solidFill>
-                <a:latin typeface="Menlo"/>
-              </a:rPr>
-              <a:t>(</a:t>
-            </a:r>
-            <a:r>
-              <a:rPr lang="en-US" dirty="0" smtClean="0">
-                <a:solidFill>
-                  <a:srgbClr val="E6DB74"/>
-                </a:solidFill>
-                <a:latin typeface="Menlo"/>
-              </a:rPr>
-              <a:t>'</a:t>
-            </a:r>
-            <a:r>
-              <a:rPr lang="en-US" dirty="0" err="1" smtClean="0">
-                <a:solidFill>
-                  <a:srgbClr val="E6DB74"/>
-                </a:solidFill>
-                <a:latin typeface="Menlo"/>
-              </a:rPr>
-              <a:t>myDirective</a:t>
-            </a:r>
-            <a:r>
-              <a:rPr lang="en-US" dirty="0" smtClean="0">
-                <a:solidFill>
-                  <a:srgbClr val="E6DB74"/>
-                </a:solidFill>
-                <a:latin typeface="Menlo"/>
-              </a:rPr>
-              <a:t>'</a:t>
-            </a:r>
-            <a:r>
-              <a:rPr lang="en-US" dirty="0" smtClean="0">
-                <a:solidFill>
-                  <a:srgbClr val="F8F8F2"/>
-                </a:solidFill>
-                <a:latin typeface="Menlo"/>
-              </a:rPr>
-              <a:t>, </a:t>
-            </a:r>
-            <a:r>
-              <a:rPr lang="en-US" dirty="0" smtClean="0">
-                <a:solidFill>
-                  <a:srgbClr val="66D9EF"/>
-                </a:solidFill>
-                <a:latin typeface="Menlo"/>
-              </a:rPr>
-              <a:t>function</a:t>
-            </a:r>
-            <a:r>
-              <a:rPr lang="en-US" dirty="0" smtClean="0">
-                <a:solidFill>
-                  <a:srgbClr val="F8F8F2"/>
-                </a:solidFill>
-                <a:latin typeface="Menlo"/>
-              </a:rPr>
-              <a:t>() {</a:t>
-            </a:r>
-          </a:p>
-          <a:p>
-            <a:r>
-              <a:rPr lang="is-IS" dirty="0" smtClean="0">
-                <a:solidFill>
-                  <a:srgbClr val="F8F8F2"/>
-                </a:solidFill>
-                <a:latin typeface="Menlo"/>
-              </a:rPr>
-              <a:t>    </a:t>
-            </a:r>
-            <a:r>
-              <a:rPr lang="is-IS" dirty="0" smtClean="0">
-                <a:solidFill>
-                  <a:srgbClr val="66D9EF"/>
-                </a:solidFill>
-                <a:latin typeface="Menlo"/>
-              </a:rPr>
-              <a:t>return</a:t>
-            </a:r>
-            <a:r>
-              <a:rPr lang="is-IS" dirty="0" smtClean="0">
-                <a:solidFill>
-                  <a:srgbClr val="F8F8F2"/>
-                </a:solidFill>
-                <a:latin typeface="Menlo"/>
-              </a:rPr>
-              <a:t> {</a:t>
-            </a:r>
-          </a:p>
-          <a:p>
-            <a:r>
-              <a:rPr lang="en-US" dirty="0" smtClean="0">
-                <a:solidFill>
-                  <a:srgbClr val="F8F8F2"/>
-                </a:solidFill>
-                <a:latin typeface="Menlo"/>
-              </a:rPr>
-              <a:t>      </a:t>
-            </a:r>
-            <a:r>
-              <a:rPr lang="en-US" dirty="0" smtClean="0">
-                <a:solidFill>
-                  <a:srgbClr val="A6E22E"/>
-                </a:solidFill>
-                <a:latin typeface="Menlo"/>
-              </a:rPr>
-              <a:t>template</a:t>
-            </a:r>
-            <a:r>
-              <a:rPr lang="en-US" dirty="0" smtClean="0">
-                <a:solidFill>
-                  <a:srgbClr val="F92672"/>
-                </a:solidFill>
-                <a:latin typeface="Menlo"/>
-              </a:rPr>
-              <a:t>:</a:t>
-            </a:r>
-            <a:r>
-              <a:rPr lang="en-US" dirty="0" smtClean="0">
-                <a:solidFill>
-                  <a:srgbClr val="F8F8F2"/>
-                </a:solidFill>
-                <a:latin typeface="Menlo"/>
-              </a:rPr>
-              <a:t> </a:t>
-            </a:r>
-            <a:r>
-              <a:rPr lang="en-US" dirty="0" smtClean="0">
-                <a:solidFill>
-                  <a:srgbClr val="E6DB74"/>
-                </a:solidFill>
-                <a:latin typeface="Menlo"/>
-              </a:rPr>
-              <a:t>'&lt;div&gt;Hello {{name}}&lt;/div&gt;'</a:t>
-            </a:r>
-            <a:r>
-              <a:rPr lang="en-US" dirty="0" smtClean="0">
-                <a:solidFill>
-                  <a:srgbClr val="F8F8F2"/>
-                </a:solidFill>
-                <a:latin typeface="Menlo"/>
-              </a:rPr>
-              <a:t>,</a:t>
-            </a:r>
-          </a:p>
-          <a:p>
-            <a:r>
-              <a:rPr lang="fr-FR" dirty="0" smtClean="0">
-                <a:solidFill>
-                  <a:srgbClr val="F8F8F2"/>
-                </a:solidFill>
-                <a:latin typeface="Menlo"/>
-              </a:rPr>
-              <a:t>      </a:t>
-            </a:r>
-            <a:r>
-              <a:rPr lang="fr-FR" dirty="0" err="1" smtClean="0">
-                <a:solidFill>
-                  <a:srgbClr val="A6E22E"/>
-                </a:solidFill>
-                <a:latin typeface="Menlo"/>
-              </a:rPr>
-              <a:t>restrict</a:t>
-            </a:r>
-            <a:r>
-              <a:rPr lang="fr-FR" dirty="0" smtClean="0">
-                <a:solidFill>
-                  <a:srgbClr val="F92672"/>
-                </a:solidFill>
-                <a:latin typeface="Menlo"/>
-              </a:rPr>
-              <a:t>:</a:t>
-            </a:r>
-            <a:r>
-              <a:rPr lang="fr-FR" dirty="0" smtClean="0">
-                <a:solidFill>
-                  <a:srgbClr val="F8F8F2"/>
-                </a:solidFill>
-                <a:latin typeface="Menlo"/>
-              </a:rPr>
-              <a:t> </a:t>
-            </a:r>
-            <a:r>
-              <a:rPr lang="fr-FR" dirty="0" smtClean="0">
-                <a:solidFill>
-                  <a:srgbClr val="E6DB74"/>
-                </a:solidFill>
-                <a:latin typeface="Menlo"/>
-              </a:rPr>
-              <a:t>'AC'</a:t>
-            </a:r>
-            <a:r>
-              <a:rPr lang="fr-FR" dirty="0" smtClean="0">
-                <a:solidFill>
-                  <a:srgbClr val="F8F8F2"/>
-                </a:solidFill>
-                <a:latin typeface="Menlo"/>
-              </a:rPr>
-              <a:t>,</a:t>
-            </a:r>
-          </a:p>
-          <a:p>
-            <a:r>
-              <a:rPr lang="it-IT" dirty="0" smtClean="0">
-                <a:solidFill>
-                  <a:srgbClr val="F8F8F2"/>
-                </a:solidFill>
-                <a:latin typeface="Menlo"/>
-              </a:rPr>
-              <a:t>      </a:t>
-            </a:r>
-            <a:r>
-              <a:rPr lang="it-IT" dirty="0" smtClean="0">
-                <a:solidFill>
-                  <a:srgbClr val="A6E22E"/>
-                </a:solidFill>
-                <a:latin typeface="Menlo"/>
-              </a:rPr>
-              <a:t>scope</a:t>
-            </a:r>
-            <a:r>
-              <a:rPr lang="it-IT" dirty="0" smtClean="0">
-                <a:solidFill>
-                  <a:srgbClr val="F92672"/>
-                </a:solidFill>
-                <a:latin typeface="Menlo"/>
-              </a:rPr>
-              <a:t>:</a:t>
-            </a:r>
-            <a:r>
-              <a:rPr lang="it-IT" dirty="0" smtClean="0">
-                <a:solidFill>
-                  <a:srgbClr val="F8F8F2"/>
-                </a:solidFill>
-                <a:latin typeface="Menlo"/>
-              </a:rPr>
-              <a:t> {</a:t>
-            </a:r>
-          </a:p>
-          <a:p>
-            <a:r>
-              <a:rPr lang="en-US" dirty="0" smtClean="0">
-                <a:solidFill>
-                  <a:srgbClr val="F8F8F2"/>
-                </a:solidFill>
-                <a:latin typeface="Menlo"/>
-              </a:rPr>
-              <a:t>        </a:t>
-            </a:r>
-            <a:r>
-              <a:rPr lang="en-US" dirty="0" smtClean="0">
-                <a:solidFill>
-                  <a:srgbClr val="A6E22E"/>
-                </a:solidFill>
-                <a:latin typeface="Menlo"/>
-              </a:rPr>
-              <a:t>name</a:t>
-            </a:r>
-            <a:r>
-              <a:rPr lang="en-US" dirty="0" smtClean="0">
-                <a:solidFill>
-                  <a:srgbClr val="F92672"/>
-                </a:solidFill>
-                <a:latin typeface="Menlo"/>
-              </a:rPr>
-              <a:t>:</a:t>
-            </a:r>
-            <a:r>
-              <a:rPr lang="en-US" dirty="0" smtClean="0">
-                <a:solidFill>
-                  <a:srgbClr val="E6DB74"/>
-                </a:solidFill>
-                <a:latin typeface="Menlo"/>
-              </a:rPr>
-              <a:t>"@</a:t>
-            </a:r>
-            <a:r>
-              <a:rPr lang="en-US" dirty="0" err="1" smtClean="0">
-                <a:solidFill>
-                  <a:srgbClr val="E6DB74"/>
-                </a:solidFill>
-                <a:latin typeface="Menlo"/>
-              </a:rPr>
-              <a:t>nameAttr</a:t>
-            </a:r>
-            <a:r>
-              <a:rPr lang="en-US" dirty="0" smtClean="0">
-                <a:solidFill>
-                  <a:srgbClr val="E6DB74"/>
-                </a:solidFill>
-                <a:latin typeface="Menlo"/>
-              </a:rPr>
-              <a:t>"</a:t>
-            </a:r>
-            <a:endParaRPr lang="en-US" dirty="0" smtClean="0">
-              <a:solidFill>
-                <a:srgbClr val="F8F8F2"/>
-              </a:solidFill>
-              <a:latin typeface="Menlo"/>
-            </a:endParaRPr>
-          </a:p>
-          <a:p>
-            <a:r>
-              <a:rPr lang="en-US" dirty="0" smtClean="0">
-                <a:solidFill>
-                  <a:srgbClr val="F8F8F2"/>
-                </a:solidFill>
-                <a:latin typeface="Menlo"/>
-              </a:rPr>
-              <a:t>      }</a:t>
-            </a:r>
-          </a:p>
-          <a:p>
-            <a:r>
-              <a:rPr lang="en-US" dirty="0" smtClean="0">
-                <a:solidFill>
-                  <a:srgbClr val="F8F8F2"/>
-                </a:solidFill>
-                <a:latin typeface="Menlo"/>
-              </a:rPr>
-              <a:t>    };</a:t>
-            </a:r>
-          </a:p>
-          <a:p>
-            <a:r>
-              <a:rPr lang="en-US" dirty="0" smtClean="0">
-                <a:solidFill>
-                  <a:srgbClr val="F8F8F2"/>
-                </a:solidFill>
-                <a:latin typeface="Menlo"/>
-              </a:rPr>
-              <a:t>  });</a:t>
-            </a:r>
-            <a:endParaRPr lang="en-US" dirty="0">
-              <a:solidFill>
-                <a:srgbClr val="F8F8F2"/>
-              </a:solidFill>
-              <a:latin typeface="Menlo"/>
-            </a:endParaRPr>
-          </a:p>
-        </p:txBody>
-      </p:sp>
-      <p:sp>
-        <p:nvSpPr>
-          <p:cNvPr id="6" name="Rectangle 5"/>
-          <p:cNvSpPr/>
-          <p:nvPr/>
-        </p:nvSpPr>
-        <p:spPr>
-          <a:xfrm>
-            <a:off x="1146066" y="6214661"/>
-            <a:ext cx="6866576" cy="369332"/>
-          </a:xfrm>
-          <a:prstGeom prst="rect">
-            <a:avLst/>
-          </a:prstGeom>
-        </p:spPr>
-        <p:txBody>
-          <a:bodyPr wrap="square">
-            <a:spAutoFit/>
-          </a:bodyPr>
-          <a:lstStyle/>
-          <a:p>
-            <a:r>
-              <a:rPr lang="en-US" dirty="0">
-                <a:solidFill>
-                  <a:srgbClr val="F92672"/>
-                </a:solidFill>
-                <a:latin typeface="Menlo"/>
-              </a:rPr>
-              <a:t>&lt;my-directive</a:t>
-            </a:r>
-            <a:r>
-              <a:rPr lang="en-US" dirty="0">
-                <a:solidFill>
-                  <a:srgbClr val="F8F8F2"/>
-                </a:solidFill>
-                <a:latin typeface="Menlo"/>
-              </a:rPr>
-              <a:t> </a:t>
-            </a:r>
-            <a:r>
-              <a:rPr lang="en-US" dirty="0">
-                <a:solidFill>
-                  <a:srgbClr val="A6E22E"/>
-                </a:solidFill>
-                <a:latin typeface="Menlo"/>
-              </a:rPr>
-              <a:t>name-</a:t>
-            </a:r>
-            <a:r>
-              <a:rPr lang="en-US" dirty="0" err="1">
-                <a:solidFill>
-                  <a:srgbClr val="A6E22E"/>
-                </a:solidFill>
-                <a:latin typeface="Menlo"/>
-              </a:rPr>
-              <a:t>attr</a:t>
-            </a:r>
-            <a:r>
-              <a:rPr lang="en-US" dirty="0">
-                <a:solidFill>
-                  <a:srgbClr val="A6E22E"/>
-                </a:solidFill>
-                <a:latin typeface="Menlo"/>
-              </a:rPr>
-              <a:t>=</a:t>
-            </a:r>
-            <a:r>
-              <a:rPr lang="en-US" dirty="0">
-                <a:solidFill>
-                  <a:srgbClr val="E6DB74"/>
-                </a:solidFill>
-                <a:latin typeface="Menlo"/>
-              </a:rPr>
-              <a:t>"{</a:t>
-            </a:r>
-            <a:r>
-              <a:rPr lang="en-US" dirty="0" smtClean="0">
-                <a:solidFill>
-                  <a:srgbClr val="E6DB74"/>
-                </a:solidFill>
-                <a:latin typeface="Menlo"/>
-              </a:rPr>
-              <a:t>{</a:t>
-            </a:r>
-            <a:r>
-              <a:rPr lang="en-US" dirty="0" err="1" smtClean="0">
-                <a:solidFill>
-                  <a:srgbClr val="E6DB74"/>
-                </a:solidFill>
-                <a:latin typeface="Menlo"/>
-              </a:rPr>
-              <a:t>phil.name</a:t>
-            </a:r>
-            <a:r>
-              <a:rPr lang="en-US" dirty="0">
-                <a:solidFill>
-                  <a:srgbClr val="E6DB74"/>
-                </a:solidFill>
-                <a:latin typeface="Menlo"/>
-              </a:rPr>
-              <a:t>}}"</a:t>
-            </a:r>
-            <a:r>
-              <a:rPr lang="en-US" dirty="0">
-                <a:solidFill>
-                  <a:srgbClr val="F92672"/>
-                </a:solidFill>
-                <a:latin typeface="Menlo"/>
-              </a:rPr>
-              <a:t>/&gt;</a:t>
-            </a:r>
-            <a:endParaRPr lang="en-US" dirty="0">
-              <a:solidFill>
-                <a:srgbClr val="F8F8F2"/>
-              </a:solidFill>
-              <a:latin typeface="Menlo"/>
-            </a:endParaRPr>
+          <a:p>
+            <a:endParaRPr lang="en-US" dirty="0"/>
           </a:p>
         </p:txBody>
       </p:sp>
     </p:spTree>
     <p:extLst>
       <p:ext uri="{BB962C8B-B14F-4D97-AF65-F5344CB8AC3E}">
-        <p14:creationId xmlns:p14="http://schemas.microsoft.com/office/powerpoint/2010/main" val="3791521122"/>
+        <p14:creationId xmlns:p14="http://schemas.microsoft.com/office/powerpoint/2010/main" val="864574978"/>
       </p:ext>
     </p:extLst>
   </p:cSld>
@@ -7377,10 +6888,9 @@
           <a:lstStyle/>
           <a:p>
             <a:r>
-              <a:rPr lang="en-US" dirty="0" smtClean="0"/>
-              <a:t>Two-way Binding to Parent</a:t>
-            </a:r>
-            <a:endParaRPr lang="en-US" dirty="0"/>
+              <a:rPr lang="en-US" dirty="0"/>
+              <a:t>DOM Attribute binding</a:t>
+            </a:r>
           </a:p>
         </p:txBody>
       </p:sp>
@@ -7401,18 +6911,18 @@
           <a:p>
             <a:r>
               <a:rPr lang="en-US" dirty="0" smtClean="0"/>
-              <a:t>= or =</a:t>
+              <a:t>@ or @</a:t>
             </a:r>
             <a:r>
               <a:rPr lang="en-US" dirty="0" err="1" smtClean="0"/>
-              <a:t>parentScopeAttrName</a:t>
+              <a:t>domAttrName</a:t>
             </a:r>
             <a:endParaRPr lang="en-US" dirty="0" smtClean="0"/>
           </a:p>
           <a:p>
             <a:r>
               <a:rPr lang="en-US" dirty="0" smtClean="0"/>
-              <a:t>Bi-directional data binding between local scope property and parent scope property</a:t>
+              <a:t>Bind local scope property to value of DOM attribute (always a string)</a:t>
             </a:r>
             <a:endParaRPr lang="en-US" dirty="0"/>
           </a:p>
@@ -7420,14 +6930,14 @@
       </p:sp>
       <p:sp>
         <p:nvSpPr>
-          <p:cNvPr id="4" name="Rectangle 3"/>
+          <p:cNvPr id="5" name="Rectangle 4"/>
           <p:cNvSpPr/>
           <p:nvPr/>
         </p:nvSpPr>
         <p:spPr>
           <a:xfrm>
-            <a:off x="1177041" y="3263840"/>
-            <a:ext cx="7485560" cy="2862323"/>
+            <a:off x="1393865" y="3081903"/>
+            <a:ext cx="6339496" cy="2862323"/>
           </a:xfrm>
           <a:prstGeom prst="rect">
             <a:avLst/>
@@ -7440,7 +6950,7 @@
           <a:lstStyle/>
           <a:p>
             <a:r>
-              <a:rPr lang="en-US" dirty="0" err="1">
+              <a:rPr lang="en-US" dirty="0" err="1" smtClean="0">
                 <a:solidFill>
                   <a:srgbClr val="A6E22E"/>
                 </a:solidFill>
@@ -7449,7 +6959,7 @@
               <a:t>angular</a:t>
             </a:r>
             <a:r>
-              <a:rPr lang="en-US" dirty="0" err="1">
+              <a:rPr lang="en-US" dirty="0" err="1" smtClean="0">
                 <a:solidFill>
                   <a:srgbClr val="F8F8F2"/>
                 </a:solidFill>
@@ -7458,7 +6968,7 @@
               <a:t>.</a:t>
             </a:r>
             <a:r>
-              <a:rPr lang="en-US" dirty="0" err="1">
+              <a:rPr lang="en-US" dirty="0" err="1" smtClean="0">
                 <a:solidFill>
                   <a:srgbClr val="A6E22E"/>
                 </a:solidFill>
@@ -7467,7 +6977,7 @@
               <a:t>module</a:t>
             </a:r>
             <a:r>
-              <a:rPr lang="en-US" dirty="0">
+              <a:rPr lang="en-US" dirty="0" smtClean="0">
                 <a:solidFill>
                   <a:srgbClr val="F8F8F2"/>
                 </a:solidFill>
@@ -7476,7 +6986,7 @@
               <a:t>(</a:t>
             </a:r>
             <a:r>
-              <a:rPr lang="en-US" dirty="0">
+              <a:rPr lang="en-US" dirty="0" smtClean="0">
                 <a:solidFill>
                   <a:srgbClr val="E6DB74"/>
                 </a:solidFill>
@@ -7485,7 +6995,7 @@
               <a:t>'</a:t>
             </a:r>
             <a:r>
-              <a:rPr lang="en-US" dirty="0" err="1">
+              <a:rPr lang="en-US" dirty="0" err="1" smtClean="0">
                 <a:solidFill>
                   <a:srgbClr val="E6DB74"/>
                 </a:solidFill>
@@ -7494,7 +7004,7 @@
               <a:t>myApp</a:t>
             </a:r>
             <a:r>
-              <a:rPr lang="en-US" dirty="0">
+              <a:rPr lang="en-US" dirty="0" smtClean="0">
                 <a:solidFill>
                   <a:srgbClr val="E6DB74"/>
                 </a:solidFill>
@@ -7503,7 +7013,7 @@
               <a:t>'</a:t>
             </a:r>
             <a:r>
-              <a:rPr lang="en-US" dirty="0">
+              <a:rPr lang="en-US" dirty="0" smtClean="0">
                 <a:solidFill>
                   <a:srgbClr val="F8F8F2"/>
                 </a:solidFill>
@@ -7514,7 +7024,7 @@
           </a:p>
           <a:p>
             <a:r>
-              <a:rPr lang="en-US" dirty="0">
+              <a:rPr lang="en-US" dirty="0" smtClean="0">
                 <a:solidFill>
                   <a:srgbClr val="F8F8F2"/>
                 </a:solidFill>
@@ -7523,7 +7033,7 @@
               <a:t>  .</a:t>
             </a:r>
             <a:r>
-              <a:rPr lang="en-US" dirty="0">
+              <a:rPr lang="en-US" dirty="0" smtClean="0">
                 <a:solidFill>
                   <a:srgbClr val="A6E22E"/>
                 </a:solidFill>
@@ -7532,7 +7042,7 @@
               <a:t>directive</a:t>
             </a:r>
             <a:r>
-              <a:rPr lang="en-US" dirty="0">
+              <a:rPr lang="en-US" dirty="0" smtClean="0">
                 <a:solidFill>
                   <a:srgbClr val="F8F8F2"/>
                 </a:solidFill>
@@ -7541,7 +7051,7 @@
               <a:t>(</a:t>
             </a:r>
             <a:r>
-              <a:rPr lang="en-US" dirty="0">
+              <a:rPr lang="en-US" dirty="0" smtClean="0">
                 <a:solidFill>
                   <a:srgbClr val="E6DB74"/>
                 </a:solidFill>
@@ -7550,7 +7060,7 @@
               <a:t>'</a:t>
             </a:r>
             <a:r>
-              <a:rPr lang="en-US" dirty="0" err="1">
+              <a:rPr lang="en-US" dirty="0" err="1" smtClean="0">
                 <a:solidFill>
                   <a:srgbClr val="E6DB74"/>
                 </a:solidFill>
@@ -7559,7 +7069,7 @@
               <a:t>myDirective</a:t>
             </a:r>
             <a:r>
-              <a:rPr lang="en-US" dirty="0">
+              <a:rPr lang="en-US" dirty="0" smtClean="0">
                 <a:solidFill>
                   <a:srgbClr val="E6DB74"/>
                 </a:solidFill>
@@ -7568,7 +7078,7 @@
               <a:t>'</a:t>
             </a:r>
             <a:r>
-              <a:rPr lang="en-US" dirty="0">
+              <a:rPr lang="en-US" dirty="0" smtClean="0">
                 <a:solidFill>
                   <a:srgbClr val="F8F8F2"/>
                 </a:solidFill>
@@ -7577,7 +7087,7 @@
               <a:t>, </a:t>
             </a:r>
             <a:r>
-              <a:rPr lang="en-US" dirty="0">
+              <a:rPr lang="en-US" dirty="0" smtClean="0">
                 <a:solidFill>
                   <a:srgbClr val="66D9EF"/>
                 </a:solidFill>
@@ -7586,7 +7096,7 @@
               <a:t>function</a:t>
             </a:r>
             <a:r>
-              <a:rPr lang="en-US" dirty="0">
+              <a:rPr lang="en-US" dirty="0" smtClean="0">
                 <a:solidFill>
                   <a:srgbClr val="F8F8F2"/>
                 </a:solidFill>
@@ -7597,7 +7107,7 @@
           </a:p>
           <a:p>
             <a:r>
-              <a:rPr lang="is-IS" dirty="0">
+              <a:rPr lang="is-IS" dirty="0" smtClean="0">
                 <a:solidFill>
                   <a:srgbClr val="F8F8F2"/>
                 </a:solidFill>
@@ -7606,7 +7116,7 @@
               <a:t>    </a:t>
             </a:r>
             <a:r>
-              <a:rPr lang="is-IS" dirty="0">
+              <a:rPr lang="is-IS" dirty="0" smtClean="0">
                 <a:solidFill>
                   <a:srgbClr val="66D9EF"/>
                 </a:solidFill>
@@ -7615,7 +7125,7 @@
               <a:t>return</a:t>
             </a:r>
             <a:r>
-              <a:rPr lang="is-IS" dirty="0">
+              <a:rPr lang="is-IS" dirty="0" smtClean="0">
                 <a:solidFill>
                   <a:srgbClr val="F8F8F2"/>
                 </a:solidFill>
@@ -7626,7 +7136,7 @@
           </a:p>
           <a:p>
             <a:r>
-              <a:rPr lang="en-US" dirty="0">
+              <a:rPr lang="en-US" dirty="0" smtClean="0">
                 <a:solidFill>
                   <a:srgbClr val="F8F8F2"/>
                 </a:solidFill>
@@ -7635,7 +7145,7 @@
               <a:t>      </a:t>
             </a:r>
             <a:r>
-              <a:rPr lang="en-US" dirty="0">
+              <a:rPr lang="en-US" dirty="0" smtClean="0">
                 <a:solidFill>
                   <a:srgbClr val="A6E22E"/>
                 </a:solidFill>
@@ -7644,7 +7154,7 @@
               <a:t>template</a:t>
             </a:r>
             <a:r>
-              <a:rPr lang="en-US" dirty="0">
+              <a:rPr lang="en-US" dirty="0" smtClean="0">
                 <a:solidFill>
                   <a:srgbClr val="F92672"/>
                 </a:solidFill>
@@ -7653,7 +7163,7 @@
               <a:t>:</a:t>
             </a:r>
             <a:r>
-              <a:rPr lang="en-US" dirty="0">
+              <a:rPr lang="en-US" dirty="0" smtClean="0">
                 <a:solidFill>
                   <a:srgbClr val="F8F8F2"/>
                 </a:solidFill>
@@ -7662,192 +7172,174 @@
               <a:t> </a:t>
             </a:r>
             <a:r>
-              <a:rPr lang="en-US" dirty="0">
+              <a:rPr lang="en-US" dirty="0" smtClean="0">
                 <a:solidFill>
                   <a:srgbClr val="E6DB74"/>
                 </a:solidFill>
                 <a:latin typeface="Menlo"/>
               </a:rPr>
-              <a:t>'&lt;div&gt;Hello {{</a:t>
-            </a:r>
-            <a:r>
-              <a:rPr lang="en-US" dirty="0" err="1">
+              <a:t>'&lt;div&gt;Hello {{name}}&lt;/div&gt;'</a:t>
+            </a:r>
+            <a:r>
+              <a:rPr lang="en-US" dirty="0" smtClean="0">
+                <a:solidFill>
+                  <a:srgbClr val="F8F8F2"/>
+                </a:solidFill>
+                <a:latin typeface="Menlo"/>
+              </a:rPr>
+              <a:t>,</a:t>
+            </a:r>
+          </a:p>
+          <a:p>
+            <a:r>
+              <a:rPr lang="fr-FR" dirty="0" smtClean="0">
+                <a:solidFill>
+                  <a:srgbClr val="F8F8F2"/>
+                </a:solidFill>
+                <a:latin typeface="Menlo"/>
+              </a:rPr>
+              <a:t>      </a:t>
+            </a:r>
+            <a:r>
+              <a:rPr lang="fr-FR" dirty="0" err="1" smtClean="0">
+                <a:solidFill>
+                  <a:srgbClr val="A6E22E"/>
+                </a:solidFill>
+                <a:latin typeface="Menlo"/>
+              </a:rPr>
+              <a:t>restrict</a:t>
+            </a:r>
+            <a:r>
+              <a:rPr lang="fr-FR" dirty="0" smtClean="0">
+                <a:solidFill>
+                  <a:srgbClr val="F92672"/>
+                </a:solidFill>
+                <a:latin typeface="Menlo"/>
+              </a:rPr>
+              <a:t>:</a:t>
+            </a:r>
+            <a:r>
+              <a:rPr lang="fr-FR" dirty="0" smtClean="0">
+                <a:solidFill>
+                  <a:srgbClr val="F8F8F2"/>
+                </a:solidFill>
+                <a:latin typeface="Menlo"/>
+              </a:rPr>
+              <a:t> </a:t>
+            </a:r>
+            <a:r>
+              <a:rPr lang="fr-FR" dirty="0" smtClean="0">
                 <a:solidFill>
                   <a:srgbClr val="E6DB74"/>
                 </a:solidFill>
                 <a:latin typeface="Menlo"/>
               </a:rPr>
-              <a:t>person.name</a:t>
-            </a:r>
-            <a:r>
-              <a:rPr lang="en-US" dirty="0">
+              <a:t>'AC'</a:t>
+            </a:r>
+            <a:r>
+              <a:rPr lang="fr-FR" dirty="0" smtClean="0">
+                <a:solidFill>
+                  <a:srgbClr val="F8F8F2"/>
+                </a:solidFill>
+                <a:latin typeface="Menlo"/>
+              </a:rPr>
+              <a:t>,</a:t>
+            </a:r>
+          </a:p>
+          <a:p>
+            <a:r>
+              <a:rPr lang="it-IT" dirty="0" smtClean="0">
+                <a:solidFill>
+                  <a:srgbClr val="F8F8F2"/>
+                </a:solidFill>
+                <a:latin typeface="Menlo"/>
+              </a:rPr>
+              <a:t>      </a:t>
+            </a:r>
+            <a:r>
+              <a:rPr lang="it-IT" dirty="0" smtClean="0">
+                <a:solidFill>
+                  <a:srgbClr val="A6E22E"/>
+                </a:solidFill>
+                <a:latin typeface="Menlo"/>
+              </a:rPr>
+              <a:t>scope</a:t>
+            </a:r>
+            <a:r>
+              <a:rPr lang="it-IT" dirty="0" smtClean="0">
+                <a:solidFill>
+                  <a:srgbClr val="F92672"/>
+                </a:solidFill>
+                <a:latin typeface="Menlo"/>
+              </a:rPr>
+              <a:t>:</a:t>
+            </a:r>
+            <a:r>
+              <a:rPr lang="it-IT" dirty="0" smtClean="0">
+                <a:solidFill>
+                  <a:srgbClr val="F8F8F2"/>
+                </a:solidFill>
+                <a:latin typeface="Menlo"/>
+              </a:rPr>
+              <a:t> {</a:t>
+            </a:r>
+          </a:p>
+          <a:p>
+            <a:r>
+              <a:rPr lang="en-US" dirty="0" smtClean="0">
+                <a:solidFill>
+                  <a:srgbClr val="F8F8F2"/>
+                </a:solidFill>
+                <a:latin typeface="Menlo"/>
+              </a:rPr>
+              <a:t>        </a:t>
+            </a:r>
+            <a:r>
+              <a:rPr lang="en-US" dirty="0" smtClean="0">
+                <a:solidFill>
+                  <a:srgbClr val="A6E22E"/>
+                </a:solidFill>
+                <a:latin typeface="Menlo"/>
+              </a:rPr>
+              <a:t>name</a:t>
+            </a:r>
+            <a:r>
+              <a:rPr lang="en-US" dirty="0" smtClean="0">
+                <a:solidFill>
+                  <a:srgbClr val="F92672"/>
+                </a:solidFill>
+                <a:latin typeface="Menlo"/>
+              </a:rPr>
+              <a:t>:</a:t>
+            </a:r>
+            <a:r>
+              <a:rPr lang="en-US" dirty="0" smtClean="0">
                 <a:solidFill>
                   <a:srgbClr val="E6DB74"/>
                 </a:solidFill>
                 <a:latin typeface="Menlo"/>
               </a:rPr>
-              <a:t>}}&lt;/div&gt;'</a:t>
-            </a:r>
-            <a:r>
-              <a:rPr lang="en-US" dirty="0">
-                <a:solidFill>
-                  <a:srgbClr val="F8F8F2"/>
-                </a:solidFill>
-                <a:latin typeface="Menlo"/>
-              </a:rPr>
-              <a:t>,</a:t>
-            </a:r>
-          </a:p>
-          <a:p>
-            <a:r>
-              <a:rPr lang="fr-FR" dirty="0">
-                <a:solidFill>
-                  <a:srgbClr val="F8F8F2"/>
-                </a:solidFill>
-                <a:latin typeface="Menlo"/>
-              </a:rPr>
-              <a:t>      </a:t>
-            </a:r>
-            <a:r>
-              <a:rPr lang="fr-FR" dirty="0" err="1">
-                <a:solidFill>
-                  <a:srgbClr val="A6E22E"/>
-                </a:solidFill>
-                <a:latin typeface="Menlo"/>
-              </a:rPr>
-              <a:t>restrict</a:t>
-            </a:r>
-            <a:r>
-              <a:rPr lang="fr-FR" dirty="0">
-                <a:solidFill>
-                  <a:srgbClr val="F92672"/>
-                </a:solidFill>
-                <a:latin typeface="Menlo"/>
-              </a:rPr>
-              <a:t>:</a:t>
-            </a:r>
-            <a:r>
-              <a:rPr lang="fr-FR" dirty="0">
-                <a:solidFill>
-                  <a:srgbClr val="F8F8F2"/>
-                </a:solidFill>
-                <a:latin typeface="Menlo"/>
-              </a:rPr>
-              <a:t> </a:t>
-            </a:r>
-            <a:r>
-              <a:rPr lang="fr-FR" dirty="0">
+              <a:t>"@</a:t>
+            </a:r>
+            <a:r>
+              <a:rPr lang="en-US" dirty="0" err="1" smtClean="0">
                 <a:solidFill>
                   <a:srgbClr val="E6DB74"/>
                 </a:solidFill>
                 <a:latin typeface="Menlo"/>
               </a:rPr>
-              <a:t>'AC'</a:t>
-            </a:r>
-            <a:r>
-              <a:rPr lang="fr-FR" dirty="0">
-                <a:solidFill>
-                  <a:srgbClr val="F8F8F2"/>
-                </a:solidFill>
-                <a:latin typeface="Menlo"/>
-              </a:rPr>
-              <a:t>,</a:t>
-            </a:r>
-          </a:p>
-          <a:p>
-            <a:r>
-              <a:rPr lang="it-IT" dirty="0">
-                <a:solidFill>
-                  <a:srgbClr val="F8F8F2"/>
-                </a:solidFill>
-                <a:latin typeface="Menlo"/>
-              </a:rPr>
-              <a:t>      </a:t>
-            </a:r>
-            <a:r>
-              <a:rPr lang="it-IT" dirty="0">
-                <a:solidFill>
-                  <a:srgbClr val="A6E22E"/>
-                </a:solidFill>
-                <a:latin typeface="Menlo"/>
-              </a:rPr>
-              <a:t>scope</a:t>
-            </a:r>
-            <a:r>
-              <a:rPr lang="it-IT" dirty="0">
-                <a:solidFill>
-                  <a:srgbClr val="F92672"/>
-                </a:solidFill>
-                <a:latin typeface="Menlo"/>
-              </a:rPr>
-              <a:t>:</a:t>
-            </a:r>
-            <a:r>
-              <a:rPr lang="it-IT" dirty="0">
-                <a:solidFill>
-                  <a:srgbClr val="F8F8F2"/>
-                </a:solidFill>
-                <a:latin typeface="Menlo"/>
-              </a:rPr>
-              <a:t> {</a:t>
-            </a:r>
-          </a:p>
-          <a:p>
-            <a:r>
-              <a:rPr lang="it-IT" dirty="0">
-                <a:solidFill>
-                  <a:srgbClr val="F8F8F2"/>
-                </a:solidFill>
-                <a:latin typeface="Menlo"/>
-              </a:rPr>
-              <a:t>        </a:t>
-            </a:r>
-            <a:r>
-              <a:rPr lang="it-IT" dirty="0" err="1">
-                <a:solidFill>
-                  <a:srgbClr val="A6E22E"/>
-                </a:solidFill>
-                <a:latin typeface="Menlo"/>
-              </a:rPr>
-              <a:t>person</a:t>
-            </a:r>
-            <a:r>
-              <a:rPr lang="it-IT" dirty="0">
-                <a:solidFill>
-                  <a:srgbClr val="F92672"/>
-                </a:solidFill>
-                <a:latin typeface="Menlo"/>
-              </a:rPr>
-              <a:t>:</a:t>
-            </a:r>
-            <a:r>
-              <a:rPr lang="it-IT" dirty="0">
+              <a:t>nameAttr</a:t>
+            </a:r>
+            <a:r>
+              <a:rPr lang="en-US" dirty="0" smtClean="0">
                 <a:solidFill>
                   <a:srgbClr val="E6DB74"/>
                 </a:solidFill>
                 <a:latin typeface="Menlo"/>
               </a:rPr>
-              <a:t>"=</a:t>
-            </a:r>
-            <a:r>
-              <a:rPr lang="it-IT" dirty="0" err="1">
-                <a:solidFill>
-                  <a:srgbClr val="E6DB74"/>
-                </a:solidFill>
-                <a:latin typeface="Menlo"/>
-              </a:rPr>
-              <a:t>personAttr</a:t>
-            </a:r>
-            <a:r>
-              <a:rPr lang="it-IT" dirty="0">
-                <a:solidFill>
-                  <a:srgbClr val="E6DB74"/>
-                </a:solidFill>
-                <a:latin typeface="Menlo"/>
-              </a:rPr>
               <a:t>"</a:t>
             </a:r>
-            <a:endParaRPr lang="it-IT" dirty="0">
+            <a:endParaRPr lang="en-US" dirty="0" smtClean="0">
               <a:solidFill>
                 <a:srgbClr val="F8F8F2"/>
               </a:solidFill>
@@ -7856,7 +7348,7 @@
           </a:p>
           <a:p>
             <a:r>
-              <a:rPr lang="it-IT" dirty="0">
+              <a:rPr lang="en-US" dirty="0" smtClean="0">
                 <a:solidFill>
                   <a:srgbClr val="F8F8F2"/>
                 </a:solidFill>
@@ -7867,7 +7359,7 @@
           </a:p>
           <a:p>
             <a:r>
-              <a:rPr lang="it-IT" dirty="0">
+              <a:rPr lang="en-US" dirty="0" smtClean="0">
                 <a:solidFill>
                   <a:srgbClr val="F8F8F2"/>
                 </a:solidFill>
@@ -7878,118 +7370,13 @@
           </a:p>
           <a:p>
             <a:r>
-              <a:rPr lang="it-IT" dirty="0">
+              <a:rPr lang="en-US" dirty="0" smtClean="0">
                 <a:solidFill>
                   <a:srgbClr val="F8F8F2"/>
                 </a:solidFill>
                 <a:latin typeface="Menlo"/>
               </a:rPr>
               <a:t>  });</a:t>
-            </a:r>
-          </a:p>
-        </p:txBody>
-      </p:sp>
-      <p:sp>
-        <p:nvSpPr>
-          <p:cNvPr id="5" name="Rectangle 4"/>
-          <p:cNvSpPr/>
-          <p:nvPr/>
-        </p:nvSpPr>
-        <p:spPr>
-          <a:xfrm>
-            <a:off x="1177041" y="6290040"/>
-            <a:ext cx="4909743" cy="369332"/>
-          </a:xfrm>
-          <a:prstGeom prst="rect">
-            <a:avLst/>
-          </a:prstGeom>
-        </p:spPr>
-        <p:txBody>
-          <a:bodyPr wrap="none">
-            <a:spAutoFit/>
-          </a:bodyPr>
-          <a:lstStyle/>
-          <a:p>
-            <a:r>
-              <a:rPr lang="en-US" dirty="0">
-                <a:solidFill>
-                  <a:srgbClr val="F92672"/>
-                </a:solidFill>
-                <a:latin typeface="Menlo"/>
-              </a:rPr>
-              <a:t>&lt;my-directive</a:t>
-            </a:r>
-            <a:r>
-              <a:rPr lang="en-US" dirty="0">
-                <a:solidFill>
-                  <a:srgbClr val="F8F8F2"/>
-                </a:solidFill>
-                <a:latin typeface="Menlo"/>
-              </a:rPr>
-              <a:t> </a:t>
-            </a:r>
-            <a:r>
-              <a:rPr lang="en-US" dirty="0">
-                <a:solidFill>
-                  <a:srgbClr val="A6E22E"/>
-                </a:solidFill>
-                <a:latin typeface="Menlo"/>
-              </a:rPr>
-              <a:t>person-</a:t>
-            </a:r>
-            <a:r>
-              <a:rPr lang="en-US" dirty="0" err="1">
-                <a:solidFill>
-                  <a:srgbClr val="A6E22E"/>
-                </a:solidFill>
-                <a:latin typeface="Menlo"/>
-              </a:rPr>
-              <a:t>attr</a:t>
-            </a:r>
-            <a:r>
-              <a:rPr lang="en-US" dirty="0">
-                <a:solidFill>
-                  <a:srgbClr val="A6E22E"/>
-                </a:solidFill>
-                <a:latin typeface="Menlo"/>
-              </a:rPr>
-              <a:t>=</a:t>
-            </a:r>
-            <a:r>
-              <a:rPr lang="en-US" dirty="0">
-                <a:solidFill>
-                  <a:srgbClr val="E6DB74"/>
-                </a:solidFill>
-                <a:latin typeface="Menlo"/>
-              </a:rPr>
-              <a:t>"</a:t>
-            </a:r>
-            <a:r>
-              <a:rPr lang="en-US" dirty="0" err="1">
-                <a:solidFill>
-                  <a:srgbClr val="E6DB74"/>
-                </a:solidFill>
-                <a:latin typeface="Menlo"/>
-              </a:rPr>
-              <a:t>phil</a:t>
-            </a:r>
-            <a:r>
-              <a:rPr lang="en-US" dirty="0">
-                <a:solidFill>
-                  <a:srgbClr val="E6DB74"/>
-                </a:solidFill>
-                <a:latin typeface="Menlo"/>
-              </a:rPr>
-              <a:t>"</a:t>
-            </a:r>
-            <a:r>
-              <a:rPr lang="en-US" dirty="0">
-                <a:solidFill>
-                  <a:srgbClr val="F92672"/>
-                </a:solidFill>
-                <a:latin typeface="Menlo"/>
-              </a:rPr>
-              <a:t>/&gt;</a:t>
             </a:r>
             <a:endParaRPr lang="en-US" dirty="0">
               <a:solidFill>
@@ -8000,10 +7387,130 @@
           </a:p>
         </p:txBody>
       </p:sp>
+      <p:sp>
+        <p:nvSpPr>
+          <p:cNvPr id="6" name="Rectangle 5"/>
+          <p:cNvSpPr/>
+          <p:nvPr/>
+        </p:nvSpPr>
+        <p:spPr>
+          <a:xfrm>
+            <a:off x="1146066" y="6214661"/>
+            <a:ext cx="6866576" cy="369332"/>
+          </a:xfrm>
+          <a:prstGeom prst="rect">
+            <a:avLst/>
+          </a:prstGeom>
+        </p:spPr>
+        <p:txBody>
+          <a:bodyPr wrap="square">
+            <a:spAutoFit/>
+          </a:bodyPr>
+          <a:lstStyle/>
+          <a:p>
+            <a:r>
+              <a:rPr lang="en-US" dirty="0">
+                <a:solidFill>
+                  <a:srgbClr val="F92672"/>
+                </a:solidFill>
+                <a:latin typeface="Menlo"/>
+              </a:rPr>
+              <a:t>&lt;my-directive</a:t>
+            </a:r>
+            <a:r>
+              <a:rPr lang="en-US" dirty="0">
+                <a:solidFill>
+                  <a:srgbClr val="F8F8F2"/>
+                </a:solidFill>
+                <a:latin typeface="Menlo"/>
+              </a:rPr>
+              <a:t> </a:t>
+            </a:r>
+            <a:r>
+              <a:rPr lang="en-US" dirty="0">
+                <a:solidFill>
+                  <a:srgbClr val="A6E22E"/>
+                </a:solidFill>
+                <a:latin typeface="Menlo"/>
+              </a:rPr>
+              <a:t>name-</a:t>
+            </a:r>
+            <a:r>
+              <a:rPr lang="en-US" dirty="0" err="1">
+                <a:solidFill>
+                  <a:srgbClr val="A6E22E"/>
+                </a:solidFill>
+                <a:latin typeface="Menlo"/>
+              </a:rPr>
+              <a:t>attr</a:t>
+            </a:r>
+            <a:r>
+              <a:rPr lang="en-US" dirty="0">
+                <a:solidFill>
+                  <a:srgbClr val="A6E22E"/>
+                </a:solidFill>
+                <a:latin typeface="Menlo"/>
+              </a:rPr>
+              <a:t>=</a:t>
+            </a:r>
+            <a:r>
+              <a:rPr lang="en-US" dirty="0">
+                <a:solidFill>
+                  <a:srgbClr val="E6DB74"/>
+                </a:solidFill>
+                <a:latin typeface="Menlo"/>
+              </a:rPr>
+              <a:t>"{</a:t>
+            </a:r>
+            <a:r>
+              <a:rPr lang="en-US" dirty="0" smtClean="0">
+                <a:solidFill>
+                  <a:srgbClr val="E6DB74"/>
+                </a:solidFill>
+                <a:latin typeface="Menlo"/>
+              </a:rPr>
+              <a:t>{</a:t>
+            </a:r>
+            <a:r>
+              <a:rPr lang="en-US" dirty="0" err="1" smtClean="0">
+                <a:solidFill>
+                  <a:srgbClr val="E6DB74"/>
+                </a:solidFill>
+                <a:latin typeface="Menlo"/>
+              </a:rPr>
+              <a:t>phil.name</a:t>
+            </a:r>
+            <a:r>
+              <a:rPr lang="en-US" dirty="0">
+                <a:solidFill>
+                  <a:srgbClr val="E6DB74"/>
+                </a:solidFill>
+                <a:latin typeface="Menlo"/>
+              </a:rPr>
+              <a:t>}}"</a:t>
+            </a:r>
+            <a:r>
+              <a:rPr lang="en-US" dirty="0">
+                <a:solidFill>
+                  <a:srgbClr val="F92672"/>
+                </a:solidFill>
+                <a:latin typeface="Menlo"/>
+              </a:rPr>
+              <a:t>/&gt;</a:t>
+            </a:r>
+            <a:endParaRPr lang="en-US" dirty="0">
+              <a:solidFill>
+                <a:srgbClr val="F8F8F2"/>
+              </a:solidFill>
+              <a:latin typeface="Menlo"/>
+            </a:endParaRPr>
+          </a:p>
+        </p:txBody>
+      </p:sp>
     </p:spTree>
     <p:extLst>
       <p:ext uri="{BB962C8B-B14F-4D97-AF65-F5344CB8AC3E}">
-        <p14:creationId xmlns:p14="http://schemas.microsoft.com/office/powerpoint/2010/main" val="2131333081"/>
+        <p14:creationId xmlns:p14="http://schemas.microsoft.com/office/powerpoint/2010/main" val="3791521122"/>
       </p:ext>
     </p:extLst>
   </p:cSld>
@@ -8153,8 +7660,8 @@
           <a:lstStyle/>
           <a:p>
             <a:r>
-              <a:rPr lang="en-US" dirty="0" err="1" smtClean="0"/>
-              <a:t>Expresions</a:t>
+              <a:rPr lang="en-US" dirty="0" smtClean="0"/>
+              <a:t>Two-way Binding to Parent</a:t>
             </a:r>
             <a:endParaRPr lang="en-US" dirty="0"/>
           </a:p>
@@ -8177,32 +7684,609 @@
           <a:p>
             <a:r>
               <a:rPr lang="en-US" dirty="0" smtClean="0"/>
-              <a:t>&amp; or &amp;</a:t>
+              <a:t>= or =</a:t>
             </a:r>
             <a:r>
               <a:rPr lang="en-US" dirty="0" err="1" smtClean="0"/>
+              <a:t>parentScopeAttrName</a:t>
+            </a:r>
+            <a:endParaRPr lang="en-US" dirty="0" smtClean="0"/>
+          </a:p>
+          <a:p>
+            <a:r>
+              <a:rPr lang="en-US" dirty="0" smtClean="0"/>
+              <a:t>Bi-directional data binding between local scope property and parent scope property</a:t>
+            </a:r>
+            <a:endParaRPr lang="en-US" dirty="0"/>
+          </a:p>
+        </p:txBody>
+      </p:sp>
+      <p:sp>
+        <p:nvSpPr>
+          <p:cNvPr id="4" name="Rectangle 3"/>
+          <p:cNvSpPr/>
+          <p:nvPr/>
+        </p:nvSpPr>
+        <p:spPr>
+          <a:xfrm>
+            <a:off x="1177041" y="3263840"/>
+            <a:ext cx="7485560" cy="2862323"/>
+          </a:xfrm>
+          <a:prstGeom prst="rect">
+            <a:avLst/>
+          </a:prstGeom>
+        </p:spPr>
+        <p:txBody>
+          <a:bodyPr wrap="square">
+            <a:spAutoFit/>
+          </a:bodyPr>
+          <a:lstStyle/>
+          <a:p>
+            <a:r>
+              <a:rPr lang="en-US" dirty="0" err="1">
+                <a:solidFill>
+                  <a:srgbClr val="A6E22E"/>
+                </a:solidFill>
+                <a:latin typeface="Menlo"/>
+              </a:rPr>
+              <a:t>angular</a:t>
+            </a:r>
+            <a:r>
+              <a:rPr lang="en-US" dirty="0" err="1">
+                <a:solidFill>
+                  <a:srgbClr val="F8F8F2"/>
+                </a:solidFill>
+                <a:latin typeface="Menlo"/>
+              </a:rPr>
+              <a:t>.</a:t>
+            </a:r>
+            <a:r>
+              <a:rPr lang="en-US" dirty="0" err="1">
+                <a:solidFill>
+                  <a:srgbClr val="A6E22E"/>
+                </a:solidFill>
+                <a:latin typeface="Menlo"/>
+              </a:rPr>
+              <a:t>module</a:t>
+            </a:r>
+            <a:r>
+              <a:rPr lang="en-US" dirty="0">
+                <a:solidFill>
+                  <a:srgbClr val="F8F8F2"/>
+                </a:solidFill>
+                <a:latin typeface="Menlo"/>
+              </a:rPr>
+              <a:t>(</a:t>
+            </a:r>
+            <a:r>
+              <a:rPr lang="en-US" dirty="0">
+                <a:solidFill>
+                  <a:srgbClr val="E6DB74"/>
+                </a:solidFill>
+                <a:latin typeface="Menlo"/>
+              </a:rPr>
+              <a:t>'</a:t>
+            </a:r>
+            <a:r>
+              <a:rPr lang="en-US" dirty="0" err="1">
+                <a:solidFill>
+                  <a:srgbClr val="E6DB74"/>
+                </a:solidFill>
+                <a:latin typeface="Menlo"/>
+              </a:rPr>
+              <a:t>myApp</a:t>
+            </a:r>
+            <a:r>
+              <a:rPr lang="en-US" dirty="0">
+                <a:solidFill>
+                  <a:srgbClr val="E6DB74"/>
+                </a:solidFill>
+                <a:latin typeface="Menlo"/>
+              </a:rPr>
+              <a:t>'</a:t>
+            </a:r>
+            <a:r>
+              <a:rPr lang="en-US" dirty="0">
+                <a:solidFill>
+                  <a:srgbClr val="F8F8F2"/>
+                </a:solidFill>
+                <a:latin typeface="Menlo"/>
+              </a:rPr>
+              <a:t>)</a:t>
+            </a:r>
+          </a:p>
+          <a:p>
+            <a:r>
+              <a:rPr lang="en-US" dirty="0">
+                <a:solidFill>
+                  <a:srgbClr val="F8F8F2"/>
+                </a:solidFill>
+                <a:latin typeface="Menlo"/>
+              </a:rPr>
+              <a:t>  .</a:t>
+            </a:r>
+            <a:r>
+              <a:rPr lang="en-US" dirty="0">
+                <a:solidFill>
+                  <a:srgbClr val="A6E22E"/>
+                </a:solidFill>
+                <a:latin typeface="Menlo"/>
+              </a:rPr>
+              <a:t>directive</a:t>
+            </a:r>
+            <a:r>
+              <a:rPr lang="en-US" dirty="0">
+                <a:solidFill>
+                  <a:srgbClr val="F8F8F2"/>
+                </a:solidFill>
+                <a:latin typeface="Menlo"/>
+              </a:rPr>
+              <a:t>(</a:t>
+            </a:r>
+            <a:r>
+              <a:rPr lang="en-US" dirty="0">
+                <a:solidFill>
+                  <a:srgbClr val="E6DB74"/>
+                </a:solidFill>
+                <a:latin typeface="Menlo"/>
+              </a:rPr>
+              <a:t>'</a:t>
+            </a:r>
+            <a:r>
+              <a:rPr lang="en-US" dirty="0" err="1">
+                <a:solidFill>
+                  <a:srgbClr val="E6DB74"/>
+                </a:solidFill>
+                <a:latin typeface="Menlo"/>
+              </a:rPr>
+              <a:t>myDirective</a:t>
+            </a:r>
+            <a:r>
+              <a:rPr lang="en-US" dirty="0">
+                <a:solidFill>
+                  <a:srgbClr val="E6DB74"/>
+                </a:solidFill>
+                <a:latin typeface="Menlo"/>
+              </a:rPr>
+              <a:t>'</a:t>
+            </a:r>
+            <a:r>
+              <a:rPr lang="en-US" dirty="0">
+                <a:solidFill>
+                  <a:srgbClr val="F8F8F2"/>
+                </a:solidFill>
+                <a:latin typeface="Menlo"/>
+              </a:rPr>
+              <a:t>, </a:t>
+            </a:r>
+            <a:r>
+              <a:rPr lang="en-US" dirty="0">
+                <a:solidFill>
+                  <a:srgbClr val="66D9EF"/>
+                </a:solidFill>
+                <a:latin typeface="Menlo"/>
+              </a:rPr>
+              <a:t>function</a:t>
+            </a:r>
+            <a:r>
+              <a:rPr lang="en-US" dirty="0">
+                <a:solidFill>
+                  <a:srgbClr val="F8F8F2"/>
+                </a:solidFill>
+                <a:latin typeface="Menlo"/>
+              </a:rPr>
+              <a:t>() {</a:t>
+            </a:r>
+          </a:p>
+          <a:p>
+            <a:r>
+              <a:rPr lang="is-IS" dirty="0">
+                <a:solidFill>
+                  <a:srgbClr val="F8F8F2"/>
+                </a:solidFill>
+                <a:latin typeface="Menlo"/>
+              </a:rPr>
+              <a:t>    </a:t>
+            </a:r>
+            <a:r>
+              <a:rPr lang="is-IS" dirty="0">
+                <a:solidFill>
+                  <a:srgbClr val="66D9EF"/>
+                </a:solidFill>
+                <a:latin typeface="Menlo"/>
+              </a:rPr>
+              <a:t>return</a:t>
+            </a:r>
+            <a:r>
+              <a:rPr lang="is-IS" dirty="0">
+                <a:solidFill>
+                  <a:srgbClr val="F8F8F2"/>
+                </a:solidFill>
+                <a:latin typeface="Menlo"/>
+              </a:rPr>
+              <a:t> {</a:t>
+            </a:r>
+          </a:p>
+          <a:p>
+            <a:r>
+              <a:rPr lang="en-US" dirty="0">
+                <a:solidFill>
+                  <a:srgbClr val="F8F8F2"/>
+                </a:solidFill>
+                <a:latin typeface="Menlo"/>
+              </a:rPr>
+              <a:t>      </a:t>
+            </a:r>
+            <a:r>
+              <a:rPr lang="en-US" dirty="0">
+                <a:solidFill>
+                  <a:srgbClr val="A6E22E"/>
+                </a:solidFill>
+                <a:latin typeface="Menlo"/>
+              </a:rPr>
+              <a:t>template</a:t>
+            </a:r>
+            <a:r>
+              <a:rPr lang="en-US" dirty="0">
+                <a:solidFill>
+                  <a:srgbClr val="F92672"/>
+                </a:solidFill>
+                <a:latin typeface="Menlo"/>
+              </a:rPr>
+              <a:t>:</a:t>
+            </a:r>
+            <a:r>
+              <a:rPr lang="en-US" dirty="0">
+                <a:solidFill>
+                  <a:srgbClr val="F8F8F2"/>
+                </a:solidFill>
+                <a:latin typeface="Menlo"/>
+              </a:rPr>
+              <a:t> </a:t>
+            </a:r>
+            <a:r>
+              <a:rPr lang="en-US" dirty="0">
+                <a:solidFill>
+                  <a:srgbClr val="E6DB74"/>
+                </a:solidFill>
+                <a:latin typeface="Menlo"/>
+              </a:rPr>
+              <a:t>'&lt;div&gt;Hello {{</a:t>
+            </a:r>
+            <a:r>
+              <a:rPr lang="en-US" dirty="0" err="1">
+                <a:solidFill>
+                  <a:srgbClr val="E6DB74"/>
+                </a:solidFill>
+                <a:latin typeface="Menlo"/>
+              </a:rPr>
+              <a:t>person.name</a:t>
+            </a:r>
+            <a:r>
+              <a:rPr lang="en-US" dirty="0">
+                <a:solidFill>
+                  <a:srgbClr val="E6DB74"/>
+                </a:solidFill>
+                <a:latin typeface="Menlo"/>
+              </a:rPr>
+              <a:t>}}&lt;/div&gt;'</a:t>
+            </a:r>
+            <a:r>
+              <a:rPr lang="en-US" dirty="0">
+                <a:solidFill>
+                  <a:srgbClr val="F8F8F2"/>
+                </a:solidFill>
+                <a:latin typeface="Menlo"/>
+              </a:rPr>
+              <a:t>,</a:t>
+            </a:r>
+          </a:p>
+          <a:p>
+            <a:r>
+              <a:rPr lang="fr-FR" dirty="0">
+                <a:solidFill>
+                  <a:srgbClr val="F8F8F2"/>
+                </a:solidFill>
+                <a:latin typeface="Menlo"/>
+              </a:rPr>
+              <a:t>      </a:t>
+            </a:r>
+            <a:r>
+              <a:rPr lang="fr-FR" dirty="0" err="1">
+                <a:solidFill>
+                  <a:srgbClr val="A6E22E"/>
+                </a:solidFill>
+                <a:latin typeface="Menlo"/>
+              </a:rPr>
+              <a:t>restrict</a:t>
+            </a:r>
+            <a:r>
+              <a:rPr lang="fr-FR" dirty="0">
+                <a:solidFill>
+                  <a:srgbClr val="F92672"/>
+                </a:solidFill>
+                <a:latin typeface="Menlo"/>
+              </a:rPr>
+              <a:t>:</a:t>
+            </a:r>
+            <a:r>
+              <a:rPr lang="fr-FR" dirty="0">
+                <a:solidFill>
+                  <a:srgbClr val="F8F8F2"/>
+                </a:solidFill>
+                <a:latin typeface="Menlo"/>
+              </a:rPr>
+              <a:t> </a:t>
+            </a:r>
+            <a:r>
+              <a:rPr lang="fr-FR" dirty="0">
+                <a:solidFill>
+                  <a:srgbClr val="E6DB74"/>
+                </a:solidFill>
+                <a:latin typeface="Menlo"/>
+              </a:rPr>
+              <a:t>'AC'</a:t>
+            </a:r>
+            <a:r>
+              <a:rPr lang="fr-FR" dirty="0">
+                <a:solidFill>
+                  <a:srgbClr val="F8F8F2"/>
+                </a:solidFill>
+                <a:latin typeface="Menlo"/>
+              </a:rPr>
+              <a:t>,</a:t>
+            </a:r>
+          </a:p>
+          <a:p>
+            <a:r>
+              <a:rPr lang="it-IT" dirty="0">
+                <a:solidFill>
+                  <a:srgbClr val="F8F8F2"/>
+                </a:solidFill>
+                <a:latin typeface="Menlo"/>
+              </a:rPr>
+              <a:t>      </a:t>
+            </a:r>
+            <a:r>
+              <a:rPr lang="it-IT" dirty="0">
+                <a:solidFill>
+                  <a:srgbClr val="A6E22E"/>
+                </a:solidFill>
+                <a:latin typeface="Menlo"/>
+              </a:rPr>
+              <a:t>scope</a:t>
+            </a:r>
+            <a:r>
+              <a:rPr lang="it-IT" dirty="0">
+                <a:solidFill>
+                  <a:srgbClr val="F92672"/>
+                </a:solidFill>
+                <a:latin typeface="Menlo"/>
+              </a:rPr>
+              <a:t>:</a:t>
+            </a:r>
+            <a:r>
+              <a:rPr lang="it-IT" dirty="0">
+                <a:solidFill>
+                  <a:srgbClr val="F8F8F2"/>
+                </a:solidFill>
+                <a:latin typeface="Menlo"/>
+              </a:rPr>
+              <a:t> {</a:t>
+            </a:r>
+          </a:p>
+          <a:p>
+            <a:r>
+              <a:rPr lang="it-IT" dirty="0">
+                <a:solidFill>
+                  <a:srgbClr val="F8F8F2"/>
+                </a:solidFill>
+                <a:latin typeface="Menlo"/>
+              </a:rPr>
+              <a:t>        </a:t>
+            </a:r>
+            <a:r>
+              <a:rPr lang="it-IT" dirty="0" err="1">
+                <a:solidFill>
+                  <a:srgbClr val="A6E22E"/>
+                </a:solidFill>
+                <a:latin typeface="Menlo"/>
+              </a:rPr>
+              <a:t>person</a:t>
+            </a:r>
+            <a:r>
+              <a:rPr lang="it-IT" dirty="0">
+                <a:solidFill>
+                  <a:srgbClr val="F92672"/>
+                </a:solidFill>
+                <a:latin typeface="Menlo"/>
+              </a:rPr>
+              <a:t>:</a:t>
+            </a:r>
+            <a:r>
+              <a:rPr lang="it-IT" dirty="0">
+                <a:solidFill>
+                  <a:srgbClr val="E6DB74"/>
+                </a:solidFill>
+                <a:latin typeface="Menlo"/>
+              </a:rPr>
+              <a:t>"=</a:t>
+            </a:r>
+            <a:r>
+              <a:rPr lang="it-IT" dirty="0" err="1">
+                <a:solidFill>
+                  <a:srgbClr val="E6DB74"/>
+                </a:solidFill>
+                <a:latin typeface="Menlo"/>
+              </a:rPr>
+              <a:t>personAttr</a:t>
+            </a:r>
+            <a:r>
+              <a:rPr lang="it-IT" dirty="0">
+                <a:solidFill>
+                  <a:srgbClr val="E6DB74"/>
+                </a:solidFill>
+                <a:latin typeface="Menlo"/>
+              </a:rPr>
+              <a:t>"</a:t>
+            </a:r>
+            <a:endParaRPr lang="it-IT" dirty="0">
+              <a:solidFill>
+                <a:srgbClr val="F8F8F2"/>
+              </a:solidFill>
+              <a:latin typeface="Menlo"/>
+            </a:endParaRPr>
+          </a:p>
+          <a:p>
+            <a:r>
+              <a:rPr lang="it-IT" dirty="0">
+                <a:solidFill>
+                  <a:srgbClr val="F8F8F2"/>
+                </a:solidFill>
+                <a:latin typeface="Menlo"/>
+              </a:rPr>
+              <a:t>      }</a:t>
+            </a:r>
+          </a:p>
+          <a:p>
+            <a:r>
+              <a:rPr lang="it-IT" dirty="0">
+                <a:solidFill>
+                  <a:srgbClr val="F8F8F2"/>
+                </a:solidFill>
+                <a:latin typeface="Menlo"/>
+              </a:rPr>
+              <a:t>    };</a:t>
+            </a:r>
+          </a:p>
+          <a:p>
+            <a:r>
+              <a:rPr lang="it-IT" dirty="0">
+                <a:solidFill>
+                  <a:srgbClr val="F8F8F2"/>
+                </a:solidFill>
+                <a:latin typeface="Menlo"/>
+              </a:rPr>
+              <a:t>  });</a:t>
+            </a:r>
+          </a:p>
+        </p:txBody>
+      </p:sp>
+      <p:sp>
+        <p:nvSpPr>
+          <p:cNvPr id="5" name="Rectangle 4"/>
+          <p:cNvSpPr/>
+          <p:nvPr/>
+        </p:nvSpPr>
+        <p:spPr>
+          <a:xfrm>
+            <a:off x="1177041" y="6290040"/>
+            <a:ext cx="4909743" cy="369332"/>
+          </a:xfrm>
+          <a:prstGeom prst="rect">
+            <a:avLst/>
+          </a:prstGeom>
+        </p:spPr>
+        <p:txBody>
+          <a:bodyPr wrap="none">
+            <a:spAutoFit/>
+          </a:bodyPr>
+          <a:lstStyle/>
+          <a:p>
+            <a:r>
+              <a:rPr lang="en-US" dirty="0">
+                <a:solidFill>
+                  <a:srgbClr val="F92672"/>
+                </a:solidFill>
+                <a:latin typeface="Menlo"/>
+              </a:rPr>
+              <a:t>&lt;my-directive</a:t>
+            </a:r>
+            <a:r>
+              <a:rPr lang="en-US" dirty="0">
+                <a:solidFill>
+                  <a:srgbClr val="F8F8F2"/>
+                </a:solidFill>
+                <a:latin typeface="Menlo"/>
+              </a:rPr>
+              <a:t> </a:t>
+            </a:r>
+            <a:r>
+              <a:rPr lang="en-US" dirty="0">
+                <a:solidFill>
+                  <a:srgbClr val="A6E22E"/>
+                </a:solidFill>
+                <a:latin typeface="Menlo"/>
+              </a:rPr>
+              <a:t>person-</a:t>
+            </a:r>
+            <a:r>
+              <a:rPr lang="en-US" dirty="0" err="1">
+                <a:solidFill>
+                  <a:srgbClr val="A6E22E"/>
+                </a:solidFill>
+                <a:latin typeface="Menlo"/>
+              </a:rPr>
               <a:t>attr</a:t>
             </a:r>
-            <a:endParaRPr lang="en-US" dirty="0" smtClean="0"/>
-          </a:p>
-          <a:p>
-            <a:r>
-              <a:rPr lang="en-US" dirty="0" smtClean="0"/>
-              <a:t>Allows passing of data from local isolated scope back to parent scope</a:t>
-            </a:r>
-          </a:p>
-          <a:p>
-            <a:r>
-              <a:rPr lang="en-US" dirty="0" smtClean="0"/>
-              <a:t>Similar to passing a closure from the parent scope</a:t>
-            </a:r>
+            <a:r>
+              <a:rPr lang="en-US" dirty="0">
+                <a:solidFill>
+                  <a:srgbClr val="A6E22E"/>
+                </a:solidFill>
+                <a:latin typeface="Menlo"/>
+              </a:rPr>
+              <a:t>=</a:t>
+            </a:r>
+            <a:r>
+              <a:rPr lang="en-US" dirty="0">
+                <a:solidFill>
+                  <a:srgbClr val="E6DB74"/>
+                </a:solidFill>
+                <a:latin typeface="Menlo"/>
+              </a:rPr>
+              <a:t>"</a:t>
+            </a:r>
+            <a:r>
+              <a:rPr lang="en-US" dirty="0" err="1">
+                <a:solidFill>
+                  <a:srgbClr val="E6DB74"/>
+                </a:solidFill>
+                <a:latin typeface="Menlo"/>
+              </a:rPr>
+              <a:t>phil</a:t>
+            </a:r>
+            <a:r>
+              <a:rPr lang="en-US" dirty="0">
+                <a:solidFill>
+                  <a:srgbClr val="E6DB74"/>
+                </a:solidFill>
+                <a:latin typeface="Menlo"/>
+              </a:rPr>
+              <a:t>"</a:t>
+            </a:r>
+            <a:r>
+              <a:rPr lang="en-US" dirty="0">
+                <a:solidFill>
+                  <a:srgbClr val="F92672"/>
+                </a:solidFill>
+                <a:latin typeface="Menlo"/>
+              </a:rPr>
+              <a:t>/&gt;</a:t>
+            </a:r>
+            <a:endParaRPr lang="en-US" dirty="0">
+              <a:solidFill>
+                <a:srgbClr val="F8F8F2"/>
+              </a:solidFill>
+              <a:latin typeface="Menlo"/>
+            </a:endParaRPr>
           </a:p>
         </p:txBody>
       </p:sp>
     </p:spTree>
     <p:extLst>
       <p:ext uri="{BB962C8B-B14F-4D97-AF65-F5344CB8AC3E}">
-        <p14:creationId xmlns:p14="http://schemas.microsoft.com/office/powerpoint/2010/main" val="2320795921"/>
+        <p14:creationId xmlns:p14="http://schemas.microsoft.com/office/powerpoint/2010/main" val="2131333081"/>
       </p:ext>
     </p:extLst>
   </p:cSld>
@@ -8245,8 +8329,8 @@
           <a:lstStyle/>
           <a:p>
             <a:r>
-              <a:rPr lang="en-US" dirty="0" smtClean="0"/>
-              <a:t>// TODO</a:t>
+              <a:rPr lang="en-US" dirty="0" err="1" smtClean="0"/>
+              <a:t>Expresions</a:t>
             </a:r>
             <a:endParaRPr lang="en-US" dirty="0"/>
           </a:p>
@@ -8269,21 +8353,24 @@
           <a:p>
             <a:r>
               <a:rPr lang="en-US" dirty="0" smtClean="0"/>
-              <a:t>Create an Artist directive</a:t>
-            </a:r>
-          </a:p>
-          <a:p>
-            <a:pPr lvl="1"/>
+              <a:t>&amp; or &amp;</a:t>
+            </a:r>
+            <a:r>
+              <a:rPr lang="en-US" dirty="0" err="1" smtClean="0"/>
+              <a:t>attr</a:t>
+            </a:r>
+            <a:endParaRPr lang="en-US" dirty="0" smtClean="0"/>
+          </a:p>
+          <a:p>
             <a:r>
               <a:rPr lang="en-US" dirty="0" smtClean="0"/>
-              <a:t>Binds to an artist property on the parent scope</a:t>
-            </a:r>
-          </a:p>
-          <a:p>
-            <a:pPr lvl="1"/>
+              <a:t>Allows passing of data from local isolated scope back to parent scope</a:t>
+            </a:r>
+          </a:p>
+          <a:p>
             <a:r>
               <a:rPr lang="en-US" dirty="0" smtClean="0"/>
-              <a:t>Displays the name and image of the artist</a:t>
+              <a:t>Similar to passing a closure from the parent scope</a:t>
             </a:r>
           </a:p>
         </p:txBody>
@@ -8291,7 +8378,7 @@
     </p:spTree>
     <p:extLst>
       <p:ext uri="{BB962C8B-B14F-4D97-AF65-F5344CB8AC3E}">
-        <p14:creationId xmlns:p14="http://schemas.microsoft.com/office/powerpoint/2010/main" val="1688779499"/>
+        <p14:creationId xmlns:p14="http://schemas.microsoft.com/office/powerpoint/2010/main" val="2320795921"/>
       </p:ext>
     </p:extLst>
   </p:cSld>
@@ -8335,7 +8422,7 @@
           <a:p>
             <a:r>
               <a:rPr lang="en-US" dirty="0" smtClean="0"/>
-              <a:t>Checkpoint</a:t>
+              <a:t>// TODO</a:t>
             </a:r>
             <a:endParaRPr lang="en-US" dirty="0"/>
           </a:p>
@@ -8357,21 +8444,30 @@
           <a:lstStyle/>
           <a:p>
             <a:r>
-              <a:rPr lang="en-US" dirty="0" err="1" smtClean="0"/>
-              <a:t>git</a:t>
-            </a:r>
-            <a:r>
               <a:rPr lang="en-US" dirty="0" smtClean="0"/>
-              <a:t> checkout -f day-4/step-1</a:t>
-            </a:r>
-            <a:endParaRPr lang="en-US" dirty="0"/>
+              <a:t>Create an Artist directive</a:t>
+            </a:r>
+          </a:p>
+          <a:p>
+            <a:pPr lvl="1"/>
+            <a:r>
+              <a:rPr lang="en-US" dirty="0" smtClean="0"/>
+              <a:t>Binds to an artist property on the parent scope</a:t>
+            </a:r>
+          </a:p>
+          <a:p>
+            <a:pPr lvl="1"/>
+            <a:r>
+              <a:rPr lang="en-US" dirty="0" smtClean="0"/>
+              <a:t>Displays the name and image of the artist</a:t>
+            </a:r>
           </a:p>
         </p:txBody>
       </p:sp>
     </p:spTree>
     <p:extLst>
       <p:ext uri="{BB962C8B-B14F-4D97-AF65-F5344CB8AC3E}">
-        <p14:creationId xmlns:p14="http://schemas.microsoft.com/office/powerpoint/2010/main" val="2697927490"/>
+        <p14:creationId xmlns:p14="http://schemas.microsoft.com/office/powerpoint/2010/main" val="1688779499"/>
       </p:ext>
     </p:extLst>
   </p:cSld>
@@ -8415,7 +8511,7 @@
           <a:p>
             <a:r>
               <a:rPr lang="en-US" dirty="0" smtClean="0"/>
-              <a:t>Link</a:t>
+              <a:t>Checkpoint</a:t>
             </a:r>
             <a:endParaRPr lang="en-US" dirty="0"/>
           </a:p>
@@ -8437,26 +8533,12 @@
           <a:lstStyle/>
           <a:p>
             <a:r>
+              <a:rPr lang="en-US" dirty="0" err="1" smtClean="0"/>
+              <a:t>git</a:t>
+            </a:r>
+            <a:r>
               <a:rPr lang="en-US" dirty="0" smtClean="0"/>
-              <a:t>Function</a:t>
-            </a:r>
-          </a:p>
-          <a:p>
-            <a:r>
-              <a:rPr lang="en-US" dirty="0" smtClean="0"/>
-              <a:t>Responsible for registering DOM listeners, watches on expressions, and performing DOM updates</a:t>
-            </a:r>
-          </a:p>
-          <a:p>
-            <a:r>
-              <a:rPr lang="en-US" dirty="0" smtClean="0"/>
-              <a:t>Runs after template has been cloned</a:t>
-            </a:r>
-          </a:p>
-          <a:p>
-            <a:r>
-              <a:rPr lang="en-US" dirty="0" smtClean="0"/>
-              <a:t>Wires up all DOM manipulation code</a:t>
+              <a:t> checkout -f day-4/step-1</a:t>
             </a:r>
             <a:endParaRPr lang="en-US" dirty="0"/>
           </a:p>
@@ -8465,7 +8547,7 @@
     </p:spTree>
     <p:extLst>
       <p:ext uri="{BB962C8B-B14F-4D97-AF65-F5344CB8AC3E}">
-        <p14:creationId xmlns:p14="http://schemas.microsoft.com/office/powerpoint/2010/main" val="1476379229"/>
+        <p14:creationId xmlns:p14="http://schemas.microsoft.com/office/powerpoint/2010/main" val="2697927490"/>
       </p:ext>
     </p:extLst>
   </p:cSld>
@@ -8530,231 +8612,28 @@
           <a:bodyPr/>
           <a:lstStyle/>
           <a:p>
-            <a:pPr marL="0" indent="0">
-              <a:buNone/>
-            </a:pPr>
-            <a:r>
-              <a:rPr lang="en-US" dirty="0" smtClean="0">
-                <a:solidFill>
-                  <a:srgbClr val="66D9EF"/>
-                </a:solidFill>
-                <a:latin typeface="Menlo"/>
-              </a:rPr>
-              <a:t>function</a:t>
-            </a:r>
-            <a:r>
-              <a:rPr lang="en-US" dirty="0" smtClean="0">
-                <a:solidFill>
-                  <a:srgbClr val="F8F8F2"/>
-                </a:solidFill>
-                <a:latin typeface="Menlo"/>
-              </a:rPr>
-              <a:t> </a:t>
-            </a:r>
-            <a:r>
-              <a:rPr lang="en-US" dirty="0">
-                <a:solidFill>
-                  <a:srgbClr val="A6E22E"/>
-                </a:solidFill>
-                <a:latin typeface="Menlo"/>
-              </a:rPr>
-              <a:t>link</a:t>
-            </a:r>
-            <a:r>
-              <a:rPr lang="en-US" dirty="0">
-                <a:solidFill>
-                  <a:srgbClr val="F8F8F2"/>
-                </a:solidFill>
-                <a:latin typeface="Menlo"/>
-              </a:rPr>
-              <a:t>(</a:t>
-            </a:r>
-            <a:r>
-              <a:rPr lang="en-US" dirty="0">
-                <a:solidFill>
-                  <a:srgbClr val="A6E22E"/>
-                </a:solidFill>
-                <a:latin typeface="Menlo"/>
-              </a:rPr>
-              <a:t>scope</a:t>
-            </a:r>
-            <a:r>
-              <a:rPr lang="en-US" dirty="0">
-                <a:solidFill>
-                  <a:srgbClr val="F8F8F2"/>
-                </a:solidFill>
-                <a:latin typeface="Menlo"/>
-              </a:rPr>
-              <a:t>, </a:t>
-            </a:r>
-            <a:r>
-              <a:rPr lang="en-US" dirty="0">
-                <a:solidFill>
-                  <a:srgbClr val="A6E22E"/>
-                </a:solidFill>
-                <a:latin typeface="Menlo"/>
-              </a:rPr>
-              <a:t>e</a:t>
-            </a:r>
-            <a:r>
-              <a:rPr lang="en-US" dirty="0" smtClean="0">
-                <a:solidFill>
-                  <a:srgbClr val="A6E22E"/>
-                </a:solidFill>
-                <a:latin typeface="Menlo"/>
-              </a:rPr>
-              <a:t>lement</a:t>
-            </a:r>
-            <a:r>
-              <a:rPr lang="en-US" dirty="0">
-                <a:solidFill>
-                  <a:srgbClr val="F8F8F2"/>
-                </a:solidFill>
-                <a:latin typeface="Menlo"/>
-              </a:rPr>
-              <a:t>, </a:t>
-            </a:r>
-            <a:r>
-              <a:rPr lang="en-US" dirty="0" err="1">
-                <a:solidFill>
-                  <a:srgbClr val="A6E22E"/>
-                </a:solidFill>
-                <a:latin typeface="Menlo"/>
-              </a:rPr>
-              <a:t>a</a:t>
-            </a:r>
-            <a:r>
-              <a:rPr lang="en-US" dirty="0" err="1" smtClean="0">
-                <a:solidFill>
-                  <a:srgbClr val="A6E22E"/>
-                </a:solidFill>
-                <a:latin typeface="Menlo"/>
-              </a:rPr>
-              <a:t>ttrs</a:t>
-            </a:r>
-            <a:r>
-              <a:rPr lang="en-US" dirty="0">
-                <a:solidFill>
-                  <a:srgbClr val="F8F8F2"/>
-                </a:solidFill>
-                <a:latin typeface="Menlo"/>
-              </a:rPr>
-              <a:t>, </a:t>
-            </a:r>
-            <a:r>
-              <a:rPr lang="en-US" dirty="0">
-                <a:solidFill>
-                  <a:srgbClr val="A6E22E"/>
-                </a:solidFill>
-                <a:latin typeface="Menlo"/>
-              </a:rPr>
-              <a:t>controller</a:t>
-            </a:r>
-            <a:r>
-              <a:rPr lang="en-US" dirty="0">
-                <a:solidFill>
-                  <a:srgbClr val="F8F8F2"/>
-                </a:solidFill>
-                <a:latin typeface="Menlo"/>
-              </a:rPr>
-              <a:t>, </a:t>
-            </a:r>
-            <a:r>
-              <a:rPr lang="en-US" dirty="0" err="1">
-                <a:solidFill>
-                  <a:srgbClr val="A6E22E"/>
-                </a:solidFill>
-                <a:latin typeface="Menlo"/>
-              </a:rPr>
-              <a:t>transcludeFn</a:t>
-            </a:r>
-            <a:r>
-              <a:rPr lang="en-US" dirty="0">
-                <a:solidFill>
-                  <a:srgbClr val="F8F8F2"/>
-                </a:solidFill>
-                <a:latin typeface="Menlo"/>
-              </a:rPr>
-              <a:t>) { ... </a:t>
-            </a:r>
-            <a:r>
-              <a:rPr lang="en-US" dirty="0" smtClean="0">
-                <a:solidFill>
-                  <a:srgbClr val="F8F8F2"/>
-                </a:solidFill>
-                <a:latin typeface="Menlo"/>
-              </a:rPr>
-              <a:t>}</a:t>
-            </a:r>
-          </a:p>
-          <a:p>
-            <a:r>
-              <a:rPr lang="en-US" dirty="0" smtClean="0">
-                <a:solidFill>
-                  <a:srgbClr val="F8F8F2"/>
-                </a:solidFill>
-              </a:rPr>
-              <a:t>scope: scope used by the directive</a:t>
-            </a:r>
-          </a:p>
-          <a:p>
-            <a:r>
-              <a:rPr lang="en-US" dirty="0" smtClean="0">
-                <a:solidFill>
-                  <a:srgbClr val="F8F8F2"/>
-                </a:solidFill>
-              </a:rPr>
-              <a:t>element – </a:t>
-            </a:r>
-            <a:r>
-              <a:rPr lang="en-US" dirty="0" err="1" smtClean="0">
-                <a:solidFill>
-                  <a:srgbClr val="F8F8F2"/>
-                </a:solidFill>
-              </a:rPr>
-              <a:t>jqLite</a:t>
-            </a:r>
-            <a:r>
-              <a:rPr lang="en-US" dirty="0" smtClean="0">
-                <a:solidFill>
-                  <a:srgbClr val="F8F8F2"/>
-                </a:solidFill>
-              </a:rPr>
-              <a:t>-wrapped element to which the directive is attached</a:t>
-            </a:r>
-          </a:p>
-          <a:p>
-            <a:r>
-              <a:rPr lang="en-US" dirty="0" err="1" smtClean="0">
-                <a:solidFill>
-                  <a:srgbClr val="F8F8F2"/>
-                </a:solidFill>
-              </a:rPr>
-              <a:t>attrs</a:t>
-            </a:r>
-            <a:r>
-              <a:rPr lang="en-US" dirty="0" smtClean="0">
-                <a:solidFill>
-                  <a:srgbClr val="F8F8F2"/>
-                </a:solidFill>
-              </a:rPr>
-              <a:t> – key-value hash object of attributes on the element</a:t>
-            </a:r>
-          </a:p>
-          <a:p>
-            <a:r>
-              <a:rPr lang="en-US" dirty="0" smtClean="0">
-                <a:solidFill>
-                  <a:srgbClr val="F8F8F2"/>
-                </a:solidFill>
-              </a:rPr>
-              <a:t>NOTE: link function is NOT an injected function, so parameter order matters!</a:t>
-            </a:r>
-          </a:p>
-          <a:p>
-            <a:pPr marL="0" indent="0">
-              <a:buNone/>
-            </a:pPr>
+            <a:r>
+              <a:rPr lang="en-US" dirty="0" smtClean="0"/>
+              <a:t>Function</a:t>
+            </a:r>
+          </a:p>
+          <a:p>
+            <a:r>
+              <a:rPr lang="en-US" dirty="0" smtClean="0"/>
+              <a:t>Responsible for registering DOM listeners, watches on expressions, and performing DOM updates</a:t>
+            </a:r>
+          </a:p>
+          <a:p>
+            <a:r>
+              <a:rPr lang="en-US" dirty="0" smtClean="0"/>
+              <a:t>Runs after template has been cloned</a:t>
+            </a:r>
+          </a:p>
+          <a:p>
+            <a:r>
+              <a:rPr lang="en-US" dirty="0" smtClean="0"/>
+              <a:t>Wires up all DOM manipulation code</a:t>
+            </a:r>
             <a:endParaRPr lang="en-US" dirty="0"/>
           </a:p>
         </p:txBody>
@@ -8762,7 +8641,7 @@
     </p:spTree>
     <p:extLst>
       <p:ext uri="{BB962C8B-B14F-4D97-AF65-F5344CB8AC3E}">
-        <p14:creationId xmlns:p14="http://schemas.microsoft.com/office/powerpoint/2010/main" val="3275794446"/>
+        <p14:creationId xmlns:p14="http://schemas.microsoft.com/office/powerpoint/2010/main" val="1476379229"/>
       </p:ext>
     </p:extLst>
   </p:cSld>
@@ -8806,7 +8685,7 @@
           <a:p>
             <a:r>
               <a:rPr lang="en-US" dirty="0" smtClean="0"/>
-              <a:t>Watches</a:t>
+              <a:t>Link</a:t>
             </a:r>
             <a:endParaRPr lang="en-US" dirty="0"/>
           </a:p>
@@ -8827,75 +8706,239 @@
           <a:bodyPr/>
           <a:lstStyle/>
           <a:p>
-            <a:r>
-              <a:rPr lang="en-US" dirty="0" smtClean="0"/>
-              <a:t>Bindings setup watches on expressions</a:t>
-            </a:r>
-          </a:p>
-          <a:p>
-            <a:pPr lvl="1"/>
+            <a:pPr marL="0" indent="0">
+              <a:buNone/>
+            </a:pPr>
             <a:r>
               <a:rPr lang="en-US" dirty="0" smtClean="0">
-                <a:latin typeface="Menlo Regular"/>
-                <a:cs typeface="Menlo Regular"/>
-              </a:rPr>
-              <a:t>{{expression}} </a:t>
-            </a:r>
-            <a:r>
-              <a:rPr lang="en-US" dirty="0" smtClean="0"/>
-              <a:t>– updates anytime the expression changes (implicit watch)</a:t>
-            </a:r>
-          </a:p>
-          <a:p>
-            <a:r>
-              <a:rPr lang="en-US" dirty="0" smtClean="0"/>
-              <a:t>$</a:t>
-            </a:r>
-            <a:r>
-              <a:rPr lang="en-US" dirty="0" err="1" smtClean="0"/>
-              <a:t>scope.$watch</a:t>
-            </a:r>
-            <a:r>
-              <a:rPr lang="en-US" dirty="0" smtClean="0"/>
-              <a:t>(expression, listener) – set up our own watches on </a:t>
-            </a:r>
-            <a:r>
-              <a:rPr lang="en-US" dirty="0" err="1" smtClean="0"/>
-              <a:t>expresssions</a:t>
-            </a:r>
-            <a:endParaRPr lang="en-US" dirty="0" smtClean="0"/>
-          </a:p>
-          <a:p>
-            <a:pPr lvl="1"/>
-            <a:r>
-              <a:rPr lang="en-US" dirty="0" smtClean="0"/>
-              <a:t>Expression is evaluated during every $</a:t>
-            </a:r>
-            <a:r>
-              <a:rPr lang="en-US" dirty="0" err="1" smtClean="0"/>
-              <a:t>scope.$digest</a:t>
-            </a:r>
-            <a:r>
-              <a:rPr lang="en-US" dirty="0" smtClean="0"/>
-              <a:t>() call, and listener is called every time the expression changes</a:t>
-            </a:r>
-          </a:p>
-          <a:p>
-            <a:pPr lvl="1"/>
+                <a:solidFill>
+                  <a:srgbClr val="66D9EF"/>
+                </a:solidFill>
+                <a:latin typeface="Menlo"/>
+              </a:rPr>
+              <a:t>function</a:t>
+            </a:r>
             <a:r>
               <a:rPr lang="en-US" dirty="0" smtClean="0">
-                <a:hlinkClick r:id="rId2"/>
-              </a:rPr>
-              <a:t>http://docs.angularjs.org/api/ng/type/$rootScope.Scope - $watch</a:t>
-            </a:r>
-            <a:endParaRPr lang="en-US" dirty="0" smtClean="0"/>
+                <a:solidFill>
+                  <a:srgbClr val="F8F8F2"/>
+                </a:solidFill>
+                <a:latin typeface="Menlo"/>
+              </a:rPr>
+              <a:t> </a:t>
+            </a:r>
+            <a:r>
+              <a:rPr lang="en-US" dirty="0">
+                <a:solidFill>
+                  <a:srgbClr val="A6E22E"/>
+                </a:solidFill>
+                <a:latin typeface="Menlo"/>
+              </a:rPr>
+              <a:t>link</a:t>
+            </a:r>
+            <a:r>
+              <a:rPr lang="en-US" dirty="0">
+                <a:solidFill>
+                  <a:srgbClr val="F8F8F2"/>
+                </a:solidFill>
+                <a:latin typeface="Menlo"/>
+              </a:rPr>
+              <a:t>(</a:t>
+            </a:r>
+            <a:r>
+              <a:rPr lang="en-US" dirty="0">
+                <a:solidFill>
+                  <a:srgbClr val="A6E22E"/>
+                </a:solidFill>
+                <a:latin typeface="Menlo"/>
+              </a:rPr>
+              <a:t>scope</a:t>
+            </a:r>
+            <a:r>
+              <a:rPr lang="en-US" dirty="0">
+                <a:solidFill>
+                  <a:srgbClr val="F8F8F2"/>
+                </a:solidFill>
+                <a:latin typeface="Menlo"/>
+              </a:rPr>
+              <a:t>, </a:t>
+            </a:r>
+            <a:r>
+              <a:rPr lang="en-US" dirty="0">
+                <a:solidFill>
+                  <a:srgbClr val="A6E22E"/>
+                </a:solidFill>
+                <a:latin typeface="Menlo"/>
+              </a:rPr>
+              <a:t>e</a:t>
+            </a:r>
+            <a:r>
+              <a:rPr lang="en-US" dirty="0" smtClean="0">
+                <a:solidFill>
+                  <a:srgbClr val="A6E22E"/>
+                </a:solidFill>
+                <a:latin typeface="Menlo"/>
+              </a:rPr>
+              <a:t>lement</a:t>
+            </a:r>
+            <a:r>
+              <a:rPr lang="en-US" dirty="0">
+                <a:solidFill>
+                  <a:srgbClr val="F8F8F2"/>
+                </a:solidFill>
+                <a:latin typeface="Menlo"/>
+              </a:rPr>
+              <a:t>, </a:t>
+            </a:r>
+            <a:r>
+              <a:rPr lang="en-US" dirty="0" err="1">
+                <a:solidFill>
+                  <a:srgbClr val="A6E22E"/>
+                </a:solidFill>
+                <a:latin typeface="Menlo"/>
+              </a:rPr>
+              <a:t>a</a:t>
+            </a:r>
+            <a:r>
+              <a:rPr lang="en-US" dirty="0" err="1" smtClean="0">
+                <a:solidFill>
+                  <a:srgbClr val="A6E22E"/>
+                </a:solidFill>
+                <a:latin typeface="Menlo"/>
+              </a:rPr>
+              <a:t>ttrs</a:t>
+            </a:r>
+            <a:r>
+              <a:rPr lang="en-US" dirty="0">
+                <a:solidFill>
+                  <a:srgbClr val="F8F8F2"/>
+                </a:solidFill>
+                <a:latin typeface="Menlo"/>
+              </a:rPr>
+              <a:t>, </a:t>
+            </a:r>
+            <a:r>
+              <a:rPr lang="en-US" dirty="0">
+                <a:solidFill>
+                  <a:srgbClr val="A6E22E"/>
+                </a:solidFill>
+                <a:latin typeface="Menlo"/>
+              </a:rPr>
+              <a:t>controller</a:t>
+            </a:r>
+            <a:r>
+              <a:rPr lang="en-US" dirty="0">
+                <a:solidFill>
+                  <a:srgbClr val="F8F8F2"/>
+                </a:solidFill>
+                <a:latin typeface="Menlo"/>
+              </a:rPr>
+              <a:t>, </a:t>
+            </a:r>
+            <a:r>
+              <a:rPr lang="en-US" dirty="0" err="1">
+                <a:solidFill>
+                  <a:srgbClr val="A6E22E"/>
+                </a:solidFill>
+                <a:latin typeface="Menlo"/>
+              </a:rPr>
+              <a:t>transcludeFn</a:t>
+            </a:r>
+            <a:r>
+              <a:rPr lang="en-US" dirty="0">
+                <a:solidFill>
+                  <a:srgbClr val="F8F8F2"/>
+                </a:solidFill>
+                <a:latin typeface="Menlo"/>
+              </a:rPr>
+              <a:t>) { ... </a:t>
+            </a:r>
+            <a:r>
+              <a:rPr lang="en-US" dirty="0" smtClean="0">
+                <a:solidFill>
+                  <a:srgbClr val="F8F8F2"/>
+                </a:solidFill>
+                <a:latin typeface="Menlo"/>
+              </a:rPr>
+              <a:t>}</a:t>
+            </a:r>
+          </a:p>
+          <a:p>
+            <a:r>
+              <a:rPr lang="en-US" dirty="0" smtClean="0">
+                <a:solidFill>
+                  <a:srgbClr val="F8F8F2"/>
+                </a:solidFill>
+              </a:rPr>
+              <a:t>scope: scope used by the directive</a:t>
+            </a:r>
+          </a:p>
+          <a:p>
+            <a:r>
+              <a:rPr lang="en-US" dirty="0" smtClean="0">
+                <a:solidFill>
+                  <a:srgbClr val="F8F8F2"/>
+                </a:solidFill>
+              </a:rPr>
+              <a:t>element – </a:t>
+            </a:r>
+            <a:r>
+              <a:rPr lang="en-US" dirty="0" err="1" smtClean="0">
+                <a:solidFill>
+                  <a:srgbClr val="F8F8F2"/>
+                </a:solidFill>
+              </a:rPr>
+              <a:t>jqLite</a:t>
+            </a:r>
+            <a:r>
+              <a:rPr lang="en-US" dirty="0" smtClean="0">
+                <a:solidFill>
+                  <a:srgbClr val="F8F8F2"/>
+                </a:solidFill>
+              </a:rPr>
+              <a:t>-wrapped element to which the directive is attached</a:t>
+            </a:r>
+          </a:p>
+          <a:p>
+            <a:r>
+              <a:rPr lang="en-US" dirty="0" err="1" smtClean="0">
+                <a:solidFill>
+                  <a:srgbClr val="F8F8F2"/>
+                </a:solidFill>
+              </a:rPr>
+              <a:t>attrs</a:t>
+            </a:r>
+            <a:r>
+              <a:rPr lang="en-US" dirty="0" smtClean="0">
+                <a:solidFill>
+                  <a:srgbClr val="F8F8F2"/>
+                </a:solidFill>
+              </a:rPr>
+              <a:t> – key-value hash object of attributes on the element</a:t>
+            </a:r>
+          </a:p>
+          <a:p>
+            <a:r>
+              <a:rPr lang="en-US" dirty="0" smtClean="0">
+                <a:solidFill>
+                  <a:srgbClr val="F8F8F2"/>
+                </a:solidFill>
+              </a:rPr>
+              <a:t>NOTE: link function is NOT an injected function, so parameter order matters!</a:t>
+            </a:r>
+          </a:p>
+          <a:p>
+            <a:pPr marL="0" indent="0">
+              <a:buNone/>
+            </a:pPr>
+            <a:endParaRPr lang="en-US" dirty="0"/>
           </a:p>
         </p:txBody>
       </p:sp>
     </p:spTree>
     <p:extLst>
       <p:ext uri="{BB962C8B-B14F-4D97-AF65-F5344CB8AC3E}">
-        <p14:creationId xmlns:p14="http://schemas.microsoft.com/office/powerpoint/2010/main" val="3954214205"/>
+        <p14:creationId xmlns:p14="http://schemas.microsoft.com/office/powerpoint/2010/main" val="3275794446"/>
       </p:ext>
     </p:extLst>
   </p:cSld>
@@ -8939,7 +8982,7 @@
           <a:p>
             <a:r>
               <a:rPr lang="en-US" dirty="0" smtClean="0"/>
-              <a:t>// TODO</a:t>
+              <a:t>Watches</a:t>
             </a:r>
             <a:endParaRPr lang="en-US" dirty="0"/>
           </a:p>
@@ -8962,16 +9005,73 @@
           <a:p>
             <a:r>
               <a:rPr lang="en-US" dirty="0" smtClean="0"/>
-              <a:t>Add watch to the image size property</a:t>
-            </a:r>
-            <a:endParaRPr lang="en-US" dirty="0"/>
+              <a:t>Bindings setup watches on expressions</a:t>
+            </a:r>
+          </a:p>
+          <a:p>
+            <a:pPr lvl="1"/>
+            <a:r>
+              <a:rPr lang="en-US" dirty="0" smtClean="0">
+                <a:latin typeface="Menlo Regular"/>
+                <a:cs typeface="Menlo Regular"/>
+              </a:rPr>
+              <a:t>{{expression}} </a:t>
+            </a:r>
+            <a:r>
+              <a:rPr lang="en-US" dirty="0" smtClean="0"/>
+              <a:t>– updates anytime the expression changes (implicit watch)</a:t>
+            </a:r>
+          </a:p>
+          <a:p>
+            <a:r>
+              <a:rPr lang="en-US" dirty="0" smtClean="0"/>
+              <a:t>$</a:t>
+            </a:r>
+            <a:r>
+              <a:rPr lang="en-US" dirty="0" err="1" smtClean="0"/>
+              <a:t>scope.$watch</a:t>
+            </a:r>
+            <a:r>
+              <a:rPr lang="en-US" dirty="0" smtClean="0"/>
+              <a:t>(expression, listener) – set up our own watches on </a:t>
+            </a:r>
+            <a:r>
+              <a:rPr lang="en-US" dirty="0" err="1" smtClean="0"/>
+              <a:t>expresssions</a:t>
+            </a:r>
+            <a:endParaRPr lang="en-US" dirty="0" smtClean="0"/>
+          </a:p>
+          <a:p>
+            <a:pPr lvl="1"/>
+            <a:r>
+              <a:rPr lang="en-US" dirty="0" smtClean="0"/>
+              <a:t>Expression is evaluated during every $</a:t>
+            </a:r>
+            <a:r>
+              <a:rPr lang="en-US" dirty="0" err="1" smtClean="0"/>
+              <a:t>scope.$digest</a:t>
+            </a:r>
+            <a:r>
+              <a:rPr lang="en-US" dirty="0" smtClean="0"/>
+              <a:t>() call, and listener is called every time the expression changes</a:t>
+            </a:r>
+          </a:p>
+          <a:p>
+            <a:pPr lvl="1"/>
+            <a:r>
+              <a:rPr lang="en-US" dirty="0" smtClean="0">
+                <a:hlinkClick r:id="rId2"/>
+              </a:rPr>
+              <a:t>http://docs.angularjs.org/api/ng/type/$rootScope.Scope - $watch</a:t>
+            </a:r>
+            <a:endParaRPr lang="en-US" dirty="0" smtClean="0"/>
           </a:p>
         </p:txBody>
       </p:sp>
     </p:spTree>
     <p:extLst>
       <p:ext uri="{BB962C8B-B14F-4D97-AF65-F5344CB8AC3E}">
-        <p14:creationId xmlns:p14="http://schemas.microsoft.com/office/powerpoint/2010/main" val="2853753163"/>
+        <p14:creationId xmlns:p14="http://schemas.microsoft.com/office/powerpoint/2010/main" val="3954214205"/>
       </p:ext>
     </p:extLst>
   </p:cSld>
@@ -9015,7 +9115,7 @@
           <a:p>
             <a:r>
               <a:rPr lang="en-US" dirty="0" smtClean="0"/>
-              <a:t>Checkpoint</a:t>
+              <a:t>// TODO</a:t>
             </a:r>
             <a:endParaRPr lang="en-US" dirty="0"/>
           </a:p>
@@ -9037,16 +9137,8 @@
           <a:lstStyle/>
           <a:p>
             <a:r>
-              <a:rPr lang="en-US" dirty="0" err="1" smtClean="0"/>
-              <a:t>git</a:t>
-            </a:r>
-            <a:r>
               <a:rPr lang="en-US" dirty="0" smtClean="0"/>
-              <a:t> checkout -f day-4/</a:t>
-            </a:r>
-            <a:r>
-              <a:rPr lang="en-US" smtClean="0"/>
-              <a:t>step-2</a:t>
+              <a:t>Add watch to the image size property</a:t>
             </a:r>
             <a:endParaRPr lang="en-US" dirty="0"/>
           </a:p>
@@ -9055,7 +9147,7 @@
     </p:spTree>
     <p:extLst>
       <p:ext uri="{BB962C8B-B14F-4D97-AF65-F5344CB8AC3E}">
-        <p14:creationId xmlns:p14="http://schemas.microsoft.com/office/powerpoint/2010/main" val="114638095"/>
+        <p14:creationId xmlns:p14="http://schemas.microsoft.com/office/powerpoint/2010/main" val="2853753163"/>
       </p:ext>
     </p:extLst>
   </p:cSld>
@@ -9098,8 +9190,8 @@
           <a:lstStyle/>
           <a:p>
             <a:r>
-              <a:rPr lang="en-US" dirty="0" err="1" smtClean="0"/>
-              <a:t>Transclusion</a:t>
+              <a:rPr lang="en-US" dirty="0" smtClean="0"/>
+              <a:t>Checkpoint</a:t>
             </a:r>
             <a:endParaRPr lang="en-US" dirty="0"/>
           </a:p>
@@ -9121,84 +9213,25 @@
           <a:lstStyle/>
           <a:p>
             <a:r>
+              <a:rPr lang="en-US" dirty="0" err="1" smtClean="0"/>
+              <a:t>git</a:t>
+            </a:r>
+            <a:r>
               <a:rPr lang="en-US" dirty="0" smtClean="0"/>
-              <a:t>Pass arbitrary content/templates into directives, wrap  the templates with other behavior</a:t>
-            </a:r>
-          </a:p>
-          <a:p>
-            <a:r>
-              <a:rPr lang="en-US" dirty="0" err="1" smtClean="0"/>
-              <a:t>ng-transclude</a:t>
-            </a:r>
-            <a:r>
-              <a:rPr lang="en-US" dirty="0" smtClean="0"/>
-              <a:t> directive specifies where to include the wrapped template within the directive template</a:t>
-            </a:r>
-          </a:p>
-          <a:p>
-            <a:r>
-              <a:rPr lang="en-US" dirty="0" smtClean="0"/>
-              <a:t>Must set </a:t>
-            </a:r>
-            <a:r>
-              <a:rPr lang="en-US" dirty="0" err="1" smtClean="0"/>
-              <a:t>transclude</a:t>
-            </a:r>
-            <a:r>
-              <a:rPr lang="en-US" dirty="0" smtClean="0"/>
-              <a:t> property to true on the directive </a:t>
-            </a:r>
-            <a:r>
-              <a:rPr lang="en-US" dirty="0" err="1" smtClean="0"/>
-              <a:t>defintion</a:t>
-            </a:r>
-            <a:endParaRPr lang="en-US" dirty="0" smtClean="0"/>
-          </a:p>
-          <a:p>
-            <a:r>
-              <a:rPr lang="en-US" dirty="0" smtClean="0"/>
-              <a:t>Ex: Panel widget</a:t>
-            </a:r>
-          </a:p>
-          <a:p>
-            <a:r>
-              <a:rPr lang="en-US" dirty="0">
-                <a:hlinkClick r:id="rId2"/>
-              </a:rPr>
-              <a:t>http://</a:t>
-            </a:r>
-            <a:r>
-              <a:rPr lang="en-US" dirty="0" err="1">
-                <a:hlinkClick r:id="rId2"/>
-              </a:rPr>
-              <a:t>jsbin.com</a:t>
-            </a:r>
-            <a:r>
-              <a:rPr lang="en-US" dirty="0">
-                <a:hlinkClick r:id="rId2"/>
-              </a:rPr>
-              <a:t>/</a:t>
-            </a:r>
-            <a:r>
-              <a:rPr lang="en-US" dirty="0" err="1">
-                <a:hlinkClick r:id="rId2"/>
-              </a:rPr>
-              <a:t>xajam</a:t>
-            </a:r>
-            <a:r>
-              <a:rPr lang="en-US" dirty="0">
-                <a:hlinkClick r:id="rId2"/>
-              </a:rPr>
-              <a:t>/5/edit</a:t>
-            </a:r>
-            <a:endParaRPr lang="en-US" dirty="0" smtClean="0"/>
+              <a:t> checkout -f day-4/</a:t>
+            </a:r>
+            <a:r>
+              <a:rPr lang="en-US" smtClean="0"/>
+              <a:t>step-2</a:t>
+            </a:r>
+            <a:endParaRPr lang="en-US" dirty="0"/>
           </a:p>
         </p:txBody>
       </p:sp>
     </p:spTree>
     <p:extLst>
       <p:ext uri="{BB962C8B-B14F-4D97-AF65-F5344CB8AC3E}">
-        <p14:creationId xmlns:p14="http://schemas.microsoft.com/office/powerpoint/2010/main" val="2562662003"/>
+        <p14:creationId xmlns:p14="http://schemas.microsoft.com/office/powerpoint/2010/main" val="114638095"/>
       </p:ext>
     </p:extLst>
   </p:cSld>
@@ -9227,998 +9260,121 @@
       </p:grpSpPr>
       <p:sp>
         <p:nvSpPr>
-          <p:cNvPr id="5" name="Rectangle 4"/>
-          <p:cNvSpPr/>
-          <p:nvPr/>
-        </p:nvSpPr>
-        <p:spPr>
-          <a:xfrm>
-            <a:off x="293292" y="134343"/>
-            <a:ext cx="6283678" cy="2862323"/>
-          </a:xfrm>
-          <a:prstGeom prst="rect">
-            <a:avLst/>
-          </a:prstGeom>
-        </p:spPr>
-        <p:txBody>
-          <a:bodyPr wrap="square">
-            <a:spAutoFit/>
-          </a:bodyPr>
+          <p:cNvPr id="2" name="Title 1"/>
+          <p:cNvSpPr>
+            <a:spLocks noGrp="1"/>
+          </p:cNvSpPr>
+          <p:nvPr>
+            <p:ph type="title"/>
+          </p:nvPr>
+        </p:nvSpPr>
+        <p:spPr/>
+        <p:txBody>
+          <a:bodyPr/>
           <a:lstStyle/>
           <a:p>
             <a:r>
+              <a:rPr lang="en-US" dirty="0" err="1" smtClean="0"/>
+              <a:t>Transclusion</a:t>
+            </a:r>
+            <a:endParaRPr lang="en-US" dirty="0"/>
+          </a:p>
+        </p:txBody>
+      </p:sp>
+      <p:sp>
+        <p:nvSpPr>
+          <p:cNvPr id="3" name="Content Placeholder 2"/>
+          <p:cNvSpPr>
+            <a:spLocks noGrp="1"/>
+          </p:cNvSpPr>
+          <p:nvPr>
+            <p:ph idx="1"/>
+          </p:nvPr>
+        </p:nvSpPr>
+        <p:spPr/>
+        <p:txBody>
+          <a:bodyPr/>
+          <a:lstStyle/>
+          <a:p>
+            <a:r>
+              <a:rPr lang="en-US" dirty="0" smtClean="0"/>
+              <a:t>Pass arbitrary content/templates into directives, wrap  the templates with other behavior</a:t>
+            </a:r>
+          </a:p>
+          <a:p>
+            <a:r>
+              <a:rPr lang="en-US" dirty="0" err="1" smtClean="0"/>
+              <a:t>ng-transclude</a:t>
+            </a:r>
+            <a:r>
+              <a:rPr lang="en-US" dirty="0" smtClean="0"/>
+              <a:t> directive specifies where to include the wrapped template within the directive template</a:t>
+            </a:r>
+          </a:p>
+          <a:p>
+            <a:r>
+              <a:rPr lang="en-US" dirty="0" smtClean="0"/>
+              <a:t>Must set </a:t>
+            </a:r>
+            <a:r>
+              <a:rPr lang="en-US" dirty="0" err="1" smtClean="0"/>
+              <a:t>transclude</a:t>
+            </a:r>
+            <a:r>
+              <a:rPr lang="en-US" dirty="0" smtClean="0"/>
+              <a:t> property to true on the directive </a:t>
+            </a:r>
+            <a:r>
+              <a:rPr lang="en-US" dirty="0" err="1" smtClean="0"/>
+              <a:t>defintion</a:t>
+            </a:r>
+            <a:endParaRPr lang="en-US" dirty="0" smtClean="0"/>
+          </a:p>
+          <a:p>
+            <a:r>
+              <a:rPr lang="en-US" dirty="0" smtClean="0"/>
+              <a:t>Ex: Panel widget</a:t>
+            </a:r>
+          </a:p>
+          <a:p>
+            <a:r>
+              <a:rPr lang="en-US" dirty="0">
+                <a:hlinkClick r:id="rId2"/>
+              </a:rPr>
+              <a:t>http://</a:t>
+            </a:r>
+            <a:r>
               <a:rPr lang="en-US" dirty="0" err="1">
-                <a:solidFill>
-                  <a:srgbClr val="A6E22E"/>
-                </a:solidFill>
-                <a:latin typeface="Menlo"/>
-              </a:rPr>
-              <a:t>module</a:t>
+                <a:hlinkClick r:id="rId2"/>
+              </a:rPr>
+              <a:t>jsbin.com</a:t>
+            </a:r>
+            <a:r>
+              <a:rPr lang="en-US" dirty="0">
+                <a:hlinkClick r:id="rId2"/>
+              </a:rPr>
+              <a:t>/</a:t>
             </a:r>
             <a:r>
               <a:rPr lang="en-US" dirty="0" err="1">
-                <a:solidFill>
-                  <a:srgbClr val="F8F8F2"/>
-                </a:solidFill>
-                <a:latin typeface="Menlo"/>
-              </a:rPr>
-              <a:t>.</a:t>
-            </a:r>
-            <a:r>
-              <a:rPr lang="en-US" dirty="0" err="1">
-                <a:solidFill>
-                  <a:srgbClr val="A6E22E"/>
-                </a:solidFill>
-                <a:latin typeface="Menlo"/>
-              </a:rPr>
-              <a:t>directive</a:t>
-            </a:r>
-            <a:r>
-              <a:rPr lang="en-US" dirty="0">
-                <a:solidFill>
-                  <a:srgbClr val="F8F8F2"/>
-                </a:solidFill>
-                <a:latin typeface="Menlo"/>
-              </a:rPr>
-              <a:t>(</a:t>
-            </a:r>
-            <a:r>
-              <a:rPr lang="en-US" dirty="0">
-                <a:solidFill>
-                  <a:srgbClr val="E6DB74"/>
-                </a:solidFill>
-                <a:latin typeface="Menlo"/>
-              </a:rPr>
-              <a:t>'</a:t>
-            </a:r>
-            <a:r>
-              <a:rPr lang="en-US" dirty="0" err="1">
-                <a:solidFill>
-                  <a:srgbClr val="E6DB74"/>
-                </a:solidFill>
-                <a:latin typeface="Menlo"/>
-              </a:rPr>
-              <a:t>bsPanel</a:t>
-            </a:r>
-            <a:r>
-              <a:rPr lang="en-US" dirty="0">
-                <a:solidFill>
-                  <a:srgbClr val="E6DB74"/>
-                </a:solidFill>
-                <a:latin typeface="Menlo"/>
-              </a:rPr>
-              <a:t>'</a:t>
-            </a:r>
-            <a:r>
-              <a:rPr lang="en-US" dirty="0">
-                <a:solidFill>
-                  <a:srgbClr val="F8F8F2"/>
-                </a:solidFill>
-                <a:latin typeface="Menlo"/>
-              </a:rPr>
-              <a:t>, </a:t>
-            </a:r>
-            <a:r>
-              <a:rPr lang="en-US" dirty="0">
-                <a:solidFill>
-                  <a:srgbClr val="66D9EF"/>
-                </a:solidFill>
-                <a:latin typeface="Menlo"/>
-              </a:rPr>
-              <a:t>function</a:t>
-            </a:r>
-            <a:r>
-              <a:rPr lang="en-US" dirty="0">
-                <a:solidFill>
-                  <a:srgbClr val="F8F8F2"/>
-                </a:solidFill>
-                <a:latin typeface="Menlo"/>
-              </a:rPr>
-              <a:t>() {</a:t>
-            </a:r>
-          </a:p>
-          <a:p>
-            <a:r>
-              <a:rPr lang="en-US" dirty="0">
-                <a:solidFill>
-                  <a:srgbClr val="F8F8F2"/>
-                </a:solidFill>
-                <a:latin typeface="Menlo"/>
-              </a:rPr>
-              <a:t>  </a:t>
-            </a:r>
-            <a:r>
-              <a:rPr lang="en-US" dirty="0">
-                <a:solidFill>
-                  <a:srgbClr val="66D9EF"/>
-                </a:solidFill>
-                <a:latin typeface="Menlo"/>
-              </a:rPr>
-              <a:t>return</a:t>
-            </a:r>
-            <a:r>
-              <a:rPr lang="en-US" dirty="0">
-                <a:solidFill>
-                  <a:srgbClr val="F8F8F2"/>
-                </a:solidFill>
-                <a:latin typeface="Menlo"/>
-              </a:rPr>
-              <a:t> {</a:t>
-            </a:r>
-          </a:p>
-          <a:p>
-            <a:r>
-              <a:rPr lang="en-US" dirty="0">
-                <a:solidFill>
-                  <a:srgbClr val="F8F8F2"/>
-                </a:solidFill>
-                <a:latin typeface="Menlo"/>
-              </a:rPr>
-              <a:t>    </a:t>
-            </a:r>
-            <a:r>
-              <a:rPr lang="en-US" dirty="0" err="1">
-                <a:solidFill>
-                  <a:srgbClr val="A6E22E"/>
-                </a:solidFill>
-                <a:latin typeface="Menlo"/>
-              </a:rPr>
-              <a:t>templateUrl</a:t>
-            </a:r>
-            <a:r>
-              <a:rPr lang="en-US" dirty="0">
-                <a:solidFill>
-                  <a:srgbClr val="F92672"/>
-                </a:solidFill>
-                <a:latin typeface="Menlo"/>
-              </a:rPr>
-              <a:t>:</a:t>
-            </a:r>
-            <a:r>
-              <a:rPr lang="en-US" dirty="0">
-                <a:solidFill>
-                  <a:srgbClr val="F8F8F2"/>
-                </a:solidFill>
-                <a:latin typeface="Menlo"/>
-              </a:rPr>
-              <a:t> </a:t>
-            </a:r>
-            <a:r>
-              <a:rPr lang="en-US" dirty="0">
-                <a:solidFill>
-                  <a:srgbClr val="E6DB74"/>
-                </a:solidFill>
-                <a:latin typeface="Menlo"/>
-              </a:rPr>
-              <a:t>'</a:t>
-            </a:r>
-            <a:r>
-              <a:rPr lang="en-US" dirty="0" err="1">
-                <a:solidFill>
-                  <a:srgbClr val="E6DB74"/>
-                </a:solidFill>
-                <a:latin typeface="Menlo"/>
-              </a:rPr>
-              <a:t>bsPanel.html</a:t>
-            </a:r>
-            <a:r>
-              <a:rPr lang="en-US" dirty="0">
-                <a:solidFill>
-                  <a:srgbClr val="E6DB74"/>
-                </a:solidFill>
-                <a:latin typeface="Menlo"/>
-              </a:rPr>
-              <a:t>'</a:t>
-            </a:r>
-            <a:endParaRPr lang="en-US" dirty="0">
-              <a:solidFill>
-                <a:srgbClr val="F8F8F2"/>
-              </a:solidFill>
-              <a:latin typeface="Menlo"/>
-            </a:endParaRPr>
-          </a:p>
-          <a:p>
-            <a:r>
-              <a:rPr lang="fr-FR" dirty="0">
-                <a:solidFill>
-                  <a:srgbClr val="F8F8F2"/>
-                </a:solidFill>
-                <a:latin typeface="Menlo"/>
-              </a:rPr>
-              <a:t>    </a:t>
-            </a:r>
-            <a:r>
-              <a:rPr lang="fr-FR" dirty="0" err="1">
-                <a:solidFill>
-                  <a:srgbClr val="A6E22E"/>
-                </a:solidFill>
-                <a:latin typeface="Menlo"/>
-              </a:rPr>
-              <a:t>restrict</a:t>
-            </a:r>
-            <a:r>
-              <a:rPr lang="fr-FR" dirty="0">
-                <a:solidFill>
-                  <a:srgbClr val="F92672"/>
-                </a:solidFill>
-                <a:latin typeface="Menlo"/>
-              </a:rPr>
-              <a:t>:</a:t>
-            </a:r>
-            <a:r>
-              <a:rPr lang="fr-FR" dirty="0">
-                <a:solidFill>
-                  <a:srgbClr val="F8F8F2"/>
-                </a:solidFill>
-                <a:latin typeface="Menlo"/>
-              </a:rPr>
-              <a:t> </a:t>
-            </a:r>
-            <a:r>
-              <a:rPr lang="fr-FR" dirty="0">
-                <a:solidFill>
-                  <a:srgbClr val="E6DB74"/>
-                </a:solidFill>
-                <a:latin typeface="Menlo"/>
-              </a:rPr>
-              <a:t>'AE'</a:t>
-            </a:r>
-            <a:r>
-              <a:rPr lang="fr-FR" dirty="0">
-                <a:solidFill>
-                  <a:srgbClr val="F8F8F2"/>
-                </a:solidFill>
-                <a:latin typeface="Menlo"/>
-              </a:rPr>
-              <a:t>,</a:t>
-            </a:r>
-          </a:p>
-          <a:p>
-            <a:r>
-              <a:rPr lang="fr-FR" dirty="0">
-                <a:solidFill>
-                  <a:srgbClr val="F8F8F2"/>
-                </a:solidFill>
-                <a:latin typeface="Menlo"/>
-              </a:rPr>
-              <a:t>    </a:t>
-            </a:r>
-            <a:r>
-              <a:rPr lang="fr-FR" dirty="0" err="1">
-                <a:solidFill>
-                  <a:srgbClr val="A6E22E"/>
-                </a:solidFill>
-                <a:latin typeface="Menlo"/>
-              </a:rPr>
-              <a:t>transclude</a:t>
-            </a:r>
-            <a:r>
-              <a:rPr lang="fr-FR" dirty="0" err="1">
-                <a:solidFill>
-                  <a:srgbClr val="F92672"/>
-                </a:solidFill>
-                <a:latin typeface="Menlo"/>
-              </a:rPr>
-              <a:t>:</a:t>
-            </a:r>
-            <a:r>
-              <a:rPr lang="fr-FR" dirty="0" err="1">
-                <a:solidFill>
-                  <a:srgbClr val="66D9EF"/>
-                </a:solidFill>
-                <a:latin typeface="Menlo"/>
-              </a:rPr>
-              <a:t>true</a:t>
-            </a:r>
-            <a:r>
-              <a:rPr lang="fr-FR" dirty="0">
-                <a:solidFill>
-                  <a:srgbClr val="F8F8F2"/>
-                </a:solidFill>
-                <a:latin typeface="Menlo"/>
-              </a:rPr>
-              <a:t>,</a:t>
-            </a:r>
-          </a:p>
-          <a:p>
-            <a:r>
-              <a:rPr lang="it-IT" dirty="0">
-                <a:solidFill>
-                  <a:srgbClr val="F8F8F2"/>
-                </a:solidFill>
-                <a:latin typeface="Menlo"/>
-              </a:rPr>
-              <a:t>    </a:t>
-            </a:r>
-            <a:r>
-              <a:rPr lang="it-IT" dirty="0">
-                <a:solidFill>
-                  <a:srgbClr val="A6E22E"/>
-                </a:solidFill>
-                <a:latin typeface="Menlo"/>
-              </a:rPr>
-              <a:t>scope</a:t>
-            </a:r>
-            <a:r>
-              <a:rPr lang="it-IT" dirty="0">
-                <a:solidFill>
-                  <a:srgbClr val="F92672"/>
-                </a:solidFill>
-                <a:latin typeface="Menlo"/>
-              </a:rPr>
-              <a:t>:</a:t>
-            </a:r>
-            <a:r>
-              <a:rPr lang="it-IT" dirty="0">
-                <a:solidFill>
-                  <a:srgbClr val="F8F8F2"/>
-                </a:solidFill>
-                <a:latin typeface="Menlo"/>
-              </a:rPr>
-              <a:t> {</a:t>
-            </a:r>
-          </a:p>
-          <a:p>
-            <a:r>
-              <a:rPr lang="it-IT" dirty="0">
-                <a:solidFill>
-                  <a:srgbClr val="F8F8F2"/>
-                </a:solidFill>
-                <a:latin typeface="Menlo"/>
-              </a:rPr>
-              <a:t>      </a:t>
-            </a:r>
-            <a:r>
-              <a:rPr lang="it-IT" dirty="0" err="1">
-                <a:solidFill>
-                  <a:srgbClr val="A6E22E"/>
-                </a:solidFill>
-                <a:latin typeface="Menlo"/>
-              </a:rPr>
-              <a:t>title</a:t>
-            </a:r>
-            <a:r>
-              <a:rPr lang="it-IT" dirty="0">
-                <a:solidFill>
-                  <a:srgbClr val="F92672"/>
-                </a:solidFill>
-                <a:latin typeface="Menlo"/>
-              </a:rPr>
-              <a:t>:</a:t>
-            </a:r>
-            <a:r>
-              <a:rPr lang="it-IT" dirty="0">
-                <a:solidFill>
-                  <a:srgbClr val="E6DB74"/>
-                </a:solidFill>
-                <a:latin typeface="Menlo"/>
-              </a:rPr>
-              <a:t>"@"</a:t>
-            </a:r>
-            <a:endParaRPr lang="it-IT" dirty="0">
-              <a:solidFill>
-                <a:srgbClr val="F8F8F2"/>
-              </a:solidFill>
-              <a:latin typeface="Menlo"/>
-            </a:endParaRPr>
-          </a:p>
-          <a:p>
-            <a:r>
-              <a:rPr lang="it-IT" dirty="0">
-                <a:solidFill>
-                  <a:srgbClr val="F8F8F2"/>
-                </a:solidFill>
-                <a:latin typeface="Menlo"/>
-              </a:rPr>
-              <a:t>    }</a:t>
-            </a:r>
-          </a:p>
-          <a:p>
-            <a:r>
-              <a:rPr lang="it-IT" dirty="0">
-                <a:solidFill>
-                  <a:srgbClr val="F8F8F2"/>
-                </a:solidFill>
-                <a:latin typeface="Menlo"/>
-              </a:rPr>
-              <a:t>  }; </a:t>
-            </a:r>
-          </a:p>
-          <a:p>
-            <a:r>
-              <a:rPr lang="it-IT" dirty="0">
-                <a:solidFill>
-                  <a:srgbClr val="F8F8F2"/>
-                </a:solidFill>
-                <a:latin typeface="Menlo"/>
-              </a:rPr>
-              <a:t>});</a:t>
-            </a:r>
-          </a:p>
-        </p:txBody>
-      </p:sp>
-      <p:sp>
-        <p:nvSpPr>
-          <p:cNvPr id="6" name="Rectangle 5"/>
-          <p:cNvSpPr/>
-          <p:nvPr/>
-        </p:nvSpPr>
-        <p:spPr>
-          <a:xfrm>
-            <a:off x="293292" y="3015554"/>
-            <a:ext cx="8245410" cy="2031325"/>
-          </a:xfrm>
-          <a:prstGeom prst="rect">
-            <a:avLst/>
-          </a:prstGeom>
-        </p:spPr>
-        <p:txBody>
-          <a:bodyPr wrap="square">
-            <a:spAutoFit/>
-          </a:bodyPr>
-          <a:lstStyle/>
-          <a:p>
-            <a:r>
-              <a:rPr lang="en-US" dirty="0">
-                <a:solidFill>
-                  <a:srgbClr val="75715E"/>
-                </a:solidFill>
-                <a:latin typeface="Menlo"/>
-              </a:rPr>
-              <a:t>&lt;!-- directive template --&gt;</a:t>
-            </a:r>
-            <a:endParaRPr lang="en-US" dirty="0">
-              <a:solidFill>
-                <a:srgbClr val="F8F8F2"/>
-              </a:solidFill>
-              <a:latin typeface="Menlo"/>
-            </a:endParaRPr>
-          </a:p>
-          <a:p>
-            <a:r>
-              <a:rPr lang="en-US" dirty="0">
-                <a:solidFill>
-                  <a:srgbClr val="F92672"/>
-                </a:solidFill>
-                <a:latin typeface="Menlo"/>
-              </a:rPr>
-              <a:t>&lt;div</a:t>
-            </a:r>
-            <a:r>
-              <a:rPr lang="en-US" dirty="0">
-                <a:solidFill>
-                  <a:srgbClr val="F8F8F2"/>
-                </a:solidFill>
-                <a:latin typeface="Menlo"/>
-              </a:rPr>
-              <a:t> </a:t>
-            </a:r>
-            <a:r>
-              <a:rPr lang="en-US" dirty="0">
-                <a:solidFill>
-                  <a:srgbClr val="A6E22E"/>
-                </a:solidFill>
-                <a:latin typeface="Menlo"/>
-              </a:rPr>
-              <a:t>class=</a:t>
-            </a:r>
-            <a:r>
-              <a:rPr lang="en-US" dirty="0">
-                <a:solidFill>
-                  <a:srgbClr val="E6DB74"/>
-                </a:solidFill>
-                <a:latin typeface="Menlo"/>
-              </a:rPr>
-              <a:t>"panel panel-default"</a:t>
-            </a:r>
-            <a:r>
-              <a:rPr lang="en-US" dirty="0">
-                <a:solidFill>
-                  <a:srgbClr val="F92672"/>
-                </a:solidFill>
-                <a:latin typeface="Menlo"/>
-              </a:rPr>
-              <a:t>&gt;</a:t>
-            </a:r>
-            <a:endParaRPr lang="en-US" dirty="0">
-              <a:solidFill>
-                <a:srgbClr val="F8F8F2"/>
-              </a:solidFill>
-              <a:latin typeface="Menlo"/>
-            </a:endParaRPr>
-          </a:p>
-          <a:p>
-            <a:r>
-              <a:rPr lang="en-US" dirty="0">
-                <a:solidFill>
-                  <a:srgbClr val="F8F8F2"/>
-                </a:solidFill>
-                <a:latin typeface="Menlo"/>
-              </a:rPr>
-              <a:t>  </a:t>
-            </a:r>
-            <a:r>
-              <a:rPr lang="en-US" dirty="0">
-                <a:solidFill>
-                  <a:srgbClr val="F92672"/>
-                </a:solidFill>
-                <a:latin typeface="Menlo"/>
-              </a:rPr>
-              <a:t>&lt;div</a:t>
-            </a:r>
-            <a:r>
-              <a:rPr lang="en-US" dirty="0">
-                <a:solidFill>
-                  <a:srgbClr val="F8F8F2"/>
-                </a:solidFill>
-                <a:latin typeface="Menlo"/>
-              </a:rPr>
-              <a:t> </a:t>
-            </a:r>
-            <a:r>
-              <a:rPr lang="en-US" dirty="0">
-                <a:solidFill>
-                  <a:srgbClr val="A6E22E"/>
-                </a:solidFill>
-                <a:latin typeface="Menlo"/>
-              </a:rPr>
-              <a:t>class=</a:t>
-            </a:r>
-            <a:r>
-              <a:rPr lang="en-US" dirty="0">
-                <a:solidFill>
-                  <a:srgbClr val="E6DB74"/>
-                </a:solidFill>
-                <a:latin typeface="Menlo"/>
-              </a:rPr>
-              <a:t>"panel-heading"</a:t>
-            </a:r>
-            <a:r>
-              <a:rPr lang="en-US" dirty="0">
-                <a:solidFill>
-                  <a:srgbClr val="F92672"/>
-                </a:solidFill>
-                <a:latin typeface="Menlo"/>
-              </a:rPr>
-              <a:t>&gt;</a:t>
-            </a:r>
-            <a:endParaRPr lang="en-US" dirty="0">
-              <a:solidFill>
-                <a:srgbClr val="F8F8F2"/>
-              </a:solidFill>
-              <a:latin typeface="Menlo"/>
-            </a:endParaRPr>
-          </a:p>
-          <a:p>
-            <a:r>
-              <a:rPr lang="en-US" dirty="0">
-                <a:solidFill>
-                  <a:srgbClr val="F8F8F2"/>
-                </a:solidFill>
-                <a:latin typeface="Menlo"/>
-              </a:rPr>
-              <a:t>    </a:t>
-            </a:r>
-            <a:r>
-              <a:rPr lang="en-US" dirty="0">
-                <a:solidFill>
-                  <a:srgbClr val="F92672"/>
-                </a:solidFill>
-                <a:latin typeface="Menlo"/>
-              </a:rPr>
-              <a:t>&lt;h3</a:t>
-            </a:r>
-            <a:r>
-              <a:rPr lang="en-US" dirty="0">
-                <a:solidFill>
-                  <a:srgbClr val="F8F8F2"/>
-                </a:solidFill>
-                <a:latin typeface="Menlo"/>
-              </a:rPr>
-              <a:t> </a:t>
-            </a:r>
-            <a:r>
-              <a:rPr lang="en-US" dirty="0">
-                <a:solidFill>
-                  <a:srgbClr val="A6E22E"/>
-                </a:solidFill>
-                <a:latin typeface="Menlo"/>
-              </a:rPr>
-              <a:t>class=</a:t>
-            </a:r>
-            <a:r>
-              <a:rPr lang="en-US" dirty="0">
-                <a:solidFill>
-                  <a:srgbClr val="E6DB74"/>
-                </a:solidFill>
-                <a:latin typeface="Menlo"/>
-              </a:rPr>
-              <a:t>"panel-title"</a:t>
-            </a:r>
-            <a:r>
-              <a:rPr lang="en-US" dirty="0">
-                <a:solidFill>
-                  <a:srgbClr val="F92672"/>
-                </a:solidFill>
-                <a:latin typeface="Menlo"/>
-              </a:rPr>
-              <a:t>&gt;</a:t>
-            </a:r>
-            <a:r>
-              <a:rPr lang="en-US" dirty="0">
-                <a:solidFill>
-                  <a:srgbClr val="F8F8F2"/>
-                </a:solidFill>
-                <a:latin typeface="Menlo"/>
-              </a:rPr>
-              <a:t>{{title}}</a:t>
-            </a:r>
-            <a:r>
-              <a:rPr lang="en-US" dirty="0">
-                <a:solidFill>
-                  <a:srgbClr val="F92672"/>
-                </a:solidFill>
-                <a:latin typeface="Menlo"/>
-              </a:rPr>
-              <a:t>&lt;/h3&gt;</a:t>
-            </a:r>
-            <a:endParaRPr lang="en-US" dirty="0">
-              <a:solidFill>
-                <a:srgbClr val="F8F8F2"/>
-              </a:solidFill>
-              <a:latin typeface="Menlo"/>
-            </a:endParaRPr>
-          </a:p>
-          <a:p>
-            <a:r>
-              <a:rPr lang="en-US" dirty="0">
-                <a:solidFill>
-                  <a:srgbClr val="F8F8F2"/>
-                </a:solidFill>
-                <a:latin typeface="Menlo"/>
-              </a:rPr>
-              <a:t>  </a:t>
-            </a:r>
-            <a:r>
-              <a:rPr lang="en-US" dirty="0">
-                <a:solidFill>
-                  <a:srgbClr val="F92672"/>
-                </a:solidFill>
-                <a:latin typeface="Menlo"/>
-              </a:rPr>
-              <a:t>&lt;/div&gt;</a:t>
-            </a:r>
-            <a:endParaRPr lang="en-US" dirty="0">
-              <a:solidFill>
-                <a:srgbClr val="F8F8F2"/>
-              </a:solidFill>
-              <a:latin typeface="Menlo"/>
-            </a:endParaRPr>
-          </a:p>
-          <a:p>
-            <a:r>
-              <a:rPr lang="en-US" dirty="0">
-                <a:solidFill>
-                  <a:srgbClr val="F8F8F2"/>
-                </a:solidFill>
-                <a:latin typeface="Menlo"/>
-              </a:rPr>
-              <a:t>  </a:t>
-            </a:r>
-            <a:r>
-              <a:rPr lang="en-US" dirty="0">
-                <a:solidFill>
-                  <a:srgbClr val="F92672"/>
-                </a:solidFill>
-                <a:latin typeface="Menlo"/>
-              </a:rPr>
-              <a:t>&lt;div</a:t>
-            </a:r>
-            <a:r>
-              <a:rPr lang="en-US" dirty="0">
-                <a:solidFill>
-                  <a:srgbClr val="F8F8F2"/>
-                </a:solidFill>
-                <a:latin typeface="Menlo"/>
-              </a:rPr>
-              <a:t> </a:t>
-            </a:r>
-            <a:r>
-              <a:rPr lang="en-US" dirty="0">
-                <a:solidFill>
-                  <a:srgbClr val="A6E22E"/>
-                </a:solidFill>
-                <a:latin typeface="Menlo"/>
-              </a:rPr>
-              <a:t>class=</a:t>
-            </a:r>
-            <a:r>
-              <a:rPr lang="en-US" dirty="0">
-                <a:solidFill>
-                  <a:srgbClr val="E6DB74"/>
-                </a:solidFill>
-                <a:latin typeface="Menlo"/>
-              </a:rPr>
-              <a:t>"panel-body"</a:t>
-            </a:r>
-            <a:r>
-              <a:rPr lang="en-US" dirty="0">
-                <a:solidFill>
-                  <a:srgbClr val="F8F8F2"/>
-                </a:solidFill>
-                <a:latin typeface="Menlo"/>
-              </a:rPr>
-              <a:t> </a:t>
-            </a:r>
-            <a:r>
-              <a:rPr lang="en-US" dirty="0" err="1">
-                <a:solidFill>
-                  <a:srgbClr val="A6E22E"/>
-                </a:solidFill>
-                <a:latin typeface="Menlo"/>
-              </a:rPr>
-              <a:t>ng-transclude</a:t>
-            </a:r>
-            <a:r>
-              <a:rPr lang="en-US" dirty="0">
-                <a:solidFill>
-                  <a:srgbClr val="F92672"/>
-                </a:solidFill>
-                <a:latin typeface="Menlo"/>
-              </a:rPr>
-              <a:t>&gt;&lt;/div&gt;</a:t>
-            </a:r>
-            <a:r>
-              <a:rPr lang="en-US" dirty="0">
-                <a:solidFill>
-                  <a:srgbClr val="F8F8F2"/>
-                </a:solidFill>
-                <a:latin typeface="Menlo"/>
-              </a:rPr>
-              <a:t> </a:t>
-            </a:r>
-          </a:p>
-          <a:p>
-            <a:r>
-              <a:rPr lang="en-US" dirty="0">
-                <a:solidFill>
-                  <a:srgbClr val="F92672"/>
-                </a:solidFill>
-                <a:latin typeface="Menlo"/>
-              </a:rPr>
-              <a:t>&lt;/div&gt;</a:t>
-            </a:r>
-            <a:endParaRPr lang="en-US" dirty="0">
-              <a:solidFill>
-                <a:srgbClr val="F8F8F2"/>
-              </a:solidFill>
-              <a:latin typeface="Menlo"/>
-            </a:endParaRPr>
-          </a:p>
-        </p:txBody>
-      </p:sp>
-      <p:sp>
-        <p:nvSpPr>
-          <p:cNvPr id="7" name="Rectangle 6"/>
-          <p:cNvSpPr/>
-          <p:nvPr/>
-        </p:nvSpPr>
-        <p:spPr>
-          <a:xfrm>
-            <a:off x="293292" y="5333389"/>
-            <a:ext cx="7186139" cy="1200329"/>
-          </a:xfrm>
-          <a:prstGeom prst="rect">
-            <a:avLst/>
-          </a:prstGeom>
-        </p:spPr>
-        <p:txBody>
-          <a:bodyPr wrap="square">
-            <a:spAutoFit/>
-          </a:bodyPr>
-          <a:lstStyle/>
-          <a:p>
-            <a:r>
-              <a:rPr lang="fr-FR" dirty="0">
-                <a:solidFill>
-                  <a:srgbClr val="75715E"/>
-                </a:solidFill>
-                <a:latin typeface="Menlo"/>
-              </a:rPr>
-              <a:t>&lt;!-- Usage --&gt;</a:t>
-            </a:r>
-            <a:endParaRPr lang="fr-FR" dirty="0">
-              <a:solidFill>
-                <a:srgbClr val="F8F8F2"/>
-              </a:solidFill>
-              <a:latin typeface="Menlo"/>
-            </a:endParaRPr>
-          </a:p>
-          <a:p>
-            <a:r>
-              <a:rPr lang="fr-FR" dirty="0">
-                <a:solidFill>
-                  <a:srgbClr val="F92672"/>
-                </a:solidFill>
-                <a:latin typeface="Menlo"/>
-              </a:rPr>
-              <a:t>&lt;bs-panel</a:t>
-            </a:r>
-            <a:r>
-              <a:rPr lang="fr-FR" dirty="0">
-                <a:solidFill>
-                  <a:srgbClr val="F8F8F2"/>
-                </a:solidFill>
-                <a:latin typeface="Menlo"/>
-              </a:rPr>
-              <a:t> </a:t>
-            </a:r>
-            <a:r>
-              <a:rPr lang="fr-FR" dirty="0" err="1">
-                <a:solidFill>
-                  <a:srgbClr val="A6E22E"/>
-                </a:solidFill>
-                <a:latin typeface="Menlo"/>
-              </a:rPr>
-              <a:t>title</a:t>
-            </a:r>
-            <a:r>
-              <a:rPr lang="fr-FR" dirty="0">
-                <a:solidFill>
-                  <a:srgbClr val="A6E22E"/>
-                </a:solidFill>
-                <a:latin typeface="Menlo"/>
-              </a:rPr>
-              <a:t>=</a:t>
-            </a:r>
-            <a:r>
-              <a:rPr lang="fr-FR" dirty="0">
-                <a:solidFill>
-                  <a:srgbClr val="E6DB74"/>
-                </a:solidFill>
-                <a:latin typeface="Menlo"/>
-              </a:rPr>
-              <a:t>"Panel </a:t>
-            </a:r>
-            <a:r>
-              <a:rPr lang="fr-FR" dirty="0" err="1">
-                <a:solidFill>
-                  <a:srgbClr val="E6DB74"/>
-                </a:solidFill>
-                <a:latin typeface="Menlo"/>
-              </a:rPr>
-              <a:t>Title</a:t>
-            </a:r>
-            <a:r>
-              <a:rPr lang="fr-FR" dirty="0">
-                <a:solidFill>
-                  <a:srgbClr val="E6DB74"/>
-                </a:solidFill>
-                <a:latin typeface="Menlo"/>
-              </a:rPr>
-              <a:t>"</a:t>
-            </a:r>
-            <a:r>
-              <a:rPr lang="fr-FR" dirty="0">
-                <a:solidFill>
-                  <a:srgbClr val="F92672"/>
-                </a:solidFill>
-                <a:latin typeface="Menlo"/>
-              </a:rPr>
-              <a:t>&gt;</a:t>
-            </a:r>
-            <a:endParaRPr lang="fr-FR" dirty="0">
-              <a:solidFill>
-                <a:srgbClr val="F8F8F2"/>
-              </a:solidFill>
-              <a:latin typeface="Menlo"/>
-            </a:endParaRPr>
-          </a:p>
-          <a:p>
-            <a:r>
-              <a:rPr lang="fr-FR" dirty="0">
-                <a:solidFill>
-                  <a:srgbClr val="F8F8F2"/>
-                </a:solidFill>
-                <a:latin typeface="Menlo"/>
-              </a:rPr>
-              <a:t>  </a:t>
-            </a:r>
-            <a:r>
-              <a:rPr lang="fr-FR" dirty="0">
-                <a:solidFill>
-                  <a:srgbClr val="F92672"/>
-                </a:solidFill>
-                <a:latin typeface="Menlo"/>
-              </a:rPr>
-              <a:t>&lt;p&gt;</a:t>
-            </a:r>
-            <a:r>
-              <a:rPr lang="fr-FR" dirty="0">
-                <a:solidFill>
-                  <a:srgbClr val="F8F8F2"/>
-                </a:solidFill>
-                <a:latin typeface="Menlo"/>
-              </a:rPr>
-              <a:t>The contents of the panel are in </a:t>
-            </a:r>
-            <a:r>
-              <a:rPr lang="fr-FR" dirty="0" err="1">
-                <a:solidFill>
-                  <a:srgbClr val="F8F8F2"/>
-                </a:solidFill>
-                <a:latin typeface="Menlo"/>
-              </a:rPr>
-              <a:t>here</a:t>
-            </a:r>
-            <a:r>
-              <a:rPr lang="fr-FR" dirty="0">
-                <a:solidFill>
-                  <a:srgbClr val="F8F8F2"/>
-                </a:solidFill>
-                <a:latin typeface="Menlo"/>
-              </a:rPr>
-              <a:t>!</a:t>
-            </a:r>
-            <a:r>
-              <a:rPr lang="fr-FR" dirty="0">
-                <a:solidFill>
-                  <a:srgbClr val="F92672"/>
-                </a:solidFill>
-                <a:latin typeface="Menlo"/>
-              </a:rPr>
-              <a:t>&lt;/p&gt;</a:t>
-            </a:r>
-            <a:endParaRPr lang="fr-FR" dirty="0">
-              <a:solidFill>
-                <a:srgbClr val="F8F8F2"/>
-              </a:solidFill>
-              <a:latin typeface="Menlo"/>
-            </a:endParaRPr>
-          </a:p>
-          <a:p>
-            <a:r>
-              <a:rPr lang="fr-FR" dirty="0">
-                <a:solidFill>
-                  <a:srgbClr val="F92672"/>
-                </a:solidFill>
-                <a:latin typeface="Menlo"/>
-              </a:rPr>
-              <a:t>&lt;/bs-panel&gt;</a:t>
-            </a:r>
-            <a:endParaRPr lang="fr-FR" dirty="0">
-              <a:solidFill>
-                <a:srgbClr val="F8F8F2"/>
-              </a:solidFill>
-              <a:latin typeface="Menlo"/>
-            </a:endParaRPr>
+                <a:hlinkClick r:id="rId2"/>
+              </a:rPr>
+              <a:t>xajam</a:t>
+            </a:r>
+            <a:r>
+              <a:rPr lang="en-US" dirty="0">
+                <a:hlinkClick r:id="rId2"/>
+              </a:rPr>
+              <a:t>/5/edit</a:t>
+            </a:r>
+            <a:endParaRPr lang="en-US" dirty="0" smtClean="0"/>
           </a:p>
         </p:txBody>
       </p:sp>
     </p:spTree>
     <p:extLst>
       <p:ext uri="{BB962C8B-B14F-4D97-AF65-F5344CB8AC3E}">
-        <p14:creationId xmlns:p14="http://schemas.microsoft.com/office/powerpoint/2010/main" val="2578376326"/>
+        <p14:creationId xmlns:p14="http://schemas.microsoft.com/office/powerpoint/2010/main" val="2562662003"/>
       </p:ext>
     </p:extLst>
   </p:cSld>
@@ -10262,12 +9418,244 @@
           <a:p>
             <a:r>
               <a:rPr lang="en-US" dirty="0" smtClean="0"/>
-              <a:t>Directives</a:t>
+              <a:t>Checkpoint</a:t>
             </a:r>
             <a:endParaRPr lang="en-US" dirty="0"/>
           </a:p>
         </p:txBody>
       </p:sp>
+      <p:sp>
+        <p:nvSpPr>
+          <p:cNvPr id="3" name="Content Placeholder 2"/>
+          <p:cNvSpPr>
+            <a:spLocks noGrp="1"/>
+          </p:cNvSpPr>
+          <p:nvPr>
+            <p:ph idx="1"/>
+          </p:nvPr>
+        </p:nvSpPr>
+        <p:spPr/>
+        <p:txBody>
+          <a:bodyPr>
+            <a:normAutofit fontScale="85000" lnSpcReduction="20000"/>
+          </a:bodyPr>
+          <a:lstStyle/>
+          <a:p>
+            <a:r>
+              <a:rPr lang="en-US" dirty="0" err="1" smtClean="0">
+                <a:latin typeface="Menlo Regular"/>
+                <a:cs typeface="Menlo Regular"/>
+              </a:rPr>
+              <a:t>git</a:t>
+            </a:r>
+            <a:r>
+              <a:rPr lang="en-US" dirty="0" smtClean="0">
+                <a:latin typeface="Menlo Regular"/>
+                <a:cs typeface="Menlo Regular"/>
+              </a:rPr>
+              <a:t> fetch origin</a:t>
+            </a:r>
+          </a:p>
+          <a:p>
+            <a:r>
+              <a:rPr lang="en-US" dirty="0" err="1" smtClean="0">
+                <a:latin typeface="Menlo Regular"/>
+                <a:cs typeface="Menlo Regular"/>
+              </a:rPr>
+              <a:t>git</a:t>
+            </a:r>
+            <a:r>
+              <a:rPr lang="en-US" dirty="0" smtClean="0">
+                <a:latin typeface="Menlo Regular"/>
+                <a:cs typeface="Menlo Regular"/>
+              </a:rPr>
+              <a:t> </a:t>
+            </a:r>
+            <a:r>
+              <a:rPr lang="en-US" dirty="0">
+                <a:latin typeface="Menlo Regular"/>
+                <a:cs typeface="Menlo Regular"/>
+              </a:rPr>
+              <a:t>checkout -f day</a:t>
+            </a:r>
+            <a:r>
+              <a:rPr lang="en-US" dirty="0" smtClean="0">
+                <a:latin typeface="Menlo Regular"/>
+                <a:cs typeface="Menlo Regular"/>
+              </a:rPr>
+              <a:t>-4/</a:t>
+            </a:r>
+            <a:r>
+              <a:rPr lang="en-US" dirty="0">
+                <a:latin typeface="Menlo Regular"/>
+                <a:cs typeface="Menlo Regular"/>
+              </a:rPr>
+              <a:t>step</a:t>
+            </a:r>
+            <a:r>
+              <a:rPr lang="en-US" dirty="0" smtClean="0">
+                <a:latin typeface="Menlo Regular"/>
+                <a:cs typeface="Menlo Regular"/>
+              </a:rPr>
+              <a:t>-0</a:t>
+            </a:r>
+          </a:p>
+          <a:p>
+            <a:r>
+              <a:rPr lang="en-US" dirty="0" smtClean="0">
+                <a:latin typeface="Menlo Regular"/>
+                <a:cs typeface="Menlo Regular"/>
+              </a:rPr>
+              <a:t>cd day</a:t>
+            </a:r>
+            <a:r>
+              <a:rPr lang="en-US" dirty="0" smtClean="0">
+                <a:latin typeface="Menlo Regular"/>
+                <a:cs typeface="Menlo Regular"/>
+              </a:rPr>
+              <a:t>-4/</a:t>
+            </a:r>
+            <a:r>
+              <a:rPr lang="en-US" dirty="0" smtClean="0">
+                <a:latin typeface="Menlo Regular"/>
+                <a:cs typeface="Menlo Regular"/>
+              </a:rPr>
+              <a:t>client</a:t>
+            </a:r>
+          </a:p>
+          <a:p>
+            <a:r>
+              <a:rPr lang="en-US" dirty="0" smtClean="0">
+                <a:latin typeface="Menlo Regular"/>
+                <a:cs typeface="Menlo Regular"/>
+              </a:rPr>
+              <a:t>bower </a:t>
+            </a:r>
+            <a:r>
+              <a:rPr lang="en-US" dirty="0" smtClean="0">
+                <a:latin typeface="Menlo Regular"/>
+                <a:cs typeface="Menlo Regular"/>
+              </a:rPr>
+              <a:t>install</a:t>
+            </a:r>
+          </a:p>
+          <a:p>
+            <a:r>
+              <a:rPr lang="en-US" dirty="0" err="1" smtClean="0">
+                <a:latin typeface="Menlo Regular"/>
+                <a:cs typeface="Menlo Regular"/>
+              </a:rPr>
+              <a:t>npm</a:t>
+            </a:r>
+            <a:r>
+              <a:rPr lang="en-US" dirty="0" smtClean="0">
+                <a:latin typeface="Menlo Regular"/>
+                <a:cs typeface="Menlo Regular"/>
+              </a:rPr>
+              <a:t> install</a:t>
+            </a:r>
+            <a:endParaRPr lang="en-US" dirty="0" smtClean="0">
+              <a:latin typeface="Menlo Regular"/>
+              <a:cs typeface="Menlo Regular"/>
+            </a:endParaRPr>
+          </a:p>
+          <a:p>
+            <a:r>
+              <a:rPr lang="en-US" dirty="0" smtClean="0">
+                <a:latin typeface="Menlo Regular"/>
+                <a:cs typeface="Menlo Regular"/>
+              </a:rPr>
+              <a:t>cd ../server</a:t>
+            </a:r>
+          </a:p>
+          <a:p>
+            <a:r>
+              <a:rPr lang="en-US" dirty="0" err="1" smtClean="0">
+                <a:latin typeface="Menlo Regular"/>
+                <a:cs typeface="Menlo Regular"/>
+              </a:rPr>
+              <a:t>npm</a:t>
+            </a:r>
+            <a:r>
+              <a:rPr lang="en-US" dirty="0" smtClean="0">
+                <a:latin typeface="Menlo Regular"/>
+                <a:cs typeface="Menlo Regular"/>
+              </a:rPr>
+              <a:t> install</a:t>
+            </a:r>
+          </a:p>
+          <a:p>
+            <a:r>
+              <a:rPr lang="en-US" dirty="0" smtClean="0">
+                <a:latin typeface="Menlo Regular"/>
+                <a:cs typeface="Menlo Regular"/>
+              </a:rPr>
+              <a:t>node </a:t>
+            </a:r>
+            <a:r>
+              <a:rPr lang="en-US" dirty="0" err="1" smtClean="0">
+                <a:latin typeface="Menlo Regular"/>
+                <a:cs typeface="Menlo Regular"/>
+              </a:rPr>
+              <a:t>server.js</a:t>
+            </a:r>
+            <a:endParaRPr lang="en-US" dirty="0" smtClean="0">
+              <a:latin typeface="Menlo Regular"/>
+              <a:cs typeface="Menlo Regular"/>
+            </a:endParaRPr>
+          </a:p>
+          <a:p>
+            <a:r>
+              <a:rPr lang="en-US" dirty="0" smtClean="0">
+                <a:latin typeface="Menlo Regular"/>
+                <a:cs typeface="Menlo Regular"/>
+              </a:rPr>
+              <a:t>Open localhost:3000</a:t>
+            </a:r>
+            <a:endParaRPr lang="en-US" dirty="0" smtClean="0">
+              <a:latin typeface="Menlo Regular"/>
+              <a:cs typeface="Menlo Regular"/>
+            </a:endParaRPr>
+          </a:p>
+        </p:txBody>
+      </p:sp>
+    </p:spTree>
+    <p:extLst>
+      <p:ext uri="{BB962C8B-B14F-4D97-AF65-F5344CB8AC3E}">
+        <p14:creationId xmlns:p14="http://schemas.microsoft.com/office/powerpoint/2010/main" val="584990511"/>
+      </p:ext>
+    </p:extLst>
+  </p:cSld>
+  <p:clrMapOvr>
+    <a:masterClrMapping/>
+  </p:clrMapOvr>
+  <p:timing>
+    <p:tnLst>
+      <p:par>
+        <p:cTn xmlns:p14="http://schemas.microsoft.com/office/powerpoint/2010/main" id="1" dur="indefinite" restart="never" nodeType="tmRoot"/>
+      </p:par>
+    </p:tnLst>
+  </p:timing>
+</p:sld>
+</file>
+
+<file path=ppt/slides/slide30.xml><?xml version="1.0" encoding="utf-8"?>
+<p:sld xmlns:a="http://schemas.openxmlformats.org/drawingml/2006/main" xmlns:r="http://schemas.openxmlformats.org/officeDocument/2006/relationships" xmlns:p="http://schemas.openxmlformats.org/presentationml/2006/main">
+  <p:cSld>
+    <p:spTree>
+      <p:nvGrpSpPr>
+        <p:cNvPr id="1" name=""/>
+        <p:cNvGrpSpPr/>
+        <p:nvPr/>
+      </p:nvGrpSpPr>
+      <p:grpSpPr>
+        <a:xfrm>
+          <a:off x="0" y="0"/>
+          <a:ext cx="0" cy="0"/>
+          <a:chOff x="0" y="0"/>
+          <a:chExt cx="0" cy="0"/>
+        </a:xfrm>
+      </p:grpSpPr>
       <p:sp>
         <p:nvSpPr>
           <p:cNvPr id="5" name="Rectangle 4"/>
@@ -10276,8 +9664,8 @@
         </p:nvSpPr>
         <p:spPr>
           <a:xfrm>
-            <a:off x="815117" y="2413338"/>
-            <a:ext cx="7641496" cy="1323439"/>
+            <a:off x="293292" y="134343"/>
+            <a:ext cx="6283678" cy="2862323"/>
           </a:xfrm>
           <a:prstGeom prst="rect">
             <a:avLst/>
@@ -10290,64 +9678,978 @@
           <a:lstStyle/>
           <a:p>
             <a:r>
-              <a:rPr lang="en-US" sz="2000" b="1" dirty="0" smtClean="0"/>
-              <a:t>At </a:t>
-            </a:r>
-            <a:r>
-              <a:rPr lang="en-US" sz="2000" b="1" dirty="0"/>
-              <a:t>a high level, directives are </a:t>
-            </a:r>
-            <a:r>
-              <a:rPr lang="en-US" sz="2000" b="1" dirty="0">
-                <a:solidFill>
-                  <a:srgbClr val="86CE24"/>
-                </a:solidFill>
-              </a:rPr>
-              <a:t>markers on a DOM element </a:t>
-            </a:r>
-            <a:r>
-              <a:rPr lang="en-US" sz="2000" b="1" dirty="0"/>
-              <a:t>(such as an attribute, element name, or CSS class) that tell </a:t>
-            </a:r>
-            <a:r>
-              <a:rPr lang="en-US" sz="2000" b="1" dirty="0" err="1"/>
-              <a:t>AngularJS's</a:t>
-            </a:r>
-            <a:r>
-              <a:rPr lang="en-US" sz="2000" b="1" dirty="0"/>
-              <a:t> HTML compiler ($compile) to </a:t>
-            </a:r>
-            <a:r>
-              <a:rPr lang="en-US" sz="2000" b="1" dirty="0">
-                <a:solidFill>
-                  <a:srgbClr val="86CE24"/>
-                </a:solidFill>
-              </a:rPr>
-              <a:t>attach a specified behavior </a:t>
-            </a:r>
-            <a:r>
-              <a:rPr lang="en-US" sz="2000" b="1" dirty="0"/>
-              <a:t>to that DOM element or even </a:t>
-            </a:r>
-            <a:r>
-              <a:rPr lang="en-US" sz="2000" b="1" dirty="0">
-                <a:solidFill>
-                  <a:srgbClr val="86CE24"/>
-                </a:solidFill>
-              </a:rPr>
-              <a:t>transform the DOM element and its children</a:t>
-            </a:r>
-            <a:r>
-              <a:rPr lang="en-US" sz="2000" b="1" dirty="0"/>
+              <a:rPr lang="en-US" dirty="0" err="1">
+                <a:solidFill>
+                  <a:srgbClr val="A6E22E"/>
+                </a:solidFill>
+                <a:latin typeface="Menlo"/>
+              </a:rPr>
+              <a:t>module</a:t>
+            </a:r>
+            <a:r>
+              <a:rPr lang="en-US" dirty="0" err="1">
+                <a:solidFill>
+                  <a:srgbClr val="F8F8F2"/>
+                </a:solidFill>
+                <a:latin typeface="Menlo"/>
+              </a:rPr>
               <a:t>.</a:t>
             </a:r>
+            <a:r>
+              <a:rPr lang="en-US" dirty="0" err="1">
+                <a:solidFill>
+                  <a:srgbClr val="A6E22E"/>
+                </a:solidFill>
+                <a:latin typeface="Menlo"/>
+              </a:rPr>
+              <a:t>directive</a:t>
+            </a:r>
+            <a:r>
+              <a:rPr lang="en-US" dirty="0">
+                <a:solidFill>
+                  <a:srgbClr val="F8F8F2"/>
+                </a:solidFill>
+                <a:latin typeface="Menlo"/>
+              </a:rPr>
+              <a:t>(</a:t>
+            </a:r>
+            <a:r>
+              <a:rPr lang="en-US" dirty="0">
+                <a:solidFill>
+                  <a:srgbClr val="E6DB74"/>
+                </a:solidFill>
+                <a:latin typeface="Menlo"/>
+              </a:rPr>
+              <a:t>'</a:t>
+            </a:r>
+            <a:r>
+              <a:rPr lang="en-US" dirty="0" err="1">
+                <a:solidFill>
+                  <a:srgbClr val="E6DB74"/>
+                </a:solidFill>
+                <a:latin typeface="Menlo"/>
+              </a:rPr>
+              <a:t>bsPanel</a:t>
+            </a:r>
+            <a:r>
+              <a:rPr lang="en-US" dirty="0">
+                <a:solidFill>
+                  <a:srgbClr val="E6DB74"/>
+                </a:solidFill>
+                <a:latin typeface="Menlo"/>
+              </a:rPr>
+              <a:t>'</a:t>
+            </a:r>
+            <a:r>
+              <a:rPr lang="en-US" dirty="0">
+                <a:solidFill>
+                  <a:srgbClr val="F8F8F2"/>
+                </a:solidFill>
+                <a:latin typeface="Menlo"/>
+              </a:rPr>
+              <a:t>, </a:t>
+            </a:r>
+            <a:r>
+              <a:rPr lang="en-US" dirty="0">
+                <a:solidFill>
+                  <a:srgbClr val="66D9EF"/>
+                </a:solidFill>
+                <a:latin typeface="Menlo"/>
+              </a:rPr>
+              <a:t>function</a:t>
+            </a:r>
+            <a:r>
+              <a:rPr lang="en-US" dirty="0">
+                <a:solidFill>
+                  <a:srgbClr val="F8F8F2"/>
+                </a:solidFill>
+                <a:latin typeface="Menlo"/>
+              </a:rPr>
+              <a:t>() {</a:t>
+            </a:r>
+          </a:p>
+          <a:p>
+            <a:r>
+              <a:rPr lang="en-US" dirty="0">
+                <a:solidFill>
+                  <a:srgbClr val="F8F8F2"/>
+                </a:solidFill>
+                <a:latin typeface="Menlo"/>
+              </a:rPr>
+              <a:t>  </a:t>
+            </a:r>
+            <a:r>
+              <a:rPr lang="en-US" dirty="0">
+                <a:solidFill>
+                  <a:srgbClr val="66D9EF"/>
+                </a:solidFill>
+                <a:latin typeface="Menlo"/>
+              </a:rPr>
+              <a:t>return</a:t>
+            </a:r>
+            <a:r>
+              <a:rPr lang="en-US" dirty="0">
+                <a:solidFill>
+                  <a:srgbClr val="F8F8F2"/>
+                </a:solidFill>
+                <a:latin typeface="Menlo"/>
+              </a:rPr>
+              <a:t> {</a:t>
+            </a:r>
+          </a:p>
+          <a:p>
+            <a:r>
+              <a:rPr lang="en-US" dirty="0">
+                <a:solidFill>
+                  <a:srgbClr val="F8F8F2"/>
+                </a:solidFill>
+                <a:latin typeface="Menlo"/>
+              </a:rPr>
+              <a:t>    </a:t>
+            </a:r>
+            <a:r>
+              <a:rPr lang="en-US" dirty="0" err="1">
+                <a:solidFill>
+                  <a:srgbClr val="A6E22E"/>
+                </a:solidFill>
+                <a:latin typeface="Menlo"/>
+              </a:rPr>
+              <a:t>templateUrl</a:t>
+            </a:r>
+            <a:r>
+              <a:rPr lang="en-US" dirty="0">
+                <a:solidFill>
+                  <a:srgbClr val="F92672"/>
+                </a:solidFill>
+                <a:latin typeface="Menlo"/>
+              </a:rPr>
+              <a:t>:</a:t>
+            </a:r>
+            <a:r>
+              <a:rPr lang="en-US" dirty="0">
+                <a:solidFill>
+                  <a:srgbClr val="F8F8F2"/>
+                </a:solidFill>
+                <a:latin typeface="Menlo"/>
+              </a:rPr>
+              <a:t> </a:t>
+            </a:r>
+            <a:r>
+              <a:rPr lang="en-US" dirty="0">
+                <a:solidFill>
+                  <a:srgbClr val="E6DB74"/>
+                </a:solidFill>
+                <a:latin typeface="Menlo"/>
+              </a:rPr>
+              <a:t>'</a:t>
+            </a:r>
+            <a:r>
+              <a:rPr lang="en-US" dirty="0" err="1">
+                <a:solidFill>
+                  <a:srgbClr val="E6DB74"/>
+                </a:solidFill>
+                <a:latin typeface="Menlo"/>
+              </a:rPr>
+              <a:t>bsPanel.html</a:t>
+            </a:r>
+            <a:r>
+              <a:rPr lang="en-US" dirty="0">
+                <a:solidFill>
+                  <a:srgbClr val="E6DB74"/>
+                </a:solidFill>
+                <a:latin typeface="Menlo"/>
+              </a:rPr>
+              <a:t>'</a:t>
+            </a:r>
+            <a:endParaRPr lang="en-US" dirty="0">
+              <a:solidFill>
+                <a:srgbClr val="F8F8F2"/>
+              </a:solidFill>
+              <a:latin typeface="Menlo"/>
+            </a:endParaRPr>
+          </a:p>
+          <a:p>
+            <a:r>
+              <a:rPr lang="fr-FR" dirty="0">
+                <a:solidFill>
+                  <a:srgbClr val="F8F8F2"/>
+                </a:solidFill>
+                <a:latin typeface="Menlo"/>
+              </a:rPr>
+              <a:t>    </a:t>
+            </a:r>
+            <a:r>
+              <a:rPr lang="fr-FR" dirty="0" err="1">
+                <a:solidFill>
+                  <a:srgbClr val="A6E22E"/>
+                </a:solidFill>
+                <a:latin typeface="Menlo"/>
+              </a:rPr>
+              <a:t>restrict</a:t>
+            </a:r>
+            <a:r>
+              <a:rPr lang="fr-FR" dirty="0">
+                <a:solidFill>
+                  <a:srgbClr val="F92672"/>
+                </a:solidFill>
+                <a:latin typeface="Menlo"/>
+              </a:rPr>
+              <a:t>:</a:t>
+            </a:r>
+            <a:r>
+              <a:rPr lang="fr-FR" dirty="0">
+                <a:solidFill>
+                  <a:srgbClr val="F8F8F2"/>
+                </a:solidFill>
+                <a:latin typeface="Menlo"/>
+              </a:rPr>
+              <a:t> </a:t>
+            </a:r>
+            <a:r>
+              <a:rPr lang="fr-FR" dirty="0">
+                <a:solidFill>
+                  <a:srgbClr val="E6DB74"/>
+                </a:solidFill>
+                <a:latin typeface="Menlo"/>
+              </a:rPr>
+              <a:t>'AE'</a:t>
+            </a:r>
+            <a:r>
+              <a:rPr lang="fr-FR" dirty="0">
+                <a:solidFill>
+                  <a:srgbClr val="F8F8F2"/>
+                </a:solidFill>
+                <a:latin typeface="Menlo"/>
+              </a:rPr>
+              <a:t>,</a:t>
+            </a:r>
+          </a:p>
+          <a:p>
+            <a:r>
+              <a:rPr lang="fr-FR" dirty="0">
+                <a:solidFill>
+                  <a:srgbClr val="F8F8F2"/>
+                </a:solidFill>
+                <a:latin typeface="Menlo"/>
+              </a:rPr>
+              <a:t>    </a:t>
+            </a:r>
+            <a:r>
+              <a:rPr lang="fr-FR" dirty="0" err="1">
+                <a:solidFill>
+                  <a:srgbClr val="A6E22E"/>
+                </a:solidFill>
+                <a:latin typeface="Menlo"/>
+              </a:rPr>
+              <a:t>transclude</a:t>
+            </a:r>
+            <a:r>
+              <a:rPr lang="fr-FR" dirty="0" err="1">
+                <a:solidFill>
+                  <a:srgbClr val="F92672"/>
+                </a:solidFill>
+                <a:latin typeface="Menlo"/>
+              </a:rPr>
+              <a:t>:</a:t>
+            </a:r>
+            <a:r>
+              <a:rPr lang="fr-FR" dirty="0" err="1">
+                <a:solidFill>
+                  <a:srgbClr val="66D9EF"/>
+                </a:solidFill>
+                <a:latin typeface="Menlo"/>
+              </a:rPr>
+              <a:t>true</a:t>
+            </a:r>
+            <a:r>
+              <a:rPr lang="fr-FR" dirty="0">
+                <a:solidFill>
+                  <a:srgbClr val="F8F8F2"/>
+                </a:solidFill>
+                <a:latin typeface="Menlo"/>
+              </a:rPr>
+              <a:t>,</a:t>
+            </a:r>
+          </a:p>
+          <a:p>
+            <a:r>
+              <a:rPr lang="it-IT" dirty="0">
+                <a:solidFill>
+                  <a:srgbClr val="F8F8F2"/>
+                </a:solidFill>
+                <a:latin typeface="Menlo"/>
+              </a:rPr>
+              <a:t>    </a:t>
+            </a:r>
+            <a:r>
+              <a:rPr lang="it-IT" dirty="0">
+                <a:solidFill>
+                  <a:srgbClr val="A6E22E"/>
+                </a:solidFill>
+                <a:latin typeface="Menlo"/>
+              </a:rPr>
+              <a:t>scope</a:t>
+            </a:r>
+            <a:r>
+              <a:rPr lang="it-IT" dirty="0">
+                <a:solidFill>
+                  <a:srgbClr val="F92672"/>
+                </a:solidFill>
+                <a:latin typeface="Menlo"/>
+              </a:rPr>
+              <a:t>:</a:t>
+            </a:r>
+            <a:r>
+              <a:rPr lang="it-IT" dirty="0">
+                <a:solidFill>
+                  <a:srgbClr val="F8F8F2"/>
+                </a:solidFill>
+                <a:latin typeface="Menlo"/>
+              </a:rPr>
+              <a:t> {</a:t>
+            </a:r>
+          </a:p>
+          <a:p>
+            <a:r>
+              <a:rPr lang="it-IT" dirty="0">
+                <a:solidFill>
+                  <a:srgbClr val="F8F8F2"/>
+                </a:solidFill>
+                <a:latin typeface="Menlo"/>
+              </a:rPr>
+              <a:t>      </a:t>
+            </a:r>
+            <a:r>
+              <a:rPr lang="it-IT" dirty="0" err="1">
+                <a:solidFill>
+                  <a:srgbClr val="A6E22E"/>
+                </a:solidFill>
+                <a:latin typeface="Menlo"/>
+              </a:rPr>
+              <a:t>title</a:t>
+            </a:r>
+            <a:r>
+              <a:rPr lang="it-IT" dirty="0">
+                <a:solidFill>
+                  <a:srgbClr val="F92672"/>
+                </a:solidFill>
+                <a:latin typeface="Menlo"/>
+              </a:rPr>
+              <a:t>:</a:t>
+            </a:r>
+            <a:r>
+              <a:rPr lang="it-IT" dirty="0">
+                <a:solidFill>
+                  <a:srgbClr val="E6DB74"/>
+                </a:solidFill>
+                <a:latin typeface="Menlo"/>
+              </a:rPr>
+              <a:t>"@"</a:t>
+            </a:r>
+            <a:endParaRPr lang="it-IT" dirty="0">
+              <a:solidFill>
+                <a:srgbClr val="F8F8F2"/>
+              </a:solidFill>
+              <a:latin typeface="Menlo"/>
+            </a:endParaRPr>
+          </a:p>
+          <a:p>
+            <a:r>
+              <a:rPr lang="it-IT" dirty="0">
+                <a:solidFill>
+                  <a:srgbClr val="F8F8F2"/>
+                </a:solidFill>
+                <a:latin typeface="Menlo"/>
+              </a:rPr>
+              <a:t>    }</a:t>
+            </a:r>
+          </a:p>
+          <a:p>
+            <a:r>
+              <a:rPr lang="it-IT" dirty="0">
+                <a:solidFill>
+                  <a:srgbClr val="F8F8F2"/>
+                </a:solidFill>
+                <a:latin typeface="Menlo"/>
+              </a:rPr>
+              <a:t>  }; </a:t>
+            </a:r>
+          </a:p>
+          <a:p>
+            <a:r>
+              <a:rPr lang="it-IT" dirty="0">
+                <a:solidFill>
+                  <a:srgbClr val="F8F8F2"/>
+                </a:solidFill>
+                <a:latin typeface="Menlo"/>
+              </a:rPr>
+              <a:t>});</a:t>
+            </a:r>
+          </a:p>
+        </p:txBody>
+      </p:sp>
+      <p:sp>
+        <p:nvSpPr>
+          <p:cNvPr id="6" name="Rectangle 5"/>
+          <p:cNvSpPr/>
+          <p:nvPr/>
+        </p:nvSpPr>
+        <p:spPr>
+          <a:xfrm>
+            <a:off x="293292" y="3015554"/>
+            <a:ext cx="8245410" cy="2031325"/>
+          </a:xfrm>
+          <a:prstGeom prst="rect">
+            <a:avLst/>
+          </a:prstGeom>
+        </p:spPr>
+        <p:txBody>
+          <a:bodyPr wrap="square">
+            <a:spAutoFit/>
+          </a:bodyPr>
+          <a:lstStyle/>
+          <a:p>
+            <a:r>
+              <a:rPr lang="en-US" dirty="0">
+                <a:solidFill>
+                  <a:srgbClr val="75715E"/>
+                </a:solidFill>
+                <a:latin typeface="Menlo"/>
+              </a:rPr>
+              <a:t>&lt;!-- directive template --&gt;</a:t>
+            </a:r>
+            <a:endParaRPr lang="en-US" dirty="0">
+              <a:solidFill>
+                <a:srgbClr val="F8F8F2"/>
+              </a:solidFill>
+              <a:latin typeface="Menlo"/>
+            </a:endParaRPr>
+          </a:p>
+          <a:p>
+            <a:r>
+              <a:rPr lang="en-US" dirty="0">
+                <a:solidFill>
+                  <a:srgbClr val="F92672"/>
+                </a:solidFill>
+                <a:latin typeface="Menlo"/>
+              </a:rPr>
+              <a:t>&lt;div</a:t>
+            </a:r>
+            <a:r>
+              <a:rPr lang="en-US" dirty="0">
+                <a:solidFill>
+                  <a:srgbClr val="F8F8F2"/>
+                </a:solidFill>
+                <a:latin typeface="Menlo"/>
+              </a:rPr>
+              <a:t> </a:t>
+            </a:r>
+            <a:r>
+              <a:rPr lang="en-US" dirty="0">
+                <a:solidFill>
+                  <a:srgbClr val="A6E22E"/>
+                </a:solidFill>
+                <a:latin typeface="Menlo"/>
+              </a:rPr>
+              <a:t>class=</a:t>
+            </a:r>
+            <a:r>
+              <a:rPr lang="en-US" dirty="0">
+                <a:solidFill>
+                  <a:srgbClr val="E6DB74"/>
+                </a:solidFill>
+                <a:latin typeface="Menlo"/>
+              </a:rPr>
+              <a:t>"panel panel-default"</a:t>
+            </a:r>
+            <a:r>
+              <a:rPr lang="en-US" dirty="0">
+                <a:solidFill>
+                  <a:srgbClr val="F92672"/>
+                </a:solidFill>
+                <a:latin typeface="Menlo"/>
+              </a:rPr>
+              <a:t>&gt;</a:t>
+            </a:r>
+            <a:endParaRPr lang="en-US" dirty="0">
+              <a:solidFill>
+                <a:srgbClr val="F8F8F2"/>
+              </a:solidFill>
+              <a:latin typeface="Menlo"/>
+            </a:endParaRPr>
+          </a:p>
+          <a:p>
+            <a:r>
+              <a:rPr lang="en-US" dirty="0">
+                <a:solidFill>
+                  <a:srgbClr val="F8F8F2"/>
+                </a:solidFill>
+                <a:latin typeface="Menlo"/>
+              </a:rPr>
+              <a:t>  </a:t>
+            </a:r>
+            <a:r>
+              <a:rPr lang="en-US" dirty="0">
+                <a:solidFill>
+                  <a:srgbClr val="F92672"/>
+                </a:solidFill>
+                <a:latin typeface="Menlo"/>
+              </a:rPr>
+              <a:t>&lt;div</a:t>
+            </a:r>
+            <a:r>
+              <a:rPr lang="en-US" dirty="0">
+                <a:solidFill>
+                  <a:srgbClr val="F8F8F2"/>
+                </a:solidFill>
+                <a:latin typeface="Menlo"/>
+              </a:rPr>
+              <a:t> </a:t>
+            </a:r>
+            <a:r>
+              <a:rPr lang="en-US" dirty="0">
+                <a:solidFill>
+                  <a:srgbClr val="A6E22E"/>
+                </a:solidFill>
+                <a:latin typeface="Menlo"/>
+              </a:rPr>
+              <a:t>class=</a:t>
+            </a:r>
+            <a:r>
+              <a:rPr lang="en-US" dirty="0">
+                <a:solidFill>
+                  <a:srgbClr val="E6DB74"/>
+                </a:solidFill>
+                <a:latin typeface="Menlo"/>
+              </a:rPr>
+              <a:t>"panel-heading"</a:t>
+            </a:r>
+            <a:r>
+              <a:rPr lang="en-US" dirty="0">
+                <a:solidFill>
+                  <a:srgbClr val="F92672"/>
+                </a:solidFill>
+                <a:latin typeface="Menlo"/>
+              </a:rPr>
+              <a:t>&gt;</a:t>
+            </a:r>
+            <a:endParaRPr lang="en-US" dirty="0">
+              <a:solidFill>
+                <a:srgbClr val="F8F8F2"/>
+              </a:solidFill>
+              <a:latin typeface="Menlo"/>
+            </a:endParaRPr>
+          </a:p>
+          <a:p>
+            <a:r>
+              <a:rPr lang="en-US" dirty="0">
+                <a:solidFill>
+                  <a:srgbClr val="F8F8F2"/>
+                </a:solidFill>
+                <a:latin typeface="Menlo"/>
+              </a:rPr>
+              <a:t>    </a:t>
+            </a:r>
+            <a:r>
+              <a:rPr lang="en-US" dirty="0">
+                <a:solidFill>
+                  <a:srgbClr val="F92672"/>
+                </a:solidFill>
+                <a:latin typeface="Menlo"/>
+              </a:rPr>
+              <a:t>&lt;h3</a:t>
+            </a:r>
+            <a:r>
+              <a:rPr lang="en-US" dirty="0">
+                <a:solidFill>
+                  <a:srgbClr val="F8F8F2"/>
+                </a:solidFill>
+                <a:latin typeface="Menlo"/>
+              </a:rPr>
+              <a:t> </a:t>
+            </a:r>
+            <a:r>
+              <a:rPr lang="en-US" dirty="0">
+                <a:solidFill>
+                  <a:srgbClr val="A6E22E"/>
+                </a:solidFill>
+                <a:latin typeface="Menlo"/>
+              </a:rPr>
+              <a:t>class=</a:t>
+            </a:r>
+            <a:r>
+              <a:rPr lang="en-US" dirty="0">
+                <a:solidFill>
+                  <a:srgbClr val="E6DB74"/>
+                </a:solidFill>
+                <a:latin typeface="Menlo"/>
+              </a:rPr>
+              <a:t>"panel-title"</a:t>
+            </a:r>
+            <a:r>
+              <a:rPr lang="en-US" dirty="0">
+                <a:solidFill>
+                  <a:srgbClr val="F92672"/>
+                </a:solidFill>
+                <a:latin typeface="Menlo"/>
+              </a:rPr>
+              <a:t>&gt;</a:t>
+            </a:r>
+            <a:r>
+              <a:rPr lang="en-US" dirty="0">
+                <a:solidFill>
+                  <a:srgbClr val="F8F8F2"/>
+                </a:solidFill>
+                <a:latin typeface="Menlo"/>
+              </a:rPr>
+              <a:t>{{title}}</a:t>
+            </a:r>
+            <a:r>
+              <a:rPr lang="en-US" dirty="0">
+                <a:solidFill>
+                  <a:srgbClr val="F92672"/>
+                </a:solidFill>
+                <a:latin typeface="Menlo"/>
+              </a:rPr>
+              <a:t>&lt;/h3&gt;</a:t>
+            </a:r>
+            <a:endParaRPr lang="en-US" dirty="0">
+              <a:solidFill>
+                <a:srgbClr val="F8F8F2"/>
+              </a:solidFill>
+              <a:latin typeface="Menlo"/>
+            </a:endParaRPr>
+          </a:p>
+          <a:p>
+            <a:r>
+              <a:rPr lang="en-US" dirty="0">
+                <a:solidFill>
+                  <a:srgbClr val="F8F8F2"/>
+                </a:solidFill>
+                <a:latin typeface="Menlo"/>
+              </a:rPr>
+              <a:t>  </a:t>
+            </a:r>
+            <a:r>
+              <a:rPr lang="en-US" dirty="0">
+                <a:solidFill>
+                  <a:srgbClr val="F92672"/>
+                </a:solidFill>
+                <a:latin typeface="Menlo"/>
+              </a:rPr>
+              <a:t>&lt;/div&gt;</a:t>
+            </a:r>
+            <a:endParaRPr lang="en-US" dirty="0">
+              <a:solidFill>
+                <a:srgbClr val="F8F8F2"/>
+              </a:solidFill>
+              <a:latin typeface="Menlo"/>
+            </a:endParaRPr>
+          </a:p>
+          <a:p>
+            <a:r>
+              <a:rPr lang="en-US" dirty="0">
+                <a:solidFill>
+                  <a:srgbClr val="F8F8F2"/>
+                </a:solidFill>
+                <a:latin typeface="Menlo"/>
+              </a:rPr>
+              <a:t>  </a:t>
+            </a:r>
+            <a:r>
+              <a:rPr lang="en-US" dirty="0">
+                <a:solidFill>
+                  <a:srgbClr val="F92672"/>
+                </a:solidFill>
+                <a:latin typeface="Menlo"/>
+              </a:rPr>
+              <a:t>&lt;div</a:t>
+            </a:r>
+            <a:r>
+              <a:rPr lang="en-US" dirty="0">
+                <a:solidFill>
+                  <a:srgbClr val="F8F8F2"/>
+                </a:solidFill>
+                <a:latin typeface="Menlo"/>
+              </a:rPr>
+              <a:t> </a:t>
+            </a:r>
+            <a:r>
+              <a:rPr lang="en-US" dirty="0">
+                <a:solidFill>
+                  <a:srgbClr val="A6E22E"/>
+                </a:solidFill>
+                <a:latin typeface="Menlo"/>
+              </a:rPr>
+              <a:t>class=</a:t>
+            </a:r>
+            <a:r>
+              <a:rPr lang="en-US" dirty="0">
+                <a:solidFill>
+                  <a:srgbClr val="E6DB74"/>
+                </a:solidFill>
+                <a:latin typeface="Menlo"/>
+              </a:rPr>
+              <a:t>"panel-body"</a:t>
+            </a:r>
+            <a:r>
+              <a:rPr lang="en-US" dirty="0">
+                <a:solidFill>
+                  <a:srgbClr val="F8F8F2"/>
+                </a:solidFill>
+                <a:latin typeface="Menlo"/>
+              </a:rPr>
+              <a:t> </a:t>
+            </a:r>
+            <a:r>
+              <a:rPr lang="en-US" dirty="0" err="1">
+                <a:solidFill>
+                  <a:srgbClr val="A6E22E"/>
+                </a:solidFill>
+                <a:latin typeface="Menlo"/>
+              </a:rPr>
+              <a:t>ng-transclude</a:t>
+            </a:r>
+            <a:r>
+              <a:rPr lang="en-US" dirty="0">
+                <a:solidFill>
+                  <a:srgbClr val="F92672"/>
+                </a:solidFill>
+                <a:latin typeface="Menlo"/>
+              </a:rPr>
+              <a:t>&gt;&lt;/div&gt;</a:t>
+            </a:r>
+            <a:r>
+              <a:rPr lang="en-US" dirty="0">
+                <a:solidFill>
+                  <a:srgbClr val="F8F8F2"/>
+                </a:solidFill>
+                <a:latin typeface="Menlo"/>
+              </a:rPr>
+              <a:t> </a:t>
+            </a:r>
+          </a:p>
+          <a:p>
+            <a:r>
+              <a:rPr lang="en-US" dirty="0">
+                <a:solidFill>
+                  <a:srgbClr val="F92672"/>
+                </a:solidFill>
+                <a:latin typeface="Menlo"/>
+              </a:rPr>
+              <a:t>&lt;/div&gt;</a:t>
+            </a:r>
+            <a:endParaRPr lang="en-US" dirty="0">
+              <a:solidFill>
+                <a:srgbClr val="F8F8F2"/>
+              </a:solidFill>
+              <a:latin typeface="Menlo"/>
+            </a:endParaRPr>
+          </a:p>
+        </p:txBody>
+      </p:sp>
+      <p:sp>
+        <p:nvSpPr>
+          <p:cNvPr id="7" name="Rectangle 6"/>
+          <p:cNvSpPr/>
+          <p:nvPr/>
+        </p:nvSpPr>
+        <p:spPr>
+          <a:xfrm>
+            <a:off x="293292" y="5333389"/>
+            <a:ext cx="7186139" cy="1200329"/>
+          </a:xfrm>
+          <a:prstGeom prst="rect">
+            <a:avLst/>
+          </a:prstGeom>
+        </p:spPr>
+        <p:txBody>
+          <a:bodyPr wrap="square">
+            <a:spAutoFit/>
+          </a:bodyPr>
+          <a:lstStyle/>
+          <a:p>
+            <a:r>
+              <a:rPr lang="fr-FR" dirty="0">
+                <a:solidFill>
+                  <a:srgbClr val="75715E"/>
+                </a:solidFill>
+                <a:latin typeface="Menlo"/>
+              </a:rPr>
+              <a:t>&lt;!-- Usage --&gt;</a:t>
+            </a:r>
+            <a:endParaRPr lang="fr-FR" dirty="0">
+              <a:solidFill>
+                <a:srgbClr val="F8F8F2"/>
+              </a:solidFill>
+              <a:latin typeface="Menlo"/>
+            </a:endParaRPr>
+          </a:p>
+          <a:p>
+            <a:r>
+              <a:rPr lang="fr-FR" dirty="0">
+                <a:solidFill>
+                  <a:srgbClr val="F92672"/>
+                </a:solidFill>
+                <a:latin typeface="Menlo"/>
+              </a:rPr>
+              <a:t>&lt;bs-panel</a:t>
+            </a:r>
+            <a:r>
+              <a:rPr lang="fr-FR" dirty="0">
+                <a:solidFill>
+                  <a:srgbClr val="F8F8F2"/>
+                </a:solidFill>
+                <a:latin typeface="Menlo"/>
+              </a:rPr>
+              <a:t> </a:t>
+            </a:r>
+            <a:r>
+              <a:rPr lang="fr-FR" dirty="0" err="1">
+                <a:solidFill>
+                  <a:srgbClr val="A6E22E"/>
+                </a:solidFill>
+                <a:latin typeface="Menlo"/>
+              </a:rPr>
+              <a:t>title</a:t>
+            </a:r>
+            <a:r>
+              <a:rPr lang="fr-FR" dirty="0">
+                <a:solidFill>
+                  <a:srgbClr val="A6E22E"/>
+                </a:solidFill>
+                <a:latin typeface="Menlo"/>
+              </a:rPr>
+              <a:t>=</a:t>
+            </a:r>
+            <a:r>
+              <a:rPr lang="fr-FR" dirty="0">
+                <a:solidFill>
+                  <a:srgbClr val="E6DB74"/>
+                </a:solidFill>
+                <a:latin typeface="Menlo"/>
+              </a:rPr>
+              <a:t>"Panel </a:t>
+            </a:r>
+            <a:r>
+              <a:rPr lang="fr-FR" dirty="0" err="1">
+                <a:solidFill>
+                  <a:srgbClr val="E6DB74"/>
+                </a:solidFill>
+                <a:latin typeface="Menlo"/>
+              </a:rPr>
+              <a:t>Title</a:t>
+            </a:r>
+            <a:r>
+              <a:rPr lang="fr-FR" dirty="0">
+                <a:solidFill>
+                  <a:srgbClr val="E6DB74"/>
+                </a:solidFill>
+                <a:latin typeface="Menlo"/>
+              </a:rPr>
+              <a:t>"</a:t>
+            </a:r>
+            <a:r>
+              <a:rPr lang="fr-FR" dirty="0">
+                <a:solidFill>
+                  <a:srgbClr val="F92672"/>
+                </a:solidFill>
+                <a:latin typeface="Menlo"/>
+              </a:rPr>
+              <a:t>&gt;</a:t>
+            </a:r>
+            <a:endParaRPr lang="fr-FR" dirty="0">
+              <a:solidFill>
+                <a:srgbClr val="F8F8F2"/>
+              </a:solidFill>
+              <a:latin typeface="Menlo"/>
+            </a:endParaRPr>
+          </a:p>
+          <a:p>
+            <a:r>
+              <a:rPr lang="fr-FR" dirty="0">
+                <a:solidFill>
+                  <a:srgbClr val="F8F8F2"/>
+                </a:solidFill>
+                <a:latin typeface="Menlo"/>
+              </a:rPr>
+              <a:t>  </a:t>
+            </a:r>
+            <a:r>
+              <a:rPr lang="fr-FR" dirty="0">
+                <a:solidFill>
+                  <a:srgbClr val="F92672"/>
+                </a:solidFill>
+                <a:latin typeface="Menlo"/>
+              </a:rPr>
+              <a:t>&lt;p&gt;</a:t>
+            </a:r>
+            <a:r>
+              <a:rPr lang="fr-FR" dirty="0">
+                <a:solidFill>
+                  <a:srgbClr val="F8F8F2"/>
+                </a:solidFill>
+                <a:latin typeface="Menlo"/>
+              </a:rPr>
+              <a:t>The contents of the panel are in </a:t>
+            </a:r>
+            <a:r>
+              <a:rPr lang="fr-FR" dirty="0" err="1">
+                <a:solidFill>
+                  <a:srgbClr val="F8F8F2"/>
+                </a:solidFill>
+                <a:latin typeface="Menlo"/>
+              </a:rPr>
+              <a:t>here</a:t>
+            </a:r>
+            <a:r>
+              <a:rPr lang="fr-FR" dirty="0">
+                <a:solidFill>
+                  <a:srgbClr val="F8F8F2"/>
+                </a:solidFill>
+                <a:latin typeface="Menlo"/>
+              </a:rPr>
+              <a:t>!</a:t>
+            </a:r>
+            <a:r>
+              <a:rPr lang="fr-FR" dirty="0">
+                <a:solidFill>
+                  <a:srgbClr val="F92672"/>
+                </a:solidFill>
+                <a:latin typeface="Menlo"/>
+              </a:rPr>
+              <a:t>&lt;/p&gt;</a:t>
+            </a:r>
+            <a:endParaRPr lang="fr-FR" dirty="0">
+              <a:solidFill>
+                <a:srgbClr val="F8F8F2"/>
+              </a:solidFill>
+              <a:latin typeface="Menlo"/>
+            </a:endParaRPr>
+          </a:p>
+          <a:p>
+            <a:r>
+              <a:rPr lang="fr-FR" dirty="0">
+                <a:solidFill>
+                  <a:srgbClr val="F92672"/>
+                </a:solidFill>
+                <a:latin typeface="Menlo"/>
+              </a:rPr>
+              <a:t>&lt;/bs-panel&gt;</a:t>
+            </a:r>
+            <a:endParaRPr lang="fr-FR" dirty="0">
+              <a:solidFill>
+                <a:srgbClr val="F8F8F2"/>
+              </a:solidFill>
+              <a:latin typeface="Menlo"/>
+            </a:endParaRPr>
           </a:p>
         </p:txBody>
       </p:sp>
     </p:spTree>
     <p:extLst>
       <p:ext uri="{BB962C8B-B14F-4D97-AF65-F5344CB8AC3E}">
-        <p14:creationId xmlns:p14="http://schemas.microsoft.com/office/powerpoint/2010/main" val="751934993"/>
+        <p14:creationId xmlns:p14="http://schemas.microsoft.com/office/powerpoint/2010/main" val="2578376326"/>
       </p:ext>
     </p:extLst>
   </p:cSld>
@@ -10399,43 +10701,84 @@
       </p:sp>
       <p:sp>
         <p:nvSpPr>
-          <p:cNvPr id="3" name="Content Placeholder 2"/>
-          <p:cNvSpPr>
-            <a:spLocks noGrp="1"/>
-          </p:cNvSpPr>
-          <p:nvPr>
-            <p:ph idx="1"/>
-          </p:nvPr>
-        </p:nvSpPr>
-        <p:spPr/>
-        <p:txBody>
-          <a:bodyPr/>
+          <p:cNvPr id="5" name="Rectangle 4"/>
+          <p:cNvSpPr/>
+          <p:nvPr/>
+        </p:nvSpPr>
+        <p:spPr>
+          <a:xfrm>
+            <a:off x="815117" y="2413338"/>
+            <a:ext cx="7641496" cy="1323439"/>
+          </a:xfrm>
+          <a:prstGeom prst="rect">
+            <a:avLst/>
+          </a:prstGeom>
+        </p:spPr>
+        <p:txBody>
+          <a:bodyPr wrap="square">
+            <a:spAutoFit/>
+          </a:bodyPr>
           <a:lstStyle/>
           <a:p>
             <a:r>
-              <a:rPr lang="en-US" dirty="0" smtClean="0"/>
-              <a:t>Markers processed by $compile service</a:t>
-            </a:r>
-          </a:p>
-          <a:p>
-            <a:r>
-              <a:rPr lang="en-US" dirty="0" smtClean="0"/>
-              <a:t>Event handlers attached to DOM</a:t>
-            </a:r>
-          </a:p>
-          <a:p>
-            <a:r>
-              <a:rPr lang="en-US" dirty="0" smtClean="0"/>
-              <a:t>DOM potentially modified/replaced (template, etc.)</a:t>
-            </a:r>
-            <a:endParaRPr lang="en-US" dirty="0"/>
+              <a:rPr lang="en-US" sz="2000" b="1" dirty="0" smtClean="0"/>
+              <a:t>At </a:t>
+            </a:r>
+            <a:r>
+              <a:rPr lang="en-US" sz="2000" b="1" dirty="0"/>
+              <a:t>a high level, directives are </a:t>
+            </a:r>
+            <a:r>
+              <a:rPr lang="en-US" sz="2000" b="1" dirty="0">
+                <a:solidFill>
+                  <a:srgbClr val="86CE24"/>
+                </a:solidFill>
+              </a:rPr>
+              <a:t>markers on a DOM element </a:t>
+            </a:r>
+            <a:r>
+              <a:rPr lang="en-US" sz="2000" b="1" dirty="0"/>
+              <a:t>(such as an attribute, element name, or CSS class) that tell </a:t>
+            </a:r>
+            <a:r>
+              <a:rPr lang="en-US" sz="2000" b="1" dirty="0" err="1"/>
+              <a:t>AngularJS's</a:t>
+            </a:r>
+            <a:r>
+              <a:rPr lang="en-US" sz="2000" b="1" dirty="0"/>
+              <a:t> HTML compiler ($compile) to </a:t>
+            </a:r>
+            <a:r>
+              <a:rPr lang="en-US" sz="2000" b="1" dirty="0">
+                <a:solidFill>
+                  <a:srgbClr val="86CE24"/>
+                </a:solidFill>
+              </a:rPr>
+              <a:t>attach a specified behavior </a:t>
+            </a:r>
+            <a:r>
+              <a:rPr lang="en-US" sz="2000" b="1" dirty="0"/>
+              <a:t>to that DOM element or even </a:t>
+            </a:r>
+            <a:r>
+              <a:rPr lang="en-US" sz="2000" b="1" dirty="0">
+                <a:solidFill>
+                  <a:srgbClr val="86CE24"/>
+                </a:solidFill>
+              </a:rPr>
+              <a:t>transform the DOM element and its children</a:t>
+            </a:r>
+            <a:r>
+              <a:rPr lang="en-US" sz="2000" b="1" dirty="0"/>
+              <a:t>.</a:t>
+            </a:r>
           </a:p>
         </p:txBody>
       </p:sp>
     </p:spTree>
     <p:extLst>
       <p:ext uri="{BB962C8B-B14F-4D97-AF65-F5344CB8AC3E}">
-        <p14:creationId xmlns:p14="http://schemas.microsoft.com/office/powerpoint/2010/main" val="3470620502"/>
+        <p14:creationId xmlns:p14="http://schemas.microsoft.com/office/powerpoint/2010/main" val="751934993"/>
       </p:ext>
     </p:extLst>
   </p:cSld>
@@ -10479,7 +10822,7 @@
           <a:p>
             <a:r>
               <a:rPr lang="en-US" dirty="0" smtClean="0"/>
-              <a:t>Built-in Directives</a:t>
+              <a:t>Directives</a:t>
             </a:r>
             <a:endParaRPr lang="en-US" dirty="0"/>
           </a:p>
@@ -10501,139 +10844,29 @@
           <a:lstStyle/>
           <a:p>
             <a:r>
-              <a:rPr lang="en-US" dirty="0" err="1" smtClean="0"/>
-              <a:t>ng</a:t>
-            </a:r>
-            <a:r>
               <a:rPr lang="en-US" dirty="0" smtClean="0"/>
-              <a:t>-model</a:t>
-            </a:r>
-          </a:p>
-          <a:p>
-            <a:r>
-              <a:rPr lang="en-US" dirty="0" err="1" smtClean="0"/>
-              <a:t>ng</a:t>
-            </a:r>
+              <a:t>Markers processed by $compile service</a:t>
+            </a:r>
+          </a:p>
+          <a:p>
             <a:r>
               <a:rPr lang="en-US" dirty="0" smtClean="0"/>
-              <a:t>-controller</a:t>
-            </a:r>
-          </a:p>
-          <a:p>
-            <a:r>
-              <a:rPr lang="en-US" dirty="0" err="1" smtClean="0"/>
-              <a:t>ng</a:t>
-            </a:r>
+              <a:t>Event handlers attached to DOM</a:t>
+            </a:r>
+          </a:p>
+          <a:p>
             <a:r>
               <a:rPr lang="en-US" dirty="0" smtClean="0"/>
-              <a:t>-</a:t>
-            </a:r>
-            <a:r>
-              <a:rPr lang="en-US" dirty="0" smtClean="0"/>
-              <a:t>click, </a:t>
-            </a:r>
-            <a:r>
-              <a:rPr lang="en-US" dirty="0" err="1" smtClean="0"/>
-              <a:t>ng</a:t>
-            </a:r>
-            <a:r>
-              <a:rPr lang="en-US" dirty="0" smtClean="0"/>
-              <a:t>-focus, </a:t>
-            </a:r>
-            <a:r>
-              <a:rPr lang="en-US" dirty="0" err="1" smtClean="0"/>
-              <a:t>ng</a:t>
-            </a:r>
-            <a:r>
-              <a:rPr lang="en-US" dirty="0" smtClean="0"/>
-              <a:t>-blur</a:t>
-            </a:r>
-          </a:p>
-          <a:p>
-            <a:r>
-              <a:rPr lang="en-US" dirty="0" err="1" smtClean="0"/>
-              <a:t>ng</a:t>
-            </a:r>
-            <a:r>
-              <a:rPr lang="en-US" dirty="0" smtClean="0"/>
-              <a:t>-show/</a:t>
-            </a:r>
-            <a:r>
-              <a:rPr lang="en-US" dirty="0" err="1" smtClean="0"/>
-              <a:t>ng</a:t>
-            </a:r>
-            <a:r>
-              <a:rPr lang="en-US" dirty="0" smtClean="0"/>
-              <a:t>-hide</a:t>
-            </a:r>
-            <a:endParaRPr lang="en-US" dirty="0" smtClean="0"/>
-          </a:p>
-          <a:p>
-            <a:r>
-              <a:rPr lang="en-US" dirty="0" err="1" smtClean="0"/>
-              <a:t>ng-</a:t>
-            </a:r>
-            <a:r>
-              <a:rPr lang="en-US" dirty="0" err="1" smtClean="0"/>
-              <a:t>src</a:t>
-            </a:r>
-            <a:r>
-              <a:rPr lang="en-US" dirty="0" smtClean="0"/>
-              <a:t>, </a:t>
-            </a:r>
-            <a:r>
-              <a:rPr lang="en-US" dirty="0" err="1" smtClean="0"/>
-              <a:t>ng</a:t>
-            </a:r>
-            <a:r>
-              <a:rPr lang="en-US" dirty="0" err="1" smtClean="0"/>
-              <a:t>-</a:t>
-            </a:r>
-            <a:r>
-              <a:rPr lang="en-US" dirty="0" err="1" smtClean="0"/>
-              <a:t>href</a:t>
-            </a:r>
-            <a:r>
-              <a:rPr lang="en-US" dirty="0" smtClean="0"/>
-              <a:t>, </a:t>
-            </a:r>
-            <a:r>
-              <a:rPr lang="en-US" dirty="0" err="1" smtClean="0"/>
-              <a:t>ng</a:t>
-            </a:r>
-            <a:r>
-              <a:rPr lang="en-US" dirty="0" smtClean="0"/>
-              <a:t>-class</a:t>
-            </a:r>
-            <a:endParaRPr lang="en-US" dirty="0" smtClean="0"/>
-          </a:p>
-          <a:p>
-            <a:r>
-              <a:rPr lang="en-US" dirty="0">
-                <a:hlinkClick r:id="rId2"/>
-              </a:rPr>
-              <a:t>http://docs.angularjs.org/api/ng/</a:t>
-            </a:r>
-            <a:r>
-              <a:rPr lang="en-US" dirty="0" smtClean="0">
-                <a:hlinkClick r:id="rId2"/>
-              </a:rPr>
-              <a:t>directive</a:t>
-            </a:r>
-            <a:endParaRPr lang="en-US" dirty="0" smtClean="0"/>
-          </a:p>
-          <a:p>
-            <a:pPr marL="0" indent="0">
-              <a:buNone/>
-            </a:pPr>
-            <a:endParaRPr lang="en-US" dirty="0" smtClean="0"/>
+              <a:t>DOM potentially modified/replaced (template, etc.)</a:t>
+            </a:r>
+            <a:endParaRPr lang="en-US" dirty="0"/>
           </a:p>
         </p:txBody>
       </p:sp>
     </p:spTree>
     <p:extLst>
       <p:ext uri="{BB962C8B-B14F-4D97-AF65-F5344CB8AC3E}">
-        <p14:creationId xmlns:p14="http://schemas.microsoft.com/office/powerpoint/2010/main" val="3503940479"/>
+        <p14:creationId xmlns:p14="http://schemas.microsoft.com/office/powerpoint/2010/main" val="3470620502"/>
       </p:ext>
     </p:extLst>
   </p:cSld>
@@ -10677,7 +10910,7 @@
           <a:p>
             <a:r>
               <a:rPr lang="en-US" dirty="0" smtClean="0"/>
-              <a:t>Matching Directives</a:t>
+              <a:t>Built-in Directives</a:t>
             </a:r>
             <a:endParaRPr lang="en-US" dirty="0"/>
           </a:p>
@@ -10695,150 +10928,125 @@
         </p:nvSpPr>
         <p:spPr/>
         <p:txBody>
-          <a:bodyPr>
-            <a:normAutofit fontScale="92500"/>
-          </a:bodyPr>
+          <a:bodyPr/>
           <a:lstStyle/>
           <a:p>
             <a:r>
+              <a:rPr lang="en-US" dirty="0" err="1" smtClean="0"/>
+              <a:t>ng</a:t>
+            </a:r>
+            <a:r>
               <a:rPr lang="en-US" dirty="0" smtClean="0"/>
-              <a:t>How does </a:t>
+              <a:t>-model</a:t>
+            </a:r>
+          </a:p>
+          <a:p>
+            <a:r>
+              <a:rPr lang="en-US" dirty="0" err="1" smtClean="0"/>
+              <a:t>ng</a:t>
             </a:r>
             <a:r>
               <a:rPr lang="en-US" dirty="0" smtClean="0"/>
-              <a:t>compiler match directives?</a:t>
-            </a:r>
-          </a:p>
-          <a:p>
+              <a:t>-controller</a:t>
+            </a:r>
+          </a:p>
+          <a:p>
+            <a:r>
+              <a:rPr lang="en-US" dirty="0" err="1" smtClean="0"/>
+              <a:t>ng</a:t>
+            </a:r>
+            <a:r>
+              <a:rPr lang="en-US" dirty="0" smtClean="0"/>
+              <a:t>-click, </a:t>
+            </a:r>
+            <a:r>
+              <a:rPr lang="en-US" dirty="0" err="1" smtClean="0"/>
+              <a:t>ng</a:t>
+            </a:r>
+            <a:r>
+              <a:rPr lang="en-US" dirty="0" smtClean="0"/>
+              <a:t>-focus, </a:t>
+            </a:r>
+            <a:r>
+              <a:rPr lang="en-US" dirty="0" err="1" smtClean="0"/>
+              <a:t>ng</a:t>
+            </a:r>
+            <a:r>
+              <a:rPr lang="en-US" dirty="0" smtClean="0"/>
+              <a:t>-blur</a:t>
+            </a:r>
+          </a:p>
+          <a:p>
+            <a:r>
+              <a:rPr lang="en-US" dirty="0" err="1" smtClean="0"/>
+              <a:t>ng</a:t>
+            </a:r>
+            <a:r>
+              <a:rPr lang="en-US" dirty="0" smtClean="0"/>
+              <a:t>-show/</a:t>
+            </a:r>
+            <a:r>
+              <a:rPr lang="en-US" dirty="0" err="1" smtClean="0"/>
+              <a:t>ng</a:t>
+            </a:r>
+            <a:r>
+              <a:rPr lang="en-US" dirty="0" smtClean="0"/>
+              <a:t>-hide</a:t>
+            </a:r>
+          </a:p>
+          <a:p>
+            <a:r>
+              <a:rPr lang="en-US" dirty="0" err="1" smtClean="0"/>
+              <a:t>ng-src</a:t>
+            </a:r>
+            <a:r>
+              <a:rPr lang="en-US" dirty="0" smtClean="0"/>
+              <a:t>, </a:t>
+            </a:r>
+            <a:r>
+              <a:rPr lang="en-US" dirty="0" err="1" smtClean="0"/>
+              <a:t>ng-href</a:t>
+            </a:r>
+            <a:r>
+              <a:rPr lang="en-US" dirty="0" smtClean="0"/>
+              <a:t>, </a:t>
+            </a:r>
+            <a:r>
+              <a:rPr lang="en-US" dirty="0" err="1" smtClean="0"/>
+              <a:t>ng</a:t>
+            </a:r>
+            <a:r>
+              <a:rPr lang="en-US" dirty="0" smtClean="0"/>
+              <a:t>-class</a:t>
+            </a:r>
+          </a:p>
+          <a:p>
+            <a:r>
+              <a:rPr lang="en-US" dirty="0">
+                <a:hlinkClick r:id="rId2"/>
+              </a:rPr>
+              <a:t>http://docs.angularjs.org/api/ng/</a:t>
+            </a:r>
             <a:r>
               <a:rPr lang="en-US" dirty="0" smtClean="0">
-                <a:solidFill>
-                  <a:srgbClr val="86CE24"/>
-                </a:solidFill>
-              </a:rPr>
-              <a:t>Attribute</a:t>
-            </a:r>
-            <a:r>
-              <a:rPr lang="en-US" dirty="0" smtClean="0">
-                <a:solidFill>
-                  <a:srgbClr val="86CE24"/>
-                </a:solidFill>
-              </a:rPr>
-              <a:t>, Element, Class </a:t>
-            </a:r>
-            <a:r>
-              <a:rPr lang="en-US" dirty="0" smtClean="0">
-                <a:solidFill>
-                  <a:srgbClr val="86CE24"/>
-                </a:solidFill>
-              </a:rPr>
-              <a:t>name </a:t>
-            </a:r>
-            <a:r>
-              <a:rPr lang="en-US" dirty="0" smtClean="0"/>
-              <a:t>(depending on restrictions of specific directives)</a:t>
+                <a:hlinkClick r:id="rId2"/>
+              </a:rPr>
+              <a:t>directive</a:t>
             </a:r>
             <a:endParaRPr lang="en-US" dirty="0" smtClean="0"/>
           </a:p>
           <a:p>
-            <a:r>
-              <a:rPr lang="en-US" dirty="0" smtClean="0"/>
-              <a:t>&lt;div </a:t>
-            </a:r>
-            <a:r>
-              <a:rPr lang="en-US" dirty="0" smtClean="0">
-                <a:solidFill>
-                  <a:srgbClr val="86CE24"/>
-                </a:solidFill>
-              </a:rPr>
-              <a:t>my-custom-directive</a:t>
-            </a:r>
-            <a:r>
-              <a:rPr lang="en-US" dirty="0" smtClean="0"/>
-              <a:t>=“hello world!” /&gt;</a:t>
-            </a:r>
-          </a:p>
-          <a:p>
-            <a:r>
-              <a:rPr lang="en-US" dirty="0" smtClean="0"/>
-              <a:t>&lt;</a:t>
-            </a:r>
-            <a:r>
-              <a:rPr lang="en-US" dirty="0" smtClean="0">
-                <a:solidFill>
-                  <a:srgbClr val="86CE24"/>
-                </a:solidFill>
-              </a:rPr>
-              <a:t>my-custom-directive value</a:t>
-            </a:r>
-            <a:r>
-              <a:rPr lang="en-US" dirty="0" smtClean="0"/>
-              <a:t>=“hello world!”/&gt;</a:t>
-            </a:r>
-          </a:p>
-          <a:p>
-            <a:r>
-              <a:rPr lang="en-US" dirty="0" smtClean="0"/>
-              <a:t>&lt;div class=“</a:t>
-            </a:r>
-            <a:r>
-              <a:rPr lang="en-US" dirty="0" smtClean="0">
-                <a:solidFill>
-                  <a:srgbClr val="86CE24"/>
-                </a:solidFill>
-              </a:rPr>
-              <a:t>my-custom-directive</a:t>
-            </a:r>
-            <a:r>
-              <a:rPr lang="en-US" dirty="0" smtClean="0"/>
-              <a:t>” value=“hello world!”/</a:t>
-            </a:r>
-            <a:r>
-              <a:rPr lang="en-US" dirty="0" smtClean="0"/>
-              <a:t>&gt;</a:t>
-            </a:r>
-          </a:p>
-          <a:p>
-            <a:r>
-              <a:rPr lang="en-US" dirty="0" smtClean="0"/>
-              <a:t>NOTE: methods exist for making directives valid HTML (e.g. prefixing with </a:t>
-            </a:r>
-            <a:r>
-              <a:rPr lang="en-US" dirty="0"/>
-              <a:t>“data-”); see </a:t>
-            </a:r>
-            <a:r>
-              <a:rPr lang="en-US" dirty="0">
-                <a:hlinkClick r:id="rId2"/>
-              </a:rPr>
-              <a:t>http://</a:t>
-            </a:r>
-            <a:r>
-              <a:rPr lang="en-US" dirty="0" err="1">
-                <a:hlinkClick r:id="rId2"/>
-              </a:rPr>
-              <a:t>docs.angularjs.org</a:t>
-            </a:r>
-            <a:r>
-              <a:rPr lang="en-US" dirty="0">
-                <a:hlinkClick r:id="rId2"/>
-              </a:rPr>
-              <a:t>/guide/</a:t>
-            </a:r>
-            <a:r>
-              <a:rPr lang="en-US" dirty="0" err="1">
-                <a:hlinkClick r:id="rId2"/>
-              </a:rPr>
-              <a:t>directive#matching-directives</a:t>
-            </a:r>
-            <a:endParaRPr lang="en-US" dirty="0"/>
+            <a:pPr marL="0" indent="0">
+              <a:buNone/>
+            </a:pPr>
+            <a:endParaRPr lang="en-US" dirty="0" smtClean="0"/>
           </a:p>
         </p:txBody>
       </p:sp>
     </p:spTree>
     <p:extLst>
       <p:ext uri="{BB962C8B-B14F-4D97-AF65-F5344CB8AC3E}">
-        <p14:creationId xmlns:p14="http://schemas.microsoft.com/office/powerpoint/2010/main" val="2195497050"/>
+        <p14:creationId xmlns:p14="http://schemas.microsoft.com/office/powerpoint/2010/main" val="3503940479"/>
       </p:ext>
     </p:extLst>
   </p:cSld>
@@ -10882,7 +11090,7 @@
           <a:p>
             <a:r>
               <a:rPr lang="en-US" dirty="0" smtClean="0"/>
-              <a:t>Directive Names</a:t>
+              <a:t>Matching Directives</a:t>
             </a:r>
             <a:endParaRPr lang="en-US" dirty="0"/>
           </a:p>
@@ -10900,355 +11108,125 @@
         </p:nvSpPr>
         <p:spPr/>
         <p:txBody>
-          <a:bodyPr/>
-          <a:lstStyle/>
-          <a:p>
-            <a:r>
-              <a:rPr lang="en-US" dirty="0" smtClean="0">
-                <a:solidFill>
-                  <a:srgbClr val="86CE24"/>
-                </a:solidFill>
-              </a:rPr>
-              <a:t>Camel </a:t>
-            </a:r>
-            <a:r>
-              <a:rPr lang="en-US" dirty="0" smtClean="0">
-                <a:solidFill>
-                  <a:srgbClr val="86CE24"/>
-                </a:solidFill>
-              </a:rPr>
-              <a:t>Case </a:t>
-            </a:r>
-            <a:r>
-              <a:rPr lang="en-US" dirty="0" smtClean="0"/>
-              <a:t>in definition (JS)</a:t>
-            </a:r>
-          </a:p>
-          <a:p>
-            <a:r>
-              <a:rPr lang="en-US" dirty="0" smtClean="0">
-                <a:solidFill>
-                  <a:srgbClr val="86CE24"/>
-                </a:solidFill>
-              </a:rPr>
-              <a:t>Hyphenated</a:t>
-            </a:r>
-            <a:r>
-              <a:rPr lang="en-US" dirty="0" smtClean="0"/>
-              <a:t> in usage (DOM)</a:t>
-            </a:r>
-          </a:p>
-          <a:p>
-            <a:r>
-              <a:rPr lang="en-US" dirty="0" smtClean="0"/>
-              <a:t>Example: </a:t>
-            </a:r>
-            <a:r>
-              <a:rPr lang="en-US" dirty="0" err="1" smtClean="0"/>
-              <a:t>ngController</a:t>
-            </a:r>
-            <a:r>
-              <a:rPr lang="en-US" dirty="0" smtClean="0"/>
-              <a:t> directive:</a:t>
-            </a:r>
-            <a:endParaRPr lang="en-US" dirty="0"/>
-          </a:p>
-        </p:txBody>
-      </p:sp>
-      <p:sp>
-        <p:nvSpPr>
-          <p:cNvPr id="4" name="Rectangle 3"/>
-          <p:cNvSpPr/>
-          <p:nvPr/>
-        </p:nvSpPr>
-        <p:spPr>
-          <a:xfrm>
-            <a:off x="685800" y="3804526"/>
-            <a:ext cx="6795799" cy="646331"/>
-          </a:xfrm>
-          <a:prstGeom prst="rect">
-            <a:avLst/>
-          </a:prstGeom>
-        </p:spPr>
-        <p:txBody>
-          <a:bodyPr wrap="square">
-            <a:spAutoFit/>
+          <a:bodyPr>
+            <a:normAutofit fontScale="92500"/>
           </a:bodyPr>
           <a:lstStyle/>
           <a:p>
             <a:r>
+              <a:rPr lang="en-US" dirty="0" smtClean="0"/>
+              <a:t>How does compiler match directives?</a:t>
+            </a:r>
+          </a:p>
+          <a:p>
+            <a:r>
+              <a:rPr lang="en-US" dirty="0" smtClean="0">
+                <a:solidFill>
+                  <a:srgbClr val="86CE24"/>
+                </a:solidFill>
+              </a:rPr>
+              <a:t>Attribute, Element, Class name </a:t>
+            </a:r>
+            <a:r>
+              <a:rPr lang="en-US" dirty="0" smtClean="0"/>
+              <a:t>(depending on restrictions of specific directives)</a:t>
+            </a:r>
+          </a:p>
+          <a:p>
+            <a:r>
+              <a:rPr lang="en-US" dirty="0" smtClean="0"/>
+              <a:t>&lt;div </a:t>
+            </a:r>
+            <a:r>
+              <a:rPr lang="en-US" dirty="0" smtClean="0">
+                <a:solidFill>
+                  <a:srgbClr val="86CE24"/>
+                </a:solidFill>
+              </a:rPr>
+              <a:t>my-custom-directive</a:t>
+            </a:r>
+            <a:r>
+              <a:rPr lang="en-US" dirty="0" smtClean="0"/>
+              <a:t>=“hello world!” /&gt;</a:t>
+            </a:r>
+          </a:p>
+          <a:p>
+            <a:r>
+              <a:rPr lang="en-US" dirty="0" smtClean="0"/>
+              <a:t>&lt;</a:t>
+            </a:r>
+            <a:r>
+              <a:rPr lang="en-US" dirty="0" smtClean="0">
+                <a:solidFill>
+                  <a:srgbClr val="86CE24"/>
+                </a:solidFill>
+              </a:rPr>
+              <a:t>my-custom-directive value</a:t>
+            </a:r>
+            <a:r>
+              <a:rPr lang="en-US" dirty="0" smtClean="0"/>
+              <a:t>=“hello world!”/&gt;</a:t>
+            </a:r>
+          </a:p>
+          <a:p>
+            <a:r>
+              <a:rPr lang="en-US" dirty="0" smtClean="0"/>
+              <a:t>&lt;div class=“</a:t>
+            </a:r>
+            <a:r>
+              <a:rPr lang="en-US" dirty="0" smtClean="0">
+                <a:solidFill>
+                  <a:srgbClr val="86CE24"/>
+                </a:solidFill>
+              </a:rPr>
+              <a:t>my-custom-directive</a:t>
+            </a:r>
+            <a:r>
+              <a:rPr lang="en-US" dirty="0" smtClean="0"/>
+              <a:t>” value=“hello world!”/&gt;</a:t>
+            </a:r>
+          </a:p>
+          <a:p>
+            <a:r>
+              <a:rPr lang="en-US" dirty="0" smtClean="0"/>
+              <a:t>NOTE: methods exist for making directives valid HTML (e.g. prefixing with </a:t>
+            </a:r>
+            <a:r>
+              <a:rPr lang="en-US" dirty="0"/>
+              <a:t>“data-”); see </a:t>
+            </a:r>
+            <a:r>
+              <a:rPr lang="en-US" dirty="0">
+                <a:hlinkClick r:id="rId2"/>
+              </a:rPr>
+              <a:t>http://</a:t>
+            </a:r>
+            <a:r>
               <a:rPr lang="en-US" dirty="0" err="1">
-                <a:solidFill>
-                  <a:srgbClr val="A6E22E"/>
-                </a:solidFill>
-                <a:latin typeface="Menlo"/>
-              </a:rPr>
-              <a:t>angular</a:t>
+                <a:hlinkClick r:id="rId2"/>
+              </a:rPr>
+              <a:t>docs.angularjs.org</a:t>
+            </a:r>
+            <a:r>
+              <a:rPr lang="en-US" dirty="0">
+                <a:hlinkClick r:id="rId2"/>
+              </a:rPr>
+              <a:t>/guide/</a:t>
             </a:r>
             <a:r>
               <a:rPr lang="en-US" dirty="0" err="1">
-                <a:solidFill>
-                  <a:srgbClr val="F8F8F2"/>
-                </a:solidFill>
-                <a:latin typeface="Menlo"/>
-              </a:rPr>
-              <a:t>.</a:t>
-            </a:r>
-            <a:r>
-              <a:rPr lang="en-US" dirty="0" err="1">
-                <a:solidFill>
-                  <a:srgbClr val="A6E22E"/>
-                </a:solidFill>
-                <a:latin typeface="Menlo"/>
-              </a:rPr>
-              <a:t>module</a:t>
-            </a:r>
-            <a:r>
-              <a:rPr lang="en-US" dirty="0">
-                <a:solidFill>
-                  <a:srgbClr val="F8F8F2"/>
-                </a:solidFill>
-                <a:latin typeface="Menlo"/>
-              </a:rPr>
-              <a:t>(</a:t>
-            </a:r>
-            <a:r>
-              <a:rPr lang="en-US" dirty="0">
-                <a:solidFill>
-                  <a:srgbClr val="E6DB74"/>
-                </a:solidFill>
-                <a:latin typeface="Menlo"/>
-              </a:rPr>
-              <a:t>'</a:t>
-            </a:r>
-            <a:r>
-              <a:rPr lang="en-US" dirty="0" err="1">
-                <a:solidFill>
-                  <a:srgbClr val="E6DB74"/>
-                </a:solidFill>
-                <a:latin typeface="Menlo"/>
-              </a:rPr>
-              <a:t>ng</a:t>
-            </a:r>
-            <a:r>
-              <a:rPr lang="en-US" dirty="0">
-                <a:solidFill>
-                  <a:srgbClr val="E6DB74"/>
-                </a:solidFill>
-                <a:latin typeface="Menlo"/>
-              </a:rPr>
-              <a:t>'</a:t>
-            </a:r>
-            <a:r>
-              <a:rPr lang="en-US" dirty="0" smtClean="0">
-                <a:solidFill>
-                  <a:srgbClr val="F8F8F2"/>
-                </a:solidFill>
-                <a:latin typeface="Menlo"/>
-              </a:rPr>
-              <a:t>)</a:t>
-            </a:r>
-          </a:p>
-          <a:p>
-            <a:r>
-              <a:rPr lang="en-US" dirty="0">
-                <a:solidFill>
-                  <a:srgbClr val="F8F8F2"/>
-                </a:solidFill>
-                <a:latin typeface="Menlo"/>
-              </a:rPr>
-              <a:t> </a:t>
-            </a:r>
-            <a:r>
-              <a:rPr lang="en-US" dirty="0" smtClean="0">
-                <a:solidFill>
-                  <a:srgbClr val="F8F8F2"/>
-                </a:solidFill>
-                <a:latin typeface="Menlo"/>
-              </a:rPr>
-              <a:t> .</a:t>
-            </a:r>
-            <a:r>
-              <a:rPr lang="en-US" dirty="0">
-                <a:solidFill>
-                  <a:srgbClr val="A6E22E"/>
-                </a:solidFill>
-                <a:latin typeface="Menlo"/>
-              </a:rPr>
-              <a:t>directive</a:t>
-            </a:r>
-            <a:r>
-              <a:rPr lang="en-US" dirty="0">
-                <a:solidFill>
-                  <a:srgbClr val="F8F8F2"/>
-                </a:solidFill>
-                <a:latin typeface="Menlo"/>
-              </a:rPr>
-              <a:t>(</a:t>
-            </a:r>
-            <a:r>
-              <a:rPr lang="en-US" dirty="0">
-                <a:solidFill>
-                  <a:srgbClr val="E6DB74"/>
-                </a:solidFill>
-                <a:latin typeface="Menlo"/>
-              </a:rPr>
-              <a:t>'</a:t>
-            </a:r>
-            <a:r>
-              <a:rPr lang="en-US" dirty="0" err="1">
-                <a:solidFill>
-                  <a:srgbClr val="E6DB74"/>
-                </a:solidFill>
-                <a:latin typeface="Menlo"/>
-              </a:rPr>
-              <a:t>ngController</a:t>
-            </a:r>
-            <a:r>
-              <a:rPr lang="en-US" dirty="0">
-                <a:solidFill>
-                  <a:srgbClr val="E6DB74"/>
-                </a:solidFill>
-                <a:latin typeface="Menlo"/>
-              </a:rPr>
-              <a:t>'</a:t>
-            </a:r>
-            <a:r>
-              <a:rPr lang="en-US" dirty="0">
-                <a:solidFill>
-                  <a:srgbClr val="F8F8F2"/>
-                </a:solidFill>
-                <a:latin typeface="Menlo"/>
-              </a:rPr>
-              <a:t>, </a:t>
-            </a:r>
-            <a:r>
-              <a:rPr lang="en-US" dirty="0">
-                <a:solidFill>
-                  <a:srgbClr val="66D9EF"/>
-                </a:solidFill>
-                <a:latin typeface="Menlo"/>
-              </a:rPr>
-              <a:t>function</a:t>
-            </a:r>
-            <a:r>
-              <a:rPr lang="en-US" dirty="0">
-                <a:solidFill>
-                  <a:srgbClr val="F8F8F2"/>
-                </a:solidFill>
-                <a:latin typeface="Menlo"/>
-              </a:rPr>
-              <a:t>() {...})</a:t>
-            </a:r>
-          </a:p>
-        </p:txBody>
-      </p:sp>
-      <p:sp>
-        <p:nvSpPr>
-          <p:cNvPr id="5" name="Rectangle 4"/>
-          <p:cNvSpPr/>
-          <p:nvPr/>
-        </p:nvSpPr>
-        <p:spPr>
-          <a:xfrm>
-            <a:off x="685800" y="4604184"/>
-            <a:ext cx="5743580" cy="369332"/>
-          </a:xfrm>
-          <a:prstGeom prst="rect">
-            <a:avLst/>
-          </a:prstGeom>
-        </p:spPr>
-        <p:txBody>
-          <a:bodyPr wrap="none">
-            <a:spAutoFit/>
-          </a:bodyPr>
-          <a:lstStyle/>
-          <a:p>
-            <a:r>
-              <a:rPr lang="en-US" dirty="0">
-                <a:solidFill>
-                  <a:srgbClr val="F92672"/>
-                </a:solidFill>
-                <a:latin typeface="Menlo"/>
-              </a:rPr>
-              <a:t>&lt;div</a:t>
-            </a:r>
-            <a:r>
-              <a:rPr lang="en-US" dirty="0">
-                <a:solidFill>
-                  <a:srgbClr val="F8F8F2"/>
-                </a:solidFill>
-                <a:latin typeface="Menlo"/>
-              </a:rPr>
-              <a:t> </a:t>
-            </a:r>
-            <a:r>
-              <a:rPr lang="en-US" dirty="0" err="1">
-                <a:solidFill>
-                  <a:srgbClr val="A6E22E"/>
-                </a:solidFill>
-                <a:latin typeface="Menlo"/>
-              </a:rPr>
-              <a:t>ng</a:t>
-            </a:r>
-            <a:r>
-              <a:rPr lang="en-US" dirty="0">
-                <a:solidFill>
-                  <a:srgbClr val="A6E22E"/>
-                </a:solidFill>
-                <a:latin typeface="Menlo"/>
-              </a:rPr>
-              <a:t>-controller=</a:t>
-            </a:r>
-            <a:r>
-              <a:rPr lang="en-US" dirty="0">
-                <a:solidFill>
-                  <a:srgbClr val="E6DB74"/>
-                </a:solidFill>
-                <a:latin typeface="Menlo"/>
-              </a:rPr>
-              <a:t>"</a:t>
-            </a:r>
-            <a:r>
-              <a:rPr lang="en-US" dirty="0" err="1">
-                <a:solidFill>
-                  <a:srgbClr val="E6DB74"/>
-                </a:solidFill>
-                <a:latin typeface="Menlo"/>
-              </a:rPr>
-              <a:t>MyController</a:t>
-            </a:r>
-            <a:r>
-              <a:rPr lang="en-US" dirty="0">
-                <a:solidFill>
-                  <a:srgbClr val="E6DB74"/>
-                </a:solidFill>
-                <a:latin typeface="Menlo"/>
-              </a:rPr>
-              <a:t>"</a:t>
-            </a:r>
-            <a:r>
-              <a:rPr lang="en-US" dirty="0">
-                <a:solidFill>
-                  <a:srgbClr val="F92672"/>
-                </a:solidFill>
-                <a:latin typeface="Menlo"/>
-              </a:rPr>
-              <a:t>&gt;&lt;/div&gt;</a:t>
-            </a:r>
-            <a:endParaRPr lang="en-US" dirty="0">
-              <a:solidFill>
-                <a:srgbClr val="F8F8F2"/>
-              </a:solidFill>
-              <a:latin typeface="Menlo"/>
-            </a:endParaRPr>
+                <a:hlinkClick r:id="rId2"/>
+              </a:rPr>
+              <a:t>directive#matching-directives</a:t>
+            </a:r>
+            <a:endParaRPr lang="en-US" dirty="0"/>
           </a:p>
         </p:txBody>
       </p:sp>
     </p:spTree>
     <p:extLst>
       <p:ext uri="{BB962C8B-B14F-4D97-AF65-F5344CB8AC3E}">
-        <p14:creationId xmlns:p14="http://schemas.microsoft.com/office/powerpoint/2010/main" val="1112627655"/>
+        <p14:creationId xmlns:p14="http://schemas.microsoft.com/office/powerpoint/2010/main" val="2195497050"/>
       </p:ext>
     </p:extLst>
   </p:cSld>
@@ -11292,7 +11270,7 @@
           <a:p>
             <a:r>
               <a:rPr lang="en-US" dirty="0" smtClean="0"/>
-              <a:t>Defining Custom Directives</a:t>
+              <a:t>Directive Names</a:t>
             </a:r>
             <a:endParaRPr lang="en-US" dirty="0"/>
           </a:p>
@@ -11314,28 +11292,343 @@
           <a:lstStyle/>
           <a:p>
             <a:r>
+              <a:rPr lang="en-US" dirty="0" smtClean="0">
+                <a:solidFill>
+                  <a:srgbClr val="86CE24"/>
+                </a:solidFill>
+              </a:rPr>
+              <a:t>Camel Case </a:t>
+            </a:r>
+            <a:r>
               <a:rPr lang="en-US" dirty="0" smtClean="0"/>
-              <a:t>Two parts: registration and usage</a:t>
-            </a:r>
-          </a:p>
-          <a:p>
+              <a:t>in definition (JS)</a:t>
+            </a:r>
+          </a:p>
+          <a:p>
+            <a:r>
+              <a:rPr lang="en-US" dirty="0" smtClean="0">
+                <a:solidFill>
+                  <a:srgbClr val="86CE24"/>
+                </a:solidFill>
+              </a:rPr>
+              <a:t>Hyphenated</a:t>
+            </a:r>
             <a:r>
               <a:rPr lang="en-US" dirty="0" smtClean="0"/>
-              <a:t>Registration: performed on a module via the module API</a:t>
+              <a:t> in usage (DOM)</a:t>
             </a:r>
           </a:p>
           <a:p>
             <a:r>
               <a:rPr lang="en-US" dirty="0" smtClean="0"/>
-              <a:t>Usage: references in the DOM, processed by the $compile service</a:t>
-            </a:r>
+              <a:t>Example: </a:t>
+            </a:r>
+            <a:r>
+              <a:rPr lang="en-US" dirty="0" err="1" smtClean="0"/>
+              <a:t>ngController</a:t>
+            </a:r>
+            <a:r>
+              <a:rPr lang="en-US" dirty="0" smtClean="0"/>
+              <a:t> directive:</a:t>
+            </a:r>
+            <a:endParaRPr lang="en-US" dirty="0"/>
+          </a:p>
+        </p:txBody>
+      </p:sp>
+      <p:sp>
+        <p:nvSpPr>
+          <p:cNvPr id="4" name="Rectangle 3"/>
+          <p:cNvSpPr/>
+          <p:nvPr/>
+        </p:nvSpPr>
+        <p:spPr>
+          <a:xfrm>
+            <a:off x="685800" y="3804526"/>
+            <a:ext cx="6795799" cy="646331"/>
+          </a:xfrm>
+          <a:prstGeom prst="rect">
+            <a:avLst/>
+          </a:prstGeom>
+        </p:spPr>
+        <p:txBody>
+          <a:bodyPr wrap="square">
+            <a:spAutoFit/>
+          </a:bodyPr>
+          <a:lstStyle/>
+          <a:p>
+            <a:r>
+              <a:rPr lang="en-US" dirty="0" err="1">
+                <a:solidFill>
+                  <a:srgbClr val="A6E22E"/>
+                </a:solidFill>
+                <a:latin typeface="Menlo"/>
+              </a:rPr>
+              <a:t>angular</a:t>
+            </a:r>
+            <a:r>
+              <a:rPr lang="en-US" dirty="0" err="1">
+                <a:solidFill>
+                  <a:srgbClr val="F8F8F2"/>
+                </a:solidFill>
+                <a:latin typeface="Menlo"/>
+              </a:rPr>
+              <a:t>.</a:t>
+            </a:r>
+            <a:r>
+              <a:rPr lang="en-US" dirty="0" err="1">
+                <a:solidFill>
+                  <a:srgbClr val="A6E22E"/>
+                </a:solidFill>
+                <a:latin typeface="Menlo"/>
+              </a:rPr>
+              <a:t>module</a:t>
+            </a:r>
+            <a:r>
+              <a:rPr lang="en-US" dirty="0">
+                <a:solidFill>
+                  <a:srgbClr val="F8F8F2"/>
+                </a:solidFill>
+                <a:latin typeface="Menlo"/>
+              </a:rPr>
+              <a:t>(</a:t>
+            </a:r>
+            <a:r>
+              <a:rPr lang="en-US" dirty="0">
+                <a:solidFill>
+                  <a:srgbClr val="E6DB74"/>
+                </a:solidFill>
+                <a:latin typeface="Menlo"/>
+              </a:rPr>
+              <a:t>'</a:t>
+            </a:r>
+            <a:r>
+              <a:rPr lang="en-US" dirty="0" err="1">
+                <a:solidFill>
+                  <a:srgbClr val="E6DB74"/>
+                </a:solidFill>
+                <a:latin typeface="Menlo"/>
+              </a:rPr>
+              <a:t>ng</a:t>
+            </a:r>
+            <a:r>
+              <a:rPr lang="en-US" dirty="0">
+                <a:solidFill>
+                  <a:srgbClr val="E6DB74"/>
+                </a:solidFill>
+                <a:latin typeface="Menlo"/>
+              </a:rPr>
+              <a:t>'</a:t>
+            </a:r>
+            <a:r>
+              <a:rPr lang="en-US" dirty="0" smtClean="0">
+                <a:solidFill>
+                  <a:srgbClr val="F8F8F2"/>
+                </a:solidFill>
+                <a:latin typeface="Menlo"/>
+              </a:rPr>
+              <a:t>)</a:t>
+            </a:r>
+          </a:p>
+          <a:p>
+            <a:r>
+              <a:rPr lang="en-US" dirty="0">
+                <a:solidFill>
+                  <a:srgbClr val="F8F8F2"/>
+                </a:solidFill>
+                <a:latin typeface="Menlo"/>
+              </a:rPr>
+              <a:t> </a:t>
+            </a:r>
+            <a:r>
+              <a:rPr lang="en-US" dirty="0" smtClean="0">
+                <a:solidFill>
+                  <a:srgbClr val="F8F8F2"/>
+                </a:solidFill>
+                <a:latin typeface="Menlo"/>
+              </a:rPr>
+              <a:t> .</a:t>
+            </a:r>
+            <a:r>
+              <a:rPr lang="en-US" dirty="0">
+                <a:solidFill>
+                  <a:srgbClr val="A6E22E"/>
+                </a:solidFill>
+                <a:latin typeface="Menlo"/>
+              </a:rPr>
+              <a:t>directive</a:t>
+            </a:r>
+            <a:r>
+              <a:rPr lang="en-US" dirty="0">
+                <a:solidFill>
+                  <a:srgbClr val="F8F8F2"/>
+                </a:solidFill>
+                <a:latin typeface="Menlo"/>
+              </a:rPr>
+              <a:t>(</a:t>
+            </a:r>
+            <a:r>
+              <a:rPr lang="en-US" dirty="0">
+                <a:solidFill>
+                  <a:srgbClr val="E6DB74"/>
+                </a:solidFill>
+                <a:latin typeface="Menlo"/>
+              </a:rPr>
+              <a:t>'</a:t>
+            </a:r>
+            <a:r>
+              <a:rPr lang="en-US" dirty="0" err="1">
+                <a:solidFill>
+                  <a:srgbClr val="E6DB74"/>
+                </a:solidFill>
+                <a:latin typeface="Menlo"/>
+              </a:rPr>
+              <a:t>ngController</a:t>
+            </a:r>
+            <a:r>
+              <a:rPr lang="en-US" dirty="0">
+                <a:solidFill>
+                  <a:srgbClr val="E6DB74"/>
+                </a:solidFill>
+                <a:latin typeface="Menlo"/>
+              </a:rPr>
+              <a:t>'</a:t>
+            </a:r>
+            <a:r>
+              <a:rPr lang="en-US" dirty="0">
+                <a:solidFill>
+                  <a:srgbClr val="F8F8F2"/>
+                </a:solidFill>
+                <a:latin typeface="Menlo"/>
+              </a:rPr>
+              <a:t>, </a:t>
+            </a:r>
+            <a:r>
+              <a:rPr lang="en-US" dirty="0">
+                <a:solidFill>
+                  <a:srgbClr val="66D9EF"/>
+                </a:solidFill>
+                <a:latin typeface="Menlo"/>
+              </a:rPr>
+              <a:t>function</a:t>
+            </a:r>
+            <a:r>
+              <a:rPr lang="en-US" dirty="0">
+                <a:solidFill>
+                  <a:srgbClr val="F8F8F2"/>
+                </a:solidFill>
+                <a:latin typeface="Menlo"/>
+              </a:rPr>
+              <a:t>() {...})</a:t>
+            </a:r>
+          </a:p>
+        </p:txBody>
+      </p:sp>
+      <p:sp>
+        <p:nvSpPr>
+          <p:cNvPr id="5" name="Rectangle 4"/>
+          <p:cNvSpPr/>
+          <p:nvPr/>
+        </p:nvSpPr>
+        <p:spPr>
+          <a:xfrm>
+            <a:off x="685800" y="4604184"/>
+            <a:ext cx="5743580" cy="369332"/>
+          </a:xfrm>
+          <a:prstGeom prst="rect">
+            <a:avLst/>
+          </a:prstGeom>
+        </p:spPr>
+        <p:txBody>
+          <a:bodyPr wrap="none">
+            <a:spAutoFit/>
+          </a:bodyPr>
+          <a:lstStyle/>
+          <a:p>
+            <a:r>
+              <a:rPr lang="en-US" dirty="0">
+                <a:solidFill>
+                  <a:srgbClr val="F92672"/>
+                </a:solidFill>
+                <a:latin typeface="Menlo"/>
+              </a:rPr>
+              <a:t>&lt;div</a:t>
+            </a:r>
+            <a:r>
+              <a:rPr lang="en-US" dirty="0">
+                <a:solidFill>
+                  <a:srgbClr val="F8F8F2"/>
+                </a:solidFill>
+                <a:latin typeface="Menlo"/>
+              </a:rPr>
+              <a:t> </a:t>
+            </a:r>
+            <a:r>
+              <a:rPr lang="en-US" dirty="0" err="1">
+                <a:solidFill>
+                  <a:srgbClr val="A6E22E"/>
+                </a:solidFill>
+                <a:latin typeface="Menlo"/>
+              </a:rPr>
+              <a:t>ng</a:t>
+            </a:r>
+            <a:r>
+              <a:rPr lang="en-US" dirty="0">
+                <a:solidFill>
+                  <a:srgbClr val="A6E22E"/>
+                </a:solidFill>
+                <a:latin typeface="Menlo"/>
+              </a:rPr>
+              <a:t>-controller=</a:t>
+            </a:r>
+            <a:r>
+              <a:rPr lang="en-US" dirty="0">
+                <a:solidFill>
+                  <a:srgbClr val="E6DB74"/>
+                </a:solidFill>
+                <a:latin typeface="Menlo"/>
+              </a:rPr>
+              <a:t>"</a:t>
+            </a:r>
+            <a:r>
+              <a:rPr lang="en-US" dirty="0" err="1">
+                <a:solidFill>
+                  <a:srgbClr val="E6DB74"/>
+                </a:solidFill>
+                <a:latin typeface="Menlo"/>
+              </a:rPr>
+              <a:t>MyController</a:t>
+            </a:r>
+            <a:r>
+              <a:rPr lang="en-US" dirty="0">
+                <a:solidFill>
+                  <a:srgbClr val="E6DB74"/>
+                </a:solidFill>
+                <a:latin typeface="Menlo"/>
+              </a:rPr>
+              <a:t>"</a:t>
+            </a:r>
+            <a:r>
+              <a:rPr lang="en-US" dirty="0">
+                <a:solidFill>
+                  <a:srgbClr val="F92672"/>
+                </a:solidFill>
+                <a:latin typeface="Menlo"/>
+              </a:rPr>
+              <a:t>&gt;&lt;/div&gt;</a:t>
+            </a:r>
+            <a:endParaRPr lang="en-US" dirty="0">
+              <a:solidFill>
+                <a:srgbClr val="F8F8F2"/>
+              </a:solidFill>
+              <a:latin typeface="Menlo"/>
+            </a:endParaRPr>
           </a:p>
         </p:txBody>
       </p:sp>
     </p:spTree>
     <p:extLst>
       <p:ext uri="{BB962C8B-B14F-4D97-AF65-F5344CB8AC3E}">
-        <p14:creationId xmlns:p14="http://schemas.microsoft.com/office/powerpoint/2010/main" val="3130700391"/>
+        <p14:creationId xmlns:p14="http://schemas.microsoft.com/office/powerpoint/2010/main" val="1112627655"/>
       </p:ext>
     </p:extLst>
   </p:cSld>
@@ -11379,7 +11672,7 @@
           <a:p>
             <a:r>
               <a:rPr lang="en-US" dirty="0" smtClean="0"/>
-              <a:t>Registering Directives</a:t>
+              <a:t>Defining Custom Directives</a:t>
             </a:r>
             <a:endParaRPr lang="en-US" dirty="0"/>
           </a:p>
@@ -11401,120 +11694,28 @@
           <a:lstStyle/>
           <a:p>
             <a:r>
-              <a:rPr lang="en-US" dirty="0" err="1" smtClean="0">
-                <a:latin typeface="Menlo Regular"/>
-                <a:cs typeface="Menlo Regular"/>
-              </a:rPr>
-              <a:t>module.directive</a:t>
-            </a:r>
-            <a:r>
-              <a:rPr lang="en-US" dirty="0" smtClean="0">
-                <a:latin typeface="Menlo Regular"/>
-                <a:cs typeface="Menlo Regular"/>
-              </a:rPr>
-              <a:t>(</a:t>
-            </a:r>
-            <a:r>
-              <a:rPr lang="en-US" dirty="0" err="1" smtClean="0">
-                <a:latin typeface="Menlo Regular"/>
-                <a:cs typeface="Menlo Regular"/>
-              </a:rPr>
-              <a:t>directiveName</a:t>
-            </a:r>
-            <a:r>
-              <a:rPr lang="en-US" dirty="0" smtClean="0">
-                <a:latin typeface="Menlo Regular"/>
-                <a:cs typeface="Menlo Regular"/>
-              </a:rPr>
-              <a:t>, </a:t>
-            </a:r>
-            <a:r>
-              <a:rPr lang="en-US" dirty="0" err="1" smtClean="0">
-                <a:latin typeface="Menlo Regular"/>
-                <a:cs typeface="Menlo Regular"/>
-              </a:rPr>
-              <a:t>factoryFn</a:t>
-            </a:r>
-            <a:r>
-              <a:rPr lang="en-US" dirty="0" smtClean="0">
-                <a:latin typeface="Menlo Regular"/>
-                <a:cs typeface="Menlo Regular"/>
-              </a:rPr>
-              <a:t>);</a:t>
-            </a:r>
-          </a:p>
-          <a:p>
-            <a:r>
-              <a:rPr lang="en-US" dirty="0" smtClean="0">
-                <a:solidFill>
-                  <a:srgbClr val="86CE24"/>
-                </a:solidFill>
-              </a:rPr>
-              <a:t>Directive name</a:t>
-            </a:r>
-            <a:r>
               <a:rPr lang="en-US" dirty="0" smtClean="0"/>
-              <a:t>: camel-case name</a:t>
-            </a:r>
-          </a:p>
-          <a:p>
-            <a:r>
-              <a:rPr lang="en-US" dirty="0" smtClean="0">
-                <a:solidFill>
-                  <a:srgbClr val="86CE24"/>
-                </a:solidFill>
-              </a:rPr>
-              <a:t>Factory function</a:t>
-            </a:r>
+              <a:t>Two parts: registration and usage</a:t>
+            </a:r>
+          </a:p>
+          <a:p>
             <a:r>
               <a:rPr lang="en-US" dirty="0" smtClean="0"/>
-              <a:t>: performs initialization code, returns an object describing the directive</a:t>
-            </a:r>
-          </a:p>
-          <a:p>
-            <a:r>
-              <a:rPr lang="en-US" dirty="0" smtClean="0">
-                <a:solidFill>
-                  <a:schemeClr val="accent1"/>
-                </a:solidFill>
-              </a:rPr>
-              <a:t>Best Practice</a:t>
-            </a:r>
+              <a:t>Registration: performed on a module via the module API</a:t>
+            </a:r>
+          </a:p>
+          <a:p>
             <a:r>
               <a:rPr lang="en-US" dirty="0" smtClean="0"/>
-              <a:t>: prefix directive names with own identifiers</a:t>
-            </a:r>
-          </a:p>
-          <a:p>
-            <a:pPr lvl="1"/>
-            <a:r>
-              <a:rPr lang="en-US" dirty="0" err="1" smtClean="0"/>
-              <a:t>slmCarousel</a:t>
-            </a:r>
-            <a:r>
-              <a:rPr lang="en-US" dirty="0" smtClean="0"/>
-              <a:t>, </a:t>
-            </a:r>
-            <a:r>
-              <a:rPr lang="en-US" dirty="0" err="1" smtClean="0"/>
-              <a:t>slmCalendar</a:t>
-            </a:r>
-            <a:r>
-              <a:rPr lang="en-US" dirty="0" smtClean="0"/>
-              <a:t>, </a:t>
-            </a:r>
-            <a:r>
-              <a:rPr lang="en-US" dirty="0" err="1" smtClean="0"/>
-              <a:t>slmPhoneNumber</a:t>
-            </a:r>
-            <a:endParaRPr lang="en-US" dirty="0"/>
+              <a:t>Usage: references in the DOM, processed by the $compile service</a:t>
+            </a:r>
           </a:p>
         </p:txBody>
       </p:sp>
     </p:spTree>
     <p:extLst>
       <p:ext uri="{BB962C8B-B14F-4D97-AF65-F5344CB8AC3E}">
-        <p14:creationId xmlns:p14="http://schemas.microsoft.com/office/powerpoint/2010/main" val="1145801308"/>
+        <p14:creationId xmlns:p14="http://schemas.microsoft.com/office/powerpoint/2010/main" val="3130700391"/>
       </p:ext>
     </p:extLst>
   </p:cSld>

--- a/slides/ng-bootcamp-day-4.pptx
+++ b/slides/ng-bootcamp-day-4.pptx
@@ -5,7 +5,7 @@
     <p:sldMasterId id="2147483675" r:id="rId1"/>
   </p:sldMasterIdLst>
   <p:notesMasterIdLst>
-    <p:notesMasterId r:id="rId32"/>
+    <p:notesMasterId r:id="rId33"/>
   </p:notesMasterIdLst>
   <p:sldIdLst>
     <p:sldId id="256" r:id="rId2"/>
@@ -19,25 +19,26 @@
     <p:sldId id="282" r:id="rId10"/>
     <p:sldId id="283" r:id="rId11"/>
     <p:sldId id="284" r:id="rId12"/>
-    <p:sldId id="285" r:id="rId13"/>
-    <p:sldId id="286" r:id="rId14"/>
-    <p:sldId id="287" r:id="rId15"/>
-    <p:sldId id="290" r:id="rId16"/>
-    <p:sldId id="288" r:id="rId17"/>
-    <p:sldId id="291" r:id="rId18"/>
-    <p:sldId id="292" r:id="rId19"/>
-    <p:sldId id="293" r:id="rId20"/>
-    <p:sldId id="294" r:id="rId21"/>
-    <p:sldId id="295" r:id="rId22"/>
-    <p:sldId id="298" r:id="rId23"/>
-    <p:sldId id="304" r:id="rId24"/>
-    <p:sldId id="296" r:id="rId25"/>
-    <p:sldId id="297" r:id="rId26"/>
-    <p:sldId id="299" r:id="rId27"/>
-    <p:sldId id="302" r:id="rId28"/>
-    <p:sldId id="303" r:id="rId29"/>
-    <p:sldId id="300" r:id="rId30"/>
-    <p:sldId id="301" r:id="rId31"/>
+    <p:sldId id="306" r:id="rId13"/>
+    <p:sldId id="285" r:id="rId14"/>
+    <p:sldId id="286" r:id="rId15"/>
+    <p:sldId id="287" r:id="rId16"/>
+    <p:sldId id="290" r:id="rId17"/>
+    <p:sldId id="288" r:id="rId18"/>
+    <p:sldId id="291" r:id="rId19"/>
+    <p:sldId id="292" r:id="rId20"/>
+    <p:sldId id="293" r:id="rId21"/>
+    <p:sldId id="294" r:id="rId22"/>
+    <p:sldId id="295" r:id="rId23"/>
+    <p:sldId id="298" r:id="rId24"/>
+    <p:sldId id="304" r:id="rId25"/>
+    <p:sldId id="296" r:id="rId26"/>
+    <p:sldId id="297" r:id="rId27"/>
+    <p:sldId id="299" r:id="rId28"/>
+    <p:sldId id="302" r:id="rId29"/>
+    <p:sldId id="303" r:id="rId30"/>
+    <p:sldId id="300" r:id="rId31"/>
+    <p:sldId id="301" r:id="rId32"/>
   </p:sldIdLst>
   <p:sldSz cx="9144000" cy="6858000" type="screen4x3"/>
   <p:notesSz cx="6858000" cy="9144000"/>
@@ -5716,7 +5717,11 @@
           <a:p>
             <a:r>
               <a:rPr lang="en-US" dirty="0" smtClean="0"/>
-              <a:t>Factory Function</a:t>
+              <a:t>Directive Factory </a:t>
+            </a:r>
+            <a:r>
+              <a:rPr lang="en-US" dirty="0" smtClean="0"/>
+              <a:t>Function</a:t>
             </a:r>
             <a:endParaRPr lang="en-US" dirty="0"/>
           </a:p>
@@ -5859,7 +5864,7 @@
           <a:p>
             <a:r>
               <a:rPr lang="en-US" dirty="0" smtClean="0"/>
-              <a:t>Template</a:t>
+              <a:t>Directive Factory Function</a:t>
             </a:r>
             <a:endParaRPr lang="en-US" dirty="0"/>
           </a:p>
@@ -5867,69 +5872,609 @@
       </p:sp>
       <p:sp>
         <p:nvSpPr>
-          <p:cNvPr id="3" name="Content Placeholder 2"/>
-          <p:cNvSpPr>
-            <a:spLocks noGrp="1"/>
-          </p:cNvSpPr>
-          <p:nvPr>
-            <p:ph idx="1"/>
-          </p:nvPr>
-        </p:nvSpPr>
-        <p:spPr/>
-        <p:txBody>
-          <a:bodyPr/>
+          <p:cNvPr id="4" name="Rectangle 3"/>
+          <p:cNvSpPr/>
+          <p:nvPr/>
+        </p:nvSpPr>
+        <p:spPr>
+          <a:xfrm>
+            <a:off x="1852353" y="2381603"/>
+            <a:ext cx="6170613" cy="3416320"/>
+          </a:xfrm>
+          <a:prstGeom prst="rect">
+            <a:avLst/>
+          </a:prstGeom>
+        </p:spPr>
+        <p:txBody>
+          <a:bodyPr wrap="square">
+            <a:spAutoFit/>
+          </a:bodyPr>
           <a:lstStyle/>
           <a:p>
             <a:r>
-              <a:rPr lang="en-US" dirty="0" smtClean="0"/>
-              <a:t>Replaces the contents of the current element with the contents of the template</a:t>
-            </a:r>
-          </a:p>
-          <a:p>
-            <a:r>
-              <a:rPr lang="en-US" dirty="0" smtClean="0"/>
-              <a:t>All attributes and classes from original element are carried over</a:t>
-            </a:r>
-          </a:p>
-          <a:p>
-            <a:r>
-              <a:rPr lang="en-US" dirty="0">
-                <a:hlinkClick r:id="rId2"/>
-              </a:rPr>
-              <a:t>http://</a:t>
-            </a:r>
-            <a:r>
               <a:rPr lang="en-US" dirty="0" err="1">
-                <a:hlinkClick r:id="rId2"/>
-              </a:rPr>
-              <a:t>jsbin.com</a:t>
-            </a:r>
-            <a:r>
-              <a:rPr lang="en-US" dirty="0">
-                <a:hlinkClick r:id="rId2"/>
-              </a:rPr>
-              <a:t>/</a:t>
+                <a:solidFill>
+                  <a:srgbClr val="66D9EF"/>
+                </a:solidFill>
+                <a:latin typeface="Menlo"/>
+              </a:rPr>
+              <a:t>var</a:t>
+            </a:r>
+            <a:r>
+              <a:rPr lang="en-US" dirty="0">
+                <a:solidFill>
+                  <a:srgbClr val="F8F8F2"/>
+                </a:solidFill>
+                <a:latin typeface="Menlo"/>
+              </a:rPr>
+              <a:t> </a:t>
             </a:r>
             <a:r>
               <a:rPr lang="en-US" dirty="0" err="1">
-                <a:hlinkClick r:id="rId2"/>
-              </a:rPr>
-              <a:t>cumoz</a:t>
-            </a:r>
-            <a:r>
-              <a:rPr lang="en-US" dirty="0">
-                <a:hlinkClick r:id="rId2"/>
-              </a:rPr>
-              <a:t>/7/edit</a:t>
-            </a:r>
-            <a:endParaRPr lang="en-US" dirty="0"/>
+                <a:solidFill>
+                  <a:srgbClr val="A6E22E"/>
+                </a:solidFill>
+                <a:latin typeface="Menlo"/>
+              </a:rPr>
+              <a:t>directiveFactoryFunction</a:t>
+            </a:r>
+            <a:r>
+              <a:rPr lang="en-US" dirty="0">
+                <a:solidFill>
+                  <a:srgbClr val="F8F8F2"/>
+                </a:solidFill>
+                <a:latin typeface="Menlo"/>
+              </a:rPr>
+              <a:t>() {</a:t>
+            </a:r>
+          </a:p>
+          <a:p>
+            <a:r>
+              <a:rPr lang="en-US" dirty="0">
+                <a:solidFill>
+                  <a:srgbClr val="F8F8F2"/>
+                </a:solidFill>
+                <a:latin typeface="Menlo"/>
+              </a:rPr>
+              <a:t>  </a:t>
+            </a:r>
+            <a:r>
+              <a:rPr lang="en-US" dirty="0">
+                <a:solidFill>
+                  <a:srgbClr val="66D9EF"/>
+                </a:solidFill>
+                <a:latin typeface="Menlo"/>
+              </a:rPr>
+              <a:t>return</a:t>
+            </a:r>
+            <a:r>
+              <a:rPr lang="en-US" dirty="0">
+                <a:solidFill>
+                  <a:srgbClr val="F8F8F2"/>
+                </a:solidFill>
+                <a:latin typeface="Menlo"/>
+              </a:rPr>
+              <a:t> {</a:t>
+            </a:r>
+          </a:p>
+          <a:p>
+            <a:r>
+              <a:rPr lang="en-US" dirty="0">
+                <a:solidFill>
+                  <a:srgbClr val="F8F8F2"/>
+                </a:solidFill>
+                <a:latin typeface="Menlo"/>
+              </a:rPr>
+              <a:t>    </a:t>
+            </a:r>
+            <a:r>
+              <a:rPr lang="en-US" dirty="0">
+                <a:solidFill>
+                  <a:srgbClr val="A6E22E"/>
+                </a:solidFill>
+                <a:latin typeface="Menlo"/>
+              </a:rPr>
+              <a:t>template</a:t>
+            </a:r>
+            <a:r>
+              <a:rPr lang="en-US" dirty="0">
+                <a:solidFill>
+                  <a:srgbClr val="F92672"/>
+                </a:solidFill>
+                <a:latin typeface="Menlo"/>
+              </a:rPr>
+              <a:t>:</a:t>
+            </a:r>
+            <a:r>
+              <a:rPr lang="en-US" dirty="0">
+                <a:solidFill>
+                  <a:srgbClr val="F8F8F2"/>
+                </a:solidFill>
+                <a:latin typeface="Menlo"/>
+              </a:rPr>
+              <a:t> String,</a:t>
+            </a:r>
+          </a:p>
+          <a:p>
+            <a:r>
+              <a:rPr lang="en-US" dirty="0">
+                <a:solidFill>
+                  <a:srgbClr val="F8F8F2"/>
+                </a:solidFill>
+                <a:latin typeface="Menlo"/>
+              </a:rPr>
+              <a:t>    </a:t>
+            </a:r>
+            <a:r>
+              <a:rPr lang="en-US" dirty="0" err="1">
+                <a:solidFill>
+                  <a:srgbClr val="A6E22E"/>
+                </a:solidFill>
+                <a:latin typeface="Menlo"/>
+              </a:rPr>
+              <a:t>templateUrl</a:t>
+            </a:r>
+            <a:r>
+              <a:rPr lang="en-US" dirty="0">
+                <a:solidFill>
+                  <a:srgbClr val="F92672"/>
+                </a:solidFill>
+                <a:latin typeface="Menlo"/>
+              </a:rPr>
+              <a:t>:</a:t>
+            </a:r>
+            <a:r>
+              <a:rPr lang="en-US" dirty="0">
+                <a:solidFill>
+                  <a:srgbClr val="F8F8F2"/>
+                </a:solidFill>
+                <a:latin typeface="Menlo"/>
+              </a:rPr>
+              <a:t> String,</a:t>
+            </a:r>
+          </a:p>
+          <a:p>
+            <a:r>
+              <a:rPr lang="en-US" dirty="0">
+                <a:solidFill>
+                  <a:srgbClr val="F8F8F2"/>
+                </a:solidFill>
+                <a:latin typeface="Menlo"/>
+              </a:rPr>
+              <a:t>    </a:t>
+            </a:r>
+            <a:r>
+              <a:rPr lang="en-US" dirty="0">
+                <a:solidFill>
+                  <a:srgbClr val="A6E22E"/>
+                </a:solidFill>
+                <a:latin typeface="Menlo"/>
+              </a:rPr>
+              <a:t>replace</a:t>
+            </a:r>
+            <a:r>
+              <a:rPr lang="en-US" dirty="0">
+                <a:solidFill>
+                  <a:srgbClr val="F92672"/>
+                </a:solidFill>
+                <a:latin typeface="Menlo"/>
+              </a:rPr>
+              <a:t>:</a:t>
+            </a:r>
+            <a:r>
+              <a:rPr lang="en-US" dirty="0">
+                <a:solidFill>
+                  <a:srgbClr val="F8F8F2"/>
+                </a:solidFill>
+                <a:latin typeface="Menlo"/>
+              </a:rPr>
+              <a:t> </a:t>
+            </a:r>
+            <a:r>
+              <a:rPr lang="en-US" dirty="0" err="1">
+                <a:solidFill>
+                  <a:srgbClr val="66D9EF"/>
+                </a:solidFill>
+                <a:latin typeface="Menlo"/>
+              </a:rPr>
+              <a:t>true</a:t>
+            </a:r>
+            <a:r>
+              <a:rPr lang="en-US" dirty="0" err="1">
+                <a:solidFill>
+                  <a:srgbClr val="F92672"/>
+                </a:solidFill>
+                <a:latin typeface="Menlo"/>
+              </a:rPr>
+              <a:t>|</a:t>
+            </a:r>
+            <a:r>
+              <a:rPr lang="en-US" dirty="0" err="1">
+                <a:solidFill>
+                  <a:srgbClr val="66D9EF"/>
+                </a:solidFill>
+                <a:latin typeface="Menlo"/>
+              </a:rPr>
+              <a:t>false</a:t>
+            </a:r>
+            <a:r>
+              <a:rPr lang="en-US" dirty="0">
+                <a:solidFill>
+                  <a:srgbClr val="F8F8F2"/>
+                </a:solidFill>
+                <a:latin typeface="Menlo"/>
+              </a:rPr>
+              <a:t>,</a:t>
+            </a:r>
+          </a:p>
+          <a:p>
+            <a:r>
+              <a:rPr lang="en-US" dirty="0">
+                <a:solidFill>
+                  <a:srgbClr val="F8F8F2"/>
+                </a:solidFill>
+                <a:latin typeface="Menlo"/>
+              </a:rPr>
+              <a:t>    </a:t>
+            </a:r>
+            <a:r>
+              <a:rPr lang="en-US" dirty="0">
+                <a:solidFill>
+                  <a:srgbClr val="A6E22E"/>
+                </a:solidFill>
+                <a:latin typeface="Menlo"/>
+              </a:rPr>
+              <a:t>restrict</a:t>
+            </a:r>
+            <a:r>
+              <a:rPr lang="en-US" dirty="0">
+                <a:solidFill>
+                  <a:srgbClr val="F92672"/>
+                </a:solidFill>
+                <a:latin typeface="Menlo"/>
+              </a:rPr>
+              <a:t>:</a:t>
+            </a:r>
+            <a:r>
+              <a:rPr lang="en-US" dirty="0">
+                <a:solidFill>
+                  <a:srgbClr val="F8F8F2"/>
+                </a:solidFill>
+                <a:latin typeface="Menlo"/>
+              </a:rPr>
+              <a:t> </a:t>
+            </a:r>
+            <a:r>
+              <a:rPr lang="en-US" dirty="0">
+                <a:solidFill>
+                  <a:srgbClr val="E6DB74"/>
+                </a:solidFill>
+                <a:latin typeface="Menlo"/>
+              </a:rPr>
+              <a:t>'EAC'</a:t>
+            </a:r>
+            <a:r>
+              <a:rPr lang="en-US" dirty="0">
+                <a:solidFill>
+                  <a:srgbClr val="F8F8F2"/>
+                </a:solidFill>
+                <a:latin typeface="Menlo"/>
+              </a:rPr>
+              <a:t>,</a:t>
+            </a:r>
+          </a:p>
+          <a:p>
+            <a:r>
+              <a:rPr lang="en-US" dirty="0">
+                <a:solidFill>
+                  <a:srgbClr val="F8F8F2"/>
+                </a:solidFill>
+                <a:latin typeface="Menlo"/>
+              </a:rPr>
+              <a:t>    </a:t>
+            </a:r>
+            <a:r>
+              <a:rPr lang="en-US" dirty="0" err="1">
+                <a:solidFill>
+                  <a:srgbClr val="A6E22E"/>
+                </a:solidFill>
+                <a:latin typeface="Menlo"/>
+              </a:rPr>
+              <a:t>transclude</a:t>
+            </a:r>
+            <a:r>
+              <a:rPr lang="en-US" dirty="0">
+                <a:solidFill>
+                  <a:srgbClr val="F92672"/>
+                </a:solidFill>
+                <a:latin typeface="Menlo"/>
+              </a:rPr>
+              <a:t>:</a:t>
+            </a:r>
+            <a:r>
+              <a:rPr lang="en-US" dirty="0">
+                <a:solidFill>
+                  <a:srgbClr val="F8F8F2"/>
+                </a:solidFill>
+                <a:latin typeface="Menlo"/>
+              </a:rPr>
+              <a:t> </a:t>
+            </a:r>
+            <a:r>
+              <a:rPr lang="en-US" dirty="0" err="1">
+                <a:solidFill>
+                  <a:srgbClr val="66D9EF"/>
+                </a:solidFill>
+                <a:latin typeface="Menlo"/>
+              </a:rPr>
+              <a:t>true</a:t>
+            </a:r>
+            <a:r>
+              <a:rPr lang="en-US" dirty="0" err="1">
+                <a:solidFill>
+                  <a:srgbClr val="F92672"/>
+                </a:solidFill>
+                <a:latin typeface="Menlo"/>
+              </a:rPr>
+              <a:t>|</a:t>
+            </a:r>
+            <a:r>
+              <a:rPr lang="en-US" dirty="0" err="1">
+                <a:solidFill>
+                  <a:srgbClr val="66D9EF"/>
+                </a:solidFill>
+                <a:latin typeface="Menlo"/>
+              </a:rPr>
+              <a:t>false</a:t>
+            </a:r>
+            <a:r>
+              <a:rPr lang="en-US" dirty="0">
+                <a:solidFill>
+                  <a:srgbClr val="F8F8F2"/>
+                </a:solidFill>
+                <a:latin typeface="Menlo"/>
+              </a:rPr>
+              <a:t>,</a:t>
+            </a:r>
+          </a:p>
+          <a:p>
+            <a:r>
+              <a:rPr lang="en-US" dirty="0">
+                <a:solidFill>
+                  <a:srgbClr val="F8F8F2"/>
+                </a:solidFill>
+                <a:latin typeface="Menlo"/>
+              </a:rPr>
+              <a:t>    </a:t>
+            </a:r>
+            <a:r>
+              <a:rPr lang="en-US" dirty="0">
+                <a:solidFill>
+                  <a:srgbClr val="A6E22E"/>
+                </a:solidFill>
+                <a:latin typeface="Menlo"/>
+              </a:rPr>
+              <a:t>scope</a:t>
+            </a:r>
+            <a:r>
+              <a:rPr lang="en-US" dirty="0">
+                <a:solidFill>
+                  <a:srgbClr val="F92672"/>
+                </a:solidFill>
+                <a:latin typeface="Menlo"/>
+              </a:rPr>
+              <a:t>:</a:t>
+            </a:r>
+            <a:r>
+              <a:rPr lang="en-US" dirty="0">
+                <a:solidFill>
+                  <a:srgbClr val="F8F8F2"/>
+                </a:solidFill>
+                <a:latin typeface="Menlo"/>
+              </a:rPr>
+              <a:t> </a:t>
+            </a:r>
+            <a:r>
+              <a:rPr lang="en-US" dirty="0" err="1">
+                <a:solidFill>
+                  <a:srgbClr val="66D9EF"/>
+                </a:solidFill>
+                <a:latin typeface="Menlo"/>
+              </a:rPr>
+              <a:t>true</a:t>
+            </a:r>
+            <a:r>
+              <a:rPr lang="en-US" dirty="0" err="1">
+                <a:solidFill>
+                  <a:srgbClr val="F92672"/>
+                </a:solidFill>
+                <a:latin typeface="Menlo"/>
+              </a:rPr>
+              <a:t>|</a:t>
+            </a:r>
+            <a:r>
+              <a:rPr lang="en-US" dirty="0" err="1">
+                <a:solidFill>
+                  <a:srgbClr val="66D9EF"/>
+                </a:solidFill>
+                <a:latin typeface="Menlo"/>
+              </a:rPr>
+              <a:t>false</a:t>
+            </a:r>
+            <a:r>
+              <a:rPr lang="en-US" dirty="0" err="1">
+                <a:solidFill>
+                  <a:srgbClr val="F92672"/>
+                </a:solidFill>
+                <a:latin typeface="Menlo"/>
+              </a:rPr>
+              <a:t>|</a:t>
+            </a:r>
+            <a:r>
+              <a:rPr lang="en-US" dirty="0" err="1">
+                <a:solidFill>
+                  <a:srgbClr val="F8F8F2"/>
+                </a:solidFill>
+                <a:latin typeface="Menlo"/>
+              </a:rPr>
+              <a:t>Object</a:t>
+            </a:r>
+            <a:r>
+              <a:rPr lang="en-US" dirty="0">
+                <a:solidFill>
+                  <a:srgbClr val="F8F8F2"/>
+                </a:solidFill>
+                <a:latin typeface="Menlo"/>
+              </a:rPr>
+              <a:t>,</a:t>
+            </a:r>
+          </a:p>
+          <a:p>
+            <a:r>
+              <a:rPr lang="en-US" dirty="0">
+                <a:solidFill>
+                  <a:srgbClr val="F8F8F2"/>
+                </a:solidFill>
+                <a:latin typeface="Menlo"/>
+              </a:rPr>
+              <a:t>    </a:t>
+            </a:r>
+            <a:r>
+              <a:rPr lang="en-US" dirty="0">
+                <a:solidFill>
+                  <a:srgbClr val="A6E22E"/>
+                </a:solidFill>
+                <a:latin typeface="Menlo"/>
+              </a:rPr>
+              <a:t>controller</a:t>
+            </a:r>
+            <a:r>
+              <a:rPr lang="en-US" dirty="0">
+                <a:solidFill>
+                  <a:srgbClr val="F92672"/>
+                </a:solidFill>
+                <a:latin typeface="Menlo"/>
+              </a:rPr>
+              <a:t>:</a:t>
+            </a:r>
+            <a:r>
+              <a:rPr lang="en-US" dirty="0">
+                <a:solidFill>
+                  <a:srgbClr val="F8F8F2"/>
+                </a:solidFill>
+                <a:latin typeface="Menlo"/>
+              </a:rPr>
+              <a:t> </a:t>
+            </a:r>
+            <a:r>
+              <a:rPr lang="en-US" dirty="0" err="1">
+                <a:solidFill>
+                  <a:srgbClr val="F8F8F2"/>
+                </a:solidFill>
+                <a:latin typeface="Menlo"/>
+              </a:rPr>
+              <a:t>String</a:t>
+            </a:r>
+            <a:r>
+              <a:rPr lang="en-US" dirty="0" err="1">
+                <a:solidFill>
+                  <a:srgbClr val="F92672"/>
+                </a:solidFill>
+                <a:latin typeface="Menlo"/>
+              </a:rPr>
+              <a:t>|</a:t>
+            </a:r>
+            <a:r>
+              <a:rPr lang="en-US" dirty="0" err="1">
+                <a:solidFill>
+                  <a:srgbClr val="66D9EF"/>
+                </a:solidFill>
+                <a:latin typeface="Menlo"/>
+              </a:rPr>
+              <a:t>function</a:t>
+            </a:r>
+            <a:r>
+              <a:rPr lang="en-US" dirty="0">
+                <a:solidFill>
+                  <a:srgbClr val="F8F8F2"/>
+                </a:solidFill>
+                <a:latin typeface="Menlo"/>
+              </a:rPr>
+              <a:t>,</a:t>
+            </a:r>
+          </a:p>
+          <a:p>
+            <a:r>
+              <a:rPr lang="en-US" dirty="0">
+                <a:solidFill>
+                  <a:srgbClr val="F8F8F2"/>
+                </a:solidFill>
+                <a:latin typeface="Menlo"/>
+              </a:rPr>
+              <a:t>    </a:t>
+            </a:r>
+            <a:r>
+              <a:rPr lang="en-US" dirty="0" err="1">
+                <a:solidFill>
+                  <a:srgbClr val="A6E22E"/>
+                </a:solidFill>
+                <a:latin typeface="Menlo"/>
+              </a:rPr>
+              <a:t>link</a:t>
+            </a:r>
+            <a:r>
+              <a:rPr lang="en-US" dirty="0" err="1">
+                <a:solidFill>
+                  <a:srgbClr val="F92672"/>
+                </a:solidFill>
+                <a:latin typeface="Menlo"/>
+              </a:rPr>
+              <a:t>:</a:t>
+            </a:r>
+            <a:r>
+              <a:rPr lang="en-US" dirty="0" err="1">
+                <a:solidFill>
+                  <a:srgbClr val="66D9EF"/>
+                </a:solidFill>
+                <a:latin typeface="Menlo"/>
+              </a:rPr>
+              <a:t>function</a:t>
+            </a:r>
+            <a:endParaRPr lang="en-US" dirty="0">
+              <a:solidFill>
+                <a:srgbClr val="F8F8F2"/>
+              </a:solidFill>
+              <a:latin typeface="Menlo"/>
+            </a:endParaRPr>
+          </a:p>
+          <a:p>
+            <a:r>
+              <a:rPr lang="en-US" dirty="0">
+                <a:solidFill>
+                  <a:srgbClr val="F8F8F2"/>
+                </a:solidFill>
+                <a:latin typeface="Menlo"/>
+              </a:rPr>
+              <a:t>  }</a:t>
+            </a:r>
+          </a:p>
+          <a:p>
+            <a:r>
+              <a:rPr lang="en-US" dirty="0">
+                <a:solidFill>
+                  <a:srgbClr val="F8F8F2"/>
+                </a:solidFill>
+                <a:latin typeface="Menlo"/>
+              </a:rPr>
+              <a:t>}</a:t>
+            </a:r>
           </a:p>
         </p:txBody>
       </p:sp>
     </p:spTree>
     <p:extLst>
       <p:ext uri="{BB962C8B-B14F-4D97-AF65-F5344CB8AC3E}">
-        <p14:creationId xmlns:p14="http://schemas.microsoft.com/office/powerpoint/2010/main" val="710410093"/>
+        <p14:creationId xmlns:p14="http://schemas.microsoft.com/office/powerpoint/2010/main" val="2646608238"/>
       </p:ext>
     </p:extLst>
   </p:cSld>
@@ -5973,7 +6518,7 @@
           <a:p>
             <a:r>
               <a:rPr lang="en-US" dirty="0" smtClean="0"/>
-              <a:t>Template URL</a:t>
+              <a:t>Template</a:t>
             </a:r>
             <a:endParaRPr lang="en-US" dirty="0"/>
           </a:p>
@@ -5996,22 +6541,54 @@
           <a:p>
             <a:r>
               <a:rPr lang="en-US" dirty="0" smtClean="0"/>
-              <a:t>Load template from URL (asynchronous)</a:t>
-            </a:r>
-          </a:p>
-          <a:p>
-            <a:pPr lvl="1"/>
+              <a:t>Replaces the contents of the current element with the contents of the template</a:t>
+            </a:r>
+          </a:p>
+          <a:p>
             <a:r>
               <a:rPr lang="en-US" dirty="0" smtClean="0"/>
-              <a:t>Templates can also be compiled into JavaScript and pre-loaded to avoid fetch</a:t>
-            </a:r>
+              <a:t>All attributes and classes from original element are carried over</a:t>
+            </a:r>
+          </a:p>
+          <a:p>
+            <a:r>
+              <a:rPr lang="en-US" dirty="0">
+                <a:hlinkClick r:id="rId2"/>
+              </a:rPr>
+              <a:t>http://</a:t>
+            </a:r>
+            <a:r>
+              <a:rPr lang="en-US" dirty="0" err="1">
+                <a:hlinkClick r:id="rId2"/>
+              </a:rPr>
+              <a:t>jsbin.com</a:t>
+            </a:r>
+            <a:r>
+              <a:rPr lang="en-US" dirty="0">
+                <a:hlinkClick r:id="rId2"/>
+              </a:rPr>
+              <a:t>/</a:t>
+            </a:r>
+            <a:r>
+              <a:rPr lang="en-US" dirty="0" err="1">
+                <a:hlinkClick r:id="rId2"/>
+              </a:rPr>
+              <a:t>cumoz</a:t>
+            </a:r>
+            <a:r>
+              <a:rPr lang="en-US" dirty="0">
+                <a:hlinkClick r:id="rId2"/>
+              </a:rPr>
+              <a:t>/7/edit</a:t>
+            </a:r>
+            <a:endParaRPr lang="en-US" dirty="0"/>
           </a:p>
         </p:txBody>
       </p:sp>
     </p:spTree>
     <p:extLst>
       <p:ext uri="{BB962C8B-B14F-4D97-AF65-F5344CB8AC3E}">
-        <p14:creationId xmlns:p14="http://schemas.microsoft.com/office/powerpoint/2010/main" val="2142666009"/>
+        <p14:creationId xmlns:p14="http://schemas.microsoft.com/office/powerpoint/2010/main" val="710410093"/>
       </p:ext>
     </p:extLst>
   </p:cSld>
@@ -6055,7 +6632,7 @@
           <a:p>
             <a:r>
               <a:rPr lang="en-US" dirty="0" smtClean="0"/>
-              <a:t>Replace</a:t>
+              <a:t>Template URL</a:t>
             </a:r>
             <a:endParaRPr lang="en-US" dirty="0"/>
           </a:p>
@@ -6078,24 +6655,22 @@
           <a:p>
             <a:r>
               <a:rPr lang="en-US" dirty="0" smtClean="0"/>
-              <a:t>true: current element is replaced by template</a:t>
-            </a:r>
-          </a:p>
-          <a:p>
+              <a:t>Load template from URL (asynchronous)</a:t>
+            </a:r>
+          </a:p>
+          <a:p>
+            <a:pPr lvl="1"/>
             <a:r>
               <a:rPr lang="en-US" dirty="0" smtClean="0"/>
-              <a:t>False: contents of current element are replaced by template</a:t>
-            </a:r>
-          </a:p>
-          <a:p>
-            <a:endParaRPr lang="en-US" dirty="0"/>
+              <a:t>Templates can also be compiled into JavaScript and pre-loaded to avoid fetch</a:t>
+            </a:r>
           </a:p>
         </p:txBody>
       </p:sp>
     </p:spTree>
     <p:extLst>
       <p:ext uri="{BB962C8B-B14F-4D97-AF65-F5344CB8AC3E}">
-        <p14:creationId xmlns:p14="http://schemas.microsoft.com/office/powerpoint/2010/main" val="4146654046"/>
+        <p14:creationId xmlns:p14="http://schemas.microsoft.com/office/powerpoint/2010/main" val="2142666009"/>
       </p:ext>
     </p:extLst>
   </p:cSld>
@@ -6139,7 +6714,7 @@
           <a:p>
             <a:r>
               <a:rPr lang="en-US" dirty="0" smtClean="0"/>
-              <a:t>Restrict</a:t>
+              <a:t>Replace</a:t>
             </a:r>
             <a:endParaRPr lang="en-US" dirty="0"/>
           </a:p>
@@ -6162,382 +6737,24 @@
           <a:p>
             <a:r>
               <a:rPr lang="en-US" dirty="0" smtClean="0"/>
-              <a:t>Specify whether a directive should be matched by element name, attribute name, and/or class name</a:t>
-            </a:r>
-          </a:p>
-          <a:p>
-            <a:pPr lvl="1"/>
+              <a:t>true: current element is replaced by template</a:t>
+            </a:r>
+          </a:p>
+          <a:p>
             <a:r>
               <a:rPr lang="en-US" dirty="0" smtClean="0"/>
-              <a:t>‘A’: attribute</a:t>
-            </a:r>
-          </a:p>
-          <a:p>
-            <a:pPr lvl="1"/>
-            <a:r>
-              <a:rPr lang="en-US" dirty="0" smtClean="0"/>
-              <a:t>‘C’: class</a:t>
-            </a:r>
-          </a:p>
-          <a:p>
-            <a:pPr lvl="1"/>
-            <a:r>
-              <a:rPr lang="en-US" dirty="0" smtClean="0"/>
-              <a:t>‘E’: element</a:t>
-            </a:r>
-          </a:p>
-          <a:p>
-            <a:r>
-              <a:rPr lang="en-US" dirty="0" smtClean="0"/>
-              <a:t>BP: element when the directive is the controlling component, use attribute when its adding behavior</a:t>
-            </a:r>
+              <a:t>False: contents of current element are replaced by template</a:t>
+            </a:r>
+          </a:p>
+          <a:p>
             <a:endParaRPr lang="en-US" dirty="0"/>
-          </a:p>
-        </p:txBody>
-      </p:sp>
-      <p:sp>
-        <p:nvSpPr>
-          <p:cNvPr id="4" name="Rectangle 3"/>
-          <p:cNvSpPr/>
-          <p:nvPr/>
-        </p:nvSpPr>
-        <p:spPr>
-          <a:xfrm>
-            <a:off x="1613054" y="4826675"/>
-            <a:ext cx="5922038" cy="2031325"/>
-          </a:xfrm>
-          <a:prstGeom prst="rect">
-            <a:avLst/>
-          </a:prstGeom>
-        </p:spPr>
-        <p:txBody>
-          <a:bodyPr wrap="square">
-            <a:spAutoFit/>
-          </a:bodyPr>
-          <a:lstStyle/>
-          <a:p>
-            <a:r>
-              <a:rPr lang="en-US" dirty="0" err="1">
-                <a:solidFill>
-                  <a:srgbClr val="A6E22E"/>
-                </a:solidFill>
-                <a:latin typeface="Menlo"/>
-              </a:rPr>
-              <a:t>angular</a:t>
-            </a:r>
-            <a:r>
-              <a:rPr lang="en-US" dirty="0" err="1">
-                <a:solidFill>
-                  <a:srgbClr val="F8F8F2"/>
-                </a:solidFill>
-                <a:latin typeface="Menlo"/>
-              </a:rPr>
-              <a:t>.</a:t>
-            </a:r>
-            <a:r>
-              <a:rPr lang="en-US" dirty="0" err="1">
-                <a:solidFill>
-                  <a:srgbClr val="A6E22E"/>
-                </a:solidFill>
-                <a:latin typeface="Menlo"/>
-              </a:rPr>
-              <a:t>module</a:t>
-            </a:r>
-            <a:r>
-              <a:rPr lang="en-US" dirty="0">
-                <a:solidFill>
-                  <a:srgbClr val="F8F8F2"/>
-                </a:solidFill>
-                <a:latin typeface="Menlo"/>
-              </a:rPr>
-              <a:t>(</a:t>
-            </a:r>
-            <a:r>
-              <a:rPr lang="en-US" dirty="0">
-                <a:solidFill>
-                  <a:srgbClr val="E6DB74"/>
-                </a:solidFill>
-                <a:latin typeface="Menlo"/>
-              </a:rPr>
-              <a:t>'</a:t>
-            </a:r>
-            <a:r>
-              <a:rPr lang="en-US" dirty="0" err="1">
-                <a:solidFill>
-                  <a:srgbClr val="E6DB74"/>
-                </a:solidFill>
-                <a:latin typeface="Menlo"/>
-              </a:rPr>
-              <a:t>myApp</a:t>
-            </a:r>
-            <a:r>
-              <a:rPr lang="en-US" dirty="0">
-                <a:solidFill>
-                  <a:srgbClr val="E6DB74"/>
-                </a:solidFill>
-                <a:latin typeface="Menlo"/>
-              </a:rPr>
-              <a:t>'</a:t>
-            </a:r>
-            <a:r>
-              <a:rPr lang="en-US" dirty="0">
-                <a:solidFill>
-                  <a:srgbClr val="F8F8F2"/>
-                </a:solidFill>
-                <a:latin typeface="Menlo"/>
-              </a:rPr>
-              <a:t>)</a:t>
-            </a:r>
-          </a:p>
-          <a:p>
-            <a:r>
-              <a:rPr lang="en-US" dirty="0">
-                <a:solidFill>
-                  <a:srgbClr val="F8F8F2"/>
-                </a:solidFill>
-                <a:latin typeface="Menlo"/>
-              </a:rPr>
-              <a:t>  .</a:t>
-            </a:r>
-            <a:r>
-              <a:rPr lang="en-US" dirty="0">
-                <a:solidFill>
-                  <a:srgbClr val="A6E22E"/>
-                </a:solidFill>
-                <a:latin typeface="Menlo"/>
-              </a:rPr>
-              <a:t>directive</a:t>
-            </a:r>
-            <a:r>
-              <a:rPr lang="en-US" dirty="0">
-                <a:solidFill>
-                  <a:srgbClr val="F8F8F2"/>
-                </a:solidFill>
-                <a:latin typeface="Menlo"/>
-              </a:rPr>
-              <a:t>(</a:t>
-            </a:r>
-            <a:r>
-              <a:rPr lang="en-US" dirty="0">
-                <a:solidFill>
-                  <a:srgbClr val="E6DB74"/>
-                </a:solidFill>
-                <a:latin typeface="Menlo"/>
-              </a:rPr>
-              <a:t>'</a:t>
-            </a:r>
-            <a:r>
-              <a:rPr lang="en-US" dirty="0" err="1">
-                <a:solidFill>
-                  <a:srgbClr val="E6DB74"/>
-                </a:solidFill>
-                <a:latin typeface="Menlo"/>
-              </a:rPr>
-              <a:t>myDirective</a:t>
-            </a:r>
-            <a:r>
-              <a:rPr lang="en-US" dirty="0">
-                <a:solidFill>
-                  <a:srgbClr val="E6DB74"/>
-                </a:solidFill>
-                <a:latin typeface="Menlo"/>
-              </a:rPr>
-              <a:t>'</a:t>
-            </a:r>
-            <a:r>
-              <a:rPr lang="en-US" dirty="0">
-                <a:solidFill>
-                  <a:srgbClr val="F8F8F2"/>
-                </a:solidFill>
-                <a:latin typeface="Menlo"/>
-              </a:rPr>
-              <a:t>, </a:t>
-            </a:r>
-            <a:r>
-              <a:rPr lang="en-US" dirty="0">
-                <a:solidFill>
-                  <a:srgbClr val="66D9EF"/>
-                </a:solidFill>
-                <a:latin typeface="Menlo"/>
-              </a:rPr>
-              <a:t>function</a:t>
-            </a:r>
-            <a:r>
-              <a:rPr lang="en-US" dirty="0">
-                <a:solidFill>
-                  <a:srgbClr val="F8F8F2"/>
-                </a:solidFill>
-                <a:latin typeface="Menlo"/>
-              </a:rPr>
-              <a:t>() {</a:t>
-            </a:r>
-          </a:p>
-          <a:p>
-            <a:r>
-              <a:rPr lang="is-IS" dirty="0">
-                <a:solidFill>
-                  <a:srgbClr val="F8F8F2"/>
-                </a:solidFill>
-                <a:latin typeface="Menlo"/>
-              </a:rPr>
-              <a:t>    </a:t>
-            </a:r>
-            <a:r>
-              <a:rPr lang="is-IS" dirty="0">
-                <a:solidFill>
-                  <a:srgbClr val="66D9EF"/>
-                </a:solidFill>
-                <a:latin typeface="Menlo"/>
-              </a:rPr>
-              <a:t>return</a:t>
-            </a:r>
-            <a:r>
-              <a:rPr lang="is-IS" dirty="0">
-                <a:solidFill>
-                  <a:srgbClr val="F8F8F2"/>
-                </a:solidFill>
-                <a:latin typeface="Menlo"/>
-              </a:rPr>
-              <a:t> {</a:t>
-            </a:r>
-          </a:p>
-          <a:p>
-            <a:r>
-              <a:rPr lang="en-US" dirty="0">
-                <a:solidFill>
-                  <a:srgbClr val="F8F8F2"/>
-                </a:solidFill>
-                <a:latin typeface="Menlo"/>
-              </a:rPr>
-              <a:t>      </a:t>
-            </a:r>
-            <a:r>
-              <a:rPr lang="en-US" dirty="0">
-                <a:solidFill>
-                  <a:srgbClr val="A6E22E"/>
-                </a:solidFill>
-                <a:latin typeface="Menlo"/>
-              </a:rPr>
-              <a:t>template</a:t>
-            </a:r>
-            <a:r>
-              <a:rPr lang="en-US" dirty="0">
-                <a:solidFill>
-                  <a:srgbClr val="F92672"/>
-                </a:solidFill>
-                <a:latin typeface="Menlo"/>
-              </a:rPr>
-              <a:t>:</a:t>
-            </a:r>
-            <a:r>
-              <a:rPr lang="en-US" dirty="0">
-                <a:solidFill>
-                  <a:srgbClr val="F8F8F2"/>
-                </a:solidFill>
-                <a:latin typeface="Menlo"/>
-              </a:rPr>
-              <a:t> </a:t>
-            </a:r>
-            <a:r>
-              <a:rPr lang="en-US" dirty="0">
-                <a:solidFill>
-                  <a:srgbClr val="E6DB74"/>
-                </a:solidFill>
-                <a:latin typeface="Menlo"/>
-              </a:rPr>
-              <a:t>'&lt;div&gt;Hello World&lt;/div&gt;'</a:t>
-            </a:r>
-            <a:r>
-              <a:rPr lang="en-US" dirty="0">
-                <a:solidFill>
-                  <a:srgbClr val="F8F8F2"/>
-                </a:solidFill>
-                <a:latin typeface="Menlo"/>
-              </a:rPr>
-              <a:t>,</a:t>
-            </a:r>
-          </a:p>
-          <a:p>
-            <a:r>
-              <a:rPr lang="fr-FR" dirty="0">
-                <a:solidFill>
-                  <a:srgbClr val="F8F8F2"/>
-                </a:solidFill>
-                <a:latin typeface="Menlo"/>
-              </a:rPr>
-              <a:t>      </a:t>
-            </a:r>
-            <a:r>
-              <a:rPr lang="fr-FR" dirty="0" err="1">
-                <a:solidFill>
-                  <a:srgbClr val="A6E22E"/>
-                </a:solidFill>
-                <a:latin typeface="Menlo"/>
-              </a:rPr>
-              <a:t>restrict</a:t>
-            </a:r>
-            <a:r>
-              <a:rPr lang="fr-FR" dirty="0">
-                <a:solidFill>
-                  <a:srgbClr val="F92672"/>
-                </a:solidFill>
-                <a:latin typeface="Menlo"/>
-              </a:rPr>
-              <a:t>:</a:t>
-            </a:r>
-            <a:r>
-              <a:rPr lang="fr-FR" dirty="0">
-                <a:solidFill>
-                  <a:srgbClr val="F8F8F2"/>
-                </a:solidFill>
-                <a:latin typeface="Menlo"/>
-              </a:rPr>
-              <a:t> </a:t>
-            </a:r>
-            <a:r>
-              <a:rPr lang="fr-FR" dirty="0">
-                <a:solidFill>
-                  <a:srgbClr val="E6DB74"/>
-                </a:solidFill>
-                <a:latin typeface="Menlo"/>
-              </a:rPr>
-              <a:t>'AC'</a:t>
-            </a:r>
-            <a:endParaRPr lang="fr-FR" dirty="0">
-              <a:solidFill>
-                <a:srgbClr val="F8F8F2"/>
-              </a:solidFill>
-              <a:latin typeface="Menlo"/>
-            </a:endParaRPr>
-          </a:p>
-          <a:p>
-            <a:r>
-              <a:rPr lang="fr-FR" dirty="0">
-                <a:solidFill>
-                  <a:srgbClr val="F8F8F2"/>
-                </a:solidFill>
-                <a:latin typeface="Menlo"/>
-              </a:rPr>
-              <a:t>    };</a:t>
-            </a:r>
-          </a:p>
-          <a:p>
-            <a:r>
-              <a:rPr lang="fr-FR" dirty="0">
-                <a:solidFill>
-                  <a:srgbClr val="F8F8F2"/>
-                </a:solidFill>
-                <a:latin typeface="Menlo"/>
-              </a:rPr>
-              <a:t>  });</a:t>
-            </a:r>
           </a:p>
         </p:txBody>
       </p:sp>
     </p:spTree>
     <p:extLst>
       <p:ext uri="{BB962C8B-B14F-4D97-AF65-F5344CB8AC3E}">
-        <p14:creationId xmlns:p14="http://schemas.microsoft.com/office/powerpoint/2010/main" val="3996573948"/>
+        <p14:creationId xmlns:p14="http://schemas.microsoft.com/office/powerpoint/2010/main" val="4146654046"/>
       </p:ext>
     </p:extLst>
   </p:cSld>
@@ -6581,7 +6798,7 @@
           <a:p>
             <a:r>
               <a:rPr lang="en-US" dirty="0" smtClean="0"/>
-              <a:t>Scope</a:t>
+              <a:t>Restrict</a:t>
             </a:r>
             <a:endParaRPr lang="en-US" dirty="0"/>
           </a:p>
@@ -6604,50 +6821,382 @@
           <a:p>
             <a:r>
               <a:rPr lang="en-US" dirty="0" smtClean="0"/>
-              <a:t>Three options: false, true, object</a:t>
-            </a:r>
-          </a:p>
-          <a:p>
+              <a:t>Specify whether a directive should be matched by element name, attribute name, and/or class name</a:t>
+            </a:r>
+          </a:p>
+          <a:p>
+            <a:pPr lvl="1"/>
             <a:r>
               <a:rPr lang="en-US" dirty="0" smtClean="0"/>
-              <a:t>False: no new scope is created</a:t>
+              <a:t>‘A’: attribute</a:t>
             </a:r>
           </a:p>
           <a:p>
             <a:pPr lvl="1"/>
             <a:r>
               <a:rPr lang="en-US" dirty="0" smtClean="0"/>
-              <a:t>Parent scope is accessible</a:t>
-            </a:r>
-          </a:p>
-          <a:p>
+              <a:t>‘C’: class</a:t>
+            </a:r>
+          </a:p>
+          <a:p>
+            <a:pPr lvl="1"/>
             <a:r>
               <a:rPr lang="en-US" dirty="0" smtClean="0"/>
-              <a:t>True: new scope is created</a:t>
-            </a:r>
-          </a:p>
-          <a:p>
-            <a:pPr lvl="1"/>
+              <a:t>‘E’: element</a:t>
+            </a:r>
+          </a:p>
+          <a:p>
             <a:r>
               <a:rPr lang="en-US" dirty="0" smtClean="0"/>
-              <a:t>Prototypically inherits properties from parent</a:t>
-            </a:r>
-          </a:p>
-          <a:p>
-            <a:r>
-              <a:rPr lang="en-US" dirty="0" smtClean="0"/>
-              <a:t>Object: new “isolate” scope is created</a:t>
-            </a:r>
-          </a:p>
-          <a:p>
+              <a:t>BP: element when the directive is the controlling component, use attribute when its adding behavior</a:t>
+            </a:r>
             <a:endParaRPr lang="en-US" dirty="0"/>
+          </a:p>
+        </p:txBody>
+      </p:sp>
+      <p:sp>
+        <p:nvSpPr>
+          <p:cNvPr id="4" name="Rectangle 3"/>
+          <p:cNvSpPr/>
+          <p:nvPr/>
+        </p:nvSpPr>
+        <p:spPr>
+          <a:xfrm>
+            <a:off x="1613054" y="4826675"/>
+            <a:ext cx="5922038" cy="2031325"/>
+          </a:xfrm>
+          <a:prstGeom prst="rect">
+            <a:avLst/>
+          </a:prstGeom>
+        </p:spPr>
+        <p:txBody>
+          <a:bodyPr wrap="square">
+            <a:spAutoFit/>
+          </a:bodyPr>
+          <a:lstStyle/>
+          <a:p>
+            <a:r>
+              <a:rPr lang="en-US" dirty="0" err="1">
+                <a:solidFill>
+                  <a:srgbClr val="A6E22E"/>
+                </a:solidFill>
+                <a:latin typeface="Menlo"/>
+              </a:rPr>
+              <a:t>angular</a:t>
+            </a:r>
+            <a:r>
+              <a:rPr lang="en-US" dirty="0" err="1">
+                <a:solidFill>
+                  <a:srgbClr val="F8F8F2"/>
+                </a:solidFill>
+                <a:latin typeface="Menlo"/>
+              </a:rPr>
+              <a:t>.</a:t>
+            </a:r>
+            <a:r>
+              <a:rPr lang="en-US" dirty="0" err="1">
+                <a:solidFill>
+                  <a:srgbClr val="A6E22E"/>
+                </a:solidFill>
+                <a:latin typeface="Menlo"/>
+              </a:rPr>
+              <a:t>module</a:t>
+            </a:r>
+            <a:r>
+              <a:rPr lang="en-US" dirty="0">
+                <a:solidFill>
+                  <a:srgbClr val="F8F8F2"/>
+                </a:solidFill>
+                <a:latin typeface="Menlo"/>
+              </a:rPr>
+              <a:t>(</a:t>
+            </a:r>
+            <a:r>
+              <a:rPr lang="en-US" dirty="0">
+                <a:solidFill>
+                  <a:srgbClr val="E6DB74"/>
+                </a:solidFill>
+                <a:latin typeface="Menlo"/>
+              </a:rPr>
+              <a:t>'</a:t>
+            </a:r>
+            <a:r>
+              <a:rPr lang="en-US" dirty="0" err="1">
+                <a:solidFill>
+                  <a:srgbClr val="E6DB74"/>
+                </a:solidFill>
+                <a:latin typeface="Menlo"/>
+              </a:rPr>
+              <a:t>myApp</a:t>
+            </a:r>
+            <a:r>
+              <a:rPr lang="en-US" dirty="0">
+                <a:solidFill>
+                  <a:srgbClr val="E6DB74"/>
+                </a:solidFill>
+                <a:latin typeface="Menlo"/>
+              </a:rPr>
+              <a:t>'</a:t>
+            </a:r>
+            <a:r>
+              <a:rPr lang="en-US" dirty="0">
+                <a:solidFill>
+                  <a:srgbClr val="F8F8F2"/>
+                </a:solidFill>
+                <a:latin typeface="Menlo"/>
+              </a:rPr>
+              <a:t>)</a:t>
+            </a:r>
+          </a:p>
+          <a:p>
+            <a:r>
+              <a:rPr lang="en-US" dirty="0">
+                <a:solidFill>
+                  <a:srgbClr val="F8F8F2"/>
+                </a:solidFill>
+                <a:latin typeface="Menlo"/>
+              </a:rPr>
+              <a:t>  .</a:t>
+            </a:r>
+            <a:r>
+              <a:rPr lang="en-US" dirty="0">
+                <a:solidFill>
+                  <a:srgbClr val="A6E22E"/>
+                </a:solidFill>
+                <a:latin typeface="Menlo"/>
+              </a:rPr>
+              <a:t>directive</a:t>
+            </a:r>
+            <a:r>
+              <a:rPr lang="en-US" dirty="0">
+                <a:solidFill>
+                  <a:srgbClr val="F8F8F2"/>
+                </a:solidFill>
+                <a:latin typeface="Menlo"/>
+              </a:rPr>
+              <a:t>(</a:t>
+            </a:r>
+            <a:r>
+              <a:rPr lang="en-US" dirty="0">
+                <a:solidFill>
+                  <a:srgbClr val="E6DB74"/>
+                </a:solidFill>
+                <a:latin typeface="Menlo"/>
+              </a:rPr>
+              <a:t>'</a:t>
+            </a:r>
+            <a:r>
+              <a:rPr lang="en-US" dirty="0" err="1">
+                <a:solidFill>
+                  <a:srgbClr val="E6DB74"/>
+                </a:solidFill>
+                <a:latin typeface="Menlo"/>
+              </a:rPr>
+              <a:t>myDirective</a:t>
+            </a:r>
+            <a:r>
+              <a:rPr lang="en-US" dirty="0">
+                <a:solidFill>
+                  <a:srgbClr val="E6DB74"/>
+                </a:solidFill>
+                <a:latin typeface="Menlo"/>
+              </a:rPr>
+              <a:t>'</a:t>
+            </a:r>
+            <a:r>
+              <a:rPr lang="en-US" dirty="0">
+                <a:solidFill>
+                  <a:srgbClr val="F8F8F2"/>
+                </a:solidFill>
+                <a:latin typeface="Menlo"/>
+              </a:rPr>
+              <a:t>, </a:t>
+            </a:r>
+            <a:r>
+              <a:rPr lang="en-US" dirty="0">
+                <a:solidFill>
+                  <a:srgbClr val="66D9EF"/>
+                </a:solidFill>
+                <a:latin typeface="Menlo"/>
+              </a:rPr>
+              <a:t>function</a:t>
+            </a:r>
+            <a:r>
+              <a:rPr lang="en-US" dirty="0">
+                <a:solidFill>
+                  <a:srgbClr val="F8F8F2"/>
+                </a:solidFill>
+                <a:latin typeface="Menlo"/>
+              </a:rPr>
+              <a:t>() {</a:t>
+            </a:r>
+          </a:p>
+          <a:p>
+            <a:r>
+              <a:rPr lang="is-IS" dirty="0">
+                <a:solidFill>
+                  <a:srgbClr val="F8F8F2"/>
+                </a:solidFill>
+                <a:latin typeface="Menlo"/>
+              </a:rPr>
+              <a:t>    </a:t>
+            </a:r>
+            <a:r>
+              <a:rPr lang="is-IS" dirty="0">
+                <a:solidFill>
+                  <a:srgbClr val="66D9EF"/>
+                </a:solidFill>
+                <a:latin typeface="Menlo"/>
+              </a:rPr>
+              <a:t>return</a:t>
+            </a:r>
+            <a:r>
+              <a:rPr lang="is-IS" dirty="0">
+                <a:solidFill>
+                  <a:srgbClr val="F8F8F2"/>
+                </a:solidFill>
+                <a:latin typeface="Menlo"/>
+              </a:rPr>
+              <a:t> {</a:t>
+            </a:r>
+          </a:p>
+          <a:p>
+            <a:r>
+              <a:rPr lang="en-US" dirty="0">
+                <a:solidFill>
+                  <a:srgbClr val="F8F8F2"/>
+                </a:solidFill>
+                <a:latin typeface="Menlo"/>
+              </a:rPr>
+              <a:t>      </a:t>
+            </a:r>
+            <a:r>
+              <a:rPr lang="en-US" dirty="0">
+                <a:solidFill>
+                  <a:srgbClr val="A6E22E"/>
+                </a:solidFill>
+                <a:latin typeface="Menlo"/>
+              </a:rPr>
+              <a:t>template</a:t>
+            </a:r>
+            <a:r>
+              <a:rPr lang="en-US" dirty="0">
+                <a:solidFill>
+                  <a:srgbClr val="F92672"/>
+                </a:solidFill>
+                <a:latin typeface="Menlo"/>
+              </a:rPr>
+              <a:t>:</a:t>
+            </a:r>
+            <a:r>
+              <a:rPr lang="en-US" dirty="0">
+                <a:solidFill>
+                  <a:srgbClr val="F8F8F2"/>
+                </a:solidFill>
+                <a:latin typeface="Menlo"/>
+              </a:rPr>
+              <a:t> </a:t>
+            </a:r>
+            <a:r>
+              <a:rPr lang="en-US" dirty="0">
+                <a:solidFill>
+                  <a:srgbClr val="E6DB74"/>
+                </a:solidFill>
+                <a:latin typeface="Menlo"/>
+              </a:rPr>
+              <a:t>'&lt;div&gt;Hello World&lt;/div&gt;'</a:t>
+            </a:r>
+            <a:r>
+              <a:rPr lang="en-US" dirty="0">
+                <a:solidFill>
+                  <a:srgbClr val="F8F8F2"/>
+                </a:solidFill>
+                <a:latin typeface="Menlo"/>
+              </a:rPr>
+              <a:t>,</a:t>
+            </a:r>
+          </a:p>
+          <a:p>
+            <a:r>
+              <a:rPr lang="fr-FR" dirty="0">
+                <a:solidFill>
+                  <a:srgbClr val="F8F8F2"/>
+                </a:solidFill>
+                <a:latin typeface="Menlo"/>
+              </a:rPr>
+              <a:t>      </a:t>
+            </a:r>
+            <a:r>
+              <a:rPr lang="fr-FR" dirty="0" err="1">
+                <a:solidFill>
+                  <a:srgbClr val="A6E22E"/>
+                </a:solidFill>
+                <a:latin typeface="Menlo"/>
+              </a:rPr>
+              <a:t>restrict</a:t>
+            </a:r>
+            <a:r>
+              <a:rPr lang="fr-FR" dirty="0">
+                <a:solidFill>
+                  <a:srgbClr val="F92672"/>
+                </a:solidFill>
+                <a:latin typeface="Menlo"/>
+              </a:rPr>
+              <a:t>:</a:t>
+            </a:r>
+            <a:r>
+              <a:rPr lang="fr-FR" dirty="0">
+                <a:solidFill>
+                  <a:srgbClr val="F8F8F2"/>
+                </a:solidFill>
+                <a:latin typeface="Menlo"/>
+              </a:rPr>
+              <a:t> </a:t>
+            </a:r>
+            <a:r>
+              <a:rPr lang="fr-FR" dirty="0">
+                <a:solidFill>
+                  <a:srgbClr val="E6DB74"/>
+                </a:solidFill>
+                <a:latin typeface="Menlo"/>
+              </a:rPr>
+              <a:t>'AC'</a:t>
+            </a:r>
+            <a:endParaRPr lang="fr-FR" dirty="0">
+              <a:solidFill>
+                <a:srgbClr val="F8F8F2"/>
+              </a:solidFill>
+              <a:latin typeface="Menlo"/>
+            </a:endParaRPr>
+          </a:p>
+          <a:p>
+            <a:r>
+              <a:rPr lang="fr-FR" dirty="0">
+                <a:solidFill>
+                  <a:srgbClr val="F8F8F2"/>
+                </a:solidFill>
+                <a:latin typeface="Menlo"/>
+              </a:rPr>
+              <a:t>    };</a:t>
+            </a:r>
+          </a:p>
+          <a:p>
+            <a:r>
+              <a:rPr lang="fr-FR" dirty="0">
+                <a:solidFill>
+                  <a:srgbClr val="F8F8F2"/>
+                </a:solidFill>
+                <a:latin typeface="Menlo"/>
+              </a:rPr>
+              <a:t>  });</a:t>
+            </a:r>
           </a:p>
         </p:txBody>
       </p:sp>
     </p:spTree>
     <p:extLst>
       <p:ext uri="{BB962C8B-B14F-4D97-AF65-F5344CB8AC3E}">
-        <p14:creationId xmlns:p14="http://schemas.microsoft.com/office/powerpoint/2010/main" val="360347029"/>
+        <p14:creationId xmlns:p14="http://schemas.microsoft.com/office/powerpoint/2010/main" val="3996573948"/>
       </p:ext>
     </p:extLst>
   </p:cSld>
@@ -6691,7 +7240,7 @@
           <a:p>
             <a:r>
               <a:rPr lang="en-US" dirty="0" smtClean="0"/>
-              <a:t>Isolate Scopes</a:t>
+              <a:t>Scope</a:t>
             </a:r>
             <a:endParaRPr lang="en-US" dirty="0"/>
           </a:p>
@@ -6714,21 +7263,50 @@
           <a:p>
             <a:r>
               <a:rPr lang="en-US" dirty="0" smtClean="0"/>
-              <a:t>Don’t prototypically inherit properties from parent scope</a:t>
+              <a:t>Three options: false, true, object</a:t>
             </a:r>
           </a:p>
           <a:p>
             <a:r>
               <a:rPr lang="en-US" dirty="0" smtClean="0"/>
-              <a:t>Allows access to specific properties derived from the parent scope</a:t>
-            </a:r>
+              <a:t>False: no new scope is created</a:t>
+            </a:r>
+          </a:p>
+          <a:p>
+            <a:pPr lvl="1"/>
+            <a:r>
+              <a:rPr lang="en-US" dirty="0" smtClean="0"/>
+              <a:t>Parent scope is accessible</a:t>
+            </a:r>
+          </a:p>
+          <a:p>
+            <a:r>
+              <a:rPr lang="en-US" dirty="0" smtClean="0"/>
+              <a:t>True: new scope is created</a:t>
+            </a:r>
+          </a:p>
+          <a:p>
+            <a:pPr lvl="1"/>
+            <a:r>
+              <a:rPr lang="en-US" dirty="0" smtClean="0"/>
+              <a:t>Prototypically inherits properties from parent</a:t>
+            </a:r>
+          </a:p>
+          <a:p>
+            <a:r>
+              <a:rPr lang="en-US" dirty="0" smtClean="0"/>
+              <a:t>Object: new “isolate” scope is created</a:t>
+            </a:r>
+          </a:p>
+          <a:p>
+            <a:endParaRPr lang="en-US" dirty="0"/>
           </a:p>
         </p:txBody>
       </p:sp>
     </p:spTree>
     <p:extLst>
       <p:ext uri="{BB962C8B-B14F-4D97-AF65-F5344CB8AC3E}">
-        <p14:creationId xmlns:p14="http://schemas.microsoft.com/office/powerpoint/2010/main" val="475837038"/>
+        <p14:creationId xmlns:p14="http://schemas.microsoft.com/office/powerpoint/2010/main" val="360347029"/>
       </p:ext>
     </p:extLst>
   </p:cSld>
@@ -6772,7 +7350,7 @@
           <a:p>
             <a:r>
               <a:rPr lang="en-US" dirty="0" smtClean="0"/>
-              <a:t>Three ways to pass data</a:t>
+              <a:t>Isolate Scopes</a:t>
             </a:r>
             <a:endParaRPr lang="en-US" dirty="0"/>
           </a:p>
@@ -6794,58 +7372,22 @@
           <a:lstStyle/>
           <a:p>
             <a:r>
-              <a:rPr lang="en-US" dirty="0"/>
-              <a:t>One-way binding from DOM attribute value (as string only)</a:t>
-            </a:r>
-          </a:p>
-          <a:p>
-            <a:r>
-              <a:rPr lang="en-US" dirty="0"/>
-              <a:t>Two way binding between parent scope property and </a:t>
-            </a:r>
-            <a:r>
               <a:rPr lang="en-US" dirty="0" smtClean="0"/>
-              <a:t>isolate scope </a:t>
-            </a:r>
-            <a:r>
-              <a:rPr lang="en-US" dirty="0"/>
-              <a:t>property </a:t>
-            </a:r>
-          </a:p>
-          <a:p>
-            <a:r>
-              <a:rPr lang="en-US" dirty="0"/>
-              <a:t>Bind to expression executed in context of parent </a:t>
-            </a:r>
+              <a:t>Don’t prototypically inherit properties from parent scope</a:t>
+            </a:r>
+          </a:p>
+          <a:p>
             <a:r>
               <a:rPr lang="en-US" dirty="0" smtClean="0"/>
-              <a:t>scope</a:t>
-            </a:r>
-          </a:p>
-          <a:p>
-            <a:r>
-              <a:rPr lang="en-US" dirty="0" smtClean="0"/>
-              <a:t>NOTE: Same as with directive names, scope property names are hyphenated in the DOM, </a:t>
-            </a:r>
-            <a:r>
-              <a:rPr lang="en-US" dirty="0" err="1" smtClean="0"/>
-              <a:t>camelcase</a:t>
-            </a:r>
-            <a:r>
-              <a:rPr lang="en-US" dirty="0" smtClean="0"/>
-              <a:t> in JS</a:t>
-            </a:r>
-            <a:endParaRPr lang="en-US" dirty="0"/>
-          </a:p>
-          <a:p>
-            <a:endParaRPr lang="en-US" dirty="0"/>
+              <a:t>Allows access to specific properties derived from the parent scope</a:t>
+            </a:r>
           </a:p>
         </p:txBody>
       </p:sp>
     </p:spTree>
     <p:extLst>
       <p:ext uri="{BB962C8B-B14F-4D97-AF65-F5344CB8AC3E}">
-        <p14:creationId xmlns:p14="http://schemas.microsoft.com/office/powerpoint/2010/main" val="864574978"/>
+        <p14:creationId xmlns:p14="http://schemas.microsoft.com/office/powerpoint/2010/main" val="475837038"/>
       </p:ext>
     </p:extLst>
   </p:cSld>
@@ -6888,9 +7430,10 @@
           <a:lstStyle/>
           <a:p>
             <a:r>
-              <a:rPr lang="en-US" dirty="0"/>
-              <a:t>DOM Attribute binding</a:t>
-            </a:r>
+              <a:rPr lang="en-US" dirty="0" smtClean="0"/>
+              <a:t>Three ways to pass data</a:t>
+            </a:r>
+            <a:endParaRPr lang="en-US" dirty="0"/>
           </a:p>
         </p:txBody>
       </p:sp>
@@ -6910,607 +7453,58 @@
           <a:lstStyle/>
           <a:p>
             <a:r>
+              <a:rPr lang="en-US" dirty="0"/>
+              <a:t>One-way binding from DOM attribute value (as string only)</a:t>
+            </a:r>
+          </a:p>
+          <a:p>
+            <a:r>
+              <a:rPr lang="en-US" dirty="0"/>
+              <a:t>Two way binding between parent scope property and </a:t>
+            </a:r>
+            <a:r>
               <a:rPr lang="en-US" dirty="0" smtClean="0"/>
-              <a:t>@ or @</a:t>
+              <a:t>isolate scope </a:t>
+            </a:r>
+            <a:r>
+              <a:rPr lang="en-US" dirty="0"/>
+              <a:t>property </a:t>
+            </a:r>
+          </a:p>
+          <a:p>
+            <a:r>
+              <a:rPr lang="en-US" dirty="0"/>
+              <a:t>Bind to expression executed in context of parent </a:t>
+            </a:r>
+            <a:r>
+              <a:rPr lang="en-US" dirty="0" smtClean="0"/>
+              <a:t>scope</a:t>
+            </a:r>
+          </a:p>
+          <a:p>
+            <a:r>
+              <a:rPr lang="en-US" dirty="0" smtClean="0"/>
+              <a:t>NOTE: Same as with directive names, scope property names are hyphenated in the DOM, </a:t>
             </a:r>
             <a:r>
               <a:rPr lang="en-US" dirty="0" err="1" smtClean="0"/>
-              <a:t>domAttrName</a:t>
-            </a:r>
-            <a:endParaRPr lang="en-US" dirty="0" smtClean="0"/>
-          </a:p>
-          <a:p>
+              <a:t>camelcase</a:t>
+            </a:r>
             <a:r>
               <a:rPr lang="en-US" dirty="0" smtClean="0"/>
-              <a:t>Bind local scope property to value of DOM attribute (always a string)</a:t>
+              <a:t> in JS</a:t>
             </a:r>
             <a:endParaRPr lang="en-US" dirty="0"/>
           </a:p>
-        </p:txBody>
-      </p:sp>
-      <p:sp>
-        <p:nvSpPr>
-          <p:cNvPr id="5" name="Rectangle 4"/>
-          <p:cNvSpPr/>
-          <p:nvPr/>
-        </p:nvSpPr>
-        <p:spPr>
-          <a:xfrm>
-            <a:off x="1393865" y="3081903"/>
-            <a:ext cx="6339496" cy="2862323"/>
-          </a:xfrm>
-          <a:prstGeom prst="rect">
-            <a:avLst/>
-          </a:prstGeom>
-        </p:spPr>
-        <p:txBody>
-          <a:bodyPr wrap="square">
-            <a:spAutoFit/>
-          </a:bodyPr>
-          <a:lstStyle/>
-          <a:p>
-            <a:r>
-              <a:rPr lang="en-US" dirty="0" err="1" smtClean="0">
-                <a:solidFill>
-                  <a:srgbClr val="A6E22E"/>
-                </a:solidFill>
-                <a:latin typeface="Menlo"/>
-              </a:rPr>
-              <a:t>angular</a:t>
-            </a:r>
-            <a:r>
-              <a:rPr lang="en-US" dirty="0" err="1" smtClean="0">
-                <a:solidFill>
-                  <a:srgbClr val="F8F8F2"/>
-                </a:solidFill>
-                <a:latin typeface="Menlo"/>
-              </a:rPr>
-              <a:t>.</a:t>
-            </a:r>
-            <a:r>
-              <a:rPr lang="en-US" dirty="0" err="1" smtClean="0">
-                <a:solidFill>
-                  <a:srgbClr val="A6E22E"/>
-                </a:solidFill>
-                <a:latin typeface="Menlo"/>
-              </a:rPr>
-              <a:t>module</a:t>
-            </a:r>
-            <a:r>
-              <a:rPr lang="en-US" dirty="0" smtClean="0">
-                <a:solidFill>
-                  <a:srgbClr val="F8F8F2"/>
-                </a:solidFill>
-                <a:latin typeface="Menlo"/>
-              </a:rPr>
-              <a:t>(</a:t>
-            </a:r>
-            <a:r>
-              <a:rPr lang="en-US" dirty="0" smtClean="0">
-                <a:solidFill>
-                  <a:srgbClr val="E6DB74"/>
-                </a:solidFill>
-                <a:latin typeface="Menlo"/>
-              </a:rPr>
-              <a:t>'</a:t>
-            </a:r>
-            <a:r>
-              <a:rPr lang="en-US" dirty="0" err="1" smtClean="0">
-                <a:solidFill>
-                  <a:srgbClr val="E6DB74"/>
-                </a:solidFill>
-                <a:latin typeface="Menlo"/>
-              </a:rPr>
-              <a:t>myApp</a:t>
-            </a:r>
-            <a:r>
-              <a:rPr lang="en-US" dirty="0" smtClean="0">
-                <a:solidFill>
-                  <a:srgbClr val="E6DB74"/>
-                </a:solidFill>
-                <a:latin typeface="Menlo"/>
-              </a:rPr>
-              <a:t>'</a:t>
-            </a:r>
-            <a:r>
-              <a:rPr lang="en-US" dirty="0" smtClean="0">
-                <a:solidFill>
-                  <a:srgbClr val="F8F8F2"/>
-                </a:solidFill>
-                <a:latin typeface="Menlo"/>
-              </a:rPr>
-              <a:t>)</a:t>
-            </a:r>
-          </a:p>
-          <a:p>
-            <a:r>
-              <a:rPr lang="en-US" dirty="0" smtClean="0">
-                <a:solidFill>
-                  <a:srgbClr val="F8F8F2"/>
-                </a:solidFill>
-                <a:latin typeface="Menlo"/>
-              </a:rPr>
-              <a:t>  .</a:t>
-            </a:r>
-            <a:r>
-              <a:rPr lang="en-US" dirty="0" smtClean="0">
-                <a:solidFill>
-                  <a:srgbClr val="A6E22E"/>
-                </a:solidFill>
-                <a:latin typeface="Menlo"/>
-              </a:rPr>
-              <a:t>directive</a:t>
-            </a:r>
-            <a:r>
-              <a:rPr lang="en-US" dirty="0" smtClean="0">
-                <a:solidFill>
-                  <a:srgbClr val="F8F8F2"/>
-                </a:solidFill>
-                <a:latin typeface="Menlo"/>
-              </a:rPr>
-              <a:t>(</a:t>
-            </a:r>
-            <a:r>
-              <a:rPr lang="en-US" dirty="0" smtClean="0">
-                <a:solidFill>
-                  <a:srgbClr val="E6DB74"/>
-                </a:solidFill>
-                <a:latin typeface="Menlo"/>
-              </a:rPr>
-              <a:t>'</a:t>
-            </a:r>
-            <a:r>
-              <a:rPr lang="en-US" dirty="0" err="1" smtClean="0">
-                <a:solidFill>
-                  <a:srgbClr val="E6DB74"/>
-                </a:solidFill>
-                <a:latin typeface="Menlo"/>
-              </a:rPr>
-              <a:t>myDirective</a:t>
-            </a:r>
-            <a:r>
-              <a:rPr lang="en-US" dirty="0" smtClean="0">
-                <a:solidFill>
-                  <a:srgbClr val="E6DB74"/>
-                </a:solidFill>
-                <a:latin typeface="Menlo"/>
-              </a:rPr>
-              <a:t>'</a:t>
-            </a:r>
-            <a:r>
-              <a:rPr lang="en-US" dirty="0" smtClean="0">
-                <a:solidFill>
-                  <a:srgbClr val="F8F8F2"/>
-                </a:solidFill>
-                <a:latin typeface="Menlo"/>
-              </a:rPr>
-              <a:t>, </a:t>
-            </a:r>
-            <a:r>
-              <a:rPr lang="en-US" dirty="0" smtClean="0">
-                <a:solidFill>
-                  <a:srgbClr val="66D9EF"/>
-                </a:solidFill>
-                <a:latin typeface="Menlo"/>
-              </a:rPr>
-              <a:t>function</a:t>
-            </a:r>
-            <a:r>
-              <a:rPr lang="en-US" dirty="0" smtClean="0">
-                <a:solidFill>
-                  <a:srgbClr val="F8F8F2"/>
-                </a:solidFill>
-                <a:latin typeface="Menlo"/>
-              </a:rPr>
-              <a:t>() {</a:t>
-            </a:r>
-          </a:p>
-          <a:p>
-            <a:r>
-              <a:rPr lang="is-IS" dirty="0" smtClean="0">
-                <a:solidFill>
-                  <a:srgbClr val="F8F8F2"/>
-                </a:solidFill>
-                <a:latin typeface="Menlo"/>
-              </a:rPr>
-              <a:t>    </a:t>
-            </a:r>
-            <a:r>
-              <a:rPr lang="is-IS" dirty="0" smtClean="0">
-                <a:solidFill>
-                  <a:srgbClr val="66D9EF"/>
-                </a:solidFill>
-                <a:latin typeface="Menlo"/>
-              </a:rPr>
-              <a:t>return</a:t>
-            </a:r>
-            <a:r>
-              <a:rPr lang="is-IS" dirty="0" smtClean="0">
-                <a:solidFill>
-                  <a:srgbClr val="F8F8F2"/>
-                </a:solidFill>
-                <a:latin typeface="Menlo"/>
-              </a:rPr>
-              <a:t> {</a:t>
-            </a:r>
-          </a:p>
-          <a:p>
-            <a:r>
-              <a:rPr lang="en-US" dirty="0" smtClean="0">
-                <a:solidFill>
-                  <a:srgbClr val="F8F8F2"/>
-                </a:solidFill>
-                <a:latin typeface="Menlo"/>
-              </a:rPr>
-              <a:t>      </a:t>
-            </a:r>
-            <a:r>
-              <a:rPr lang="en-US" dirty="0" smtClean="0">
-                <a:solidFill>
-                  <a:srgbClr val="A6E22E"/>
-                </a:solidFill>
-                <a:latin typeface="Menlo"/>
-              </a:rPr>
-              <a:t>template</a:t>
-            </a:r>
-            <a:r>
-              <a:rPr lang="en-US" dirty="0" smtClean="0">
-                <a:solidFill>
-                  <a:srgbClr val="F92672"/>
-                </a:solidFill>
-                <a:latin typeface="Menlo"/>
-              </a:rPr>
-              <a:t>:</a:t>
-            </a:r>
-            <a:r>
-              <a:rPr lang="en-US" dirty="0" smtClean="0">
-                <a:solidFill>
-                  <a:srgbClr val="F8F8F2"/>
-                </a:solidFill>
-                <a:latin typeface="Menlo"/>
-              </a:rPr>
-              <a:t> </a:t>
-            </a:r>
-            <a:r>
-              <a:rPr lang="en-US" dirty="0" smtClean="0">
-                <a:solidFill>
-                  <a:srgbClr val="E6DB74"/>
-                </a:solidFill>
-                <a:latin typeface="Menlo"/>
-              </a:rPr>
-              <a:t>'&lt;div&gt;Hello {{name}}&lt;/div&gt;'</a:t>
-            </a:r>
-            <a:r>
-              <a:rPr lang="en-US" dirty="0" smtClean="0">
-                <a:solidFill>
-                  <a:srgbClr val="F8F8F2"/>
-                </a:solidFill>
-                <a:latin typeface="Menlo"/>
-              </a:rPr>
-              <a:t>,</a:t>
-            </a:r>
-          </a:p>
-          <a:p>
-            <a:r>
-              <a:rPr lang="fr-FR" dirty="0" smtClean="0">
-                <a:solidFill>
-                  <a:srgbClr val="F8F8F2"/>
-                </a:solidFill>
-                <a:latin typeface="Menlo"/>
-              </a:rPr>
-              <a:t>      </a:t>
-            </a:r>
-            <a:r>
-              <a:rPr lang="fr-FR" dirty="0" err="1" smtClean="0">
-                <a:solidFill>
-                  <a:srgbClr val="A6E22E"/>
-                </a:solidFill>
-                <a:latin typeface="Menlo"/>
-              </a:rPr>
-              <a:t>restrict</a:t>
-            </a:r>
-            <a:r>
-              <a:rPr lang="fr-FR" dirty="0" smtClean="0">
-                <a:solidFill>
-                  <a:srgbClr val="F92672"/>
-                </a:solidFill>
-                <a:latin typeface="Menlo"/>
-              </a:rPr>
-              <a:t>:</a:t>
-            </a:r>
-            <a:r>
-              <a:rPr lang="fr-FR" dirty="0" smtClean="0">
-                <a:solidFill>
-                  <a:srgbClr val="F8F8F2"/>
-                </a:solidFill>
-                <a:latin typeface="Menlo"/>
-              </a:rPr>
-              <a:t> </a:t>
-            </a:r>
-            <a:r>
-              <a:rPr lang="fr-FR" dirty="0" smtClean="0">
-                <a:solidFill>
-                  <a:srgbClr val="E6DB74"/>
-                </a:solidFill>
-                <a:latin typeface="Menlo"/>
-              </a:rPr>
-              <a:t>'AC'</a:t>
-            </a:r>
-            <a:r>
-              <a:rPr lang="fr-FR" dirty="0" smtClean="0">
-                <a:solidFill>
-                  <a:srgbClr val="F8F8F2"/>
-                </a:solidFill>
-                <a:latin typeface="Menlo"/>
-              </a:rPr>
-              <a:t>,</a:t>
-            </a:r>
-          </a:p>
-          <a:p>
-            <a:r>
-              <a:rPr lang="it-IT" dirty="0" smtClean="0">
-                <a:solidFill>
-                  <a:srgbClr val="F8F8F2"/>
-                </a:solidFill>
-                <a:latin typeface="Menlo"/>
-              </a:rPr>
-              <a:t>      </a:t>
-            </a:r>
-            <a:r>
-              <a:rPr lang="it-IT" dirty="0" smtClean="0">
-                <a:solidFill>
-                  <a:srgbClr val="A6E22E"/>
-                </a:solidFill>
-                <a:latin typeface="Menlo"/>
-              </a:rPr>
-              <a:t>scope</a:t>
-            </a:r>
-            <a:r>
-              <a:rPr lang="it-IT" dirty="0" smtClean="0">
-                <a:solidFill>
-                  <a:srgbClr val="F92672"/>
-                </a:solidFill>
-                <a:latin typeface="Menlo"/>
-              </a:rPr>
-              <a:t>:</a:t>
-            </a:r>
-            <a:r>
-              <a:rPr lang="it-IT" dirty="0" smtClean="0">
-                <a:solidFill>
-                  <a:srgbClr val="F8F8F2"/>
-                </a:solidFill>
-                <a:latin typeface="Menlo"/>
-              </a:rPr>
-              <a:t> {</a:t>
-            </a:r>
-          </a:p>
-          <a:p>
-            <a:r>
-              <a:rPr lang="en-US" dirty="0" smtClean="0">
-                <a:solidFill>
-                  <a:srgbClr val="F8F8F2"/>
-                </a:solidFill>
-                <a:latin typeface="Menlo"/>
-              </a:rPr>
-              <a:t>        </a:t>
-            </a:r>
-            <a:r>
-              <a:rPr lang="en-US" dirty="0" smtClean="0">
-                <a:solidFill>
-                  <a:srgbClr val="A6E22E"/>
-                </a:solidFill>
-                <a:latin typeface="Menlo"/>
-              </a:rPr>
-              <a:t>name</a:t>
-            </a:r>
-            <a:r>
-              <a:rPr lang="en-US" dirty="0" smtClean="0">
-                <a:solidFill>
-                  <a:srgbClr val="F92672"/>
-                </a:solidFill>
-                <a:latin typeface="Menlo"/>
-              </a:rPr>
-              <a:t>:</a:t>
-            </a:r>
-            <a:r>
-              <a:rPr lang="en-US" dirty="0" smtClean="0">
-                <a:solidFill>
-                  <a:srgbClr val="E6DB74"/>
-                </a:solidFill>
-                <a:latin typeface="Menlo"/>
-              </a:rPr>
-              <a:t>"@</a:t>
-            </a:r>
-            <a:r>
-              <a:rPr lang="en-US" dirty="0" err="1" smtClean="0">
-                <a:solidFill>
-                  <a:srgbClr val="E6DB74"/>
-                </a:solidFill>
-                <a:latin typeface="Menlo"/>
-              </a:rPr>
-              <a:t>nameAttr</a:t>
-            </a:r>
-            <a:r>
-              <a:rPr lang="en-US" dirty="0" smtClean="0">
-                <a:solidFill>
-                  <a:srgbClr val="E6DB74"/>
-                </a:solidFill>
-                <a:latin typeface="Menlo"/>
-              </a:rPr>
-              <a:t>"</a:t>
-            </a:r>
-            <a:endParaRPr lang="en-US" dirty="0" smtClean="0">
-              <a:solidFill>
-                <a:srgbClr val="F8F8F2"/>
-              </a:solidFill>
-              <a:latin typeface="Menlo"/>
-            </a:endParaRPr>
-          </a:p>
-          <a:p>
-            <a:r>
-              <a:rPr lang="en-US" dirty="0" smtClean="0">
-                <a:solidFill>
-                  <a:srgbClr val="F8F8F2"/>
-                </a:solidFill>
-                <a:latin typeface="Menlo"/>
-              </a:rPr>
-              <a:t>      }</a:t>
-            </a:r>
-          </a:p>
-          <a:p>
-            <a:r>
-              <a:rPr lang="en-US" dirty="0" smtClean="0">
-                <a:solidFill>
-                  <a:srgbClr val="F8F8F2"/>
-                </a:solidFill>
-                <a:latin typeface="Menlo"/>
-              </a:rPr>
-              <a:t>    };</a:t>
-            </a:r>
-          </a:p>
-          <a:p>
-            <a:r>
-              <a:rPr lang="en-US" dirty="0" smtClean="0">
-                <a:solidFill>
-                  <a:srgbClr val="F8F8F2"/>
-                </a:solidFill>
-                <a:latin typeface="Menlo"/>
-              </a:rPr>
-              <a:t>  });</a:t>
-            </a:r>
-            <a:endParaRPr lang="en-US" dirty="0">
-              <a:solidFill>
-                <a:srgbClr val="F8F8F2"/>
-              </a:solidFill>
-              <a:latin typeface="Menlo"/>
-            </a:endParaRPr>
-          </a:p>
-        </p:txBody>
-      </p:sp>
-      <p:sp>
-        <p:nvSpPr>
-          <p:cNvPr id="6" name="Rectangle 5"/>
-          <p:cNvSpPr/>
-          <p:nvPr/>
-        </p:nvSpPr>
-        <p:spPr>
-          <a:xfrm>
-            <a:off x="1146066" y="6214661"/>
-            <a:ext cx="6866576" cy="369332"/>
-          </a:xfrm>
-          <a:prstGeom prst="rect">
-            <a:avLst/>
-          </a:prstGeom>
-        </p:spPr>
-        <p:txBody>
-          <a:bodyPr wrap="square">
-            <a:spAutoFit/>
-          </a:bodyPr>
-          <a:lstStyle/>
-          <a:p>
-            <a:r>
-              <a:rPr lang="en-US" dirty="0">
-                <a:solidFill>
-                  <a:srgbClr val="F92672"/>
-                </a:solidFill>
-                <a:latin typeface="Menlo"/>
-              </a:rPr>
-              <a:t>&lt;my-directive</a:t>
-            </a:r>
-            <a:r>
-              <a:rPr lang="en-US" dirty="0">
-                <a:solidFill>
-                  <a:srgbClr val="F8F8F2"/>
-                </a:solidFill>
-                <a:latin typeface="Menlo"/>
-              </a:rPr>
-              <a:t> </a:t>
-            </a:r>
-            <a:r>
-              <a:rPr lang="en-US" dirty="0">
-                <a:solidFill>
-                  <a:srgbClr val="A6E22E"/>
-                </a:solidFill>
-                <a:latin typeface="Menlo"/>
-              </a:rPr>
-              <a:t>name-</a:t>
-            </a:r>
-            <a:r>
-              <a:rPr lang="en-US" dirty="0" err="1">
-                <a:solidFill>
-                  <a:srgbClr val="A6E22E"/>
-                </a:solidFill>
-                <a:latin typeface="Menlo"/>
-              </a:rPr>
-              <a:t>attr</a:t>
-            </a:r>
-            <a:r>
-              <a:rPr lang="en-US" dirty="0">
-                <a:solidFill>
-                  <a:srgbClr val="A6E22E"/>
-                </a:solidFill>
-                <a:latin typeface="Menlo"/>
-              </a:rPr>
-              <a:t>=</a:t>
-            </a:r>
-            <a:r>
-              <a:rPr lang="en-US" dirty="0">
-                <a:solidFill>
-                  <a:srgbClr val="E6DB74"/>
-                </a:solidFill>
-                <a:latin typeface="Menlo"/>
-              </a:rPr>
-              <a:t>"{</a:t>
-            </a:r>
-            <a:r>
-              <a:rPr lang="en-US" dirty="0" smtClean="0">
-                <a:solidFill>
-                  <a:srgbClr val="E6DB74"/>
-                </a:solidFill>
-                <a:latin typeface="Menlo"/>
-              </a:rPr>
-              <a:t>{</a:t>
-            </a:r>
-            <a:r>
-              <a:rPr lang="en-US" dirty="0" err="1" smtClean="0">
-                <a:solidFill>
-                  <a:srgbClr val="E6DB74"/>
-                </a:solidFill>
-                <a:latin typeface="Menlo"/>
-              </a:rPr>
-              <a:t>phil.name</a:t>
-            </a:r>
-            <a:r>
-              <a:rPr lang="en-US" dirty="0">
-                <a:solidFill>
-                  <a:srgbClr val="E6DB74"/>
-                </a:solidFill>
-                <a:latin typeface="Menlo"/>
-              </a:rPr>
-              <a:t>}}"</a:t>
-            </a:r>
-            <a:r>
-              <a:rPr lang="en-US" dirty="0">
-                <a:solidFill>
-                  <a:srgbClr val="F92672"/>
-                </a:solidFill>
-                <a:latin typeface="Menlo"/>
-              </a:rPr>
-              <a:t>/&gt;</a:t>
-            </a:r>
-            <a:endParaRPr lang="en-US" dirty="0">
-              <a:solidFill>
-                <a:srgbClr val="F8F8F2"/>
-              </a:solidFill>
-              <a:latin typeface="Menlo"/>
-            </a:endParaRPr>
+          <a:p>
+            <a:endParaRPr lang="en-US" dirty="0"/>
           </a:p>
         </p:txBody>
       </p:sp>
     </p:spTree>
     <p:extLst>
       <p:ext uri="{BB962C8B-B14F-4D97-AF65-F5344CB8AC3E}">
-        <p14:creationId xmlns:p14="http://schemas.microsoft.com/office/powerpoint/2010/main" val="3791521122"/>
+        <p14:creationId xmlns:p14="http://schemas.microsoft.com/office/powerpoint/2010/main" val="864574978"/>
       </p:ext>
     </p:extLst>
   </p:cSld>
@@ -7660,10 +7654,9 @@
           <a:lstStyle/>
           <a:p>
             <a:r>
-              <a:rPr lang="en-US" dirty="0" smtClean="0"/>
-              <a:t>Two-way Binding to Parent</a:t>
-            </a:r>
-            <a:endParaRPr lang="en-US" dirty="0"/>
+              <a:rPr lang="en-US" dirty="0"/>
+              <a:t>DOM Attribute binding</a:t>
+            </a:r>
           </a:p>
         </p:txBody>
       </p:sp>
@@ -7684,18 +7677,18 @@
           <a:p>
             <a:r>
               <a:rPr lang="en-US" dirty="0" smtClean="0"/>
-              <a:t>= or =</a:t>
+              <a:t>@ or @</a:t>
             </a:r>
             <a:r>
               <a:rPr lang="en-US" dirty="0" err="1" smtClean="0"/>
-              <a:t>parentScopeAttrName</a:t>
+              <a:t>domAttrName</a:t>
             </a:r>
             <a:endParaRPr lang="en-US" dirty="0" smtClean="0"/>
           </a:p>
           <a:p>
             <a:r>
               <a:rPr lang="en-US" dirty="0" smtClean="0"/>
-              <a:t>Bi-directional data binding between local scope property and parent scope property</a:t>
+              <a:t>Bind local scope property to value of DOM attribute (always a string)</a:t>
             </a:r>
             <a:endParaRPr lang="en-US" dirty="0"/>
           </a:p>
@@ -7703,14 +7696,14 @@
       </p:sp>
       <p:sp>
         <p:nvSpPr>
-          <p:cNvPr id="4" name="Rectangle 3"/>
+          <p:cNvPr id="5" name="Rectangle 4"/>
           <p:cNvSpPr/>
           <p:nvPr/>
         </p:nvSpPr>
         <p:spPr>
           <a:xfrm>
-            <a:off x="1177041" y="3263840"/>
-            <a:ext cx="7485560" cy="2862323"/>
+            <a:off x="1393865" y="3081903"/>
+            <a:ext cx="6339496" cy="2862323"/>
           </a:xfrm>
           <a:prstGeom prst="rect">
             <a:avLst/>
@@ -7723,7 +7716,7 @@
           <a:lstStyle/>
           <a:p>
             <a:r>
-              <a:rPr lang="en-US" dirty="0" err="1">
+              <a:rPr lang="en-US" dirty="0" err="1" smtClean="0">
                 <a:solidFill>
                   <a:srgbClr val="A6E22E"/>
                 </a:solidFill>
@@ -7732,7 +7725,7 @@
               <a:t>angular</a:t>
             </a:r>
             <a:r>
-              <a:rPr lang="en-US" dirty="0" err="1">
+              <a:rPr lang="en-US" dirty="0" err="1" smtClean="0">
                 <a:solidFill>
                   <a:srgbClr val="F8F8F2"/>
                 </a:solidFill>
@@ -7741,7 +7734,7 @@
               <a:t>.</a:t>
             </a:r>
             <a:r>
-              <a:rPr lang="en-US" dirty="0" err="1">
+              <a:rPr lang="en-US" dirty="0" err="1" smtClean="0">
                 <a:solidFill>
                   <a:srgbClr val="A6E22E"/>
                 </a:solidFill>
@@ -7750,7 +7743,7 @@
               <a:t>module</a:t>
             </a:r>
             <a:r>
-              <a:rPr lang="en-US" dirty="0">
+              <a:rPr lang="en-US" dirty="0" smtClean="0">
                 <a:solidFill>
                   <a:srgbClr val="F8F8F2"/>
                 </a:solidFill>
@@ -7759,7 +7752,7 @@
               <a:t>(</a:t>
             </a:r>
             <a:r>
-              <a:rPr lang="en-US" dirty="0">
+              <a:rPr lang="en-US" dirty="0" smtClean="0">
                 <a:solidFill>
                   <a:srgbClr val="E6DB74"/>
                 </a:solidFill>
@@ -7768,7 +7761,7 @@
               <a:t>'</a:t>
             </a:r>
             <a:r>
-              <a:rPr lang="en-US" dirty="0" err="1">
+              <a:rPr lang="en-US" dirty="0" err="1" smtClean="0">
                 <a:solidFill>
                   <a:srgbClr val="E6DB74"/>
                 </a:solidFill>
@@ -7777,7 +7770,7 @@
               <a:t>myApp</a:t>
             </a:r>
             <a:r>
-              <a:rPr lang="en-US" dirty="0">
+              <a:rPr lang="en-US" dirty="0" smtClean="0">
                 <a:solidFill>
                   <a:srgbClr val="E6DB74"/>
                 </a:solidFill>
@@ -7786,7 +7779,7 @@
               <a:t>'</a:t>
             </a:r>
             <a:r>
-              <a:rPr lang="en-US" dirty="0">
+              <a:rPr lang="en-US" dirty="0" smtClean="0">
                 <a:solidFill>
                   <a:srgbClr val="F8F8F2"/>
                 </a:solidFill>
@@ -7797,7 +7790,7 @@
           </a:p>
           <a:p>
             <a:r>
-              <a:rPr lang="en-US" dirty="0">
+              <a:rPr lang="en-US" dirty="0" smtClean="0">
                 <a:solidFill>
                   <a:srgbClr val="F8F8F2"/>
                 </a:solidFill>
@@ -7806,7 +7799,7 @@
               <a:t>  .</a:t>
             </a:r>
             <a:r>
-              <a:rPr lang="en-US" dirty="0">
+              <a:rPr lang="en-US" dirty="0" smtClean="0">
                 <a:solidFill>
                   <a:srgbClr val="A6E22E"/>
                 </a:solidFill>
@@ -7815,7 +7808,7 @@
               <a:t>directive</a:t>
             </a:r>
             <a:r>
-              <a:rPr lang="en-US" dirty="0">
+              <a:rPr lang="en-US" dirty="0" smtClean="0">
                 <a:solidFill>
                   <a:srgbClr val="F8F8F2"/>
                 </a:solidFill>
@@ -7824,7 +7817,7 @@
               <a:t>(</a:t>
             </a:r>
             <a:r>
-              <a:rPr lang="en-US" dirty="0">
+              <a:rPr lang="en-US" dirty="0" smtClean="0">
                 <a:solidFill>
                   <a:srgbClr val="E6DB74"/>
                 </a:solidFill>
@@ -7833,7 +7826,7 @@
               <a:t>'</a:t>
             </a:r>
             <a:r>
-              <a:rPr lang="en-US" dirty="0" err="1">
+              <a:rPr lang="en-US" dirty="0" err="1" smtClean="0">
                 <a:solidFill>
                   <a:srgbClr val="E6DB74"/>
                 </a:solidFill>
@@ -7842,7 +7835,7 @@
               <a:t>myDirective</a:t>
             </a:r>
             <a:r>
-              <a:rPr lang="en-US" dirty="0">
+              <a:rPr lang="en-US" dirty="0" smtClean="0">
                 <a:solidFill>
                   <a:srgbClr val="E6DB74"/>
                 </a:solidFill>
@@ -7851,7 +7844,7 @@
               <a:t>'</a:t>
             </a:r>
             <a:r>
-              <a:rPr lang="en-US" dirty="0">
+              <a:rPr lang="en-US" dirty="0" smtClean="0">
                 <a:solidFill>
                   <a:srgbClr val="F8F8F2"/>
                 </a:solidFill>
@@ -7860,7 +7853,7 @@
               <a:t>, </a:t>
             </a:r>
             <a:r>
-              <a:rPr lang="en-US" dirty="0">
+              <a:rPr lang="en-US" dirty="0" smtClean="0">
                 <a:solidFill>
                   <a:srgbClr val="66D9EF"/>
                 </a:solidFill>
@@ -7869,7 +7862,7 @@
               <a:t>function</a:t>
             </a:r>
             <a:r>
-              <a:rPr lang="en-US" dirty="0">
+              <a:rPr lang="en-US" dirty="0" smtClean="0">
                 <a:solidFill>
                   <a:srgbClr val="F8F8F2"/>
                 </a:solidFill>
@@ -7880,7 +7873,7 @@
           </a:p>
           <a:p>
             <a:r>
-              <a:rPr lang="is-IS" dirty="0">
+              <a:rPr lang="is-IS" dirty="0" smtClean="0">
                 <a:solidFill>
                   <a:srgbClr val="F8F8F2"/>
                 </a:solidFill>
@@ -7889,7 +7882,7 @@
               <a:t>    </a:t>
             </a:r>
             <a:r>
-              <a:rPr lang="is-IS" dirty="0">
+              <a:rPr lang="is-IS" dirty="0" smtClean="0">
                 <a:solidFill>
                   <a:srgbClr val="66D9EF"/>
                 </a:solidFill>
@@ -7898,7 +7891,7 @@
               <a:t>return</a:t>
             </a:r>
             <a:r>
-              <a:rPr lang="is-IS" dirty="0">
+              <a:rPr lang="is-IS" dirty="0" smtClean="0">
                 <a:solidFill>
                   <a:srgbClr val="F8F8F2"/>
                 </a:solidFill>
@@ -7909,7 +7902,7 @@
           </a:p>
           <a:p>
             <a:r>
-              <a:rPr lang="en-US" dirty="0">
+              <a:rPr lang="en-US" dirty="0" smtClean="0">
                 <a:solidFill>
                   <a:srgbClr val="F8F8F2"/>
                 </a:solidFill>
@@ -7918,7 +7911,7 @@
               <a:t>      </a:t>
             </a:r>
             <a:r>
-              <a:rPr lang="en-US" dirty="0">
+              <a:rPr lang="en-US" dirty="0" smtClean="0">
                 <a:solidFill>
                   <a:srgbClr val="A6E22E"/>
                 </a:solidFill>
@@ -7927,7 +7920,7 @@
               <a:t>template</a:t>
             </a:r>
             <a:r>
-              <a:rPr lang="en-US" dirty="0">
+              <a:rPr lang="en-US" dirty="0" smtClean="0">
                 <a:solidFill>
                   <a:srgbClr val="F92672"/>
                 </a:solidFill>
@@ -7936,7 +7929,7 @@
               <a:t>:</a:t>
             </a:r>
             <a:r>
-              <a:rPr lang="en-US" dirty="0">
+              <a:rPr lang="en-US" dirty="0" smtClean="0">
                 <a:solidFill>
                   <a:srgbClr val="F8F8F2"/>
                 </a:solidFill>
@@ -7945,192 +7938,174 @@
               <a:t> </a:t>
             </a:r>
             <a:r>
-              <a:rPr lang="en-US" dirty="0">
+              <a:rPr lang="en-US" dirty="0" smtClean="0">
                 <a:solidFill>
                   <a:srgbClr val="E6DB74"/>
                 </a:solidFill>
                 <a:latin typeface="Menlo"/>
               </a:rPr>
-              <a:t>'&lt;div&gt;Hello {{</a:t>
-            </a:r>
-            <a:r>
-              <a:rPr lang="en-US" dirty="0" err="1">
+              <a:t>'&lt;div&gt;Hello {{name}}&lt;/div&gt;'</a:t>
+            </a:r>
+            <a:r>
+              <a:rPr lang="en-US" dirty="0" smtClean="0">
+                <a:solidFill>
+                  <a:srgbClr val="F8F8F2"/>
+                </a:solidFill>
+                <a:latin typeface="Menlo"/>
+              </a:rPr>
+              <a:t>,</a:t>
+            </a:r>
+          </a:p>
+          <a:p>
+            <a:r>
+              <a:rPr lang="fr-FR" dirty="0" smtClean="0">
+                <a:solidFill>
+                  <a:srgbClr val="F8F8F2"/>
+                </a:solidFill>
+                <a:latin typeface="Menlo"/>
+              </a:rPr>
+              <a:t>      </a:t>
+            </a:r>
+            <a:r>
+              <a:rPr lang="fr-FR" dirty="0" err="1" smtClean="0">
+                <a:solidFill>
+                  <a:srgbClr val="A6E22E"/>
+                </a:solidFill>
+                <a:latin typeface="Menlo"/>
+              </a:rPr>
+              <a:t>restrict</a:t>
+            </a:r>
+            <a:r>
+              <a:rPr lang="fr-FR" dirty="0" smtClean="0">
+                <a:solidFill>
+                  <a:srgbClr val="F92672"/>
+                </a:solidFill>
+                <a:latin typeface="Menlo"/>
+              </a:rPr>
+              <a:t>:</a:t>
+            </a:r>
+            <a:r>
+              <a:rPr lang="fr-FR" dirty="0" smtClean="0">
+                <a:solidFill>
+                  <a:srgbClr val="F8F8F2"/>
+                </a:solidFill>
+                <a:latin typeface="Menlo"/>
+              </a:rPr>
+              <a:t> </a:t>
+            </a:r>
+            <a:r>
+              <a:rPr lang="fr-FR" dirty="0" smtClean="0">
                 <a:solidFill>
                   <a:srgbClr val="E6DB74"/>
                 </a:solidFill>
                 <a:latin typeface="Menlo"/>
               </a:rPr>
-              <a:t>person.name</a:t>
-            </a:r>
-            <a:r>
-              <a:rPr lang="en-US" dirty="0">
+              <a:t>'AC'</a:t>
+            </a:r>
+            <a:r>
+              <a:rPr lang="fr-FR" dirty="0" smtClean="0">
+                <a:solidFill>
+                  <a:srgbClr val="F8F8F2"/>
+                </a:solidFill>
+                <a:latin typeface="Menlo"/>
+              </a:rPr>
+              <a:t>,</a:t>
+            </a:r>
+          </a:p>
+          <a:p>
+            <a:r>
+              <a:rPr lang="it-IT" dirty="0" smtClean="0">
+                <a:solidFill>
+                  <a:srgbClr val="F8F8F2"/>
+                </a:solidFill>
+                <a:latin typeface="Menlo"/>
+              </a:rPr>
+              <a:t>      </a:t>
+            </a:r>
+            <a:r>
+              <a:rPr lang="it-IT" dirty="0" smtClean="0">
+                <a:solidFill>
+                  <a:srgbClr val="A6E22E"/>
+                </a:solidFill>
+                <a:latin typeface="Menlo"/>
+              </a:rPr>
+              <a:t>scope</a:t>
+            </a:r>
+            <a:r>
+              <a:rPr lang="it-IT" dirty="0" smtClean="0">
+                <a:solidFill>
+                  <a:srgbClr val="F92672"/>
+                </a:solidFill>
+                <a:latin typeface="Menlo"/>
+              </a:rPr>
+              <a:t>:</a:t>
+            </a:r>
+            <a:r>
+              <a:rPr lang="it-IT" dirty="0" smtClean="0">
+                <a:solidFill>
+                  <a:srgbClr val="F8F8F2"/>
+                </a:solidFill>
+                <a:latin typeface="Menlo"/>
+              </a:rPr>
+              <a:t> {</a:t>
+            </a:r>
+          </a:p>
+          <a:p>
+            <a:r>
+              <a:rPr lang="en-US" dirty="0" smtClean="0">
+                <a:solidFill>
+                  <a:srgbClr val="F8F8F2"/>
+                </a:solidFill>
+                <a:latin typeface="Menlo"/>
+              </a:rPr>
+              <a:t>        </a:t>
+            </a:r>
+            <a:r>
+              <a:rPr lang="en-US" dirty="0" smtClean="0">
+                <a:solidFill>
+                  <a:srgbClr val="A6E22E"/>
+                </a:solidFill>
+                <a:latin typeface="Menlo"/>
+              </a:rPr>
+              <a:t>name</a:t>
+            </a:r>
+            <a:r>
+              <a:rPr lang="en-US" dirty="0" smtClean="0">
+                <a:solidFill>
+                  <a:srgbClr val="F92672"/>
+                </a:solidFill>
+                <a:latin typeface="Menlo"/>
+              </a:rPr>
+              <a:t>:</a:t>
+            </a:r>
+            <a:r>
+              <a:rPr lang="en-US" dirty="0" smtClean="0">
                 <a:solidFill>
                   <a:srgbClr val="E6DB74"/>
                 </a:solidFill>
                 <a:latin typeface="Menlo"/>
               </a:rPr>
-              <a:t>}}&lt;/div&gt;'</a:t>
-            </a:r>
-            <a:r>
-              <a:rPr lang="en-US" dirty="0">
-                <a:solidFill>
-                  <a:srgbClr val="F8F8F2"/>
-                </a:solidFill>
-                <a:latin typeface="Menlo"/>
-              </a:rPr>
-              <a:t>,</a:t>
-            </a:r>
-          </a:p>
-          <a:p>
-            <a:r>
-              <a:rPr lang="fr-FR" dirty="0">
-                <a:solidFill>
-                  <a:srgbClr val="F8F8F2"/>
-                </a:solidFill>
-                <a:latin typeface="Menlo"/>
-              </a:rPr>
-              <a:t>      </a:t>
-            </a:r>
-            <a:r>
-              <a:rPr lang="fr-FR" dirty="0" err="1">
-                <a:solidFill>
-                  <a:srgbClr val="A6E22E"/>
-                </a:solidFill>
-                <a:latin typeface="Menlo"/>
-              </a:rPr>
-              <a:t>restrict</a:t>
-            </a:r>
-            <a:r>
-              <a:rPr lang="fr-FR" dirty="0">
-                <a:solidFill>
-                  <a:srgbClr val="F92672"/>
-                </a:solidFill>
-                <a:latin typeface="Menlo"/>
-              </a:rPr>
-              <a:t>:</a:t>
-            </a:r>
-            <a:r>
-              <a:rPr lang="fr-FR" dirty="0">
-                <a:solidFill>
-                  <a:srgbClr val="F8F8F2"/>
-                </a:solidFill>
-                <a:latin typeface="Menlo"/>
-              </a:rPr>
-              <a:t> </a:t>
-            </a:r>
-            <a:r>
-              <a:rPr lang="fr-FR" dirty="0">
+              <a:t>"@</a:t>
+            </a:r>
+            <a:r>
+              <a:rPr lang="en-US" dirty="0" err="1" smtClean="0">
                 <a:solidFill>
                   <a:srgbClr val="E6DB74"/>
                 </a:solidFill>
                 <a:latin typeface="Menlo"/>
               </a:rPr>
-              <a:t>'AC'</a:t>
-            </a:r>
-            <a:r>
-              <a:rPr lang="fr-FR" dirty="0">
-                <a:solidFill>
-                  <a:srgbClr val="F8F8F2"/>
-                </a:solidFill>
-                <a:latin typeface="Menlo"/>
-              </a:rPr>
-              <a:t>,</a:t>
-            </a:r>
-          </a:p>
-          <a:p>
-            <a:r>
-              <a:rPr lang="it-IT" dirty="0">
-                <a:solidFill>
-                  <a:srgbClr val="F8F8F2"/>
-                </a:solidFill>
-                <a:latin typeface="Menlo"/>
-              </a:rPr>
-              <a:t>      </a:t>
-            </a:r>
-            <a:r>
-              <a:rPr lang="it-IT" dirty="0">
-                <a:solidFill>
-                  <a:srgbClr val="A6E22E"/>
-                </a:solidFill>
-                <a:latin typeface="Menlo"/>
-              </a:rPr>
-              <a:t>scope</a:t>
-            </a:r>
-            <a:r>
-              <a:rPr lang="it-IT" dirty="0">
-                <a:solidFill>
-                  <a:srgbClr val="F92672"/>
-                </a:solidFill>
-                <a:latin typeface="Menlo"/>
-              </a:rPr>
-              <a:t>:</a:t>
-            </a:r>
-            <a:r>
-              <a:rPr lang="it-IT" dirty="0">
-                <a:solidFill>
-                  <a:srgbClr val="F8F8F2"/>
-                </a:solidFill>
-                <a:latin typeface="Menlo"/>
-              </a:rPr>
-              <a:t> {</a:t>
-            </a:r>
-          </a:p>
-          <a:p>
-            <a:r>
-              <a:rPr lang="it-IT" dirty="0">
-                <a:solidFill>
-                  <a:srgbClr val="F8F8F2"/>
-                </a:solidFill>
-                <a:latin typeface="Menlo"/>
-              </a:rPr>
-              <a:t>        </a:t>
-            </a:r>
-            <a:r>
-              <a:rPr lang="it-IT" dirty="0" err="1">
-                <a:solidFill>
-                  <a:srgbClr val="A6E22E"/>
-                </a:solidFill>
-                <a:latin typeface="Menlo"/>
-              </a:rPr>
-              <a:t>person</a:t>
-            </a:r>
-            <a:r>
-              <a:rPr lang="it-IT" dirty="0">
-                <a:solidFill>
-                  <a:srgbClr val="F92672"/>
-                </a:solidFill>
-                <a:latin typeface="Menlo"/>
-              </a:rPr>
-              <a:t>:</a:t>
-            </a:r>
-            <a:r>
-              <a:rPr lang="it-IT" dirty="0">
+              <a:t>nameAttr</a:t>
+            </a:r>
+            <a:r>
+              <a:rPr lang="en-US" dirty="0" smtClean="0">
                 <a:solidFill>
                   <a:srgbClr val="E6DB74"/>
                 </a:solidFill>
                 <a:latin typeface="Menlo"/>
               </a:rPr>
-              <a:t>"=</a:t>
-            </a:r>
-            <a:r>
-              <a:rPr lang="it-IT" dirty="0" err="1">
-                <a:solidFill>
-                  <a:srgbClr val="E6DB74"/>
-                </a:solidFill>
-                <a:latin typeface="Menlo"/>
-              </a:rPr>
-              <a:t>personAttr</a:t>
-            </a:r>
-            <a:r>
-              <a:rPr lang="it-IT" dirty="0">
-                <a:solidFill>
-                  <a:srgbClr val="E6DB74"/>
-                </a:solidFill>
-                <a:latin typeface="Menlo"/>
-              </a:rPr>
               <a:t>"</a:t>
             </a:r>
-            <a:endParaRPr lang="it-IT" dirty="0">
+            <a:endParaRPr lang="en-US" dirty="0" smtClean="0">
               <a:solidFill>
                 <a:srgbClr val="F8F8F2"/>
               </a:solidFill>
@@ -8139,7 +8114,7 @@
           </a:p>
           <a:p>
             <a:r>
-              <a:rPr lang="it-IT" dirty="0">
+              <a:rPr lang="en-US" dirty="0" smtClean="0">
                 <a:solidFill>
                   <a:srgbClr val="F8F8F2"/>
                 </a:solidFill>
@@ -8150,7 +8125,7 @@
           </a:p>
           <a:p>
             <a:r>
-              <a:rPr lang="it-IT" dirty="0">
+              <a:rPr lang="en-US" dirty="0" smtClean="0">
                 <a:solidFill>
                   <a:srgbClr val="F8F8F2"/>
                 </a:solidFill>
@@ -8161,118 +8136,13 @@
           </a:p>
           <a:p>
             <a:r>
-              <a:rPr lang="it-IT" dirty="0">
+              <a:rPr lang="en-US" dirty="0" smtClean="0">
                 <a:solidFill>
                   <a:srgbClr val="F8F8F2"/>
                 </a:solidFill>
                 <a:latin typeface="Menlo"/>
               </a:rPr>
               <a:t>  });</a:t>
-            </a:r>
-          </a:p>
-        </p:txBody>
-      </p:sp>
-      <p:sp>
-        <p:nvSpPr>
-          <p:cNvPr id="5" name="Rectangle 4"/>
-          <p:cNvSpPr/>
-          <p:nvPr/>
-        </p:nvSpPr>
-        <p:spPr>
-          <a:xfrm>
-            <a:off x="1177041" y="6290040"/>
-            <a:ext cx="4909743" cy="369332"/>
-          </a:xfrm>
-          <a:prstGeom prst="rect">
-            <a:avLst/>
-          </a:prstGeom>
-        </p:spPr>
-        <p:txBody>
-          <a:bodyPr wrap="none">
-            <a:spAutoFit/>
-          </a:bodyPr>
-          <a:lstStyle/>
-          <a:p>
-            <a:r>
-              <a:rPr lang="en-US" dirty="0">
-                <a:solidFill>
-                  <a:srgbClr val="F92672"/>
-                </a:solidFill>
-                <a:latin typeface="Menlo"/>
-              </a:rPr>
-              <a:t>&lt;my-directive</a:t>
-            </a:r>
-            <a:r>
-              <a:rPr lang="en-US" dirty="0">
-                <a:solidFill>
-                  <a:srgbClr val="F8F8F2"/>
-                </a:solidFill>
-                <a:latin typeface="Menlo"/>
-              </a:rPr>
-              <a:t> </a:t>
-            </a:r>
-            <a:r>
-              <a:rPr lang="en-US" dirty="0">
-                <a:solidFill>
-                  <a:srgbClr val="A6E22E"/>
-                </a:solidFill>
-                <a:latin typeface="Menlo"/>
-              </a:rPr>
-              <a:t>person-</a:t>
-            </a:r>
-            <a:r>
-              <a:rPr lang="en-US" dirty="0" err="1">
-                <a:solidFill>
-                  <a:srgbClr val="A6E22E"/>
-                </a:solidFill>
-                <a:latin typeface="Menlo"/>
-              </a:rPr>
-              <a:t>attr</a:t>
-            </a:r>
-            <a:r>
-              <a:rPr lang="en-US" dirty="0">
-                <a:solidFill>
-                  <a:srgbClr val="A6E22E"/>
-                </a:solidFill>
-                <a:latin typeface="Menlo"/>
-              </a:rPr>
-              <a:t>=</a:t>
-            </a:r>
-            <a:r>
-              <a:rPr lang="en-US" dirty="0">
-                <a:solidFill>
-                  <a:srgbClr val="E6DB74"/>
-                </a:solidFill>
-                <a:latin typeface="Menlo"/>
-              </a:rPr>
-              <a:t>"</a:t>
-            </a:r>
-            <a:r>
-              <a:rPr lang="en-US" dirty="0" err="1">
-                <a:solidFill>
-                  <a:srgbClr val="E6DB74"/>
-                </a:solidFill>
-                <a:latin typeface="Menlo"/>
-              </a:rPr>
-              <a:t>phil</a:t>
-            </a:r>
-            <a:r>
-              <a:rPr lang="en-US" dirty="0">
-                <a:solidFill>
-                  <a:srgbClr val="E6DB74"/>
-                </a:solidFill>
-                <a:latin typeface="Menlo"/>
-              </a:rPr>
-              <a:t>"</a:t>
-            </a:r>
-            <a:r>
-              <a:rPr lang="en-US" dirty="0">
-                <a:solidFill>
-                  <a:srgbClr val="F92672"/>
-                </a:solidFill>
-                <a:latin typeface="Menlo"/>
-              </a:rPr>
-              <a:t>/&gt;</a:t>
             </a:r>
             <a:endParaRPr lang="en-US" dirty="0">
               <a:solidFill>
@@ -8283,10 +8153,130 @@
           </a:p>
         </p:txBody>
       </p:sp>
+      <p:sp>
+        <p:nvSpPr>
+          <p:cNvPr id="6" name="Rectangle 5"/>
+          <p:cNvSpPr/>
+          <p:nvPr/>
+        </p:nvSpPr>
+        <p:spPr>
+          <a:xfrm>
+            <a:off x="1146066" y="6214661"/>
+            <a:ext cx="6866576" cy="369332"/>
+          </a:xfrm>
+          <a:prstGeom prst="rect">
+            <a:avLst/>
+          </a:prstGeom>
+        </p:spPr>
+        <p:txBody>
+          <a:bodyPr wrap="square">
+            <a:spAutoFit/>
+          </a:bodyPr>
+          <a:lstStyle/>
+          <a:p>
+            <a:r>
+              <a:rPr lang="en-US" dirty="0">
+                <a:solidFill>
+                  <a:srgbClr val="F92672"/>
+                </a:solidFill>
+                <a:latin typeface="Menlo"/>
+              </a:rPr>
+              <a:t>&lt;my-directive</a:t>
+            </a:r>
+            <a:r>
+              <a:rPr lang="en-US" dirty="0">
+                <a:solidFill>
+                  <a:srgbClr val="F8F8F2"/>
+                </a:solidFill>
+                <a:latin typeface="Menlo"/>
+              </a:rPr>
+              <a:t> </a:t>
+            </a:r>
+            <a:r>
+              <a:rPr lang="en-US" dirty="0">
+                <a:solidFill>
+                  <a:srgbClr val="A6E22E"/>
+                </a:solidFill>
+                <a:latin typeface="Menlo"/>
+              </a:rPr>
+              <a:t>name-</a:t>
+            </a:r>
+            <a:r>
+              <a:rPr lang="en-US" dirty="0" err="1">
+                <a:solidFill>
+                  <a:srgbClr val="A6E22E"/>
+                </a:solidFill>
+                <a:latin typeface="Menlo"/>
+              </a:rPr>
+              <a:t>attr</a:t>
+            </a:r>
+            <a:r>
+              <a:rPr lang="en-US" dirty="0">
+                <a:solidFill>
+                  <a:srgbClr val="A6E22E"/>
+                </a:solidFill>
+                <a:latin typeface="Menlo"/>
+              </a:rPr>
+              <a:t>=</a:t>
+            </a:r>
+            <a:r>
+              <a:rPr lang="en-US" dirty="0">
+                <a:solidFill>
+                  <a:srgbClr val="E6DB74"/>
+                </a:solidFill>
+                <a:latin typeface="Menlo"/>
+              </a:rPr>
+              <a:t>"{</a:t>
+            </a:r>
+            <a:r>
+              <a:rPr lang="en-US" dirty="0" smtClean="0">
+                <a:solidFill>
+                  <a:srgbClr val="E6DB74"/>
+                </a:solidFill>
+                <a:latin typeface="Menlo"/>
+              </a:rPr>
+              <a:t>{</a:t>
+            </a:r>
+            <a:r>
+              <a:rPr lang="en-US" dirty="0" err="1" smtClean="0">
+                <a:solidFill>
+                  <a:srgbClr val="E6DB74"/>
+                </a:solidFill>
+                <a:latin typeface="Menlo"/>
+              </a:rPr>
+              <a:t>phil.name</a:t>
+            </a:r>
+            <a:r>
+              <a:rPr lang="en-US" dirty="0">
+                <a:solidFill>
+                  <a:srgbClr val="E6DB74"/>
+                </a:solidFill>
+                <a:latin typeface="Menlo"/>
+              </a:rPr>
+              <a:t>}}"</a:t>
+            </a:r>
+            <a:r>
+              <a:rPr lang="en-US" dirty="0">
+                <a:solidFill>
+                  <a:srgbClr val="F92672"/>
+                </a:solidFill>
+                <a:latin typeface="Menlo"/>
+              </a:rPr>
+              <a:t>/&gt;</a:t>
+            </a:r>
+            <a:endParaRPr lang="en-US" dirty="0">
+              <a:solidFill>
+                <a:srgbClr val="F8F8F2"/>
+              </a:solidFill>
+              <a:latin typeface="Menlo"/>
+            </a:endParaRPr>
+          </a:p>
+        </p:txBody>
+      </p:sp>
     </p:spTree>
     <p:extLst>
       <p:ext uri="{BB962C8B-B14F-4D97-AF65-F5344CB8AC3E}">
-        <p14:creationId xmlns:p14="http://schemas.microsoft.com/office/powerpoint/2010/main" val="2131333081"/>
+        <p14:creationId xmlns:p14="http://schemas.microsoft.com/office/powerpoint/2010/main" val="3791521122"/>
       </p:ext>
     </p:extLst>
   </p:cSld>
@@ -8329,8 +8319,8 @@
           <a:lstStyle/>
           <a:p>
             <a:r>
-              <a:rPr lang="en-US" dirty="0" err="1" smtClean="0"/>
-              <a:t>Expresions</a:t>
+              <a:rPr lang="en-US" dirty="0" smtClean="0"/>
+              <a:t>Two-way Binding to Parent</a:t>
             </a:r>
             <a:endParaRPr lang="en-US" dirty="0"/>
           </a:p>
@@ -8353,32 +8343,609 @@
           <a:p>
             <a:r>
               <a:rPr lang="en-US" dirty="0" smtClean="0"/>
-              <a:t>&amp; or &amp;</a:t>
+              <a:t>= or =</a:t>
             </a:r>
             <a:r>
               <a:rPr lang="en-US" dirty="0" err="1" smtClean="0"/>
+              <a:t>parentScopeAttrName</a:t>
+            </a:r>
+            <a:endParaRPr lang="en-US" dirty="0" smtClean="0"/>
+          </a:p>
+          <a:p>
+            <a:r>
+              <a:rPr lang="en-US" dirty="0" smtClean="0"/>
+              <a:t>Bi-directional data binding between local scope property and parent scope property</a:t>
+            </a:r>
+            <a:endParaRPr lang="en-US" dirty="0"/>
+          </a:p>
+        </p:txBody>
+      </p:sp>
+      <p:sp>
+        <p:nvSpPr>
+          <p:cNvPr id="4" name="Rectangle 3"/>
+          <p:cNvSpPr/>
+          <p:nvPr/>
+        </p:nvSpPr>
+        <p:spPr>
+          <a:xfrm>
+            <a:off x="1177041" y="3263840"/>
+            <a:ext cx="7485560" cy="2862323"/>
+          </a:xfrm>
+          <a:prstGeom prst="rect">
+            <a:avLst/>
+          </a:prstGeom>
+        </p:spPr>
+        <p:txBody>
+          <a:bodyPr wrap="square">
+            <a:spAutoFit/>
+          </a:bodyPr>
+          <a:lstStyle/>
+          <a:p>
+            <a:r>
+              <a:rPr lang="en-US" dirty="0" err="1">
+                <a:solidFill>
+                  <a:srgbClr val="A6E22E"/>
+                </a:solidFill>
+                <a:latin typeface="Menlo"/>
+              </a:rPr>
+              <a:t>angular</a:t>
+            </a:r>
+            <a:r>
+              <a:rPr lang="en-US" dirty="0" err="1">
+                <a:solidFill>
+                  <a:srgbClr val="F8F8F2"/>
+                </a:solidFill>
+                <a:latin typeface="Menlo"/>
+              </a:rPr>
+              <a:t>.</a:t>
+            </a:r>
+            <a:r>
+              <a:rPr lang="en-US" dirty="0" err="1">
+                <a:solidFill>
+                  <a:srgbClr val="A6E22E"/>
+                </a:solidFill>
+                <a:latin typeface="Menlo"/>
+              </a:rPr>
+              <a:t>module</a:t>
+            </a:r>
+            <a:r>
+              <a:rPr lang="en-US" dirty="0">
+                <a:solidFill>
+                  <a:srgbClr val="F8F8F2"/>
+                </a:solidFill>
+                <a:latin typeface="Menlo"/>
+              </a:rPr>
+              <a:t>(</a:t>
+            </a:r>
+            <a:r>
+              <a:rPr lang="en-US" dirty="0">
+                <a:solidFill>
+                  <a:srgbClr val="E6DB74"/>
+                </a:solidFill>
+                <a:latin typeface="Menlo"/>
+              </a:rPr>
+              <a:t>'</a:t>
+            </a:r>
+            <a:r>
+              <a:rPr lang="en-US" dirty="0" err="1">
+                <a:solidFill>
+                  <a:srgbClr val="E6DB74"/>
+                </a:solidFill>
+                <a:latin typeface="Menlo"/>
+              </a:rPr>
+              <a:t>myApp</a:t>
+            </a:r>
+            <a:r>
+              <a:rPr lang="en-US" dirty="0">
+                <a:solidFill>
+                  <a:srgbClr val="E6DB74"/>
+                </a:solidFill>
+                <a:latin typeface="Menlo"/>
+              </a:rPr>
+              <a:t>'</a:t>
+            </a:r>
+            <a:r>
+              <a:rPr lang="en-US" dirty="0">
+                <a:solidFill>
+                  <a:srgbClr val="F8F8F2"/>
+                </a:solidFill>
+                <a:latin typeface="Menlo"/>
+              </a:rPr>
+              <a:t>)</a:t>
+            </a:r>
+          </a:p>
+          <a:p>
+            <a:r>
+              <a:rPr lang="en-US" dirty="0">
+                <a:solidFill>
+                  <a:srgbClr val="F8F8F2"/>
+                </a:solidFill>
+                <a:latin typeface="Menlo"/>
+              </a:rPr>
+              <a:t>  .</a:t>
+            </a:r>
+            <a:r>
+              <a:rPr lang="en-US" dirty="0">
+                <a:solidFill>
+                  <a:srgbClr val="A6E22E"/>
+                </a:solidFill>
+                <a:latin typeface="Menlo"/>
+              </a:rPr>
+              <a:t>directive</a:t>
+            </a:r>
+            <a:r>
+              <a:rPr lang="en-US" dirty="0">
+                <a:solidFill>
+                  <a:srgbClr val="F8F8F2"/>
+                </a:solidFill>
+                <a:latin typeface="Menlo"/>
+              </a:rPr>
+              <a:t>(</a:t>
+            </a:r>
+            <a:r>
+              <a:rPr lang="en-US" dirty="0">
+                <a:solidFill>
+                  <a:srgbClr val="E6DB74"/>
+                </a:solidFill>
+                <a:latin typeface="Menlo"/>
+              </a:rPr>
+              <a:t>'</a:t>
+            </a:r>
+            <a:r>
+              <a:rPr lang="en-US" dirty="0" err="1">
+                <a:solidFill>
+                  <a:srgbClr val="E6DB74"/>
+                </a:solidFill>
+                <a:latin typeface="Menlo"/>
+              </a:rPr>
+              <a:t>myDirective</a:t>
+            </a:r>
+            <a:r>
+              <a:rPr lang="en-US" dirty="0">
+                <a:solidFill>
+                  <a:srgbClr val="E6DB74"/>
+                </a:solidFill>
+                <a:latin typeface="Menlo"/>
+              </a:rPr>
+              <a:t>'</a:t>
+            </a:r>
+            <a:r>
+              <a:rPr lang="en-US" dirty="0">
+                <a:solidFill>
+                  <a:srgbClr val="F8F8F2"/>
+                </a:solidFill>
+                <a:latin typeface="Menlo"/>
+              </a:rPr>
+              <a:t>, </a:t>
+            </a:r>
+            <a:r>
+              <a:rPr lang="en-US" dirty="0">
+                <a:solidFill>
+                  <a:srgbClr val="66D9EF"/>
+                </a:solidFill>
+                <a:latin typeface="Menlo"/>
+              </a:rPr>
+              <a:t>function</a:t>
+            </a:r>
+            <a:r>
+              <a:rPr lang="en-US" dirty="0">
+                <a:solidFill>
+                  <a:srgbClr val="F8F8F2"/>
+                </a:solidFill>
+                <a:latin typeface="Menlo"/>
+              </a:rPr>
+              <a:t>() {</a:t>
+            </a:r>
+          </a:p>
+          <a:p>
+            <a:r>
+              <a:rPr lang="is-IS" dirty="0">
+                <a:solidFill>
+                  <a:srgbClr val="F8F8F2"/>
+                </a:solidFill>
+                <a:latin typeface="Menlo"/>
+              </a:rPr>
+              <a:t>    </a:t>
+            </a:r>
+            <a:r>
+              <a:rPr lang="is-IS" dirty="0">
+                <a:solidFill>
+                  <a:srgbClr val="66D9EF"/>
+                </a:solidFill>
+                <a:latin typeface="Menlo"/>
+              </a:rPr>
+              <a:t>return</a:t>
+            </a:r>
+            <a:r>
+              <a:rPr lang="is-IS" dirty="0">
+                <a:solidFill>
+                  <a:srgbClr val="F8F8F2"/>
+                </a:solidFill>
+                <a:latin typeface="Menlo"/>
+              </a:rPr>
+              <a:t> {</a:t>
+            </a:r>
+          </a:p>
+          <a:p>
+            <a:r>
+              <a:rPr lang="en-US" dirty="0">
+                <a:solidFill>
+                  <a:srgbClr val="F8F8F2"/>
+                </a:solidFill>
+                <a:latin typeface="Menlo"/>
+              </a:rPr>
+              <a:t>      </a:t>
+            </a:r>
+            <a:r>
+              <a:rPr lang="en-US" dirty="0">
+                <a:solidFill>
+                  <a:srgbClr val="A6E22E"/>
+                </a:solidFill>
+                <a:latin typeface="Menlo"/>
+              </a:rPr>
+              <a:t>template</a:t>
+            </a:r>
+            <a:r>
+              <a:rPr lang="en-US" dirty="0">
+                <a:solidFill>
+                  <a:srgbClr val="F92672"/>
+                </a:solidFill>
+                <a:latin typeface="Menlo"/>
+              </a:rPr>
+              <a:t>:</a:t>
+            </a:r>
+            <a:r>
+              <a:rPr lang="en-US" dirty="0">
+                <a:solidFill>
+                  <a:srgbClr val="F8F8F2"/>
+                </a:solidFill>
+                <a:latin typeface="Menlo"/>
+              </a:rPr>
+              <a:t> </a:t>
+            </a:r>
+            <a:r>
+              <a:rPr lang="en-US" dirty="0">
+                <a:solidFill>
+                  <a:srgbClr val="E6DB74"/>
+                </a:solidFill>
+                <a:latin typeface="Menlo"/>
+              </a:rPr>
+              <a:t>'&lt;div&gt;Hello {{</a:t>
+            </a:r>
+            <a:r>
+              <a:rPr lang="en-US" dirty="0" err="1">
+                <a:solidFill>
+                  <a:srgbClr val="E6DB74"/>
+                </a:solidFill>
+                <a:latin typeface="Menlo"/>
+              </a:rPr>
+              <a:t>person.name</a:t>
+            </a:r>
+            <a:r>
+              <a:rPr lang="en-US" dirty="0">
+                <a:solidFill>
+                  <a:srgbClr val="E6DB74"/>
+                </a:solidFill>
+                <a:latin typeface="Menlo"/>
+              </a:rPr>
+              <a:t>}}&lt;/div&gt;'</a:t>
+            </a:r>
+            <a:r>
+              <a:rPr lang="en-US" dirty="0">
+                <a:solidFill>
+                  <a:srgbClr val="F8F8F2"/>
+                </a:solidFill>
+                <a:latin typeface="Menlo"/>
+              </a:rPr>
+              <a:t>,</a:t>
+            </a:r>
+          </a:p>
+          <a:p>
+            <a:r>
+              <a:rPr lang="fr-FR" dirty="0">
+                <a:solidFill>
+                  <a:srgbClr val="F8F8F2"/>
+                </a:solidFill>
+                <a:latin typeface="Menlo"/>
+              </a:rPr>
+              <a:t>      </a:t>
+            </a:r>
+            <a:r>
+              <a:rPr lang="fr-FR" dirty="0" err="1">
+                <a:solidFill>
+                  <a:srgbClr val="A6E22E"/>
+                </a:solidFill>
+                <a:latin typeface="Menlo"/>
+              </a:rPr>
+              <a:t>restrict</a:t>
+            </a:r>
+            <a:r>
+              <a:rPr lang="fr-FR" dirty="0">
+                <a:solidFill>
+                  <a:srgbClr val="F92672"/>
+                </a:solidFill>
+                <a:latin typeface="Menlo"/>
+              </a:rPr>
+              <a:t>:</a:t>
+            </a:r>
+            <a:r>
+              <a:rPr lang="fr-FR" dirty="0">
+                <a:solidFill>
+                  <a:srgbClr val="F8F8F2"/>
+                </a:solidFill>
+                <a:latin typeface="Menlo"/>
+              </a:rPr>
+              <a:t> </a:t>
+            </a:r>
+            <a:r>
+              <a:rPr lang="fr-FR" dirty="0">
+                <a:solidFill>
+                  <a:srgbClr val="E6DB74"/>
+                </a:solidFill>
+                <a:latin typeface="Menlo"/>
+              </a:rPr>
+              <a:t>'AC'</a:t>
+            </a:r>
+            <a:r>
+              <a:rPr lang="fr-FR" dirty="0">
+                <a:solidFill>
+                  <a:srgbClr val="F8F8F2"/>
+                </a:solidFill>
+                <a:latin typeface="Menlo"/>
+              </a:rPr>
+              <a:t>,</a:t>
+            </a:r>
+          </a:p>
+          <a:p>
+            <a:r>
+              <a:rPr lang="it-IT" dirty="0">
+                <a:solidFill>
+                  <a:srgbClr val="F8F8F2"/>
+                </a:solidFill>
+                <a:latin typeface="Menlo"/>
+              </a:rPr>
+              <a:t>      </a:t>
+            </a:r>
+            <a:r>
+              <a:rPr lang="it-IT" dirty="0">
+                <a:solidFill>
+                  <a:srgbClr val="A6E22E"/>
+                </a:solidFill>
+                <a:latin typeface="Menlo"/>
+              </a:rPr>
+              <a:t>scope</a:t>
+            </a:r>
+            <a:r>
+              <a:rPr lang="it-IT" dirty="0">
+                <a:solidFill>
+                  <a:srgbClr val="F92672"/>
+                </a:solidFill>
+                <a:latin typeface="Menlo"/>
+              </a:rPr>
+              <a:t>:</a:t>
+            </a:r>
+            <a:r>
+              <a:rPr lang="it-IT" dirty="0">
+                <a:solidFill>
+                  <a:srgbClr val="F8F8F2"/>
+                </a:solidFill>
+                <a:latin typeface="Menlo"/>
+              </a:rPr>
+              <a:t> {</a:t>
+            </a:r>
+          </a:p>
+          <a:p>
+            <a:r>
+              <a:rPr lang="it-IT" dirty="0">
+                <a:solidFill>
+                  <a:srgbClr val="F8F8F2"/>
+                </a:solidFill>
+                <a:latin typeface="Menlo"/>
+              </a:rPr>
+              <a:t>        </a:t>
+            </a:r>
+            <a:r>
+              <a:rPr lang="it-IT" dirty="0" err="1">
+                <a:solidFill>
+                  <a:srgbClr val="A6E22E"/>
+                </a:solidFill>
+                <a:latin typeface="Menlo"/>
+              </a:rPr>
+              <a:t>person</a:t>
+            </a:r>
+            <a:r>
+              <a:rPr lang="it-IT" dirty="0">
+                <a:solidFill>
+                  <a:srgbClr val="F92672"/>
+                </a:solidFill>
+                <a:latin typeface="Menlo"/>
+              </a:rPr>
+              <a:t>:</a:t>
+            </a:r>
+            <a:r>
+              <a:rPr lang="it-IT" dirty="0">
+                <a:solidFill>
+                  <a:srgbClr val="E6DB74"/>
+                </a:solidFill>
+                <a:latin typeface="Menlo"/>
+              </a:rPr>
+              <a:t>"=</a:t>
+            </a:r>
+            <a:r>
+              <a:rPr lang="it-IT" dirty="0" err="1">
+                <a:solidFill>
+                  <a:srgbClr val="E6DB74"/>
+                </a:solidFill>
+                <a:latin typeface="Menlo"/>
+              </a:rPr>
+              <a:t>personAttr</a:t>
+            </a:r>
+            <a:r>
+              <a:rPr lang="it-IT" dirty="0">
+                <a:solidFill>
+                  <a:srgbClr val="E6DB74"/>
+                </a:solidFill>
+                <a:latin typeface="Menlo"/>
+              </a:rPr>
+              <a:t>"</a:t>
+            </a:r>
+            <a:endParaRPr lang="it-IT" dirty="0">
+              <a:solidFill>
+                <a:srgbClr val="F8F8F2"/>
+              </a:solidFill>
+              <a:latin typeface="Menlo"/>
+            </a:endParaRPr>
+          </a:p>
+          <a:p>
+            <a:r>
+              <a:rPr lang="it-IT" dirty="0">
+                <a:solidFill>
+                  <a:srgbClr val="F8F8F2"/>
+                </a:solidFill>
+                <a:latin typeface="Menlo"/>
+              </a:rPr>
+              <a:t>      }</a:t>
+            </a:r>
+          </a:p>
+          <a:p>
+            <a:r>
+              <a:rPr lang="it-IT" dirty="0">
+                <a:solidFill>
+                  <a:srgbClr val="F8F8F2"/>
+                </a:solidFill>
+                <a:latin typeface="Menlo"/>
+              </a:rPr>
+              <a:t>    };</a:t>
+            </a:r>
+          </a:p>
+          <a:p>
+            <a:r>
+              <a:rPr lang="it-IT" dirty="0">
+                <a:solidFill>
+                  <a:srgbClr val="F8F8F2"/>
+                </a:solidFill>
+                <a:latin typeface="Menlo"/>
+              </a:rPr>
+              <a:t>  });</a:t>
+            </a:r>
+          </a:p>
+        </p:txBody>
+      </p:sp>
+      <p:sp>
+        <p:nvSpPr>
+          <p:cNvPr id="5" name="Rectangle 4"/>
+          <p:cNvSpPr/>
+          <p:nvPr/>
+        </p:nvSpPr>
+        <p:spPr>
+          <a:xfrm>
+            <a:off x="1177041" y="6290040"/>
+            <a:ext cx="4909743" cy="369332"/>
+          </a:xfrm>
+          <a:prstGeom prst="rect">
+            <a:avLst/>
+          </a:prstGeom>
+        </p:spPr>
+        <p:txBody>
+          <a:bodyPr wrap="none">
+            <a:spAutoFit/>
+          </a:bodyPr>
+          <a:lstStyle/>
+          <a:p>
+            <a:r>
+              <a:rPr lang="en-US" dirty="0">
+                <a:solidFill>
+                  <a:srgbClr val="F92672"/>
+                </a:solidFill>
+                <a:latin typeface="Menlo"/>
+              </a:rPr>
+              <a:t>&lt;my-directive</a:t>
+            </a:r>
+            <a:r>
+              <a:rPr lang="en-US" dirty="0">
+                <a:solidFill>
+                  <a:srgbClr val="F8F8F2"/>
+                </a:solidFill>
+                <a:latin typeface="Menlo"/>
+              </a:rPr>
+              <a:t> </a:t>
+            </a:r>
+            <a:r>
+              <a:rPr lang="en-US" dirty="0">
+                <a:solidFill>
+                  <a:srgbClr val="A6E22E"/>
+                </a:solidFill>
+                <a:latin typeface="Menlo"/>
+              </a:rPr>
+              <a:t>person-</a:t>
+            </a:r>
+            <a:r>
+              <a:rPr lang="en-US" dirty="0" err="1">
+                <a:solidFill>
+                  <a:srgbClr val="A6E22E"/>
+                </a:solidFill>
+                <a:latin typeface="Menlo"/>
+              </a:rPr>
               <a:t>attr</a:t>
             </a:r>
-            <a:endParaRPr lang="en-US" dirty="0" smtClean="0"/>
-          </a:p>
-          <a:p>
-            <a:r>
-              <a:rPr lang="en-US" dirty="0" smtClean="0"/>
-              <a:t>Allows passing of data from local isolated scope back to parent scope</a:t>
-            </a:r>
-          </a:p>
-          <a:p>
-            <a:r>
-              <a:rPr lang="en-US" dirty="0" smtClean="0"/>
-              <a:t>Similar to passing a closure from the parent scope</a:t>
-            </a:r>
+            <a:r>
+              <a:rPr lang="en-US" dirty="0">
+                <a:solidFill>
+                  <a:srgbClr val="A6E22E"/>
+                </a:solidFill>
+                <a:latin typeface="Menlo"/>
+              </a:rPr>
+              <a:t>=</a:t>
+            </a:r>
+            <a:r>
+              <a:rPr lang="en-US" dirty="0">
+                <a:solidFill>
+                  <a:srgbClr val="E6DB74"/>
+                </a:solidFill>
+                <a:latin typeface="Menlo"/>
+              </a:rPr>
+              <a:t>"</a:t>
+            </a:r>
+            <a:r>
+              <a:rPr lang="en-US" dirty="0" err="1">
+                <a:solidFill>
+                  <a:srgbClr val="E6DB74"/>
+                </a:solidFill>
+                <a:latin typeface="Menlo"/>
+              </a:rPr>
+              <a:t>phil</a:t>
+            </a:r>
+            <a:r>
+              <a:rPr lang="en-US" dirty="0">
+                <a:solidFill>
+                  <a:srgbClr val="E6DB74"/>
+                </a:solidFill>
+                <a:latin typeface="Menlo"/>
+              </a:rPr>
+              <a:t>"</a:t>
+            </a:r>
+            <a:r>
+              <a:rPr lang="en-US" dirty="0">
+                <a:solidFill>
+                  <a:srgbClr val="F92672"/>
+                </a:solidFill>
+                <a:latin typeface="Menlo"/>
+              </a:rPr>
+              <a:t>/&gt;</a:t>
+            </a:r>
+            <a:endParaRPr lang="en-US" dirty="0">
+              <a:solidFill>
+                <a:srgbClr val="F8F8F2"/>
+              </a:solidFill>
+              <a:latin typeface="Menlo"/>
+            </a:endParaRPr>
           </a:p>
         </p:txBody>
       </p:sp>
     </p:spTree>
     <p:extLst>
       <p:ext uri="{BB962C8B-B14F-4D97-AF65-F5344CB8AC3E}">
-        <p14:creationId xmlns:p14="http://schemas.microsoft.com/office/powerpoint/2010/main" val="2320795921"/>
+        <p14:creationId xmlns:p14="http://schemas.microsoft.com/office/powerpoint/2010/main" val="2131333081"/>
       </p:ext>
     </p:extLst>
   </p:cSld>
@@ -8421,8 +8988,8 @@
           <a:lstStyle/>
           <a:p>
             <a:r>
-              <a:rPr lang="en-US" dirty="0" smtClean="0"/>
-              <a:t>// TODO</a:t>
+              <a:rPr lang="en-US" smtClean="0"/>
+              <a:t>Expressions</a:t>
             </a:r>
             <a:endParaRPr lang="en-US" dirty="0"/>
           </a:p>
@@ -8445,21 +9012,24 @@
           <a:p>
             <a:r>
               <a:rPr lang="en-US" dirty="0" smtClean="0"/>
-              <a:t>Create an Artist directive</a:t>
-            </a:r>
-          </a:p>
-          <a:p>
-            <a:pPr lvl="1"/>
+              <a:t>&amp; or &amp;</a:t>
+            </a:r>
+            <a:r>
+              <a:rPr lang="en-US" dirty="0" err="1" smtClean="0"/>
+              <a:t>attr</a:t>
+            </a:r>
+            <a:endParaRPr lang="en-US" dirty="0" smtClean="0"/>
+          </a:p>
+          <a:p>
             <a:r>
               <a:rPr lang="en-US" dirty="0" smtClean="0"/>
-              <a:t>Binds to an artist property on the parent scope</a:t>
-            </a:r>
-          </a:p>
-          <a:p>
-            <a:pPr lvl="1"/>
+              <a:t>Allows passing of data from local isolated scope back to parent scope</a:t>
+            </a:r>
+          </a:p>
+          <a:p>
             <a:r>
               <a:rPr lang="en-US" dirty="0" smtClean="0"/>
-              <a:t>Displays the name and image of the artist</a:t>
+              <a:t>Similar to passing a closure from the parent scope</a:t>
             </a:r>
           </a:p>
         </p:txBody>
@@ -8467,7 +9037,7 @@
     </p:spTree>
     <p:extLst>
       <p:ext uri="{BB962C8B-B14F-4D97-AF65-F5344CB8AC3E}">
-        <p14:creationId xmlns:p14="http://schemas.microsoft.com/office/powerpoint/2010/main" val="1688779499"/>
+        <p14:creationId xmlns:p14="http://schemas.microsoft.com/office/powerpoint/2010/main" val="2320795921"/>
       </p:ext>
     </p:extLst>
   </p:cSld>
@@ -8511,7 +9081,7 @@
           <a:p>
             <a:r>
               <a:rPr lang="en-US" dirty="0" smtClean="0"/>
-              <a:t>Checkpoint</a:t>
+              <a:t>// TODO</a:t>
             </a:r>
             <a:endParaRPr lang="en-US" dirty="0"/>
           </a:p>
@@ -8533,21 +9103,30 @@
           <a:lstStyle/>
           <a:p>
             <a:r>
-              <a:rPr lang="en-US" dirty="0" err="1" smtClean="0"/>
-              <a:t>git</a:t>
-            </a:r>
-            <a:r>
               <a:rPr lang="en-US" dirty="0" smtClean="0"/>
-              <a:t> checkout -f day-4/step-1</a:t>
-            </a:r>
-            <a:endParaRPr lang="en-US" dirty="0"/>
+              <a:t>Create an Artist directive</a:t>
+            </a:r>
+          </a:p>
+          <a:p>
+            <a:pPr lvl="1"/>
+            <a:r>
+              <a:rPr lang="en-US" dirty="0" smtClean="0"/>
+              <a:t>Binds to an artist property on the parent scope</a:t>
+            </a:r>
+          </a:p>
+          <a:p>
+            <a:pPr lvl="1"/>
+            <a:r>
+              <a:rPr lang="en-US" dirty="0" smtClean="0"/>
+              <a:t>Displays the name and image of the artist</a:t>
+            </a:r>
           </a:p>
         </p:txBody>
       </p:sp>
     </p:spTree>
     <p:extLst>
       <p:ext uri="{BB962C8B-B14F-4D97-AF65-F5344CB8AC3E}">
-        <p14:creationId xmlns:p14="http://schemas.microsoft.com/office/powerpoint/2010/main" val="2697927490"/>
+        <p14:creationId xmlns:p14="http://schemas.microsoft.com/office/powerpoint/2010/main" val="1688779499"/>
       </p:ext>
     </p:extLst>
   </p:cSld>
@@ -8591,7 +9170,7 @@
           <a:p>
             <a:r>
               <a:rPr lang="en-US" dirty="0" smtClean="0"/>
-              <a:t>Link</a:t>
+              <a:t>Checkpoint</a:t>
             </a:r>
             <a:endParaRPr lang="en-US" dirty="0"/>
           </a:p>
@@ -8613,26 +9192,12 @@
           <a:lstStyle/>
           <a:p>
             <a:r>
+              <a:rPr lang="en-US" dirty="0" err="1" smtClean="0"/>
+              <a:t>git</a:t>
+            </a:r>
+            <a:r>
               <a:rPr lang="en-US" dirty="0" smtClean="0"/>
-              <a:t>Function</a:t>
-            </a:r>
-          </a:p>
-          <a:p>
-            <a:r>
-              <a:rPr lang="en-US" dirty="0" smtClean="0"/>
-              <a:t>Responsible for registering DOM listeners, watches on expressions, and performing DOM updates</a:t>
-            </a:r>
-          </a:p>
-          <a:p>
-            <a:r>
-              <a:rPr lang="en-US" dirty="0" smtClean="0"/>
-              <a:t>Runs after template has been cloned</a:t>
-            </a:r>
-          </a:p>
-          <a:p>
-            <a:r>
-              <a:rPr lang="en-US" dirty="0" smtClean="0"/>
-              <a:t>Wires up all DOM manipulation code</a:t>
+              <a:t> checkout -f day-4/step-1</a:t>
             </a:r>
             <a:endParaRPr lang="en-US" dirty="0"/>
           </a:p>
@@ -8641,7 +9206,7 @@
     </p:spTree>
     <p:extLst>
       <p:ext uri="{BB962C8B-B14F-4D97-AF65-F5344CB8AC3E}">
-        <p14:creationId xmlns:p14="http://schemas.microsoft.com/office/powerpoint/2010/main" val="1476379229"/>
+        <p14:creationId xmlns:p14="http://schemas.microsoft.com/office/powerpoint/2010/main" val="2697927490"/>
       </p:ext>
     </p:extLst>
   </p:cSld>
@@ -8706,231 +9271,28 @@
           <a:bodyPr/>
           <a:lstStyle/>
           <a:p>
-            <a:pPr marL="0" indent="0">
-              <a:buNone/>
-            </a:pPr>
-            <a:r>
-              <a:rPr lang="en-US" dirty="0" smtClean="0">
-                <a:solidFill>
-                  <a:srgbClr val="66D9EF"/>
-                </a:solidFill>
-                <a:latin typeface="Menlo"/>
-              </a:rPr>
-              <a:t>function</a:t>
-            </a:r>
-            <a:r>
-              <a:rPr lang="en-US" dirty="0" smtClean="0">
-                <a:solidFill>
-                  <a:srgbClr val="F8F8F2"/>
-                </a:solidFill>
-                <a:latin typeface="Menlo"/>
-              </a:rPr>
-              <a:t> </a:t>
-            </a:r>
-            <a:r>
-              <a:rPr lang="en-US" dirty="0">
-                <a:solidFill>
-                  <a:srgbClr val="A6E22E"/>
-                </a:solidFill>
-                <a:latin typeface="Menlo"/>
-              </a:rPr>
-              <a:t>link</a:t>
-            </a:r>
-            <a:r>
-              <a:rPr lang="en-US" dirty="0">
-                <a:solidFill>
-                  <a:srgbClr val="F8F8F2"/>
-                </a:solidFill>
-                <a:latin typeface="Menlo"/>
-              </a:rPr>
-              <a:t>(</a:t>
-            </a:r>
-            <a:r>
-              <a:rPr lang="en-US" dirty="0">
-                <a:solidFill>
-                  <a:srgbClr val="A6E22E"/>
-                </a:solidFill>
-                <a:latin typeface="Menlo"/>
-              </a:rPr>
-              <a:t>scope</a:t>
-            </a:r>
-            <a:r>
-              <a:rPr lang="en-US" dirty="0">
-                <a:solidFill>
-                  <a:srgbClr val="F8F8F2"/>
-                </a:solidFill>
-                <a:latin typeface="Menlo"/>
-              </a:rPr>
-              <a:t>, </a:t>
-            </a:r>
-            <a:r>
-              <a:rPr lang="en-US" dirty="0">
-                <a:solidFill>
-                  <a:srgbClr val="A6E22E"/>
-                </a:solidFill>
-                <a:latin typeface="Menlo"/>
-              </a:rPr>
-              <a:t>e</a:t>
-            </a:r>
-            <a:r>
-              <a:rPr lang="en-US" dirty="0" smtClean="0">
-                <a:solidFill>
-                  <a:srgbClr val="A6E22E"/>
-                </a:solidFill>
-                <a:latin typeface="Menlo"/>
-              </a:rPr>
-              <a:t>lement</a:t>
-            </a:r>
-            <a:r>
-              <a:rPr lang="en-US" dirty="0">
-                <a:solidFill>
-                  <a:srgbClr val="F8F8F2"/>
-                </a:solidFill>
-                <a:latin typeface="Menlo"/>
-              </a:rPr>
-              <a:t>, </a:t>
-            </a:r>
-            <a:r>
-              <a:rPr lang="en-US" dirty="0" err="1">
-                <a:solidFill>
-                  <a:srgbClr val="A6E22E"/>
-                </a:solidFill>
-                <a:latin typeface="Menlo"/>
-              </a:rPr>
-              <a:t>a</a:t>
-            </a:r>
-            <a:r>
-              <a:rPr lang="en-US" dirty="0" err="1" smtClean="0">
-                <a:solidFill>
-                  <a:srgbClr val="A6E22E"/>
-                </a:solidFill>
-                <a:latin typeface="Menlo"/>
-              </a:rPr>
-              <a:t>ttrs</a:t>
-            </a:r>
-            <a:r>
-              <a:rPr lang="en-US" dirty="0">
-                <a:solidFill>
-                  <a:srgbClr val="F8F8F2"/>
-                </a:solidFill>
-                <a:latin typeface="Menlo"/>
-              </a:rPr>
-              <a:t>, </a:t>
-            </a:r>
-            <a:r>
-              <a:rPr lang="en-US" dirty="0">
-                <a:solidFill>
-                  <a:srgbClr val="A6E22E"/>
-                </a:solidFill>
-                <a:latin typeface="Menlo"/>
-              </a:rPr>
-              <a:t>controller</a:t>
-            </a:r>
-            <a:r>
-              <a:rPr lang="en-US" dirty="0">
-                <a:solidFill>
-                  <a:srgbClr val="F8F8F2"/>
-                </a:solidFill>
-                <a:latin typeface="Menlo"/>
-              </a:rPr>
-              <a:t>, </a:t>
-            </a:r>
-            <a:r>
-              <a:rPr lang="en-US" dirty="0" err="1">
-                <a:solidFill>
-                  <a:srgbClr val="A6E22E"/>
-                </a:solidFill>
-                <a:latin typeface="Menlo"/>
-              </a:rPr>
-              <a:t>transcludeFn</a:t>
-            </a:r>
-            <a:r>
-              <a:rPr lang="en-US" dirty="0">
-                <a:solidFill>
-                  <a:srgbClr val="F8F8F2"/>
-                </a:solidFill>
-                <a:latin typeface="Menlo"/>
-              </a:rPr>
-              <a:t>) { ... </a:t>
-            </a:r>
-            <a:r>
-              <a:rPr lang="en-US" dirty="0" smtClean="0">
-                <a:solidFill>
-                  <a:srgbClr val="F8F8F2"/>
-                </a:solidFill>
-                <a:latin typeface="Menlo"/>
-              </a:rPr>
-              <a:t>}</a:t>
-            </a:r>
-          </a:p>
-          <a:p>
-            <a:r>
-              <a:rPr lang="en-US" dirty="0" smtClean="0">
-                <a:solidFill>
-                  <a:srgbClr val="F8F8F2"/>
-                </a:solidFill>
-              </a:rPr>
-              <a:t>scope: scope used by the directive</a:t>
-            </a:r>
-          </a:p>
-          <a:p>
-            <a:r>
-              <a:rPr lang="en-US" dirty="0" smtClean="0">
-                <a:solidFill>
-                  <a:srgbClr val="F8F8F2"/>
-                </a:solidFill>
-              </a:rPr>
-              <a:t>element – </a:t>
-            </a:r>
-            <a:r>
-              <a:rPr lang="en-US" dirty="0" err="1" smtClean="0">
-                <a:solidFill>
-                  <a:srgbClr val="F8F8F2"/>
-                </a:solidFill>
-              </a:rPr>
-              <a:t>jqLite</a:t>
-            </a:r>
-            <a:r>
-              <a:rPr lang="en-US" dirty="0" smtClean="0">
-                <a:solidFill>
-                  <a:srgbClr val="F8F8F2"/>
-                </a:solidFill>
-              </a:rPr>
-              <a:t>-wrapped element to which the directive is attached</a:t>
-            </a:r>
-          </a:p>
-          <a:p>
-            <a:r>
-              <a:rPr lang="en-US" dirty="0" err="1" smtClean="0">
-                <a:solidFill>
-                  <a:srgbClr val="F8F8F2"/>
-                </a:solidFill>
-              </a:rPr>
-              <a:t>attrs</a:t>
-            </a:r>
-            <a:r>
-              <a:rPr lang="en-US" dirty="0" smtClean="0">
-                <a:solidFill>
-                  <a:srgbClr val="F8F8F2"/>
-                </a:solidFill>
-              </a:rPr>
-              <a:t> – key-value hash object of attributes on the element</a:t>
-            </a:r>
-          </a:p>
-          <a:p>
-            <a:r>
-              <a:rPr lang="en-US" dirty="0" smtClean="0">
-                <a:solidFill>
-                  <a:srgbClr val="F8F8F2"/>
-                </a:solidFill>
-              </a:rPr>
-              <a:t>NOTE: link function is NOT an injected function, so parameter order matters!</a:t>
-            </a:r>
-          </a:p>
-          <a:p>
-            <a:pPr marL="0" indent="0">
-              <a:buNone/>
-            </a:pPr>
+            <a:r>
+              <a:rPr lang="en-US" dirty="0" smtClean="0"/>
+              <a:t>Function</a:t>
+            </a:r>
+          </a:p>
+          <a:p>
+            <a:r>
+              <a:rPr lang="en-US" dirty="0" smtClean="0"/>
+              <a:t>Responsible for registering DOM listeners, watches on expressions, and performing DOM updates</a:t>
+            </a:r>
+          </a:p>
+          <a:p>
+            <a:r>
+              <a:rPr lang="en-US" dirty="0" smtClean="0"/>
+              <a:t>Runs after template has been cloned</a:t>
+            </a:r>
+          </a:p>
+          <a:p>
+            <a:r>
+              <a:rPr lang="en-US" dirty="0" smtClean="0"/>
+              <a:t>Wires up all DOM manipulation code</a:t>
+            </a:r>
             <a:endParaRPr lang="en-US" dirty="0"/>
           </a:p>
         </p:txBody>
@@ -8938,7 +9300,7 @@
     </p:spTree>
     <p:extLst>
       <p:ext uri="{BB962C8B-B14F-4D97-AF65-F5344CB8AC3E}">
-        <p14:creationId xmlns:p14="http://schemas.microsoft.com/office/powerpoint/2010/main" val="3275794446"/>
+        <p14:creationId xmlns:p14="http://schemas.microsoft.com/office/powerpoint/2010/main" val="1476379229"/>
       </p:ext>
     </p:extLst>
   </p:cSld>
@@ -8982,7 +9344,7 @@
           <a:p>
             <a:r>
               <a:rPr lang="en-US" dirty="0" smtClean="0"/>
-              <a:t>Watches</a:t>
+              <a:t>Link</a:t>
             </a:r>
             <a:endParaRPr lang="en-US" dirty="0"/>
           </a:p>
@@ -9003,75 +9365,239 @@
           <a:bodyPr/>
           <a:lstStyle/>
           <a:p>
-            <a:r>
-              <a:rPr lang="en-US" dirty="0" smtClean="0"/>
-              <a:t>Bindings setup watches on expressions</a:t>
-            </a:r>
-          </a:p>
-          <a:p>
-            <a:pPr lvl="1"/>
+            <a:pPr marL="0" indent="0">
+              <a:buNone/>
+            </a:pPr>
             <a:r>
               <a:rPr lang="en-US" dirty="0" smtClean="0">
-                <a:latin typeface="Menlo Regular"/>
-                <a:cs typeface="Menlo Regular"/>
-              </a:rPr>
-              <a:t>{{expression}} </a:t>
-            </a:r>
-            <a:r>
-              <a:rPr lang="en-US" dirty="0" smtClean="0"/>
-              <a:t>– updates anytime the expression changes (implicit watch)</a:t>
-            </a:r>
-          </a:p>
-          <a:p>
-            <a:r>
-              <a:rPr lang="en-US" dirty="0" smtClean="0"/>
-              <a:t>$</a:t>
-            </a:r>
-            <a:r>
-              <a:rPr lang="en-US" dirty="0" err="1" smtClean="0"/>
-              <a:t>scope.$watch</a:t>
-            </a:r>
-            <a:r>
-              <a:rPr lang="en-US" dirty="0" smtClean="0"/>
-              <a:t>(expression, listener) – set up our own watches on </a:t>
-            </a:r>
-            <a:r>
-              <a:rPr lang="en-US" dirty="0" err="1" smtClean="0"/>
-              <a:t>expresssions</a:t>
-            </a:r>
-            <a:endParaRPr lang="en-US" dirty="0" smtClean="0"/>
-          </a:p>
-          <a:p>
-            <a:pPr lvl="1"/>
-            <a:r>
-              <a:rPr lang="en-US" dirty="0" smtClean="0"/>
-              <a:t>Expression is evaluated during every $</a:t>
-            </a:r>
-            <a:r>
-              <a:rPr lang="en-US" dirty="0" err="1" smtClean="0"/>
-              <a:t>scope.$digest</a:t>
-            </a:r>
-            <a:r>
-              <a:rPr lang="en-US" dirty="0" smtClean="0"/>
-              <a:t>() call, and listener is called every time the expression changes</a:t>
-            </a:r>
-          </a:p>
-          <a:p>
-            <a:pPr lvl="1"/>
+                <a:solidFill>
+                  <a:srgbClr val="66D9EF"/>
+                </a:solidFill>
+                <a:latin typeface="Menlo"/>
+              </a:rPr>
+              <a:t>function</a:t>
+            </a:r>
             <a:r>
               <a:rPr lang="en-US" dirty="0" smtClean="0">
-                <a:hlinkClick r:id="rId2"/>
-              </a:rPr>
-              <a:t>http://docs.angularjs.org/api/ng/type/$rootScope.Scope - $watch</a:t>
-            </a:r>
-            <a:endParaRPr lang="en-US" dirty="0" smtClean="0"/>
+                <a:solidFill>
+                  <a:srgbClr val="F8F8F2"/>
+                </a:solidFill>
+                <a:latin typeface="Menlo"/>
+              </a:rPr>
+              <a:t> </a:t>
+            </a:r>
+            <a:r>
+              <a:rPr lang="en-US" dirty="0">
+                <a:solidFill>
+                  <a:srgbClr val="A6E22E"/>
+                </a:solidFill>
+                <a:latin typeface="Menlo"/>
+              </a:rPr>
+              <a:t>link</a:t>
+            </a:r>
+            <a:r>
+              <a:rPr lang="en-US" dirty="0">
+                <a:solidFill>
+                  <a:srgbClr val="F8F8F2"/>
+                </a:solidFill>
+                <a:latin typeface="Menlo"/>
+              </a:rPr>
+              <a:t>(</a:t>
+            </a:r>
+            <a:r>
+              <a:rPr lang="en-US" dirty="0">
+                <a:solidFill>
+                  <a:srgbClr val="A6E22E"/>
+                </a:solidFill>
+                <a:latin typeface="Menlo"/>
+              </a:rPr>
+              <a:t>scope</a:t>
+            </a:r>
+            <a:r>
+              <a:rPr lang="en-US" dirty="0">
+                <a:solidFill>
+                  <a:srgbClr val="F8F8F2"/>
+                </a:solidFill>
+                <a:latin typeface="Menlo"/>
+              </a:rPr>
+              <a:t>, </a:t>
+            </a:r>
+            <a:r>
+              <a:rPr lang="en-US" dirty="0">
+                <a:solidFill>
+                  <a:srgbClr val="A6E22E"/>
+                </a:solidFill>
+                <a:latin typeface="Menlo"/>
+              </a:rPr>
+              <a:t>e</a:t>
+            </a:r>
+            <a:r>
+              <a:rPr lang="en-US" dirty="0" smtClean="0">
+                <a:solidFill>
+                  <a:srgbClr val="A6E22E"/>
+                </a:solidFill>
+                <a:latin typeface="Menlo"/>
+              </a:rPr>
+              <a:t>lement</a:t>
+            </a:r>
+            <a:r>
+              <a:rPr lang="en-US" dirty="0">
+                <a:solidFill>
+                  <a:srgbClr val="F8F8F2"/>
+                </a:solidFill>
+                <a:latin typeface="Menlo"/>
+              </a:rPr>
+              <a:t>, </a:t>
+            </a:r>
+            <a:r>
+              <a:rPr lang="en-US" dirty="0" err="1">
+                <a:solidFill>
+                  <a:srgbClr val="A6E22E"/>
+                </a:solidFill>
+                <a:latin typeface="Menlo"/>
+              </a:rPr>
+              <a:t>a</a:t>
+            </a:r>
+            <a:r>
+              <a:rPr lang="en-US" dirty="0" err="1" smtClean="0">
+                <a:solidFill>
+                  <a:srgbClr val="A6E22E"/>
+                </a:solidFill>
+                <a:latin typeface="Menlo"/>
+              </a:rPr>
+              <a:t>ttrs</a:t>
+            </a:r>
+            <a:r>
+              <a:rPr lang="en-US" dirty="0">
+                <a:solidFill>
+                  <a:srgbClr val="F8F8F2"/>
+                </a:solidFill>
+                <a:latin typeface="Menlo"/>
+              </a:rPr>
+              <a:t>, </a:t>
+            </a:r>
+            <a:r>
+              <a:rPr lang="en-US" dirty="0">
+                <a:solidFill>
+                  <a:srgbClr val="A6E22E"/>
+                </a:solidFill>
+                <a:latin typeface="Menlo"/>
+              </a:rPr>
+              <a:t>controller</a:t>
+            </a:r>
+            <a:r>
+              <a:rPr lang="en-US" dirty="0">
+                <a:solidFill>
+                  <a:srgbClr val="F8F8F2"/>
+                </a:solidFill>
+                <a:latin typeface="Menlo"/>
+              </a:rPr>
+              <a:t>, </a:t>
+            </a:r>
+            <a:r>
+              <a:rPr lang="en-US" dirty="0" err="1">
+                <a:solidFill>
+                  <a:srgbClr val="A6E22E"/>
+                </a:solidFill>
+                <a:latin typeface="Menlo"/>
+              </a:rPr>
+              <a:t>transcludeFn</a:t>
+            </a:r>
+            <a:r>
+              <a:rPr lang="en-US" dirty="0">
+                <a:solidFill>
+                  <a:srgbClr val="F8F8F2"/>
+                </a:solidFill>
+                <a:latin typeface="Menlo"/>
+              </a:rPr>
+              <a:t>) { ... </a:t>
+            </a:r>
+            <a:r>
+              <a:rPr lang="en-US" dirty="0" smtClean="0">
+                <a:solidFill>
+                  <a:srgbClr val="F8F8F2"/>
+                </a:solidFill>
+                <a:latin typeface="Menlo"/>
+              </a:rPr>
+              <a:t>}</a:t>
+            </a:r>
+          </a:p>
+          <a:p>
+            <a:r>
+              <a:rPr lang="en-US" dirty="0" smtClean="0">
+                <a:solidFill>
+                  <a:srgbClr val="F8F8F2"/>
+                </a:solidFill>
+              </a:rPr>
+              <a:t>scope: scope used by the directive</a:t>
+            </a:r>
+          </a:p>
+          <a:p>
+            <a:r>
+              <a:rPr lang="en-US" dirty="0" smtClean="0">
+                <a:solidFill>
+                  <a:srgbClr val="F8F8F2"/>
+                </a:solidFill>
+              </a:rPr>
+              <a:t>element – </a:t>
+            </a:r>
+            <a:r>
+              <a:rPr lang="en-US" dirty="0" err="1" smtClean="0">
+                <a:solidFill>
+                  <a:srgbClr val="F8F8F2"/>
+                </a:solidFill>
+              </a:rPr>
+              <a:t>jqLite</a:t>
+            </a:r>
+            <a:r>
+              <a:rPr lang="en-US" dirty="0" smtClean="0">
+                <a:solidFill>
+                  <a:srgbClr val="F8F8F2"/>
+                </a:solidFill>
+              </a:rPr>
+              <a:t>-wrapped element to which the directive is attached</a:t>
+            </a:r>
+          </a:p>
+          <a:p>
+            <a:r>
+              <a:rPr lang="en-US" dirty="0" err="1" smtClean="0">
+                <a:solidFill>
+                  <a:srgbClr val="F8F8F2"/>
+                </a:solidFill>
+              </a:rPr>
+              <a:t>attrs</a:t>
+            </a:r>
+            <a:r>
+              <a:rPr lang="en-US" dirty="0" smtClean="0">
+                <a:solidFill>
+                  <a:srgbClr val="F8F8F2"/>
+                </a:solidFill>
+              </a:rPr>
+              <a:t> – key-value hash object of attributes on the element</a:t>
+            </a:r>
+          </a:p>
+          <a:p>
+            <a:r>
+              <a:rPr lang="en-US" dirty="0" smtClean="0">
+                <a:solidFill>
+                  <a:srgbClr val="F8F8F2"/>
+                </a:solidFill>
+              </a:rPr>
+              <a:t>NOTE: link function is NOT an injected function, so parameter order matters!</a:t>
+            </a:r>
+          </a:p>
+          <a:p>
+            <a:pPr marL="0" indent="0">
+              <a:buNone/>
+            </a:pPr>
+            <a:endParaRPr lang="en-US" dirty="0"/>
           </a:p>
         </p:txBody>
       </p:sp>
     </p:spTree>
     <p:extLst>
       <p:ext uri="{BB962C8B-B14F-4D97-AF65-F5344CB8AC3E}">
-        <p14:creationId xmlns:p14="http://schemas.microsoft.com/office/powerpoint/2010/main" val="3954214205"/>
+        <p14:creationId xmlns:p14="http://schemas.microsoft.com/office/powerpoint/2010/main" val="3275794446"/>
       </p:ext>
     </p:extLst>
   </p:cSld>
@@ -9115,7 +9641,7 @@
           <a:p>
             <a:r>
               <a:rPr lang="en-US" dirty="0" smtClean="0"/>
-              <a:t>// TODO</a:t>
+              <a:t>Watches</a:t>
             </a:r>
             <a:endParaRPr lang="en-US" dirty="0"/>
           </a:p>
@@ -9138,16 +9664,73 @@
           <a:p>
             <a:r>
               <a:rPr lang="en-US" dirty="0" smtClean="0"/>
-              <a:t>Add watch to the image size property</a:t>
-            </a:r>
-            <a:endParaRPr lang="en-US" dirty="0"/>
+              <a:t>Bindings setup watches on expressions</a:t>
+            </a:r>
+          </a:p>
+          <a:p>
+            <a:pPr lvl="1"/>
+            <a:r>
+              <a:rPr lang="en-US" dirty="0" smtClean="0">
+                <a:latin typeface="Menlo Regular"/>
+                <a:cs typeface="Menlo Regular"/>
+              </a:rPr>
+              <a:t>{{expression}} </a:t>
+            </a:r>
+            <a:r>
+              <a:rPr lang="en-US" dirty="0" smtClean="0"/>
+              <a:t>– updates anytime the expression changes (implicit watch)</a:t>
+            </a:r>
+          </a:p>
+          <a:p>
+            <a:r>
+              <a:rPr lang="en-US" dirty="0" smtClean="0"/>
+              <a:t>$</a:t>
+            </a:r>
+            <a:r>
+              <a:rPr lang="en-US" dirty="0" err="1" smtClean="0"/>
+              <a:t>scope.$watch</a:t>
+            </a:r>
+            <a:r>
+              <a:rPr lang="en-US" dirty="0" smtClean="0"/>
+              <a:t>(expression, listener) – set up our own watches on </a:t>
+            </a:r>
+            <a:r>
+              <a:rPr lang="en-US" dirty="0" err="1" smtClean="0"/>
+              <a:t>expresssions</a:t>
+            </a:r>
+            <a:endParaRPr lang="en-US" dirty="0" smtClean="0"/>
+          </a:p>
+          <a:p>
+            <a:pPr lvl="1"/>
+            <a:r>
+              <a:rPr lang="en-US" dirty="0" smtClean="0"/>
+              <a:t>Expression is evaluated during every $</a:t>
+            </a:r>
+            <a:r>
+              <a:rPr lang="en-US" dirty="0" err="1" smtClean="0"/>
+              <a:t>scope.$digest</a:t>
+            </a:r>
+            <a:r>
+              <a:rPr lang="en-US" dirty="0" smtClean="0"/>
+              <a:t>() call, and listener is called every time the expression changes</a:t>
+            </a:r>
+          </a:p>
+          <a:p>
+            <a:pPr lvl="1"/>
+            <a:r>
+              <a:rPr lang="en-US" dirty="0" smtClean="0">
+                <a:hlinkClick r:id="rId2"/>
+              </a:rPr>
+              <a:t>http://docs.angularjs.org/api/ng/type/$rootScope.Scope - $watch</a:t>
+            </a:r>
+            <a:endParaRPr lang="en-US" dirty="0" smtClean="0"/>
           </a:p>
         </p:txBody>
       </p:sp>
     </p:spTree>
     <p:extLst>
       <p:ext uri="{BB962C8B-B14F-4D97-AF65-F5344CB8AC3E}">
-        <p14:creationId xmlns:p14="http://schemas.microsoft.com/office/powerpoint/2010/main" val="2853753163"/>
+        <p14:creationId xmlns:p14="http://schemas.microsoft.com/office/powerpoint/2010/main" val="3954214205"/>
       </p:ext>
     </p:extLst>
   </p:cSld>
@@ -9191,7 +9774,7 @@
           <a:p>
             <a:r>
               <a:rPr lang="en-US" dirty="0" smtClean="0"/>
-              <a:t>Checkpoint</a:t>
+              <a:t>// TODO</a:t>
             </a:r>
             <a:endParaRPr lang="en-US" dirty="0"/>
           </a:p>
@@ -9213,16 +9796,8 @@
           <a:lstStyle/>
           <a:p>
             <a:r>
-              <a:rPr lang="en-US" dirty="0" err="1" smtClean="0"/>
-              <a:t>git</a:t>
-            </a:r>
-            <a:r>
               <a:rPr lang="en-US" dirty="0" smtClean="0"/>
-              <a:t> checkout -f day-4/</a:t>
-            </a:r>
-            <a:r>
-              <a:rPr lang="en-US" smtClean="0"/>
-              <a:t>step-2</a:t>
+              <a:t>Add watch to the image size property</a:t>
             </a:r>
             <a:endParaRPr lang="en-US" dirty="0"/>
           </a:p>
@@ -9231,7 +9806,7 @@
     </p:spTree>
     <p:extLst>
       <p:ext uri="{BB962C8B-B14F-4D97-AF65-F5344CB8AC3E}">
-        <p14:creationId xmlns:p14="http://schemas.microsoft.com/office/powerpoint/2010/main" val="114638095"/>
+        <p14:creationId xmlns:p14="http://schemas.microsoft.com/office/powerpoint/2010/main" val="2853753163"/>
       </p:ext>
     </p:extLst>
   </p:cSld>
@@ -9274,8 +9849,8 @@
           <a:lstStyle/>
           <a:p>
             <a:r>
-              <a:rPr lang="en-US" dirty="0" err="1" smtClean="0"/>
-              <a:t>Transclusion</a:t>
+              <a:rPr lang="en-US" dirty="0" smtClean="0"/>
+              <a:t>Checkpoint</a:t>
             </a:r>
             <a:endParaRPr lang="en-US" dirty="0"/>
           </a:p>
@@ -9297,84 +9872,25 @@
           <a:lstStyle/>
           <a:p>
             <a:r>
+              <a:rPr lang="en-US" dirty="0" err="1" smtClean="0"/>
+              <a:t>git</a:t>
+            </a:r>
+            <a:r>
               <a:rPr lang="en-US" dirty="0" smtClean="0"/>
-              <a:t>Pass arbitrary content/templates into directives, wrap  the templates with other behavior</a:t>
-            </a:r>
-          </a:p>
-          <a:p>
-            <a:r>
-              <a:rPr lang="en-US" dirty="0" err="1" smtClean="0"/>
-              <a:t>ng-transclude</a:t>
-            </a:r>
-            <a:r>
-              <a:rPr lang="en-US" dirty="0" smtClean="0"/>
-              <a:t> directive specifies where to include the wrapped template within the directive template</a:t>
-            </a:r>
-          </a:p>
-          <a:p>
-            <a:r>
-              <a:rPr lang="en-US" dirty="0" smtClean="0"/>
-              <a:t>Must set </a:t>
-            </a:r>
-            <a:r>
-              <a:rPr lang="en-US" dirty="0" err="1" smtClean="0"/>
-              <a:t>transclude</a:t>
-            </a:r>
-            <a:r>
-              <a:rPr lang="en-US" dirty="0" smtClean="0"/>
-              <a:t> property to true on the directive </a:t>
-            </a:r>
-            <a:r>
-              <a:rPr lang="en-US" dirty="0" err="1" smtClean="0"/>
-              <a:t>defintion</a:t>
-            </a:r>
-            <a:endParaRPr lang="en-US" dirty="0" smtClean="0"/>
-          </a:p>
-          <a:p>
-            <a:r>
-              <a:rPr lang="en-US" dirty="0" smtClean="0"/>
-              <a:t>Ex: Panel widget</a:t>
-            </a:r>
-          </a:p>
-          <a:p>
-            <a:r>
-              <a:rPr lang="en-US" dirty="0">
-                <a:hlinkClick r:id="rId2"/>
-              </a:rPr>
-              <a:t>http://</a:t>
-            </a:r>
-            <a:r>
-              <a:rPr lang="en-US" dirty="0" err="1">
-                <a:hlinkClick r:id="rId2"/>
-              </a:rPr>
-              <a:t>jsbin.com</a:t>
-            </a:r>
-            <a:r>
-              <a:rPr lang="en-US" dirty="0">
-                <a:hlinkClick r:id="rId2"/>
-              </a:rPr>
-              <a:t>/</a:t>
-            </a:r>
-            <a:r>
-              <a:rPr lang="en-US" dirty="0" err="1">
-                <a:hlinkClick r:id="rId2"/>
-              </a:rPr>
-              <a:t>xajam</a:t>
-            </a:r>
-            <a:r>
-              <a:rPr lang="en-US" dirty="0">
-                <a:hlinkClick r:id="rId2"/>
-              </a:rPr>
-              <a:t>/5/edit</a:t>
-            </a:r>
-            <a:endParaRPr lang="en-US" dirty="0" smtClean="0"/>
+              <a:t> checkout -f day-4/</a:t>
+            </a:r>
+            <a:r>
+              <a:rPr lang="en-US" smtClean="0"/>
+              <a:t>step-2</a:t>
+            </a:r>
+            <a:endParaRPr lang="en-US" dirty="0"/>
           </a:p>
         </p:txBody>
       </p:sp>
     </p:spTree>
     <p:extLst>
       <p:ext uri="{BB962C8B-B14F-4D97-AF65-F5344CB8AC3E}">
-        <p14:creationId xmlns:p14="http://schemas.microsoft.com/office/powerpoint/2010/main" val="2562662003"/>
+        <p14:creationId xmlns:p14="http://schemas.microsoft.com/office/powerpoint/2010/main" val="114638095"/>
       </p:ext>
     </p:extLst>
   </p:cSld>
@@ -9606,11 +10122,18 @@
           </a:p>
           <a:p>
             <a:r>
+              <a:rPr lang="en-US" dirty="0">
+                <a:latin typeface="Menlo Regular"/>
+                <a:cs typeface="Menlo Regular"/>
+              </a:rPr>
+              <a:t>o</a:t>
+            </a:r>
+            <a:r>
               <a:rPr lang="en-US" dirty="0" smtClean="0">
                 <a:latin typeface="Menlo Regular"/>
                 <a:cs typeface="Menlo Regular"/>
               </a:rPr>
-              <a:t>Open localhost:3000</a:t>
+              <a:t>pen http://localhost:3000</a:t>
             </a:r>
             <a:endParaRPr lang="en-US" dirty="0" smtClean="0">
               <a:latin typeface="Menlo Regular"/>
@@ -9640,6 +10163,149 @@
 </file>
 
 <file path=ppt/slides/slide30.xml><?xml version="1.0" encoding="utf-8"?>
+<p:sld xmlns:a="http://schemas.openxmlformats.org/drawingml/2006/main" xmlns:r="http://schemas.openxmlformats.org/officeDocument/2006/relationships" xmlns:p="http://schemas.openxmlformats.org/presentationml/2006/main">
+  <p:cSld>
+    <p:spTree>
+      <p:nvGrpSpPr>
+        <p:cNvPr id="1" name=""/>
+        <p:cNvGrpSpPr/>
+        <p:nvPr/>
+      </p:nvGrpSpPr>
+      <p:grpSpPr>
+        <a:xfrm>
+          <a:off x="0" y="0"/>
+          <a:ext cx="0" cy="0"/>
+          <a:chOff x="0" y="0"/>
+          <a:chExt cx="0" cy="0"/>
+        </a:xfrm>
+      </p:grpSpPr>
+      <p:sp>
+        <p:nvSpPr>
+          <p:cNvPr id="2" name="Title 1"/>
+          <p:cNvSpPr>
+            <a:spLocks noGrp="1"/>
+          </p:cNvSpPr>
+          <p:nvPr>
+            <p:ph type="title"/>
+          </p:nvPr>
+        </p:nvSpPr>
+        <p:spPr/>
+        <p:txBody>
+          <a:bodyPr/>
+          <a:lstStyle/>
+          <a:p>
+            <a:r>
+              <a:rPr lang="en-US" dirty="0" err="1" smtClean="0"/>
+              <a:t>Transclusion</a:t>
+            </a:r>
+            <a:endParaRPr lang="en-US" dirty="0"/>
+          </a:p>
+        </p:txBody>
+      </p:sp>
+      <p:sp>
+        <p:nvSpPr>
+          <p:cNvPr id="3" name="Content Placeholder 2"/>
+          <p:cNvSpPr>
+            <a:spLocks noGrp="1"/>
+          </p:cNvSpPr>
+          <p:nvPr>
+            <p:ph idx="1"/>
+          </p:nvPr>
+        </p:nvSpPr>
+        <p:spPr/>
+        <p:txBody>
+          <a:bodyPr/>
+          <a:lstStyle/>
+          <a:p>
+            <a:r>
+              <a:rPr lang="en-US" dirty="0" smtClean="0"/>
+              <a:t>Pass arbitrary content/templates into directives, wrap  the templates with other behavior</a:t>
+            </a:r>
+          </a:p>
+          <a:p>
+            <a:r>
+              <a:rPr lang="en-US" dirty="0" err="1" smtClean="0"/>
+              <a:t>ng-transclude</a:t>
+            </a:r>
+            <a:r>
+              <a:rPr lang="en-US" dirty="0" smtClean="0"/>
+              <a:t> directive specifies where to include the wrapped template within the directive template</a:t>
+            </a:r>
+          </a:p>
+          <a:p>
+            <a:r>
+              <a:rPr lang="en-US" dirty="0" smtClean="0"/>
+              <a:t>Must set </a:t>
+            </a:r>
+            <a:r>
+              <a:rPr lang="en-US" dirty="0" err="1" smtClean="0"/>
+              <a:t>transclude</a:t>
+            </a:r>
+            <a:r>
+              <a:rPr lang="en-US" dirty="0" smtClean="0"/>
+              <a:t> property to true on the directive </a:t>
+            </a:r>
+            <a:r>
+              <a:rPr lang="en-US" dirty="0" err="1" smtClean="0"/>
+              <a:t>defintion</a:t>
+            </a:r>
+            <a:endParaRPr lang="en-US" dirty="0" smtClean="0"/>
+          </a:p>
+          <a:p>
+            <a:r>
+              <a:rPr lang="en-US" dirty="0" smtClean="0"/>
+              <a:t>Ex: Panel widget</a:t>
+            </a:r>
+          </a:p>
+          <a:p>
+            <a:r>
+              <a:rPr lang="en-US" dirty="0">
+                <a:hlinkClick r:id="rId2"/>
+              </a:rPr>
+              <a:t>http://</a:t>
+            </a:r>
+            <a:r>
+              <a:rPr lang="en-US" dirty="0" err="1">
+                <a:hlinkClick r:id="rId2"/>
+              </a:rPr>
+              <a:t>jsbin.com</a:t>
+            </a:r>
+            <a:r>
+              <a:rPr lang="en-US" dirty="0">
+                <a:hlinkClick r:id="rId2"/>
+              </a:rPr>
+              <a:t>/</a:t>
+            </a:r>
+            <a:r>
+              <a:rPr lang="en-US" dirty="0" err="1">
+                <a:hlinkClick r:id="rId2"/>
+              </a:rPr>
+              <a:t>xajam</a:t>
+            </a:r>
+            <a:r>
+              <a:rPr lang="en-US" dirty="0">
+                <a:hlinkClick r:id="rId2"/>
+              </a:rPr>
+              <a:t>/5/edit</a:t>
+            </a:r>
+            <a:endParaRPr lang="en-US" dirty="0" smtClean="0"/>
+          </a:p>
+        </p:txBody>
+      </p:sp>
+    </p:spTree>
+    <p:extLst>
+      <p:ext uri="{BB962C8B-B14F-4D97-AF65-F5344CB8AC3E}">
+        <p14:creationId xmlns:p14="http://schemas.microsoft.com/office/powerpoint/2010/main" val="2562662003"/>
+      </p:ext>
+    </p:extLst>
+  </p:cSld>
+  <p:clrMapOvr>
+    <a:masterClrMapping/>
+  </p:clrMapOvr>
+</p:sld>
+</file>
+
+<file path=ppt/slides/slide31.xml><?xml version="1.0" encoding="utf-8"?>
 <p:sld xmlns:a="http://schemas.openxmlformats.org/drawingml/2006/main" xmlns:r="http://schemas.openxmlformats.org/officeDocument/2006/relationships" xmlns:p="http://schemas.openxmlformats.org/presentationml/2006/main">
   <p:cSld>
     <p:spTree>

--- a/slides/ng-bootcamp-day-4.pptx
+++ b/slides/ng-bootcamp-day-4.pptx
@@ -6555,31 +6555,13 @@
               <a:rPr lang="en-US" dirty="0">
                 <a:hlinkClick r:id="rId2"/>
               </a:rPr>
-              <a:t>http://</a:t>
-            </a:r>
-            <a:r>
-              <a:rPr lang="en-US" dirty="0" err="1">
+              <a:t>http://jsbin.com/cumoz</a:t>
+            </a:r>
+            <a:r>
+              <a:rPr lang="en-US" smtClean="0">
                 <a:hlinkClick r:id="rId2"/>
               </a:rPr>
-              <a:t>jsbin.com</a:t>
-            </a:r>
-            <a:r>
-              <a:rPr lang="en-US" dirty="0">
-                <a:hlinkClick r:id="rId2"/>
-              </a:rPr>
-              <a:t>/</a:t>
-            </a:r>
-            <a:r>
-              <a:rPr lang="en-US" dirty="0" err="1">
-                <a:hlinkClick r:id="rId2"/>
-              </a:rPr>
-              <a:t>cumoz</a:t>
-            </a:r>
-            <a:r>
-              <a:rPr lang="en-US" dirty="0">
-                <a:hlinkClick r:id="rId2"/>
-              </a:rPr>
-              <a:t>/7/edit</a:t>
+              <a:t>/edit</a:t>
             </a:r>
             <a:endParaRPr lang="en-US" dirty="0"/>
           </a:p>
@@ -8988,7 +8970,7 @@
           <a:lstStyle/>
           <a:p>
             <a:r>
-              <a:rPr lang="en-US" smtClean="0"/>
+              <a:rPr lang="en-US" dirty="0" smtClean="0"/>
               <a:t>Expressions</a:t>
             </a:r>
             <a:endParaRPr lang="en-US" dirty="0"/>

--- a/slides/ng-bootcamp-day-4.pptx
+++ b/slides/ng-bootcamp-day-4.pptx
@@ -661,6 +661,139 @@
     <p:extLst>
       <p:ext uri="{BB962C8B-B14F-4D97-AF65-F5344CB8AC3E}">
         <p14:creationId xmlns:p14="http://schemas.microsoft.com/office/powerpoint/2010/main" val="2315905713"/>
+      </p:ext>
+    </p:extLst>
+  </p:cSld>
+  <p:clrMapOvr>
+    <a:masterClrMapping/>
+  </p:clrMapOvr>
+</p:notes>
+</file>
+
+<file path=ppt/notesSlides/notesSlide3.xml><?xml version="1.0" encoding="utf-8"?>
+<p:notes xmlns:a="http://schemas.openxmlformats.org/drawingml/2006/main" xmlns:r="http://schemas.openxmlformats.org/officeDocument/2006/relationships" xmlns:p="http://schemas.openxmlformats.org/presentationml/2006/main">
+  <p:cSld>
+    <p:spTree>
+      <p:nvGrpSpPr>
+        <p:cNvPr id="1" name=""/>
+        <p:cNvGrpSpPr/>
+        <p:nvPr/>
+      </p:nvGrpSpPr>
+      <p:grpSpPr>
+        <a:xfrm>
+          <a:off x="0" y="0"/>
+          <a:ext cx="0" cy="0"/>
+          <a:chOff x="0" y="0"/>
+          <a:chExt cx="0" cy="0"/>
+        </a:xfrm>
+      </p:grpSpPr>
+      <p:sp>
+        <p:nvSpPr>
+          <p:cNvPr id="2" name="Slide Image Placeholder 1"/>
+          <p:cNvSpPr>
+            <a:spLocks noGrp="1" noRot="1" noChangeAspect="1"/>
+          </p:cNvSpPr>
+          <p:nvPr>
+            <p:ph type="sldImg"/>
+          </p:nvPr>
+        </p:nvSpPr>
+        <p:spPr/>
+      </p:sp>
+      <p:sp>
+        <p:nvSpPr>
+          <p:cNvPr id="3" name="Notes Placeholder 2"/>
+          <p:cNvSpPr>
+            <a:spLocks noGrp="1"/>
+          </p:cNvSpPr>
+          <p:nvPr>
+            <p:ph type="body" idx="1"/>
+          </p:nvPr>
+        </p:nvSpPr>
+        <p:spPr/>
+        <p:txBody>
+          <a:bodyPr/>
+          <a:lstStyle/>
+          <a:p>
+            <a:r>
+              <a:rPr lang="en-US" dirty="0" smtClean="0"/>
+              <a:t>scope</a:t>
+            </a:r>
+            <a:r>
+              <a:rPr lang="en-US" baseline="0" dirty="0" smtClean="0"/>
+              <a:t> {</a:t>
+            </a:r>
+          </a:p>
+          <a:p>
+            <a:r>
+              <a:rPr lang="en-US" baseline="0" dirty="0" smtClean="0"/>
+              <a:t>  </a:t>
+            </a:r>
+            <a:r>
+              <a:rPr lang="en-US" baseline="0" dirty="0" err="1" smtClean="0"/>
+              <a:t>myExpr</a:t>
+            </a:r>
+            <a:r>
+              <a:rPr lang="en-US" baseline="0" dirty="0" smtClean="0"/>
+              <a:t>: “&amp;”</a:t>
+            </a:r>
+          </a:p>
+          <a:p>
+            <a:r>
+              <a:rPr lang="en-US" baseline="0" dirty="0" smtClean="0"/>
+              <a:t>}</a:t>
+            </a:r>
+          </a:p>
+          <a:p>
+            <a:endParaRPr lang="en-US" baseline="0" dirty="0" smtClean="0"/>
+          </a:p>
+          <a:p>
+            <a:r>
+              <a:rPr lang="en-US" dirty="0" err="1" smtClean="0"/>
+              <a:t>ng</a:t>
+            </a:r>
+            <a:r>
+              <a:rPr lang="en-US" dirty="0" smtClean="0"/>
+              <a:t>-click=“</a:t>
+            </a:r>
+            <a:r>
+              <a:rPr lang="en-US" dirty="0" err="1" smtClean="0"/>
+              <a:t>myExpr</a:t>
+            </a:r>
+            <a:r>
+              <a:rPr lang="en-US" dirty="0" smtClean="0"/>
+              <a:t>()”</a:t>
+            </a:r>
+            <a:endParaRPr lang="en-US" dirty="0"/>
+          </a:p>
+        </p:txBody>
+      </p:sp>
+      <p:sp>
+        <p:nvSpPr>
+          <p:cNvPr id="4" name="Slide Number Placeholder 3"/>
+          <p:cNvSpPr>
+            <a:spLocks noGrp="1"/>
+          </p:cNvSpPr>
+          <p:nvPr>
+            <p:ph type="sldNum" sz="quarter" idx="10"/>
+          </p:nvPr>
+        </p:nvSpPr>
+        <p:spPr/>
+        <p:txBody>
+          <a:bodyPr/>
+          <a:lstStyle/>
+          <a:p>
+            <a:fld id="{1F9B8E43-730C-C74B-BF8C-2AA7AA956642}" type="slidenum">
+              <a:rPr lang="en-US" smtClean="0"/>
+              <a:t>22</a:t>
+            </a:fld>
+            <a:endParaRPr lang="en-US"/>
+          </a:p>
+        </p:txBody>
+      </p:sp>
+    </p:spTree>
+    <p:extLst>
+      <p:ext uri="{BB962C8B-B14F-4D97-AF65-F5344CB8AC3E}">
+        <p14:creationId xmlns:p14="http://schemas.microsoft.com/office/powerpoint/2010/main" val="3888607264"/>
       </p:ext>
     </p:extLst>
   </p:cSld>
@@ -6558,10 +6691,10 @@
               <a:t>http://jsbin.com/cumoz</a:t>
             </a:r>
             <a:r>
-              <a:rPr lang="en-US" smtClean="0">
+              <a:rPr lang="en-US" dirty="0" smtClean="0">
                 <a:hlinkClick r:id="rId2"/>
               </a:rPr>
-              <a:t>/edit</a:t>
+              <a:t>/10/edit</a:t>
             </a:r>
             <a:endParaRPr lang="en-US" dirty="0"/>
           </a:p>
